--- a/KonradStepniak/Testy jednostkowe Konrad Stępniak.pptx
+++ b/KonradStepniak/Testy jednostkowe Konrad Stępniak.pptx
@@ -8,10 +8,17 @@
     <p:sldId id="256" r:id="rId2"/>
     <p:sldId id="258" r:id="rId3"/>
     <p:sldId id="257" r:id="rId4"/>
-    <p:sldId id="259" r:id="rId5"/>
-    <p:sldId id="260" r:id="rId6"/>
-    <p:sldId id="261" r:id="rId7"/>
-    <p:sldId id="262" r:id="rId8"/>
+    <p:sldId id="260" r:id="rId5"/>
+    <p:sldId id="259" r:id="rId6"/>
+    <p:sldId id="262" r:id="rId7"/>
+    <p:sldId id="263" r:id="rId8"/>
+    <p:sldId id="265" r:id="rId9"/>
+    <p:sldId id="267" r:id="rId10"/>
+    <p:sldId id="268" r:id="rId11"/>
+    <p:sldId id="269" r:id="rId12"/>
+    <p:sldId id="270" r:id="rId13"/>
+    <p:sldId id="264" r:id="rId14"/>
+    <p:sldId id="266" r:id="rId15"/>
   </p:sldIdLst>
   <p:sldSz cx="12192000" cy="6858000"/>
   <p:notesSz cx="6858000" cy="9144000"/>
@@ -110,79 +117,95 @@
       </a:defRPr>
     </a:lvl9pPr>
   </p:defaultTextStyle>
+  <p:extLst>
+    <p:ext uri="{EFAFB233-063F-42B5-8137-9DF3F51BA10A}">
+      <p15:sldGuideLst xmlns:p15="http://schemas.microsoft.com/office/powerpoint/2012/main"/>
+    </p:ext>
+  </p:extLst>
 </p:presentation>
 </file>
 
 <file path=ppt/diagrams/colors1.xml><?xml version="1.0" encoding="utf-8"?>
-<dgm:colorsDef xmlns:dgm="http://schemas.openxmlformats.org/drawingml/2006/diagram" xmlns:a="http://schemas.openxmlformats.org/drawingml/2006/main" uniqueId="urn:microsoft.com/office/officeart/2005/8/colors/colorful2">
+<dgm:colorsDef xmlns:dgm="http://schemas.openxmlformats.org/drawingml/2006/diagram" xmlns:a="http://schemas.openxmlformats.org/drawingml/2006/main" uniqueId="urn:microsoft.com/office/officeart/2005/8/colors/accent2_1">
   <dgm:title val=""/>
   <dgm:desc val=""/>
   <dgm:catLst>
-    <dgm:cat type="colorful" pri="10200"/>
+    <dgm:cat type="accent2" pri="11100"/>
   </dgm:catLst>
   <dgm:styleLbl name="node0">
     <dgm:fillClrLst meth="repeat">
-      <a:schemeClr val="accent1"/>
+      <a:schemeClr val="lt1"/>
     </dgm:fillClrLst>
     <dgm:linClrLst meth="repeat">
-      <a:schemeClr val="lt1"/>
+      <a:schemeClr val="accent2">
+        <a:shade val="80000"/>
+      </a:schemeClr>
     </dgm:linClrLst>
     <dgm:effectClrLst/>
     <dgm:txLinClrLst/>
-    <dgm:txFillClrLst/>
+    <dgm:txFillClrLst meth="repeat">
+      <a:schemeClr val="dk1"/>
+    </dgm:txFillClrLst>
     <dgm:txEffectClrLst/>
   </dgm:styleLbl>
   <dgm:styleLbl name="node1">
-    <dgm:fillClrLst>
-      <a:schemeClr val="accent2"/>
-      <a:schemeClr val="accent3"/>
+    <dgm:fillClrLst meth="repeat">
+      <a:schemeClr val="lt1"/>
     </dgm:fillClrLst>
     <dgm:linClrLst meth="repeat">
-      <a:schemeClr val="lt1"/>
+      <a:schemeClr val="accent2">
+        <a:shade val="80000"/>
+      </a:schemeClr>
     </dgm:linClrLst>
     <dgm:effectClrLst/>
     <dgm:txLinClrLst/>
-    <dgm:txFillClrLst/>
+    <dgm:txFillClrLst meth="repeat">
+      <a:schemeClr val="dk1"/>
+    </dgm:txFillClrLst>
     <dgm:txEffectClrLst/>
   </dgm:styleLbl>
   <dgm:styleLbl name="alignNode1">
-    <dgm:fillClrLst>
-      <a:schemeClr val="accent2"/>
-      <a:schemeClr val="accent3"/>
+    <dgm:fillClrLst meth="repeat">
+      <a:schemeClr val="lt1"/>
     </dgm:fillClrLst>
-    <dgm:linClrLst>
-      <a:schemeClr val="accent2"/>
-      <a:schemeClr val="accent3"/>
+    <dgm:linClrLst meth="repeat">
+      <a:schemeClr val="accent2">
+        <a:shade val="80000"/>
+      </a:schemeClr>
     </dgm:linClrLst>
     <dgm:effectClrLst/>
     <dgm:txLinClrLst/>
-    <dgm:txFillClrLst/>
+    <dgm:txFillClrLst meth="repeat">
+      <a:schemeClr val="dk1"/>
+    </dgm:txFillClrLst>
     <dgm:txEffectClrLst/>
   </dgm:styleLbl>
   <dgm:styleLbl name="lnNode1">
-    <dgm:fillClrLst>
-      <a:schemeClr val="accent2"/>
-      <a:schemeClr val="accent3"/>
+    <dgm:fillClrLst meth="repeat">
+      <a:schemeClr val="lt1"/>
     </dgm:fillClrLst>
     <dgm:linClrLst meth="repeat">
-      <a:schemeClr val="lt1"/>
+      <a:schemeClr val="accent2">
+        <a:shade val="80000"/>
+      </a:schemeClr>
     </dgm:linClrLst>
     <dgm:effectClrLst/>
     <dgm:txLinClrLst/>
-    <dgm:txFillClrLst/>
+    <dgm:txFillClrLst meth="repeat">
+      <a:schemeClr val="dk1"/>
+    </dgm:txFillClrLst>
     <dgm:txEffectClrLst/>
   </dgm:styleLbl>
   <dgm:styleLbl name="vennNode1">
-    <dgm:fillClrLst>
-      <a:schemeClr val="accent2">
-        <a:alpha val="50000"/>
-      </a:schemeClr>
-      <a:schemeClr val="accent3">
+    <dgm:fillClrLst meth="repeat">
+      <a:schemeClr val="lt1">
         <a:alpha val="50000"/>
       </a:schemeClr>
     </dgm:fillClrLst>
     <dgm:linClrLst meth="repeat">
-      <a:schemeClr val="lt1"/>
+      <a:schemeClr val="accent2">
+        <a:shade val="80000"/>
+      </a:schemeClr>
     </dgm:linClrLst>
     <dgm:effectClrLst/>
     <dgm:txLinClrLst/>
@@ -190,52 +213,63 @@
     <dgm:txEffectClrLst/>
   </dgm:styleLbl>
   <dgm:styleLbl name="node2">
-    <dgm:fillClrLst>
-      <a:schemeClr val="accent3"/>
+    <dgm:fillClrLst meth="repeat">
+      <a:schemeClr val="lt1"/>
     </dgm:fillClrLst>
     <dgm:linClrLst meth="repeat">
-      <a:schemeClr val="lt1"/>
+      <a:schemeClr val="accent2">
+        <a:shade val="80000"/>
+      </a:schemeClr>
     </dgm:linClrLst>
     <dgm:effectClrLst/>
     <dgm:txLinClrLst/>
-    <dgm:txFillClrLst/>
+    <dgm:txFillClrLst meth="repeat">
+      <a:schemeClr val="dk1"/>
+    </dgm:txFillClrLst>
     <dgm:txEffectClrLst/>
   </dgm:styleLbl>
   <dgm:styleLbl name="node3">
-    <dgm:fillClrLst>
-      <a:schemeClr val="accent4"/>
+    <dgm:fillClrLst meth="repeat">
+      <a:schemeClr val="lt1"/>
     </dgm:fillClrLst>
     <dgm:linClrLst meth="repeat">
-      <a:schemeClr val="lt1"/>
+      <a:schemeClr val="accent2">
+        <a:shade val="80000"/>
+      </a:schemeClr>
     </dgm:linClrLst>
     <dgm:effectClrLst/>
     <dgm:txLinClrLst/>
-    <dgm:txFillClrLst/>
+    <dgm:txFillClrLst meth="repeat">
+      <a:schemeClr val="dk1"/>
+    </dgm:txFillClrLst>
     <dgm:txEffectClrLst/>
   </dgm:styleLbl>
   <dgm:styleLbl name="node4">
-    <dgm:fillClrLst>
-      <a:schemeClr val="accent5"/>
+    <dgm:fillClrLst meth="repeat">
+      <a:schemeClr val="lt1"/>
     </dgm:fillClrLst>
     <dgm:linClrLst meth="repeat">
-      <a:schemeClr val="lt1"/>
+      <a:schemeClr val="accent2">
+        <a:shade val="80000"/>
+      </a:schemeClr>
     </dgm:linClrLst>
     <dgm:effectClrLst/>
     <dgm:txLinClrLst/>
-    <dgm:txFillClrLst/>
+    <dgm:txFillClrLst meth="repeat">
+      <a:schemeClr val="dk1"/>
+    </dgm:txFillClrLst>
     <dgm:txEffectClrLst/>
   </dgm:styleLbl>
   <dgm:styleLbl name="fgImgPlace1">
-    <dgm:fillClrLst>
+    <dgm:fillClrLst meth="repeat">
       <a:schemeClr val="accent2">
-        <a:tint val="50000"/>
-      </a:schemeClr>
-      <a:schemeClr val="accent3">
-        <a:tint val="50000"/>
+        <a:tint val="40000"/>
       </a:schemeClr>
     </dgm:fillClrLst>
     <dgm:linClrLst meth="repeat">
-      <a:schemeClr val="lt1"/>
+      <a:schemeClr val="accent2">
+        <a:shade val="80000"/>
+      </a:schemeClr>
     </dgm:linClrLst>
     <dgm:effectClrLst/>
     <dgm:txLinClrLst/>
@@ -245,16 +279,15 @@
     <dgm:txEffectClrLst/>
   </dgm:styleLbl>
   <dgm:styleLbl name="alignImgPlace1">
-    <dgm:fillClrLst>
+    <dgm:fillClrLst meth="repeat">
       <a:schemeClr val="accent2">
-        <a:tint val="50000"/>
-      </a:schemeClr>
-      <a:schemeClr val="accent3">
-        <a:tint val="20000"/>
+        <a:tint val="40000"/>
       </a:schemeClr>
     </dgm:fillClrLst>
     <dgm:linClrLst meth="repeat">
-      <a:schemeClr val="lt1"/>
+      <a:schemeClr val="accent2">
+        <a:shade val="80000"/>
+      </a:schemeClr>
     </dgm:linClrLst>
     <dgm:effectClrLst/>
     <dgm:txLinClrLst/>
@@ -264,16 +297,15 @@
     <dgm:txEffectClrLst/>
   </dgm:styleLbl>
   <dgm:styleLbl name="bgImgPlace1">
-    <dgm:fillClrLst>
+    <dgm:fillClrLst meth="repeat">
       <a:schemeClr val="accent2">
-        <a:tint val="50000"/>
-      </a:schemeClr>
-      <a:schemeClr val="accent3">
-        <a:tint val="20000"/>
+        <a:tint val="40000"/>
       </a:schemeClr>
     </dgm:fillClrLst>
     <dgm:linClrLst meth="repeat">
-      <a:schemeClr val="lt1"/>
+      <a:schemeClr val="accent2">
+        <a:shade val="80000"/>
+      </a:schemeClr>
     </dgm:linClrLst>
     <dgm:effectClrLst/>
     <dgm:txLinClrLst/>
@@ -283,53 +315,65 @@
     <dgm:txEffectClrLst/>
   </dgm:styleLbl>
   <dgm:styleLbl name="sibTrans2D1">
-    <dgm:fillClrLst>
-      <a:schemeClr val="accent2"/>
-      <a:schemeClr val="accent3"/>
+    <dgm:fillClrLst meth="repeat">
+      <a:schemeClr val="accent2">
+        <a:tint val="60000"/>
+      </a:schemeClr>
     </dgm:fillClrLst>
     <dgm:linClrLst meth="repeat">
-      <a:schemeClr val="lt1"/>
-    </dgm:linClrLst>
-    <dgm:effectClrLst/>
-    <dgm:txLinClrLst/>
-    <dgm:txFillClrLst/>
-    <dgm:txEffectClrLst/>
-  </dgm:styleLbl>
-  <dgm:styleLbl name="fgSibTrans2D1">
-    <dgm:fillClrLst>
-      <a:schemeClr val="accent2"/>
-      <a:schemeClr val="accent3"/>
-    </dgm:fillClrLst>
-    <dgm:linClrLst meth="repeat">
-      <a:schemeClr val="lt1"/>
+      <a:schemeClr val="accent2">
+        <a:tint val="60000"/>
+      </a:schemeClr>
     </dgm:linClrLst>
     <dgm:effectClrLst/>
     <dgm:txLinClrLst/>
     <dgm:txFillClrLst meth="repeat">
-      <a:schemeClr val="lt1"/>
+      <a:schemeClr val="dk1"/>
+    </dgm:txFillClrLst>
+    <dgm:txEffectClrLst/>
+  </dgm:styleLbl>
+  <dgm:styleLbl name="fgSibTrans2D1">
+    <dgm:fillClrLst meth="repeat">
+      <a:schemeClr val="accent2">
+        <a:tint val="60000"/>
+      </a:schemeClr>
+    </dgm:fillClrLst>
+    <dgm:linClrLst meth="repeat">
+      <a:schemeClr val="accent2">
+        <a:tint val="60000"/>
+      </a:schemeClr>
+    </dgm:linClrLst>
+    <dgm:effectClrLst/>
+    <dgm:txLinClrLst/>
+    <dgm:txFillClrLst meth="repeat">
+      <a:schemeClr val="dk1"/>
     </dgm:txFillClrLst>
     <dgm:txEffectClrLst/>
   </dgm:styleLbl>
   <dgm:styleLbl name="bgSibTrans2D1">
-    <dgm:fillClrLst>
-      <a:schemeClr val="accent2"/>
-      <a:schemeClr val="accent3"/>
+    <dgm:fillClrLst meth="repeat">
+      <a:schemeClr val="accent2">
+        <a:tint val="60000"/>
+      </a:schemeClr>
     </dgm:fillClrLst>
     <dgm:linClrLst meth="repeat">
-      <a:schemeClr val="lt1"/>
+      <a:schemeClr val="accent2">
+        <a:tint val="60000"/>
+      </a:schemeClr>
     </dgm:linClrLst>
     <dgm:effectClrLst/>
     <dgm:txLinClrLst/>
     <dgm:txFillClrLst meth="repeat">
-      <a:schemeClr val="lt1"/>
+      <a:schemeClr val="dk1"/>
     </dgm:txFillClrLst>
     <dgm:txEffectClrLst/>
   </dgm:styleLbl>
   <dgm:styleLbl name="sibTrans1D1">
-    <dgm:fillClrLst/>
-    <dgm:linClrLst>
+    <dgm:fillClrLst meth="repeat">
       <a:schemeClr val="accent2"/>
-      <a:schemeClr val="accent3"/>
+    </dgm:fillClrLst>
+    <dgm:linClrLst meth="repeat">
+      <a:schemeClr val="accent2"/>
     </dgm:linClrLst>
     <dgm:effectClrLst/>
     <dgm:txLinClrLst/>
@@ -343,9 +387,7 @@
       <a:schemeClr val="accent2"/>
     </dgm:fillClrLst>
     <dgm:linClrLst meth="repeat">
-      <a:schemeClr val="accent2">
-        <a:tint val="50000"/>
-      </a:schemeClr>
+      <a:schemeClr val="accent2"/>
     </dgm:linClrLst>
     <dgm:effectClrLst/>
     <dgm:txLinClrLst/>
@@ -356,11 +398,93 @@
   </dgm:styleLbl>
   <dgm:styleLbl name="asst0">
     <dgm:fillClrLst meth="repeat">
-      <a:schemeClr val="accent2"/>
+      <a:schemeClr val="lt1"/>
     </dgm:fillClrLst>
     <dgm:linClrLst meth="repeat">
-      <a:schemeClr val="lt1">
+      <a:schemeClr val="accent2">
         <a:shade val="80000"/>
+      </a:schemeClr>
+    </dgm:linClrLst>
+    <dgm:effectClrLst/>
+    <dgm:txLinClrLst/>
+    <dgm:txFillClrLst meth="repeat">
+      <a:schemeClr val="dk1"/>
+    </dgm:txFillClrLst>
+    <dgm:txEffectClrLst/>
+  </dgm:styleLbl>
+  <dgm:styleLbl name="asst1">
+    <dgm:fillClrLst meth="repeat">
+      <a:schemeClr val="lt1"/>
+    </dgm:fillClrLst>
+    <dgm:linClrLst meth="repeat">
+      <a:schemeClr val="accent2">
+        <a:shade val="80000"/>
+      </a:schemeClr>
+    </dgm:linClrLst>
+    <dgm:effectClrLst/>
+    <dgm:txLinClrLst/>
+    <dgm:txFillClrLst meth="repeat">
+      <a:schemeClr val="dk1"/>
+    </dgm:txFillClrLst>
+    <dgm:txEffectClrLst/>
+  </dgm:styleLbl>
+  <dgm:styleLbl name="asst2">
+    <dgm:fillClrLst meth="repeat">
+      <a:schemeClr val="lt1"/>
+    </dgm:fillClrLst>
+    <dgm:linClrLst meth="repeat">
+      <a:schemeClr val="accent2">
+        <a:shade val="80000"/>
+      </a:schemeClr>
+    </dgm:linClrLst>
+    <dgm:effectClrLst/>
+    <dgm:txLinClrLst/>
+    <dgm:txFillClrLst meth="repeat">
+      <a:schemeClr val="dk1"/>
+    </dgm:txFillClrLst>
+    <dgm:txEffectClrLst/>
+  </dgm:styleLbl>
+  <dgm:styleLbl name="asst3">
+    <dgm:fillClrLst meth="repeat">
+      <a:schemeClr val="lt1"/>
+    </dgm:fillClrLst>
+    <dgm:linClrLst meth="repeat">
+      <a:schemeClr val="accent2">
+        <a:shade val="80000"/>
+      </a:schemeClr>
+    </dgm:linClrLst>
+    <dgm:effectClrLst/>
+    <dgm:txLinClrLst/>
+    <dgm:txFillClrLst meth="repeat">
+      <a:schemeClr val="dk1"/>
+    </dgm:txFillClrLst>
+    <dgm:txEffectClrLst/>
+  </dgm:styleLbl>
+  <dgm:styleLbl name="asst4">
+    <dgm:fillClrLst meth="repeat">
+      <a:schemeClr val="lt1"/>
+    </dgm:fillClrLst>
+    <dgm:linClrLst meth="repeat">
+      <a:schemeClr val="accent2">
+        <a:shade val="80000"/>
+      </a:schemeClr>
+    </dgm:linClrLst>
+    <dgm:effectClrLst/>
+    <dgm:txLinClrLst/>
+    <dgm:txFillClrLst meth="repeat">
+      <a:schemeClr val="dk1"/>
+    </dgm:txFillClrLst>
+    <dgm:txEffectClrLst/>
+  </dgm:styleLbl>
+  <dgm:styleLbl name="parChTrans2D1">
+    <dgm:fillClrLst meth="repeat">
+      <a:schemeClr val="accent2">
+        <a:tint val="60000"/>
+      </a:schemeClr>
+    </dgm:fillClrLst>
+    <dgm:linClrLst meth="repeat">
+      <a:schemeClr val="accent2">
+        <a:tint val="60000"/>
       </a:schemeClr>
     </dgm:linClrLst>
     <dgm:effectClrLst/>
@@ -368,76 +492,12 @@
     <dgm:txFillClrLst/>
     <dgm:txEffectClrLst/>
   </dgm:styleLbl>
-  <dgm:styleLbl name="asst1">
-    <dgm:fillClrLst meth="repeat">
-      <a:schemeClr val="accent3"/>
-    </dgm:fillClrLst>
-    <dgm:linClrLst meth="repeat">
-      <a:schemeClr val="lt1">
-        <a:shade val="80000"/>
-      </a:schemeClr>
-    </dgm:linClrLst>
-    <dgm:effectClrLst/>
-    <dgm:txLinClrLst/>
-    <dgm:txFillClrLst/>
-    <dgm:txEffectClrLst/>
-  </dgm:styleLbl>
-  <dgm:styleLbl name="asst2">
-    <dgm:fillClrLst>
-      <a:schemeClr val="accent4"/>
-    </dgm:fillClrLst>
-    <dgm:linClrLst meth="repeat">
-      <a:schemeClr val="lt1"/>
-    </dgm:linClrLst>
-    <dgm:effectClrLst/>
-    <dgm:txLinClrLst/>
-    <dgm:txFillClrLst/>
-    <dgm:txEffectClrLst/>
-  </dgm:styleLbl>
-  <dgm:styleLbl name="asst3">
-    <dgm:fillClrLst>
-      <a:schemeClr val="accent5"/>
-    </dgm:fillClrLst>
-    <dgm:linClrLst meth="repeat">
-      <a:schemeClr val="lt1"/>
-    </dgm:linClrLst>
-    <dgm:effectClrLst/>
-    <dgm:txLinClrLst/>
-    <dgm:txFillClrLst/>
-    <dgm:txEffectClrLst/>
-  </dgm:styleLbl>
-  <dgm:styleLbl name="asst4">
-    <dgm:fillClrLst>
-      <a:schemeClr val="accent6"/>
-    </dgm:fillClrLst>
-    <dgm:linClrLst meth="repeat">
-      <a:schemeClr val="lt1"/>
-    </dgm:linClrLst>
-    <dgm:effectClrLst/>
-    <dgm:txLinClrLst/>
-    <dgm:txFillClrLst/>
-    <dgm:txEffectClrLst/>
-  </dgm:styleLbl>
-  <dgm:styleLbl name="parChTrans2D1">
+  <dgm:styleLbl name="parChTrans2D2">
     <dgm:fillClrLst meth="repeat">
       <a:schemeClr val="accent2"/>
     </dgm:fillClrLst>
     <dgm:linClrLst meth="repeat">
-      <a:schemeClr val="lt1"/>
-    </dgm:linClrLst>
-    <dgm:effectClrLst/>
-    <dgm:txLinClrLst/>
-    <dgm:txFillClrLst meth="repeat">
-      <a:schemeClr val="lt1"/>
-    </dgm:txFillClrLst>
-    <dgm:txEffectClrLst/>
-  </dgm:styleLbl>
-  <dgm:styleLbl name="parChTrans2D2">
-    <dgm:fillClrLst meth="repeat">
-      <a:schemeClr val="accent3"/>
-    </dgm:fillClrLst>
-    <dgm:linClrLst meth="repeat">
-      <a:schemeClr val="lt1"/>
+      <a:schemeClr val="accent2"/>
     </dgm:linClrLst>
     <dgm:effectClrLst/>
     <dgm:txLinClrLst/>
@@ -446,10 +506,10 @@
   </dgm:styleLbl>
   <dgm:styleLbl name="parChTrans2D3">
     <dgm:fillClrLst meth="repeat">
-      <a:schemeClr val="accent4"/>
+      <a:schemeClr val="accent2"/>
     </dgm:fillClrLst>
     <dgm:linClrLst meth="repeat">
-      <a:schemeClr val="lt1"/>
+      <a:schemeClr val="accent2"/>
     </dgm:linClrLst>
     <dgm:effectClrLst/>
     <dgm:txLinClrLst/>
@@ -458,10 +518,10 @@
   </dgm:styleLbl>
   <dgm:styleLbl name="parChTrans2D4">
     <dgm:fillClrLst meth="repeat">
-      <a:schemeClr val="accent5"/>
+      <a:schemeClr val="accent2"/>
     </dgm:fillClrLst>
     <dgm:linClrLst meth="repeat">
-      <a:schemeClr val="lt1"/>
+      <a:schemeClr val="accent2"/>
     </dgm:linClrLst>
     <dgm:effectClrLst/>
     <dgm:txLinClrLst/>
@@ -475,7 +535,9 @@
       <a:schemeClr val="accent2"/>
     </dgm:fillClrLst>
     <dgm:linClrLst meth="repeat">
-      <a:schemeClr val="accent2"/>
+      <a:schemeClr val="accent2">
+        <a:shade val="60000"/>
+      </a:schemeClr>
     </dgm:linClrLst>
     <dgm:effectClrLst/>
     <dgm:txLinClrLst/>
@@ -486,12 +548,12 @@
   </dgm:styleLbl>
   <dgm:styleLbl name="parChTrans1D2">
     <dgm:fillClrLst meth="repeat">
-      <a:schemeClr val="accent2">
-        <a:tint val="90000"/>
-      </a:schemeClr>
+      <a:schemeClr val="accent2"/>
     </dgm:fillClrLst>
     <dgm:linClrLst meth="repeat">
-      <a:schemeClr val="accent3"/>
+      <a:schemeClr val="accent2">
+        <a:shade val="60000"/>
+      </a:schemeClr>
     </dgm:linClrLst>
     <dgm:effectClrLst/>
     <dgm:txLinClrLst/>
@@ -502,12 +564,12 @@
   </dgm:styleLbl>
   <dgm:styleLbl name="parChTrans1D3">
     <dgm:fillClrLst meth="repeat">
-      <a:schemeClr val="accent2">
-        <a:tint val="70000"/>
-      </a:schemeClr>
+      <a:schemeClr val="accent2"/>
     </dgm:fillClrLst>
     <dgm:linClrLst meth="repeat">
-      <a:schemeClr val="accent4"/>
+      <a:schemeClr val="accent2">
+        <a:shade val="80000"/>
+      </a:schemeClr>
     </dgm:linClrLst>
     <dgm:effectClrLst/>
     <dgm:txLinClrLst/>
@@ -518,12 +580,12 @@
   </dgm:styleLbl>
   <dgm:styleLbl name="parChTrans1D4">
     <dgm:fillClrLst meth="repeat">
-      <a:schemeClr val="accent2">
-        <a:tint val="50000"/>
-      </a:schemeClr>
+      <a:schemeClr val="accent2"/>
     </dgm:fillClrLst>
     <dgm:linClrLst meth="repeat">
-      <a:schemeClr val="accent5"/>
+      <a:schemeClr val="accent2">
+        <a:shade val="80000"/>
+      </a:schemeClr>
     </dgm:linClrLst>
     <dgm:effectClrLst/>
     <dgm:txLinClrLst/>
@@ -534,13 +596,13 @@
   </dgm:styleLbl>
   <dgm:styleLbl name="fgAcc1">
     <dgm:fillClrLst meth="repeat">
-      <a:schemeClr val="lt1">
+      <a:schemeClr val="accent2">
         <a:alpha val="90000"/>
+        <a:tint val="40000"/>
       </a:schemeClr>
     </dgm:fillClrLst>
-    <dgm:linClrLst>
+    <dgm:linClrLst meth="repeat">
       <a:schemeClr val="accent2"/>
-      <a:schemeClr val="accent3"/>
     </dgm:linClrLst>
     <dgm:effectClrLst/>
     <dgm:txLinClrLst/>
@@ -551,13 +613,13 @@
   </dgm:styleLbl>
   <dgm:styleLbl name="conFgAcc1">
     <dgm:fillClrLst meth="repeat">
-      <a:schemeClr val="lt1">
+      <a:schemeClr val="accent2">
         <a:alpha val="90000"/>
+        <a:tint val="40000"/>
       </a:schemeClr>
     </dgm:fillClrLst>
-    <dgm:linClrLst>
+    <dgm:linClrLst meth="repeat">
       <a:schemeClr val="accent2"/>
-      <a:schemeClr val="accent3"/>
     </dgm:linClrLst>
     <dgm:effectClrLst/>
     <dgm:txLinClrLst/>
@@ -568,13 +630,13 @@
   </dgm:styleLbl>
   <dgm:styleLbl name="alignAcc1">
     <dgm:fillClrLst meth="repeat">
-      <a:schemeClr val="lt1">
+      <a:schemeClr val="accent2">
         <a:alpha val="90000"/>
+        <a:tint val="40000"/>
       </a:schemeClr>
     </dgm:fillClrLst>
-    <dgm:linClrLst>
+    <dgm:linClrLst meth="repeat">
       <a:schemeClr val="accent2"/>
-      <a:schemeClr val="accent3"/>
     </dgm:linClrLst>
     <dgm:effectClrLst/>
     <dgm:txLinClrLst/>
@@ -585,8 +647,9 @@
   </dgm:styleLbl>
   <dgm:styleLbl name="trAlignAcc1">
     <dgm:fillClrLst meth="repeat">
-      <a:schemeClr val="lt1">
+      <a:schemeClr val="accent2">
         <a:alpha val="40000"/>
+        <a:tint val="40000"/>
       </a:schemeClr>
     </dgm:fillClrLst>
     <dgm:linClrLst meth="repeat">
@@ -601,13 +664,13 @@
   </dgm:styleLbl>
   <dgm:styleLbl name="bgAcc1">
     <dgm:fillClrLst meth="repeat">
-      <a:schemeClr val="lt1">
+      <a:schemeClr val="accent2">
         <a:alpha val="90000"/>
+        <a:tint val="40000"/>
       </a:schemeClr>
     </dgm:fillClrLst>
-    <dgm:linClrLst>
+    <dgm:linClrLst meth="repeat">
       <a:schemeClr val="accent2"/>
-      <a:schemeClr val="accent3"/>
     </dgm:linClrLst>
     <dgm:effectClrLst/>
     <dgm:txLinClrLst/>
@@ -620,9 +683,8 @@
     <dgm:fillClrLst meth="repeat">
       <a:schemeClr val="lt1"/>
     </dgm:fillClrLst>
-    <dgm:linClrLst>
+    <dgm:linClrLst meth="repeat">
       <a:schemeClr val="accent2"/>
-      <a:schemeClr val="accent3"/>
     </dgm:linClrLst>
     <dgm:effectClrLst/>
     <dgm:txLinClrLst/>
@@ -635,9 +697,8 @@
     <dgm:fillClrLst meth="repeat">
       <a:schemeClr val="lt1"/>
     </dgm:fillClrLst>
-    <dgm:linClrLst>
+    <dgm:linClrLst meth="repeat">
       <a:schemeClr val="accent2"/>
-      <a:schemeClr val="accent3"/>
     </dgm:linClrLst>
     <dgm:effectClrLst/>
     <dgm:txLinClrLst/>
@@ -650,9 +711,8 @@
     <dgm:fillClrLst meth="repeat">
       <a:schemeClr val="lt1"/>
     </dgm:fillClrLst>
-    <dgm:linClrLst>
+    <dgm:linClrLst meth="repeat">
       <a:schemeClr val="accent2"/>
-      <a:schemeClr val="accent3"/>
     </dgm:linClrLst>
     <dgm:effectClrLst/>
     <dgm:txLinClrLst/>
@@ -662,23 +722,14 @@
     <dgm:txEffectClrLst/>
   </dgm:styleLbl>
   <dgm:styleLbl name="fgAccFollowNode1">
-    <dgm:fillClrLst>
-      <a:schemeClr val="accent2">
+    <dgm:fillClrLst meth="repeat">
+      <a:schemeClr val="lt1">
+        <a:alpha val="90000"/>
         <a:tint val="40000"/>
-        <a:alpha val="90000"/>
-      </a:schemeClr>
-      <a:schemeClr val="accent3">
-        <a:tint val="40000"/>
-        <a:alpha val="90000"/>
       </a:schemeClr>
     </dgm:fillClrLst>
-    <dgm:linClrLst>
+    <dgm:linClrLst meth="repeat">
       <a:schemeClr val="accent2">
-        <a:tint val="40000"/>
-        <a:alpha val="90000"/>
-      </a:schemeClr>
-      <a:schemeClr val="accent3">
-        <a:tint val="40000"/>
         <a:alpha val="90000"/>
       </a:schemeClr>
     </dgm:linClrLst>
@@ -690,23 +741,14 @@
     <dgm:txEffectClrLst/>
   </dgm:styleLbl>
   <dgm:styleLbl name="alignAccFollowNode1">
-    <dgm:fillClrLst>
-      <a:schemeClr val="accent2">
+    <dgm:fillClrLst meth="repeat">
+      <a:schemeClr val="lt1">
+        <a:alpha val="90000"/>
         <a:tint val="40000"/>
-        <a:alpha val="90000"/>
-      </a:schemeClr>
-      <a:schemeClr val="accent3">
-        <a:tint val="40000"/>
-        <a:alpha val="90000"/>
       </a:schemeClr>
     </dgm:fillClrLst>
-    <dgm:linClrLst>
+    <dgm:linClrLst meth="repeat">
       <a:schemeClr val="accent2">
-        <a:tint val="40000"/>
-        <a:alpha val="90000"/>
-      </a:schemeClr>
-      <a:schemeClr val="accent3">
-        <a:tint val="40000"/>
         <a:alpha val="90000"/>
       </a:schemeClr>
     </dgm:linClrLst>
@@ -718,23 +760,14 @@
     <dgm:txEffectClrLst/>
   </dgm:styleLbl>
   <dgm:styleLbl name="bgAccFollowNode1">
-    <dgm:fillClrLst>
-      <a:schemeClr val="accent2">
+    <dgm:fillClrLst meth="repeat">
+      <a:schemeClr val="lt1">
+        <a:alpha val="90000"/>
         <a:tint val="40000"/>
-        <a:alpha val="90000"/>
-      </a:schemeClr>
-      <a:schemeClr val="accent3">
-        <a:tint val="40000"/>
-        <a:alpha val="90000"/>
       </a:schemeClr>
     </dgm:fillClrLst>
-    <dgm:linClrLst>
+    <dgm:linClrLst meth="repeat">
       <a:schemeClr val="accent2">
-        <a:tint val="40000"/>
-        <a:alpha val="90000"/>
-      </a:schemeClr>
-      <a:schemeClr val="accent3">
-        <a:tint val="40000"/>
         <a:alpha val="90000"/>
       </a:schemeClr>
     </dgm:linClrLst>
@@ -747,12 +780,13 @@
   </dgm:styleLbl>
   <dgm:styleLbl name="fgAcc0">
     <dgm:fillClrLst meth="repeat">
-      <a:schemeClr val="lt1">
+      <a:schemeClr val="accent2">
         <a:alpha val="90000"/>
+        <a:tint val="40000"/>
       </a:schemeClr>
     </dgm:fillClrLst>
-    <dgm:linClrLst>
-      <a:schemeClr val="accent1"/>
+    <dgm:linClrLst meth="repeat">
+      <a:schemeClr val="accent2"/>
     </dgm:linClrLst>
     <dgm:effectClrLst/>
     <dgm:txLinClrLst/>
@@ -763,12 +797,13 @@
   </dgm:styleLbl>
   <dgm:styleLbl name="fgAcc2">
     <dgm:fillClrLst meth="repeat">
-      <a:schemeClr val="lt1">
+      <a:schemeClr val="accent2">
         <a:alpha val="90000"/>
+        <a:tint val="40000"/>
       </a:schemeClr>
     </dgm:fillClrLst>
-    <dgm:linClrLst>
-      <a:schemeClr val="accent3"/>
+    <dgm:linClrLst meth="repeat">
+      <a:schemeClr val="accent2"/>
     </dgm:linClrLst>
     <dgm:effectClrLst/>
     <dgm:txLinClrLst/>
@@ -779,12 +814,13 @@
   </dgm:styleLbl>
   <dgm:styleLbl name="fgAcc3">
     <dgm:fillClrLst meth="repeat">
-      <a:schemeClr val="lt1">
+      <a:schemeClr val="accent2">
         <a:alpha val="90000"/>
+        <a:tint val="40000"/>
       </a:schemeClr>
     </dgm:fillClrLst>
-    <dgm:linClrLst>
-      <a:schemeClr val="accent4"/>
+    <dgm:linClrLst meth="repeat">
+      <a:schemeClr val="accent2"/>
     </dgm:linClrLst>
     <dgm:effectClrLst/>
     <dgm:txLinClrLst/>
@@ -795,12 +831,13 @@
   </dgm:styleLbl>
   <dgm:styleLbl name="fgAcc4">
     <dgm:fillClrLst meth="repeat">
-      <a:schemeClr val="lt1">
+      <a:schemeClr val="accent2">
         <a:alpha val="90000"/>
+        <a:tint val="40000"/>
       </a:schemeClr>
     </dgm:fillClrLst>
-    <dgm:linClrLst>
-      <a:schemeClr val="accent5"/>
+    <dgm:linClrLst meth="repeat">
+      <a:schemeClr val="accent2"/>
     </dgm:linClrLst>
     <dgm:effectClrLst/>
     <dgm:txLinClrLst/>
@@ -816,7 +853,7 @@
       </a:schemeClr>
     </dgm:fillClrLst>
     <dgm:linClrLst meth="repeat">
-      <a:schemeClr val="dk1"/>
+      <a:schemeClr val="accent2"/>
     </dgm:linClrLst>
     <dgm:effectClrLst/>
     <dgm:txLinClrLst/>
@@ -828,11 +865,11 @@
   <dgm:styleLbl name="dkBgShp">
     <dgm:fillClrLst meth="repeat">
       <a:schemeClr val="accent2">
-        <a:shade val="90000"/>
+        <a:shade val="80000"/>
       </a:schemeClr>
     </dgm:fillClrLst>
     <dgm:linClrLst meth="repeat">
-      <a:schemeClr val="dk1"/>
+      <a:schemeClr val="accent2"/>
     </dgm:linClrLst>
     <dgm:effectClrLst/>
     <dgm:txLinClrLst/>
@@ -861,7 +898,7 @@
   <dgm:styleLbl name="fgShp">
     <dgm:fillClrLst meth="repeat">
       <a:schemeClr val="accent2">
-        <a:tint val="40000"/>
+        <a:tint val="60000"/>
       </a:schemeClr>
     </dgm:fillClrLst>
     <dgm:linClrLst meth="repeat">
@@ -898,8 +935,8 @@
 <file path=ppt/diagrams/data1.xml><?xml version="1.0" encoding="utf-8"?>
 <dgm:dataModel xmlns:dgm="http://schemas.openxmlformats.org/drawingml/2006/diagram" xmlns:a="http://schemas.openxmlformats.org/drawingml/2006/main">
   <dgm:ptLst>
-    <dgm:pt modelId="{79E7A83B-1BE9-45C4-B063-6E4E29DDFA93}" type="doc">
-      <dgm:prSet loTypeId="urn:microsoft.com/office/officeart/2005/8/layout/default" loCatId="list" qsTypeId="urn:microsoft.com/office/officeart/2005/8/quickstyle/simple1" qsCatId="simple" csTypeId="urn:microsoft.com/office/officeart/2005/8/colors/colorful2" csCatId="colorful"/>
+    <dgm:pt modelId="{D6494C8C-C528-4AE7-A345-BF9F60C038E3}" type="doc">
+      <dgm:prSet loTypeId="urn:microsoft.com/office/officeart/2005/8/layout/hierarchy2" loCatId="hierarchy" qsTypeId="urn:microsoft.com/office/officeart/2005/8/quickstyle/simple4" qsCatId="simple" csTypeId="urn:microsoft.com/office/officeart/2005/8/colors/accent2_1" csCatId="accent2" phldr="1"/>
       <dgm:spPr/>
       <dgm:t>
         <a:bodyPr/>
@@ -909,7 +946,7 @@
         </a:p>
       </dgm:t>
     </dgm:pt>
-    <dgm:pt modelId="{9B7B80C9-7D39-4094-8C56-BA782CCA3D46}">
+    <dgm:pt modelId="{A8B24223-3B7C-48DB-9842-6F2CE969EE74}">
       <dgm:prSet/>
       <dgm:spPr/>
       <dgm:t>
@@ -917,14 +954,26 @@
         <a:lstStyle/>
         <a:p>
           <a:r>
-            <a:rPr lang="pl-PL"/>
-            <a:t>Test jednostkowy (ang. unit test) to metoda testowania tworzonego oprogramowania poprzez wykonywanie testów weryfikujących poprawność działania pojedynczych elementów programu. </a:t>
+            <a:rPr lang="pl-PL" dirty="0">
+              <a:solidFill>
+                <a:schemeClr val="accent2">
+                  <a:lumMod val="50000"/>
+                </a:schemeClr>
+              </a:solidFill>
+            </a:rPr>
+            <a:t>Lista najpopularniejszych frameworków dla najpopularniejszych języków programowania:</a:t>
           </a:r>
-          <a:endParaRPr lang="en-US"/>
+          <a:endParaRPr lang="en-US" dirty="0">
+            <a:solidFill>
+              <a:schemeClr val="accent2">
+                <a:lumMod val="50000"/>
+              </a:schemeClr>
+            </a:solidFill>
+          </a:endParaRPr>
         </a:p>
       </dgm:t>
     </dgm:pt>
-    <dgm:pt modelId="{20CA5DA5-9C39-48DB-89A1-E62F2A4C4433}" type="parTrans" cxnId="{59310478-FE41-4919-A3EA-18AB98455EC1}">
+    <dgm:pt modelId="{6E5DD2C4-8027-48B6-B51C-6C4C30AD82E2}" type="parTrans" cxnId="{5EEF4CDF-B351-467F-AD8E-95FBD59B3387}">
       <dgm:prSet/>
       <dgm:spPr/>
       <dgm:t>
@@ -935,7 +984,7 @@
         </a:p>
       </dgm:t>
     </dgm:pt>
-    <dgm:pt modelId="{236A8F17-2C1D-4E5D-AFFC-425568FBB078}" type="sibTrans" cxnId="{59310478-FE41-4919-A3EA-18AB98455EC1}">
+    <dgm:pt modelId="{2C70CC7D-BA1A-4B0B-827A-2AF2D5B92C4A}" type="sibTrans" cxnId="{5EEF4CDF-B351-467F-AD8E-95FBD59B3387}">
       <dgm:prSet/>
       <dgm:spPr/>
       <dgm:t>
@@ -946,7 +995,7 @@
         </a:p>
       </dgm:t>
     </dgm:pt>
-    <dgm:pt modelId="{E2E23735-5B05-4CDF-9340-5A1D0701F3AA}">
+    <dgm:pt modelId="{E62DB779-4C28-43E2-9B22-2B9678325A4B}">
       <dgm:prSet/>
       <dgm:spPr/>
       <dgm:t>
@@ -955,13 +1004,13 @@
         <a:p>
           <a:r>
             <a:rPr lang="pl-PL" dirty="0"/>
-            <a:t>Poprzez elementy programu rozumiemy np. metody lub obiektów w programowaniu obiektowym</a:t>
+            <a:t>Java - JUnit, TestNG, Mockito</a:t>
           </a:r>
           <a:endParaRPr lang="en-US" dirty="0"/>
         </a:p>
       </dgm:t>
     </dgm:pt>
-    <dgm:pt modelId="{7E776ADE-E6AF-4922-90B9-21CFB6ECCBFD}" type="parTrans" cxnId="{FD6ABCB3-845C-4146-B586-0DD5FFD01CF6}">
+    <dgm:pt modelId="{B39D4BC5-7FAF-45EC-B0DC-07D7DEE7B536}" type="parTrans" cxnId="{63ADA46E-A45D-4598-A23E-EBA6FAB96A2C}">
       <dgm:prSet/>
       <dgm:spPr/>
       <dgm:t>
@@ -972,7 +1021,7 @@
         </a:p>
       </dgm:t>
     </dgm:pt>
-    <dgm:pt modelId="{61FFE04F-3396-4F86-B354-89DE111D510C}" type="sibTrans" cxnId="{FD6ABCB3-845C-4146-B586-0DD5FFD01CF6}">
+    <dgm:pt modelId="{05EF3420-F5B0-4D40-B614-8152254BF529}" type="sibTrans" cxnId="{63ADA46E-A45D-4598-A23E-EBA6FAB96A2C}">
       <dgm:prSet/>
       <dgm:spPr/>
       <dgm:t>
@@ -983,45 +1032,355 @@
         </a:p>
       </dgm:t>
     </dgm:pt>
-    <dgm:pt modelId="{30F02728-A692-41B1-9D57-4AC9F121AE22}" type="pres">
-      <dgm:prSet presAssocID="{79E7A83B-1BE9-45C4-B063-6E4E29DDFA93}" presName="diagram" presStyleCnt="0">
+    <dgm:pt modelId="{863461F0-779A-4A5F-ABC9-4604978277DE}">
+      <dgm:prSet/>
+      <dgm:spPr/>
+      <dgm:t>
+        <a:bodyPr/>
+        <a:lstStyle/>
+        <a:p>
+          <a:r>
+            <a:rPr lang="pl-PL"/>
+            <a:t>Python - PyTest, unittest, nose</a:t>
+          </a:r>
+          <a:endParaRPr lang="en-US"/>
+        </a:p>
+      </dgm:t>
+    </dgm:pt>
+    <dgm:pt modelId="{EE2EFAC9-424F-47A4-979F-DB95B4B1F7AA}" type="parTrans" cxnId="{15FCFFCD-49BB-48C5-B558-5FE3F5FF789D}">
+      <dgm:prSet/>
+      <dgm:spPr/>
+      <dgm:t>
+        <a:bodyPr/>
+        <a:lstStyle/>
+        <a:p>
+          <a:endParaRPr lang="en-US"/>
+        </a:p>
+      </dgm:t>
+    </dgm:pt>
+    <dgm:pt modelId="{1A363A7B-41E6-4345-91D2-9EF57EB76B28}" type="sibTrans" cxnId="{15FCFFCD-49BB-48C5-B558-5FE3F5FF789D}">
+      <dgm:prSet/>
+      <dgm:spPr/>
+      <dgm:t>
+        <a:bodyPr/>
+        <a:lstStyle/>
+        <a:p>
+          <a:endParaRPr lang="en-US"/>
+        </a:p>
+      </dgm:t>
+    </dgm:pt>
+    <dgm:pt modelId="{CF783E92-4655-4BB5-9A7C-F3013C31BF51}">
+      <dgm:prSet/>
+      <dgm:spPr/>
+      <dgm:t>
+        <a:bodyPr/>
+        <a:lstStyle/>
+        <a:p>
+          <a:r>
+            <a:rPr lang="pl-PL" dirty="0"/>
+            <a:t>JavaScript - Mocha, Jest, Jasmine</a:t>
+          </a:r>
+          <a:endParaRPr lang="en-US" dirty="0"/>
+        </a:p>
+      </dgm:t>
+    </dgm:pt>
+    <dgm:pt modelId="{850A2097-863A-40E5-8206-5C9341094F59}" type="parTrans" cxnId="{06659FFF-43B5-4309-BDA1-8788AF1F9D97}">
+      <dgm:prSet/>
+      <dgm:spPr/>
+      <dgm:t>
+        <a:bodyPr/>
+        <a:lstStyle/>
+        <a:p>
+          <a:endParaRPr lang="en-US"/>
+        </a:p>
+      </dgm:t>
+    </dgm:pt>
+    <dgm:pt modelId="{11CD3E00-2588-40AB-B28C-5F41B53A9722}" type="sibTrans" cxnId="{06659FFF-43B5-4309-BDA1-8788AF1F9D97}">
+      <dgm:prSet/>
+      <dgm:spPr/>
+      <dgm:t>
+        <a:bodyPr/>
+        <a:lstStyle/>
+        <a:p>
+          <a:endParaRPr lang="en-US"/>
+        </a:p>
+      </dgm:t>
+    </dgm:pt>
+    <dgm:pt modelId="{F75386BA-B073-4BFB-A559-55038DA569DC}">
+      <dgm:prSet/>
+      <dgm:spPr/>
+      <dgm:t>
+        <a:bodyPr/>
+        <a:lstStyle/>
+        <a:p>
+          <a:r>
+            <a:rPr lang="pl-PL"/>
+            <a:t>C# - NUnit, xUnit, MSTest</a:t>
+          </a:r>
+          <a:endParaRPr lang="en-US"/>
+        </a:p>
+      </dgm:t>
+    </dgm:pt>
+    <dgm:pt modelId="{8E6C6AAB-62B7-4A46-8DAA-1B68E4F049D8}" type="parTrans" cxnId="{D346EFE9-6531-4CFC-918F-7C5E9FDD9EF1}">
+      <dgm:prSet/>
+      <dgm:spPr/>
+      <dgm:t>
+        <a:bodyPr/>
+        <a:lstStyle/>
+        <a:p>
+          <a:endParaRPr lang="en-US"/>
+        </a:p>
+      </dgm:t>
+    </dgm:pt>
+    <dgm:pt modelId="{08B6C9E4-8E89-440C-90D4-ABC3D6D3E52E}" type="sibTrans" cxnId="{D346EFE9-6531-4CFC-918F-7C5E9FDD9EF1}">
+      <dgm:prSet/>
+      <dgm:spPr/>
+      <dgm:t>
+        <a:bodyPr/>
+        <a:lstStyle/>
+        <a:p>
+          <a:endParaRPr lang="en-US"/>
+        </a:p>
+      </dgm:t>
+    </dgm:pt>
+    <dgm:pt modelId="{78531B9F-9521-459B-AECB-A1B760626619}">
+      <dgm:prSet/>
+      <dgm:spPr/>
+      <dgm:t>
+        <a:bodyPr/>
+        <a:lstStyle/>
+        <a:p>
+          <a:r>
+            <a:rPr lang="pl-PL"/>
+            <a:t>C++ - Google Test, Catch, Boost.Test</a:t>
+          </a:r>
+          <a:endParaRPr lang="en-US"/>
+        </a:p>
+      </dgm:t>
+    </dgm:pt>
+    <dgm:pt modelId="{AE89972B-3AAB-4A16-AB17-568A15224BE0}" type="parTrans" cxnId="{C04AB543-E46D-4A38-8B9A-997D834C71E9}">
+      <dgm:prSet/>
+      <dgm:spPr/>
+      <dgm:t>
+        <a:bodyPr/>
+        <a:lstStyle/>
+        <a:p>
+          <a:endParaRPr lang="en-US"/>
+        </a:p>
+      </dgm:t>
+    </dgm:pt>
+    <dgm:pt modelId="{05A0BAB5-DBB8-458B-9DCF-B70B81C9B666}" type="sibTrans" cxnId="{C04AB543-E46D-4A38-8B9A-997D834C71E9}">
+      <dgm:prSet/>
+      <dgm:spPr/>
+      <dgm:t>
+        <a:bodyPr/>
+        <a:lstStyle/>
+        <a:p>
+          <a:endParaRPr lang="en-US"/>
+        </a:p>
+      </dgm:t>
+    </dgm:pt>
+    <dgm:pt modelId="{3FE706CB-1418-47DB-A9F9-EDA4FF844F24}" type="pres">
+      <dgm:prSet presAssocID="{D6494C8C-C528-4AE7-A345-BF9F60C038E3}" presName="diagram" presStyleCnt="0">
         <dgm:presLayoutVars>
+          <dgm:chPref val="1"/>
           <dgm:dir/>
+          <dgm:animOne val="branch"/>
+          <dgm:animLvl val="lvl"/>
           <dgm:resizeHandles val="exact"/>
         </dgm:presLayoutVars>
       </dgm:prSet>
       <dgm:spPr/>
     </dgm:pt>
-    <dgm:pt modelId="{6ED1E12B-2F5D-48F7-AC1D-A92D0445E423}" type="pres">
-      <dgm:prSet presAssocID="{9B7B80C9-7D39-4094-8C56-BA782CCA3D46}" presName="node" presStyleLbl="node1" presStyleIdx="0" presStyleCnt="2">
+    <dgm:pt modelId="{F98B2643-406D-4C12-87BD-7EEFADCBCE45}" type="pres">
+      <dgm:prSet presAssocID="{A8B24223-3B7C-48DB-9842-6F2CE969EE74}" presName="root1" presStyleCnt="0"/>
+      <dgm:spPr/>
+    </dgm:pt>
+    <dgm:pt modelId="{0A3D998F-9130-4C3F-8703-E011BAE3222B}" type="pres">
+      <dgm:prSet presAssocID="{A8B24223-3B7C-48DB-9842-6F2CE969EE74}" presName="LevelOneTextNode" presStyleLbl="node0" presStyleIdx="0" presStyleCnt="1">
         <dgm:presLayoutVars>
-          <dgm:bulletEnabled val="1"/>
+          <dgm:chPref val="3"/>
         </dgm:presLayoutVars>
       </dgm:prSet>
       <dgm:spPr/>
     </dgm:pt>
-    <dgm:pt modelId="{3FC60376-49F4-42AD-8D03-4AA9EF8DE886}" type="pres">
-      <dgm:prSet presAssocID="{236A8F17-2C1D-4E5D-AFFC-425568FBB078}" presName="sibTrans" presStyleCnt="0"/>
+    <dgm:pt modelId="{B8DCD213-A993-4D43-AD34-767A6665C7A2}" type="pres">
+      <dgm:prSet presAssocID="{A8B24223-3B7C-48DB-9842-6F2CE969EE74}" presName="level2hierChild" presStyleCnt="0"/>
       <dgm:spPr/>
     </dgm:pt>
-    <dgm:pt modelId="{BC6B3FBF-9E26-4F43-8B46-3E701CE69DE0}" type="pres">
-      <dgm:prSet presAssocID="{E2E23735-5B05-4CDF-9340-5A1D0701F3AA}" presName="node" presStyleLbl="node1" presStyleIdx="1" presStyleCnt="2">
+    <dgm:pt modelId="{2053611E-66E7-44C8-A27F-4F3A34E67564}" type="pres">
+      <dgm:prSet presAssocID="{B39D4BC5-7FAF-45EC-B0DC-07D7DEE7B536}" presName="conn2-1" presStyleLbl="parChTrans1D2" presStyleIdx="0" presStyleCnt="5"/>
+      <dgm:spPr/>
+    </dgm:pt>
+    <dgm:pt modelId="{518B9167-5DAB-4F93-8E09-F4213B3B71AC}" type="pres">
+      <dgm:prSet presAssocID="{B39D4BC5-7FAF-45EC-B0DC-07D7DEE7B536}" presName="connTx" presStyleLbl="parChTrans1D2" presStyleIdx="0" presStyleCnt="5"/>
+      <dgm:spPr/>
+    </dgm:pt>
+    <dgm:pt modelId="{4489D441-1F21-4D50-BB7C-CECDCE151153}" type="pres">
+      <dgm:prSet presAssocID="{E62DB779-4C28-43E2-9B22-2B9678325A4B}" presName="root2" presStyleCnt="0"/>
+      <dgm:spPr/>
+    </dgm:pt>
+    <dgm:pt modelId="{F20A47B2-6E1A-4861-9AFB-8ED32D269F55}" type="pres">
+      <dgm:prSet presAssocID="{E62DB779-4C28-43E2-9B22-2B9678325A4B}" presName="LevelTwoTextNode" presStyleLbl="node2" presStyleIdx="0" presStyleCnt="5">
         <dgm:presLayoutVars>
-          <dgm:bulletEnabled val="1"/>
+          <dgm:chPref val="3"/>
         </dgm:presLayoutVars>
       </dgm:prSet>
       <dgm:spPr/>
     </dgm:pt>
+    <dgm:pt modelId="{CCE87F66-027B-4830-9AB9-51D4AE4A23ED}" type="pres">
+      <dgm:prSet presAssocID="{E62DB779-4C28-43E2-9B22-2B9678325A4B}" presName="level3hierChild" presStyleCnt="0"/>
+      <dgm:spPr/>
+    </dgm:pt>
+    <dgm:pt modelId="{5BA3FA2A-352B-4080-A7D4-51BC7F20A1A9}" type="pres">
+      <dgm:prSet presAssocID="{EE2EFAC9-424F-47A4-979F-DB95B4B1F7AA}" presName="conn2-1" presStyleLbl="parChTrans1D2" presStyleIdx="1" presStyleCnt="5"/>
+      <dgm:spPr/>
+    </dgm:pt>
+    <dgm:pt modelId="{F9ADAF10-CCB6-40F0-8885-19424C56F69D}" type="pres">
+      <dgm:prSet presAssocID="{EE2EFAC9-424F-47A4-979F-DB95B4B1F7AA}" presName="connTx" presStyleLbl="parChTrans1D2" presStyleIdx="1" presStyleCnt="5"/>
+      <dgm:spPr/>
+    </dgm:pt>
+    <dgm:pt modelId="{F476416D-4292-43AC-98D3-C22D7904057A}" type="pres">
+      <dgm:prSet presAssocID="{863461F0-779A-4A5F-ABC9-4604978277DE}" presName="root2" presStyleCnt="0"/>
+      <dgm:spPr/>
+    </dgm:pt>
+    <dgm:pt modelId="{B1F824AA-8EF0-42C8-84D3-54F3BD3AE93A}" type="pres">
+      <dgm:prSet presAssocID="{863461F0-779A-4A5F-ABC9-4604978277DE}" presName="LevelTwoTextNode" presStyleLbl="node2" presStyleIdx="1" presStyleCnt="5">
+        <dgm:presLayoutVars>
+          <dgm:chPref val="3"/>
+        </dgm:presLayoutVars>
+      </dgm:prSet>
+      <dgm:spPr/>
+    </dgm:pt>
+    <dgm:pt modelId="{2140FE4D-865C-43E7-BF4E-5120DAF44893}" type="pres">
+      <dgm:prSet presAssocID="{863461F0-779A-4A5F-ABC9-4604978277DE}" presName="level3hierChild" presStyleCnt="0"/>
+      <dgm:spPr/>
+    </dgm:pt>
+    <dgm:pt modelId="{242C4067-4723-4525-9ABA-A4F1B21791E0}" type="pres">
+      <dgm:prSet presAssocID="{850A2097-863A-40E5-8206-5C9341094F59}" presName="conn2-1" presStyleLbl="parChTrans1D2" presStyleIdx="2" presStyleCnt="5"/>
+      <dgm:spPr/>
+    </dgm:pt>
+    <dgm:pt modelId="{F0631FA0-F8DD-4F9C-A155-0721A97FAB65}" type="pres">
+      <dgm:prSet presAssocID="{850A2097-863A-40E5-8206-5C9341094F59}" presName="connTx" presStyleLbl="parChTrans1D2" presStyleIdx="2" presStyleCnt="5"/>
+      <dgm:spPr/>
+    </dgm:pt>
+    <dgm:pt modelId="{995B4916-7D2F-4987-A740-915C9169E5FD}" type="pres">
+      <dgm:prSet presAssocID="{CF783E92-4655-4BB5-9A7C-F3013C31BF51}" presName="root2" presStyleCnt="0"/>
+      <dgm:spPr/>
+    </dgm:pt>
+    <dgm:pt modelId="{C4D30FA4-4043-4E66-AC37-F54C3680A7C2}" type="pres">
+      <dgm:prSet presAssocID="{CF783E92-4655-4BB5-9A7C-F3013C31BF51}" presName="LevelTwoTextNode" presStyleLbl="node2" presStyleIdx="2" presStyleCnt="5">
+        <dgm:presLayoutVars>
+          <dgm:chPref val="3"/>
+        </dgm:presLayoutVars>
+      </dgm:prSet>
+      <dgm:spPr/>
+    </dgm:pt>
+    <dgm:pt modelId="{87E5E3AE-AB65-4FDA-B5F5-A41416BB71BD}" type="pres">
+      <dgm:prSet presAssocID="{CF783E92-4655-4BB5-9A7C-F3013C31BF51}" presName="level3hierChild" presStyleCnt="0"/>
+      <dgm:spPr/>
+    </dgm:pt>
+    <dgm:pt modelId="{A0912A4B-EEC1-4C75-884C-67FB6DA316B4}" type="pres">
+      <dgm:prSet presAssocID="{8E6C6AAB-62B7-4A46-8DAA-1B68E4F049D8}" presName="conn2-1" presStyleLbl="parChTrans1D2" presStyleIdx="3" presStyleCnt="5"/>
+      <dgm:spPr/>
+    </dgm:pt>
+    <dgm:pt modelId="{EA41124D-EDF7-4247-A848-A6A6317A2D5D}" type="pres">
+      <dgm:prSet presAssocID="{8E6C6AAB-62B7-4A46-8DAA-1B68E4F049D8}" presName="connTx" presStyleLbl="parChTrans1D2" presStyleIdx="3" presStyleCnt="5"/>
+      <dgm:spPr/>
+    </dgm:pt>
+    <dgm:pt modelId="{85478D37-6CA2-4EF1-9758-81D968AB051D}" type="pres">
+      <dgm:prSet presAssocID="{F75386BA-B073-4BFB-A559-55038DA569DC}" presName="root2" presStyleCnt="0"/>
+      <dgm:spPr/>
+    </dgm:pt>
+    <dgm:pt modelId="{9A30B65D-BD29-49C0-B1B6-321271C2E854}" type="pres">
+      <dgm:prSet presAssocID="{F75386BA-B073-4BFB-A559-55038DA569DC}" presName="LevelTwoTextNode" presStyleLbl="node2" presStyleIdx="3" presStyleCnt="5">
+        <dgm:presLayoutVars>
+          <dgm:chPref val="3"/>
+        </dgm:presLayoutVars>
+      </dgm:prSet>
+      <dgm:spPr/>
+    </dgm:pt>
+    <dgm:pt modelId="{9E33A020-6F94-4609-8B0A-630C19EC2290}" type="pres">
+      <dgm:prSet presAssocID="{F75386BA-B073-4BFB-A559-55038DA569DC}" presName="level3hierChild" presStyleCnt="0"/>
+      <dgm:spPr/>
+    </dgm:pt>
+    <dgm:pt modelId="{7A57EA38-D2F8-40B4-9328-4E31253CFFEA}" type="pres">
+      <dgm:prSet presAssocID="{AE89972B-3AAB-4A16-AB17-568A15224BE0}" presName="conn2-1" presStyleLbl="parChTrans1D2" presStyleIdx="4" presStyleCnt="5"/>
+      <dgm:spPr/>
+    </dgm:pt>
+    <dgm:pt modelId="{0815EC41-FF67-4AD9-8426-CB979CA8C899}" type="pres">
+      <dgm:prSet presAssocID="{AE89972B-3AAB-4A16-AB17-568A15224BE0}" presName="connTx" presStyleLbl="parChTrans1D2" presStyleIdx="4" presStyleCnt="5"/>
+      <dgm:spPr/>
+    </dgm:pt>
+    <dgm:pt modelId="{9A33D057-B4E9-47DF-9550-997827214029}" type="pres">
+      <dgm:prSet presAssocID="{78531B9F-9521-459B-AECB-A1B760626619}" presName="root2" presStyleCnt="0"/>
+      <dgm:spPr/>
+    </dgm:pt>
+    <dgm:pt modelId="{762E370E-DD24-4E28-9F54-F81A520AD71D}" type="pres">
+      <dgm:prSet presAssocID="{78531B9F-9521-459B-AECB-A1B760626619}" presName="LevelTwoTextNode" presStyleLbl="node2" presStyleIdx="4" presStyleCnt="5">
+        <dgm:presLayoutVars>
+          <dgm:chPref val="3"/>
+        </dgm:presLayoutVars>
+      </dgm:prSet>
+      <dgm:spPr/>
+    </dgm:pt>
+    <dgm:pt modelId="{D3B97657-5BFA-45D4-A853-AAF6AA68F55F}" type="pres">
+      <dgm:prSet presAssocID="{78531B9F-9521-459B-AECB-A1B760626619}" presName="level3hierChild" presStyleCnt="0"/>
+      <dgm:spPr/>
+    </dgm:pt>
   </dgm:ptLst>
   <dgm:cxnLst>
-    <dgm:cxn modelId="{9EA95935-16C8-48F9-BA45-9ED41EF703A3}" type="presOf" srcId="{79E7A83B-1BE9-45C4-B063-6E4E29DDFA93}" destId="{30F02728-A692-41B1-9D57-4AC9F121AE22}" srcOrd="0" destOrd="0" presId="urn:microsoft.com/office/officeart/2005/8/layout/default"/>
-    <dgm:cxn modelId="{9E93CE5F-9FE2-4CB3-BB22-77B2974F22EF}" type="presOf" srcId="{E2E23735-5B05-4CDF-9340-5A1D0701F3AA}" destId="{BC6B3FBF-9E26-4F43-8B46-3E701CE69DE0}" srcOrd="0" destOrd="0" presId="urn:microsoft.com/office/officeart/2005/8/layout/default"/>
-    <dgm:cxn modelId="{59310478-FE41-4919-A3EA-18AB98455EC1}" srcId="{79E7A83B-1BE9-45C4-B063-6E4E29DDFA93}" destId="{9B7B80C9-7D39-4094-8C56-BA782CCA3D46}" srcOrd="0" destOrd="0" parTransId="{20CA5DA5-9C39-48DB-89A1-E62F2A4C4433}" sibTransId="{236A8F17-2C1D-4E5D-AFFC-425568FBB078}"/>
-    <dgm:cxn modelId="{FD6ABCB3-845C-4146-B586-0DD5FFD01CF6}" srcId="{79E7A83B-1BE9-45C4-B063-6E4E29DDFA93}" destId="{E2E23735-5B05-4CDF-9340-5A1D0701F3AA}" srcOrd="1" destOrd="0" parTransId="{7E776ADE-E6AF-4922-90B9-21CFB6ECCBFD}" sibTransId="{61FFE04F-3396-4F86-B354-89DE111D510C}"/>
-    <dgm:cxn modelId="{ABF7EFEC-ED61-483C-982E-AAE9146C4DF4}" type="presOf" srcId="{9B7B80C9-7D39-4094-8C56-BA782CCA3D46}" destId="{6ED1E12B-2F5D-48F7-AC1D-A92D0445E423}" srcOrd="0" destOrd="0" presId="urn:microsoft.com/office/officeart/2005/8/layout/default"/>
-    <dgm:cxn modelId="{7D8328C8-7045-44AD-BFBC-5A126179DD78}" type="presParOf" srcId="{30F02728-A692-41B1-9D57-4AC9F121AE22}" destId="{6ED1E12B-2F5D-48F7-AC1D-A92D0445E423}" srcOrd="0" destOrd="0" presId="urn:microsoft.com/office/officeart/2005/8/layout/default"/>
-    <dgm:cxn modelId="{15C4488D-BCC2-489B-A192-1EDA76409210}" type="presParOf" srcId="{30F02728-A692-41B1-9D57-4AC9F121AE22}" destId="{3FC60376-49F4-42AD-8D03-4AA9EF8DE886}" srcOrd="1" destOrd="0" presId="urn:microsoft.com/office/officeart/2005/8/layout/default"/>
-    <dgm:cxn modelId="{F295C0A4-D5AC-4BD4-9848-014678ED6655}" type="presParOf" srcId="{30F02728-A692-41B1-9D57-4AC9F121AE22}" destId="{BC6B3FBF-9E26-4F43-8B46-3E701CE69DE0}" srcOrd="2" destOrd="0" presId="urn:microsoft.com/office/officeart/2005/8/layout/default"/>
+    <dgm:cxn modelId="{966CE705-32D2-486B-8326-789AC1795458}" type="presOf" srcId="{E62DB779-4C28-43E2-9B22-2B9678325A4B}" destId="{F20A47B2-6E1A-4861-9AFB-8ED32D269F55}" srcOrd="0" destOrd="0" presId="urn:microsoft.com/office/officeart/2005/8/layout/hierarchy2"/>
+    <dgm:cxn modelId="{253E1F06-1DE7-434E-A8E4-AF9574AE6A5A}" type="presOf" srcId="{A8B24223-3B7C-48DB-9842-6F2CE969EE74}" destId="{0A3D998F-9130-4C3F-8703-E011BAE3222B}" srcOrd="0" destOrd="0" presId="urn:microsoft.com/office/officeart/2005/8/layout/hierarchy2"/>
+    <dgm:cxn modelId="{3F39470D-DF94-49FD-ACED-17ACC92DC79F}" type="presOf" srcId="{8E6C6AAB-62B7-4A46-8DAA-1B68E4F049D8}" destId="{A0912A4B-EEC1-4C75-884C-67FB6DA316B4}" srcOrd="0" destOrd="0" presId="urn:microsoft.com/office/officeart/2005/8/layout/hierarchy2"/>
+    <dgm:cxn modelId="{1A9B1E14-EBED-4F2F-9337-CA0A53AB6499}" type="presOf" srcId="{EE2EFAC9-424F-47A4-979F-DB95B4B1F7AA}" destId="{F9ADAF10-CCB6-40F0-8885-19424C56F69D}" srcOrd="1" destOrd="0" presId="urn:microsoft.com/office/officeart/2005/8/layout/hierarchy2"/>
+    <dgm:cxn modelId="{6F8B4A3A-8278-4CA1-A336-C522F68DB9B8}" type="presOf" srcId="{8E6C6AAB-62B7-4A46-8DAA-1B68E4F049D8}" destId="{EA41124D-EDF7-4247-A848-A6A6317A2D5D}" srcOrd="1" destOrd="0" presId="urn:microsoft.com/office/officeart/2005/8/layout/hierarchy2"/>
+    <dgm:cxn modelId="{C04AB543-E46D-4A38-8B9A-997D834C71E9}" srcId="{A8B24223-3B7C-48DB-9842-6F2CE969EE74}" destId="{78531B9F-9521-459B-AECB-A1B760626619}" srcOrd="4" destOrd="0" parTransId="{AE89972B-3AAB-4A16-AB17-568A15224BE0}" sibTransId="{05A0BAB5-DBB8-458B-9DCF-B70B81C9B666}"/>
+    <dgm:cxn modelId="{8F940447-3317-42BF-856A-9CA1BCDE55C1}" type="presOf" srcId="{863461F0-779A-4A5F-ABC9-4604978277DE}" destId="{B1F824AA-8EF0-42C8-84D3-54F3BD3AE93A}" srcOrd="0" destOrd="0" presId="urn:microsoft.com/office/officeart/2005/8/layout/hierarchy2"/>
+    <dgm:cxn modelId="{1463034B-3665-467B-97F6-B9C64DA0D507}" type="presOf" srcId="{B39D4BC5-7FAF-45EC-B0DC-07D7DEE7B536}" destId="{518B9167-5DAB-4F93-8E09-F4213B3B71AC}" srcOrd="1" destOrd="0" presId="urn:microsoft.com/office/officeart/2005/8/layout/hierarchy2"/>
+    <dgm:cxn modelId="{63ADA46E-A45D-4598-A23E-EBA6FAB96A2C}" srcId="{A8B24223-3B7C-48DB-9842-6F2CE969EE74}" destId="{E62DB779-4C28-43E2-9B22-2B9678325A4B}" srcOrd="0" destOrd="0" parTransId="{B39D4BC5-7FAF-45EC-B0DC-07D7DEE7B536}" sibTransId="{05EF3420-F5B0-4D40-B614-8152254BF529}"/>
+    <dgm:cxn modelId="{FF142874-CB8A-4CF5-9BA4-4683FABB846C}" type="presOf" srcId="{F75386BA-B073-4BFB-A559-55038DA569DC}" destId="{9A30B65D-BD29-49C0-B1B6-321271C2E854}" srcOrd="0" destOrd="0" presId="urn:microsoft.com/office/officeart/2005/8/layout/hierarchy2"/>
+    <dgm:cxn modelId="{FD6BE774-00A5-4480-BEC0-607A34E2765C}" type="presOf" srcId="{B39D4BC5-7FAF-45EC-B0DC-07D7DEE7B536}" destId="{2053611E-66E7-44C8-A27F-4F3A34E67564}" srcOrd="0" destOrd="0" presId="urn:microsoft.com/office/officeart/2005/8/layout/hierarchy2"/>
+    <dgm:cxn modelId="{24B24A59-3DA1-488E-A26A-2BB691151225}" type="presOf" srcId="{CF783E92-4655-4BB5-9A7C-F3013C31BF51}" destId="{C4D30FA4-4043-4E66-AC37-F54C3680A7C2}" srcOrd="0" destOrd="0" presId="urn:microsoft.com/office/officeart/2005/8/layout/hierarchy2"/>
+    <dgm:cxn modelId="{72AB0E9A-E208-4616-BF77-D601DF63BF7F}" type="presOf" srcId="{D6494C8C-C528-4AE7-A345-BF9F60C038E3}" destId="{3FE706CB-1418-47DB-A9F9-EDA4FF844F24}" srcOrd="0" destOrd="0" presId="urn:microsoft.com/office/officeart/2005/8/layout/hierarchy2"/>
+    <dgm:cxn modelId="{739BEDAE-0FF1-4D00-9D32-87151EA7E339}" type="presOf" srcId="{850A2097-863A-40E5-8206-5C9341094F59}" destId="{242C4067-4723-4525-9ABA-A4F1B21791E0}" srcOrd="0" destOrd="0" presId="urn:microsoft.com/office/officeart/2005/8/layout/hierarchy2"/>
+    <dgm:cxn modelId="{58C24DC3-142C-4425-BAEE-CEEE612B6A4C}" type="presOf" srcId="{AE89972B-3AAB-4A16-AB17-568A15224BE0}" destId="{0815EC41-FF67-4AD9-8426-CB979CA8C899}" srcOrd="1" destOrd="0" presId="urn:microsoft.com/office/officeart/2005/8/layout/hierarchy2"/>
+    <dgm:cxn modelId="{0883B7C7-2E64-42D2-9777-D0A432BCC3B7}" type="presOf" srcId="{850A2097-863A-40E5-8206-5C9341094F59}" destId="{F0631FA0-F8DD-4F9C-A155-0721A97FAB65}" srcOrd="1" destOrd="0" presId="urn:microsoft.com/office/officeart/2005/8/layout/hierarchy2"/>
+    <dgm:cxn modelId="{19FED6C8-8DAE-4842-ADBB-1C81BF12D984}" type="presOf" srcId="{AE89972B-3AAB-4A16-AB17-568A15224BE0}" destId="{7A57EA38-D2F8-40B4-9328-4E31253CFFEA}" srcOrd="0" destOrd="0" presId="urn:microsoft.com/office/officeart/2005/8/layout/hierarchy2"/>
+    <dgm:cxn modelId="{15FCFFCD-49BB-48C5-B558-5FE3F5FF789D}" srcId="{A8B24223-3B7C-48DB-9842-6F2CE969EE74}" destId="{863461F0-779A-4A5F-ABC9-4604978277DE}" srcOrd="1" destOrd="0" parTransId="{EE2EFAC9-424F-47A4-979F-DB95B4B1F7AA}" sibTransId="{1A363A7B-41E6-4345-91D2-9EF57EB76B28}"/>
+    <dgm:cxn modelId="{5EEF4CDF-B351-467F-AD8E-95FBD59B3387}" srcId="{D6494C8C-C528-4AE7-A345-BF9F60C038E3}" destId="{A8B24223-3B7C-48DB-9842-6F2CE969EE74}" srcOrd="0" destOrd="0" parTransId="{6E5DD2C4-8027-48B6-B51C-6C4C30AD82E2}" sibTransId="{2C70CC7D-BA1A-4B0B-827A-2AF2D5B92C4A}"/>
+    <dgm:cxn modelId="{C3BEA3E2-9793-4998-AF74-478C06B5E7DD}" type="presOf" srcId="{EE2EFAC9-424F-47A4-979F-DB95B4B1F7AA}" destId="{5BA3FA2A-352B-4080-A7D4-51BC7F20A1A9}" srcOrd="0" destOrd="0" presId="urn:microsoft.com/office/officeart/2005/8/layout/hierarchy2"/>
+    <dgm:cxn modelId="{D346EFE9-6531-4CFC-918F-7C5E9FDD9EF1}" srcId="{A8B24223-3B7C-48DB-9842-6F2CE969EE74}" destId="{F75386BA-B073-4BFB-A559-55038DA569DC}" srcOrd="3" destOrd="0" parTransId="{8E6C6AAB-62B7-4A46-8DAA-1B68E4F049D8}" sibTransId="{08B6C9E4-8E89-440C-90D4-ABC3D6D3E52E}"/>
+    <dgm:cxn modelId="{DBF42EF6-6A11-46DA-BA0F-7A116038EF6B}" type="presOf" srcId="{78531B9F-9521-459B-AECB-A1B760626619}" destId="{762E370E-DD24-4E28-9F54-F81A520AD71D}" srcOrd="0" destOrd="0" presId="urn:microsoft.com/office/officeart/2005/8/layout/hierarchy2"/>
+    <dgm:cxn modelId="{06659FFF-43B5-4309-BDA1-8788AF1F9D97}" srcId="{A8B24223-3B7C-48DB-9842-6F2CE969EE74}" destId="{CF783E92-4655-4BB5-9A7C-F3013C31BF51}" srcOrd="2" destOrd="0" parTransId="{850A2097-863A-40E5-8206-5C9341094F59}" sibTransId="{11CD3E00-2588-40AB-B28C-5F41B53A9722}"/>
+    <dgm:cxn modelId="{B23ED63E-DAE0-4C56-8C85-4C3731D2F636}" type="presParOf" srcId="{3FE706CB-1418-47DB-A9F9-EDA4FF844F24}" destId="{F98B2643-406D-4C12-87BD-7EEFADCBCE45}" srcOrd="0" destOrd="0" presId="urn:microsoft.com/office/officeart/2005/8/layout/hierarchy2"/>
+    <dgm:cxn modelId="{82418411-E4CD-4414-B2A0-6E6A12919D2D}" type="presParOf" srcId="{F98B2643-406D-4C12-87BD-7EEFADCBCE45}" destId="{0A3D998F-9130-4C3F-8703-E011BAE3222B}" srcOrd="0" destOrd="0" presId="urn:microsoft.com/office/officeart/2005/8/layout/hierarchy2"/>
+    <dgm:cxn modelId="{BEAB9EAB-584F-425C-B777-772E0D8726D7}" type="presParOf" srcId="{F98B2643-406D-4C12-87BD-7EEFADCBCE45}" destId="{B8DCD213-A993-4D43-AD34-767A6665C7A2}" srcOrd="1" destOrd="0" presId="urn:microsoft.com/office/officeart/2005/8/layout/hierarchy2"/>
+    <dgm:cxn modelId="{705F4219-E998-43A4-AC3D-7E466AB7199F}" type="presParOf" srcId="{B8DCD213-A993-4D43-AD34-767A6665C7A2}" destId="{2053611E-66E7-44C8-A27F-4F3A34E67564}" srcOrd="0" destOrd="0" presId="urn:microsoft.com/office/officeart/2005/8/layout/hierarchy2"/>
+    <dgm:cxn modelId="{70CB58FA-968D-4DFB-87CA-6F54B48A0924}" type="presParOf" srcId="{2053611E-66E7-44C8-A27F-4F3A34E67564}" destId="{518B9167-5DAB-4F93-8E09-F4213B3B71AC}" srcOrd="0" destOrd="0" presId="urn:microsoft.com/office/officeart/2005/8/layout/hierarchy2"/>
+    <dgm:cxn modelId="{7C0B43A6-35DB-428A-BF24-58471FFCAC57}" type="presParOf" srcId="{B8DCD213-A993-4D43-AD34-767A6665C7A2}" destId="{4489D441-1F21-4D50-BB7C-CECDCE151153}" srcOrd="1" destOrd="0" presId="urn:microsoft.com/office/officeart/2005/8/layout/hierarchy2"/>
+    <dgm:cxn modelId="{1439FEA9-A9FE-4163-AC2F-D8B10A3D17D4}" type="presParOf" srcId="{4489D441-1F21-4D50-BB7C-CECDCE151153}" destId="{F20A47B2-6E1A-4861-9AFB-8ED32D269F55}" srcOrd="0" destOrd="0" presId="urn:microsoft.com/office/officeart/2005/8/layout/hierarchy2"/>
+    <dgm:cxn modelId="{18C0FD77-A4D8-4448-9B24-990C6EAD5F98}" type="presParOf" srcId="{4489D441-1F21-4D50-BB7C-CECDCE151153}" destId="{CCE87F66-027B-4830-9AB9-51D4AE4A23ED}" srcOrd="1" destOrd="0" presId="urn:microsoft.com/office/officeart/2005/8/layout/hierarchy2"/>
+    <dgm:cxn modelId="{AA54E0C6-FB76-4839-855A-B1AD5D0A3488}" type="presParOf" srcId="{B8DCD213-A993-4D43-AD34-767A6665C7A2}" destId="{5BA3FA2A-352B-4080-A7D4-51BC7F20A1A9}" srcOrd="2" destOrd="0" presId="urn:microsoft.com/office/officeart/2005/8/layout/hierarchy2"/>
+    <dgm:cxn modelId="{4144263E-E9D2-4CFE-A201-A8CDC4B6959E}" type="presParOf" srcId="{5BA3FA2A-352B-4080-A7D4-51BC7F20A1A9}" destId="{F9ADAF10-CCB6-40F0-8885-19424C56F69D}" srcOrd="0" destOrd="0" presId="urn:microsoft.com/office/officeart/2005/8/layout/hierarchy2"/>
+    <dgm:cxn modelId="{C9E9A942-F49C-498B-8C4B-50FD73E62CB0}" type="presParOf" srcId="{B8DCD213-A993-4D43-AD34-767A6665C7A2}" destId="{F476416D-4292-43AC-98D3-C22D7904057A}" srcOrd="3" destOrd="0" presId="urn:microsoft.com/office/officeart/2005/8/layout/hierarchy2"/>
+    <dgm:cxn modelId="{B2E1F8E4-DFCB-4AC9-AE40-BFCF619358E0}" type="presParOf" srcId="{F476416D-4292-43AC-98D3-C22D7904057A}" destId="{B1F824AA-8EF0-42C8-84D3-54F3BD3AE93A}" srcOrd="0" destOrd="0" presId="urn:microsoft.com/office/officeart/2005/8/layout/hierarchy2"/>
+    <dgm:cxn modelId="{C85308AE-5DF8-4865-A73B-121751F27F7D}" type="presParOf" srcId="{F476416D-4292-43AC-98D3-C22D7904057A}" destId="{2140FE4D-865C-43E7-BF4E-5120DAF44893}" srcOrd="1" destOrd="0" presId="urn:microsoft.com/office/officeart/2005/8/layout/hierarchy2"/>
+    <dgm:cxn modelId="{5538C463-4225-43A1-AA45-C156DEB9BA46}" type="presParOf" srcId="{B8DCD213-A993-4D43-AD34-767A6665C7A2}" destId="{242C4067-4723-4525-9ABA-A4F1B21791E0}" srcOrd="4" destOrd="0" presId="urn:microsoft.com/office/officeart/2005/8/layout/hierarchy2"/>
+    <dgm:cxn modelId="{EF6D06D8-E29B-488C-BA9D-E6CFFC3B4584}" type="presParOf" srcId="{242C4067-4723-4525-9ABA-A4F1B21791E0}" destId="{F0631FA0-F8DD-4F9C-A155-0721A97FAB65}" srcOrd="0" destOrd="0" presId="urn:microsoft.com/office/officeart/2005/8/layout/hierarchy2"/>
+    <dgm:cxn modelId="{F5E30242-4115-436D-83CB-D81D6A855274}" type="presParOf" srcId="{B8DCD213-A993-4D43-AD34-767A6665C7A2}" destId="{995B4916-7D2F-4987-A740-915C9169E5FD}" srcOrd="5" destOrd="0" presId="urn:microsoft.com/office/officeart/2005/8/layout/hierarchy2"/>
+    <dgm:cxn modelId="{3B9765A5-4ED4-4DA0-904F-CB3B23BB68D0}" type="presParOf" srcId="{995B4916-7D2F-4987-A740-915C9169E5FD}" destId="{C4D30FA4-4043-4E66-AC37-F54C3680A7C2}" srcOrd="0" destOrd="0" presId="urn:microsoft.com/office/officeart/2005/8/layout/hierarchy2"/>
+    <dgm:cxn modelId="{A0B646C8-8B11-4D43-A1A9-FC9BEE7E163F}" type="presParOf" srcId="{995B4916-7D2F-4987-A740-915C9169E5FD}" destId="{87E5E3AE-AB65-4FDA-B5F5-A41416BB71BD}" srcOrd="1" destOrd="0" presId="urn:microsoft.com/office/officeart/2005/8/layout/hierarchy2"/>
+    <dgm:cxn modelId="{8E2BDA10-89B4-4557-9679-175A510D0EAF}" type="presParOf" srcId="{B8DCD213-A993-4D43-AD34-767A6665C7A2}" destId="{A0912A4B-EEC1-4C75-884C-67FB6DA316B4}" srcOrd="6" destOrd="0" presId="urn:microsoft.com/office/officeart/2005/8/layout/hierarchy2"/>
+    <dgm:cxn modelId="{A88E6F49-BDF5-40B2-BA0C-6E0271FFB6A9}" type="presParOf" srcId="{A0912A4B-EEC1-4C75-884C-67FB6DA316B4}" destId="{EA41124D-EDF7-4247-A848-A6A6317A2D5D}" srcOrd="0" destOrd="0" presId="urn:microsoft.com/office/officeart/2005/8/layout/hierarchy2"/>
+    <dgm:cxn modelId="{64BB315E-EE72-4476-82D7-80CE6548C29D}" type="presParOf" srcId="{B8DCD213-A993-4D43-AD34-767A6665C7A2}" destId="{85478D37-6CA2-4EF1-9758-81D968AB051D}" srcOrd="7" destOrd="0" presId="urn:microsoft.com/office/officeart/2005/8/layout/hierarchy2"/>
+    <dgm:cxn modelId="{CC1BC73F-DA61-4CDD-8862-292E38457CC4}" type="presParOf" srcId="{85478D37-6CA2-4EF1-9758-81D968AB051D}" destId="{9A30B65D-BD29-49C0-B1B6-321271C2E854}" srcOrd="0" destOrd="0" presId="urn:microsoft.com/office/officeart/2005/8/layout/hierarchy2"/>
+    <dgm:cxn modelId="{B180EF69-165F-424E-817C-CFD71333419E}" type="presParOf" srcId="{85478D37-6CA2-4EF1-9758-81D968AB051D}" destId="{9E33A020-6F94-4609-8B0A-630C19EC2290}" srcOrd="1" destOrd="0" presId="urn:microsoft.com/office/officeart/2005/8/layout/hierarchy2"/>
+    <dgm:cxn modelId="{44CD557C-12C5-4970-8AD4-873F126D2861}" type="presParOf" srcId="{B8DCD213-A993-4D43-AD34-767A6665C7A2}" destId="{7A57EA38-D2F8-40B4-9328-4E31253CFFEA}" srcOrd="8" destOrd="0" presId="urn:microsoft.com/office/officeart/2005/8/layout/hierarchy2"/>
+    <dgm:cxn modelId="{1E0D5253-98AB-4CCE-AF12-C637D5B9B775}" type="presParOf" srcId="{7A57EA38-D2F8-40B4-9328-4E31253CFFEA}" destId="{0815EC41-FF67-4AD9-8426-CB979CA8C899}" srcOrd="0" destOrd="0" presId="urn:microsoft.com/office/officeart/2005/8/layout/hierarchy2"/>
+    <dgm:cxn modelId="{D8D1D864-1A22-47B8-B3C5-40FBF278E6A1}" type="presParOf" srcId="{B8DCD213-A993-4D43-AD34-767A6665C7A2}" destId="{9A33D057-B4E9-47DF-9550-997827214029}" srcOrd="9" destOrd="0" presId="urn:microsoft.com/office/officeart/2005/8/layout/hierarchy2"/>
+    <dgm:cxn modelId="{EB001180-A88E-471E-95F9-D4EC0A24E285}" type="presParOf" srcId="{9A33D057-B4E9-47DF-9550-997827214029}" destId="{762E370E-DD24-4E28-9F54-F81A520AD71D}" srcOrd="0" destOrd="0" presId="urn:microsoft.com/office/officeart/2005/8/layout/hierarchy2"/>
+    <dgm:cxn modelId="{1B7FE144-0C32-4B33-AC23-8CA3CB2CC552}" type="presParOf" srcId="{9A33D057-B4E9-47DF-9550-997827214029}" destId="{D3B97657-5BFA-45D4-A853-AAF6AA68F55F}" srcOrd="1" destOrd="0" presId="urn:microsoft.com/office/officeart/2005/8/layout/hierarchy2"/>
   </dgm:cxnLst>
   <dgm:bg/>
   <dgm:whole/>
@@ -1041,48 +1400,65 @@
       <dsp:cNvGrpSpPr/>
     </dsp:nvGrpSpPr>
     <dsp:grpSpPr/>
-    <dsp:sp modelId="{6ED1E12B-2F5D-48F7-AC1D-A92D0445E423}">
+    <dsp:sp modelId="{0A3D998F-9130-4C3F-8703-E011BAE3222B}">
       <dsp:nvSpPr>
         <dsp:cNvPr id="0" name=""/>
         <dsp:cNvSpPr/>
       </dsp:nvSpPr>
       <dsp:spPr>
         <a:xfrm>
-          <a:off x="1174" y="673057"/>
-          <a:ext cx="4578945" cy="2747367"/>
+          <a:off x="1466451" y="2532749"/>
+          <a:ext cx="2200819" cy="1100409"/>
         </a:xfrm>
-        <a:prstGeom prst="rect">
-          <a:avLst/>
+        <a:prstGeom prst="roundRect">
+          <a:avLst>
+            <a:gd name="adj" fmla="val 10000"/>
+          </a:avLst>
         </a:prstGeom>
-        <a:solidFill>
-          <a:schemeClr val="accent2">
-            <a:hueOff val="0"/>
-            <a:satOff val="0"/>
-            <a:lumOff val="0"/>
-            <a:alphaOff val="0"/>
-          </a:schemeClr>
-        </a:solidFill>
-        <a:ln w="19050" cap="rnd" cmpd="sng" algn="ctr">
-          <a:solidFill>
-            <a:schemeClr val="lt1">
-              <a:hueOff val="0"/>
-              <a:satOff val="0"/>
-              <a:lumOff val="0"/>
-              <a:alphaOff val="0"/>
-            </a:schemeClr>
-          </a:solidFill>
-          <a:prstDash val="solid"/>
+        <a:gradFill rotWithShape="0">
+          <a:gsLst>
+            <a:gs pos="0">
+              <a:schemeClr val="lt1">
+                <a:hueOff val="0"/>
+                <a:satOff val="0"/>
+                <a:lumOff val="0"/>
+                <a:alphaOff val="0"/>
+                <a:tint val="96000"/>
+                <a:lumMod val="100000"/>
+              </a:schemeClr>
+            </a:gs>
+            <a:gs pos="78000">
+              <a:schemeClr val="lt1">
+                <a:hueOff val="0"/>
+                <a:satOff val="0"/>
+                <a:lumOff val="0"/>
+                <a:alphaOff val="0"/>
+                <a:shade val="94000"/>
+                <a:lumMod val="94000"/>
+              </a:schemeClr>
+            </a:gs>
+          </a:gsLst>
+          <a:lin ang="5400000" scaled="0"/>
+        </a:gradFill>
+        <a:ln>
+          <a:noFill/>
         </a:ln>
-        <a:effectLst/>
+        <a:effectLst>
+          <a:outerShdw blurRad="38100" dist="25400" dir="5400000" rotWithShape="0">
+            <a:srgbClr val="000000">
+              <a:alpha val="35000"/>
+            </a:srgbClr>
+          </a:outerShdw>
+        </a:effectLst>
       </dsp:spPr>
       <dsp:style>
-        <a:lnRef idx="2">
+        <a:lnRef idx="0">
           <a:scrgbClr r="0" g="0" b="0"/>
         </a:lnRef>
-        <a:fillRef idx="1">
+        <a:fillRef idx="3">
           <a:scrgbClr r="0" g="0" b="0"/>
         </a:fillRef>
-        <a:effectRef idx="0">
+        <a:effectRef idx="2">
           <a:scrgbClr r="0" g="0" b="0"/>
         </a:effectRef>
         <a:fontRef idx="minor">
@@ -1090,12 +1466,12 @@
         </a:fontRef>
       </dsp:style>
       <dsp:txBody>
-        <a:bodyPr spcFirstLastPara="0" vert="horz" wrap="square" lIns="99060" tIns="99060" rIns="99060" bIns="99060" numCol="1" spcCol="1270" anchor="ctr" anchorCtr="0">
+        <a:bodyPr spcFirstLastPara="0" vert="horz" wrap="square" lIns="8890" tIns="8890" rIns="8890" bIns="8890" numCol="1" spcCol="1270" anchor="ctr" anchorCtr="0">
           <a:noAutofit/>
         </a:bodyPr>
         <a:lstStyle/>
         <a:p>
-          <a:pPr marL="0" lvl="0" indent="0" algn="ctr" defTabSz="1155700">
+          <a:pPr marL="0" lvl="0" indent="0" algn="ctr" defTabSz="622300">
             <a:lnSpc>
               <a:spcPct val="90000"/>
             </a:lnSpc>
@@ -1108,41 +1484,61 @@
             <a:buNone/>
           </a:pPr>
           <a:r>
-            <a:rPr lang="pl-PL" sz="2600" kern="1200"/>
-            <a:t>Test jednostkowy (ang. unit test) to metoda testowania tworzonego oprogramowania poprzez wykonywanie testów weryfikujących poprawność działania pojedynczych elementów programu. </a:t>
+            <a:rPr lang="pl-PL" sz="1400" kern="1200" dirty="0">
+              <a:solidFill>
+                <a:schemeClr val="accent2">
+                  <a:lumMod val="50000"/>
+                </a:schemeClr>
+              </a:solidFill>
+            </a:rPr>
+            <a:t>Lista najpopularniejszych frameworków dla najpopularniejszych języków programowania:</a:t>
           </a:r>
-          <a:endParaRPr lang="en-US" sz="2600" kern="1200"/>
+          <a:endParaRPr lang="en-US" sz="1400" kern="1200" dirty="0">
+            <a:solidFill>
+              <a:schemeClr val="accent2">
+                <a:lumMod val="50000"/>
+              </a:schemeClr>
+            </a:solidFill>
+          </a:endParaRPr>
         </a:p>
       </dsp:txBody>
       <dsp:txXfrm>
-        <a:off x="1174" y="673057"/>
-        <a:ext cx="4578945" cy="2747367"/>
+        <a:off x="1498681" y="2564979"/>
+        <a:ext cx="2136359" cy="1035949"/>
       </dsp:txXfrm>
     </dsp:sp>
-    <dsp:sp modelId="{BC6B3FBF-9E26-4F43-8B46-3E701CE69DE0}">
+    <dsp:sp modelId="{2053611E-66E7-44C8-A27F-4F3A34E67564}">
       <dsp:nvSpPr>
         <dsp:cNvPr id="0" name=""/>
         <dsp:cNvSpPr/>
       </dsp:nvSpPr>
       <dsp:spPr>
-        <a:xfrm>
-          <a:off x="5038013" y="673057"/>
-          <a:ext cx="4578945" cy="2747367"/>
+        <a:xfrm rot="17350740">
+          <a:off x="2767598" y="1801420"/>
+          <a:ext cx="2679673" cy="32124"/>
         </a:xfrm>
-        <a:prstGeom prst="rect">
+        <a:custGeom>
           <a:avLst/>
-        </a:prstGeom>
-        <a:solidFill>
-          <a:schemeClr val="accent2">
-            <a:hueOff val="-2964286"/>
-            <a:satOff val="14200"/>
-            <a:lumOff val="13137"/>
-            <a:alphaOff val="0"/>
-          </a:schemeClr>
-        </a:solidFill>
-        <a:ln w="19050" cap="rnd" cmpd="sng" algn="ctr">
+          <a:gdLst/>
+          <a:ahLst/>
+          <a:cxnLst/>
+          <a:rect l="0" t="0" r="0" b="0"/>
+          <a:pathLst>
+            <a:path>
+              <a:moveTo>
+                <a:pt x="0" y="16062"/>
+              </a:moveTo>
+              <a:lnTo>
+                <a:pt x="2679673" y="16062"/>
+              </a:lnTo>
+            </a:path>
+          </a:pathLst>
+        </a:custGeom>
+        <a:noFill/>
+        <a:ln w="12700" cap="rnd" cmpd="sng" algn="ctr">
           <a:solidFill>
-            <a:schemeClr val="lt1">
+            <a:schemeClr val="accent2">
+              <a:shade val="60000"/>
               <a:hueOff val="0"/>
               <a:satOff val="0"/>
               <a:lumOff val="0"/>
@@ -1154,13 +1550,102 @@
         <a:effectLst/>
       </dsp:spPr>
       <dsp:style>
-        <a:lnRef idx="2">
+        <a:lnRef idx="1">
           <a:scrgbClr r="0" g="0" b="0"/>
         </a:lnRef>
-        <a:fillRef idx="1">
+        <a:fillRef idx="0">
           <a:scrgbClr r="0" g="0" b="0"/>
         </a:fillRef>
         <a:effectRef idx="0">
+          <a:scrgbClr r="0" g="0" b="0"/>
+        </a:effectRef>
+        <a:fontRef idx="minor"/>
+      </dsp:style>
+      <dsp:txBody>
+        <a:bodyPr spcFirstLastPara="0" vert="horz" wrap="square" lIns="12700" tIns="0" rIns="12700" bIns="0" numCol="1" spcCol="1270" anchor="ctr" anchorCtr="0">
+          <a:noAutofit/>
+        </a:bodyPr>
+        <a:lstStyle/>
+        <a:p>
+          <a:pPr marL="0" lvl="0" indent="0" algn="ctr" defTabSz="444500">
+            <a:lnSpc>
+              <a:spcPct val="90000"/>
+            </a:lnSpc>
+            <a:spcBef>
+              <a:spcPct val="0"/>
+            </a:spcBef>
+            <a:spcAft>
+              <a:spcPct val="35000"/>
+            </a:spcAft>
+            <a:buNone/>
+          </a:pPr>
+          <a:endParaRPr lang="en-US" sz="1000" kern="1200"/>
+        </a:p>
+      </dsp:txBody>
+      <dsp:txXfrm>
+        <a:off x="4040443" y="1750490"/>
+        <a:ext cx="133983" cy="133983"/>
+      </dsp:txXfrm>
+    </dsp:sp>
+    <dsp:sp modelId="{F20A47B2-6E1A-4861-9AFB-8ED32D269F55}">
+      <dsp:nvSpPr>
+        <dsp:cNvPr id="0" name=""/>
+        <dsp:cNvSpPr/>
+      </dsp:nvSpPr>
+      <dsp:spPr>
+        <a:xfrm>
+          <a:off x="4547598" y="1806"/>
+          <a:ext cx="2200819" cy="1100409"/>
+        </a:xfrm>
+        <a:prstGeom prst="roundRect">
+          <a:avLst>
+            <a:gd name="adj" fmla="val 10000"/>
+          </a:avLst>
+        </a:prstGeom>
+        <a:gradFill rotWithShape="0">
+          <a:gsLst>
+            <a:gs pos="0">
+              <a:schemeClr val="lt1">
+                <a:hueOff val="0"/>
+                <a:satOff val="0"/>
+                <a:lumOff val="0"/>
+                <a:alphaOff val="0"/>
+                <a:tint val="96000"/>
+                <a:lumMod val="100000"/>
+              </a:schemeClr>
+            </a:gs>
+            <a:gs pos="78000">
+              <a:schemeClr val="lt1">
+                <a:hueOff val="0"/>
+                <a:satOff val="0"/>
+                <a:lumOff val="0"/>
+                <a:alphaOff val="0"/>
+                <a:shade val="94000"/>
+                <a:lumMod val="94000"/>
+              </a:schemeClr>
+            </a:gs>
+          </a:gsLst>
+          <a:lin ang="5400000" scaled="0"/>
+        </a:gradFill>
+        <a:ln>
+          <a:noFill/>
+        </a:ln>
+        <a:effectLst>
+          <a:outerShdw blurRad="38100" dist="25400" dir="5400000" rotWithShape="0">
+            <a:srgbClr val="000000">
+              <a:alpha val="35000"/>
+            </a:srgbClr>
+          </a:outerShdw>
+        </a:effectLst>
+      </dsp:spPr>
+      <dsp:style>
+        <a:lnRef idx="0">
+          <a:scrgbClr r="0" g="0" b="0"/>
+        </a:lnRef>
+        <a:fillRef idx="3">
+          <a:scrgbClr r="0" g="0" b="0"/>
+        </a:fillRef>
+        <a:effectRef idx="2">
           <a:scrgbClr r="0" g="0" b="0"/>
         </a:effectRef>
         <a:fontRef idx="minor">
@@ -1168,12 +1653,12 @@
         </a:fontRef>
       </dsp:style>
       <dsp:txBody>
-        <a:bodyPr spcFirstLastPara="0" vert="horz" wrap="square" lIns="99060" tIns="99060" rIns="99060" bIns="99060" numCol="1" spcCol="1270" anchor="ctr" anchorCtr="0">
+        <a:bodyPr spcFirstLastPara="0" vert="horz" wrap="square" lIns="8890" tIns="8890" rIns="8890" bIns="8890" numCol="1" spcCol="1270" anchor="ctr" anchorCtr="0">
           <a:noAutofit/>
         </a:bodyPr>
         <a:lstStyle/>
         <a:p>
-          <a:pPr marL="0" lvl="0" indent="0" algn="ctr" defTabSz="1155700">
+          <a:pPr marL="0" lvl="0" indent="0" algn="ctr" defTabSz="622300">
             <a:lnSpc>
               <a:spcPct val="90000"/>
             </a:lnSpc>
@@ -1186,15 +1671,715 @@
             <a:buNone/>
           </a:pPr>
           <a:r>
-            <a:rPr lang="pl-PL" sz="2600" kern="1200" dirty="0"/>
-            <a:t>Poprzez elementy programu rozumiemy np. metody lub obiektów w programowaniu obiektowym</a:t>
+            <a:rPr lang="pl-PL" sz="1400" kern="1200" dirty="0"/>
+            <a:t>Java - JUnit, TestNG, Mockito</a:t>
           </a:r>
-          <a:endParaRPr lang="en-US" sz="2600" kern="1200" dirty="0"/>
+          <a:endParaRPr lang="en-US" sz="1400" kern="1200" dirty="0"/>
         </a:p>
       </dsp:txBody>
       <dsp:txXfrm>
-        <a:off x="5038013" y="673057"/>
-        <a:ext cx="4578945" cy="2747367"/>
+        <a:off x="4579828" y="34036"/>
+        <a:ext cx="2136359" cy="1035949"/>
+      </dsp:txXfrm>
+    </dsp:sp>
+    <dsp:sp modelId="{5BA3FA2A-352B-4080-A7D4-51BC7F20A1A9}">
+      <dsp:nvSpPr>
+        <dsp:cNvPr id="0" name=""/>
+        <dsp:cNvSpPr/>
+      </dsp:nvSpPr>
+      <dsp:spPr>
+        <a:xfrm rot="18289469">
+          <a:off x="3336657" y="2434156"/>
+          <a:ext cx="1541555" cy="32124"/>
+        </a:xfrm>
+        <a:custGeom>
+          <a:avLst/>
+          <a:gdLst/>
+          <a:ahLst/>
+          <a:cxnLst/>
+          <a:rect l="0" t="0" r="0" b="0"/>
+          <a:pathLst>
+            <a:path>
+              <a:moveTo>
+                <a:pt x="0" y="16062"/>
+              </a:moveTo>
+              <a:lnTo>
+                <a:pt x="1541555" y="16062"/>
+              </a:lnTo>
+            </a:path>
+          </a:pathLst>
+        </a:custGeom>
+        <a:noFill/>
+        <a:ln w="12700" cap="rnd" cmpd="sng" algn="ctr">
+          <a:solidFill>
+            <a:schemeClr val="accent2">
+              <a:shade val="60000"/>
+              <a:hueOff val="0"/>
+              <a:satOff val="0"/>
+              <a:lumOff val="0"/>
+              <a:alphaOff val="0"/>
+            </a:schemeClr>
+          </a:solidFill>
+          <a:prstDash val="solid"/>
+        </a:ln>
+        <a:effectLst/>
+      </dsp:spPr>
+      <dsp:style>
+        <a:lnRef idx="1">
+          <a:scrgbClr r="0" g="0" b="0"/>
+        </a:lnRef>
+        <a:fillRef idx="0">
+          <a:scrgbClr r="0" g="0" b="0"/>
+        </a:fillRef>
+        <a:effectRef idx="0">
+          <a:scrgbClr r="0" g="0" b="0"/>
+        </a:effectRef>
+        <a:fontRef idx="minor"/>
+      </dsp:style>
+      <dsp:txBody>
+        <a:bodyPr spcFirstLastPara="0" vert="horz" wrap="square" lIns="12700" tIns="0" rIns="12700" bIns="0" numCol="1" spcCol="1270" anchor="ctr" anchorCtr="0">
+          <a:noAutofit/>
+        </a:bodyPr>
+        <a:lstStyle/>
+        <a:p>
+          <a:pPr marL="0" lvl="0" indent="0" algn="ctr" defTabSz="222250">
+            <a:lnSpc>
+              <a:spcPct val="90000"/>
+            </a:lnSpc>
+            <a:spcBef>
+              <a:spcPct val="0"/>
+            </a:spcBef>
+            <a:spcAft>
+              <a:spcPct val="35000"/>
+            </a:spcAft>
+            <a:buNone/>
+          </a:pPr>
+          <a:endParaRPr lang="en-US" sz="500" kern="1200"/>
+        </a:p>
+      </dsp:txBody>
+      <dsp:txXfrm>
+        <a:off x="4068896" y="2411679"/>
+        <a:ext cx="77077" cy="77077"/>
+      </dsp:txXfrm>
+    </dsp:sp>
+    <dsp:sp modelId="{B1F824AA-8EF0-42C8-84D3-54F3BD3AE93A}">
+      <dsp:nvSpPr>
+        <dsp:cNvPr id="0" name=""/>
+        <dsp:cNvSpPr/>
+      </dsp:nvSpPr>
+      <dsp:spPr>
+        <a:xfrm>
+          <a:off x="4547598" y="1267277"/>
+          <a:ext cx="2200819" cy="1100409"/>
+        </a:xfrm>
+        <a:prstGeom prst="roundRect">
+          <a:avLst>
+            <a:gd name="adj" fmla="val 10000"/>
+          </a:avLst>
+        </a:prstGeom>
+        <a:gradFill rotWithShape="0">
+          <a:gsLst>
+            <a:gs pos="0">
+              <a:schemeClr val="lt1">
+                <a:hueOff val="0"/>
+                <a:satOff val="0"/>
+                <a:lumOff val="0"/>
+                <a:alphaOff val="0"/>
+                <a:tint val="96000"/>
+                <a:lumMod val="100000"/>
+              </a:schemeClr>
+            </a:gs>
+            <a:gs pos="78000">
+              <a:schemeClr val="lt1">
+                <a:hueOff val="0"/>
+                <a:satOff val="0"/>
+                <a:lumOff val="0"/>
+                <a:alphaOff val="0"/>
+                <a:shade val="94000"/>
+                <a:lumMod val="94000"/>
+              </a:schemeClr>
+            </a:gs>
+          </a:gsLst>
+          <a:lin ang="5400000" scaled="0"/>
+        </a:gradFill>
+        <a:ln>
+          <a:noFill/>
+        </a:ln>
+        <a:effectLst>
+          <a:outerShdw blurRad="38100" dist="25400" dir="5400000" rotWithShape="0">
+            <a:srgbClr val="000000">
+              <a:alpha val="35000"/>
+            </a:srgbClr>
+          </a:outerShdw>
+        </a:effectLst>
+      </dsp:spPr>
+      <dsp:style>
+        <a:lnRef idx="0">
+          <a:scrgbClr r="0" g="0" b="0"/>
+        </a:lnRef>
+        <a:fillRef idx="3">
+          <a:scrgbClr r="0" g="0" b="0"/>
+        </a:fillRef>
+        <a:effectRef idx="2">
+          <a:scrgbClr r="0" g="0" b="0"/>
+        </a:effectRef>
+        <a:fontRef idx="minor">
+          <a:schemeClr val="lt1"/>
+        </a:fontRef>
+      </dsp:style>
+      <dsp:txBody>
+        <a:bodyPr spcFirstLastPara="0" vert="horz" wrap="square" lIns="8890" tIns="8890" rIns="8890" bIns="8890" numCol="1" spcCol="1270" anchor="ctr" anchorCtr="0">
+          <a:noAutofit/>
+        </a:bodyPr>
+        <a:lstStyle/>
+        <a:p>
+          <a:pPr marL="0" lvl="0" indent="0" algn="ctr" defTabSz="622300">
+            <a:lnSpc>
+              <a:spcPct val="90000"/>
+            </a:lnSpc>
+            <a:spcBef>
+              <a:spcPct val="0"/>
+            </a:spcBef>
+            <a:spcAft>
+              <a:spcPct val="35000"/>
+            </a:spcAft>
+            <a:buNone/>
+          </a:pPr>
+          <a:r>
+            <a:rPr lang="pl-PL" sz="1400" kern="1200"/>
+            <a:t>Python - PyTest, unittest, nose</a:t>
+          </a:r>
+          <a:endParaRPr lang="en-US" sz="1400" kern="1200"/>
+        </a:p>
+      </dsp:txBody>
+      <dsp:txXfrm>
+        <a:off x="4579828" y="1299507"/>
+        <a:ext cx="2136359" cy="1035949"/>
+      </dsp:txXfrm>
+    </dsp:sp>
+    <dsp:sp modelId="{242C4067-4723-4525-9ABA-A4F1B21791E0}">
+      <dsp:nvSpPr>
+        <dsp:cNvPr id="0" name=""/>
+        <dsp:cNvSpPr/>
+      </dsp:nvSpPr>
+      <dsp:spPr>
+        <a:xfrm>
+          <a:off x="3667271" y="3066891"/>
+          <a:ext cx="880327" cy="32124"/>
+        </a:xfrm>
+        <a:custGeom>
+          <a:avLst/>
+          <a:gdLst/>
+          <a:ahLst/>
+          <a:cxnLst/>
+          <a:rect l="0" t="0" r="0" b="0"/>
+          <a:pathLst>
+            <a:path>
+              <a:moveTo>
+                <a:pt x="0" y="16062"/>
+              </a:moveTo>
+              <a:lnTo>
+                <a:pt x="880327" y="16062"/>
+              </a:lnTo>
+            </a:path>
+          </a:pathLst>
+        </a:custGeom>
+        <a:noFill/>
+        <a:ln w="12700" cap="rnd" cmpd="sng" algn="ctr">
+          <a:solidFill>
+            <a:schemeClr val="accent2">
+              <a:shade val="60000"/>
+              <a:hueOff val="0"/>
+              <a:satOff val="0"/>
+              <a:lumOff val="0"/>
+              <a:alphaOff val="0"/>
+            </a:schemeClr>
+          </a:solidFill>
+          <a:prstDash val="solid"/>
+        </a:ln>
+        <a:effectLst/>
+      </dsp:spPr>
+      <dsp:style>
+        <a:lnRef idx="1">
+          <a:scrgbClr r="0" g="0" b="0"/>
+        </a:lnRef>
+        <a:fillRef idx="0">
+          <a:scrgbClr r="0" g="0" b="0"/>
+        </a:fillRef>
+        <a:effectRef idx="0">
+          <a:scrgbClr r="0" g="0" b="0"/>
+        </a:effectRef>
+        <a:fontRef idx="minor"/>
+      </dsp:style>
+      <dsp:txBody>
+        <a:bodyPr spcFirstLastPara="0" vert="horz" wrap="square" lIns="12700" tIns="0" rIns="12700" bIns="0" numCol="1" spcCol="1270" anchor="ctr" anchorCtr="0">
+          <a:noAutofit/>
+        </a:bodyPr>
+        <a:lstStyle/>
+        <a:p>
+          <a:pPr marL="0" lvl="0" indent="0" algn="ctr" defTabSz="222250">
+            <a:lnSpc>
+              <a:spcPct val="90000"/>
+            </a:lnSpc>
+            <a:spcBef>
+              <a:spcPct val="0"/>
+            </a:spcBef>
+            <a:spcAft>
+              <a:spcPct val="35000"/>
+            </a:spcAft>
+            <a:buNone/>
+          </a:pPr>
+          <a:endParaRPr lang="en-US" sz="500" kern="1200"/>
+        </a:p>
+      </dsp:txBody>
+      <dsp:txXfrm>
+        <a:off x="4085426" y="3060945"/>
+        <a:ext cx="44016" cy="44016"/>
+      </dsp:txXfrm>
+    </dsp:sp>
+    <dsp:sp modelId="{C4D30FA4-4043-4E66-AC37-F54C3680A7C2}">
+      <dsp:nvSpPr>
+        <dsp:cNvPr id="0" name=""/>
+        <dsp:cNvSpPr/>
+      </dsp:nvSpPr>
+      <dsp:spPr>
+        <a:xfrm>
+          <a:off x="4547598" y="2532749"/>
+          <a:ext cx="2200819" cy="1100409"/>
+        </a:xfrm>
+        <a:prstGeom prst="roundRect">
+          <a:avLst>
+            <a:gd name="adj" fmla="val 10000"/>
+          </a:avLst>
+        </a:prstGeom>
+        <a:gradFill rotWithShape="0">
+          <a:gsLst>
+            <a:gs pos="0">
+              <a:schemeClr val="lt1">
+                <a:hueOff val="0"/>
+                <a:satOff val="0"/>
+                <a:lumOff val="0"/>
+                <a:alphaOff val="0"/>
+                <a:tint val="96000"/>
+                <a:lumMod val="100000"/>
+              </a:schemeClr>
+            </a:gs>
+            <a:gs pos="78000">
+              <a:schemeClr val="lt1">
+                <a:hueOff val="0"/>
+                <a:satOff val="0"/>
+                <a:lumOff val="0"/>
+                <a:alphaOff val="0"/>
+                <a:shade val="94000"/>
+                <a:lumMod val="94000"/>
+              </a:schemeClr>
+            </a:gs>
+          </a:gsLst>
+          <a:lin ang="5400000" scaled="0"/>
+        </a:gradFill>
+        <a:ln>
+          <a:noFill/>
+        </a:ln>
+        <a:effectLst>
+          <a:outerShdw blurRad="38100" dist="25400" dir="5400000" rotWithShape="0">
+            <a:srgbClr val="000000">
+              <a:alpha val="35000"/>
+            </a:srgbClr>
+          </a:outerShdw>
+        </a:effectLst>
+      </dsp:spPr>
+      <dsp:style>
+        <a:lnRef idx="0">
+          <a:scrgbClr r="0" g="0" b="0"/>
+        </a:lnRef>
+        <a:fillRef idx="3">
+          <a:scrgbClr r="0" g="0" b="0"/>
+        </a:fillRef>
+        <a:effectRef idx="2">
+          <a:scrgbClr r="0" g="0" b="0"/>
+        </a:effectRef>
+        <a:fontRef idx="minor">
+          <a:schemeClr val="lt1"/>
+        </a:fontRef>
+      </dsp:style>
+      <dsp:txBody>
+        <a:bodyPr spcFirstLastPara="0" vert="horz" wrap="square" lIns="8890" tIns="8890" rIns="8890" bIns="8890" numCol="1" spcCol="1270" anchor="ctr" anchorCtr="0">
+          <a:noAutofit/>
+        </a:bodyPr>
+        <a:lstStyle/>
+        <a:p>
+          <a:pPr marL="0" lvl="0" indent="0" algn="ctr" defTabSz="622300">
+            <a:lnSpc>
+              <a:spcPct val="90000"/>
+            </a:lnSpc>
+            <a:spcBef>
+              <a:spcPct val="0"/>
+            </a:spcBef>
+            <a:spcAft>
+              <a:spcPct val="35000"/>
+            </a:spcAft>
+            <a:buNone/>
+          </a:pPr>
+          <a:r>
+            <a:rPr lang="pl-PL" sz="1400" kern="1200" dirty="0"/>
+            <a:t>JavaScript - Mocha, Jest, Jasmine</a:t>
+          </a:r>
+          <a:endParaRPr lang="en-US" sz="1400" kern="1200" dirty="0"/>
+        </a:p>
+      </dsp:txBody>
+      <dsp:txXfrm>
+        <a:off x="4579828" y="2564979"/>
+        <a:ext cx="2136359" cy="1035949"/>
+      </dsp:txXfrm>
+    </dsp:sp>
+    <dsp:sp modelId="{A0912A4B-EEC1-4C75-884C-67FB6DA316B4}">
+      <dsp:nvSpPr>
+        <dsp:cNvPr id="0" name=""/>
+        <dsp:cNvSpPr/>
+      </dsp:nvSpPr>
+      <dsp:spPr>
+        <a:xfrm rot="3310531">
+          <a:off x="3336657" y="3699627"/>
+          <a:ext cx="1541555" cy="32124"/>
+        </a:xfrm>
+        <a:custGeom>
+          <a:avLst/>
+          <a:gdLst/>
+          <a:ahLst/>
+          <a:cxnLst/>
+          <a:rect l="0" t="0" r="0" b="0"/>
+          <a:pathLst>
+            <a:path>
+              <a:moveTo>
+                <a:pt x="0" y="16062"/>
+              </a:moveTo>
+              <a:lnTo>
+                <a:pt x="1541555" y="16062"/>
+              </a:lnTo>
+            </a:path>
+          </a:pathLst>
+        </a:custGeom>
+        <a:noFill/>
+        <a:ln w="12700" cap="rnd" cmpd="sng" algn="ctr">
+          <a:solidFill>
+            <a:schemeClr val="accent2">
+              <a:shade val="60000"/>
+              <a:hueOff val="0"/>
+              <a:satOff val="0"/>
+              <a:lumOff val="0"/>
+              <a:alphaOff val="0"/>
+            </a:schemeClr>
+          </a:solidFill>
+          <a:prstDash val="solid"/>
+        </a:ln>
+        <a:effectLst/>
+      </dsp:spPr>
+      <dsp:style>
+        <a:lnRef idx="1">
+          <a:scrgbClr r="0" g="0" b="0"/>
+        </a:lnRef>
+        <a:fillRef idx="0">
+          <a:scrgbClr r="0" g="0" b="0"/>
+        </a:fillRef>
+        <a:effectRef idx="0">
+          <a:scrgbClr r="0" g="0" b="0"/>
+        </a:effectRef>
+        <a:fontRef idx="minor"/>
+      </dsp:style>
+      <dsp:txBody>
+        <a:bodyPr spcFirstLastPara="0" vert="horz" wrap="square" lIns="12700" tIns="0" rIns="12700" bIns="0" numCol="1" spcCol="1270" anchor="ctr" anchorCtr="0">
+          <a:noAutofit/>
+        </a:bodyPr>
+        <a:lstStyle/>
+        <a:p>
+          <a:pPr marL="0" lvl="0" indent="0" algn="ctr" defTabSz="222250">
+            <a:lnSpc>
+              <a:spcPct val="90000"/>
+            </a:lnSpc>
+            <a:spcBef>
+              <a:spcPct val="0"/>
+            </a:spcBef>
+            <a:spcAft>
+              <a:spcPct val="35000"/>
+            </a:spcAft>
+            <a:buNone/>
+          </a:pPr>
+          <a:endParaRPr lang="en-US" sz="500" kern="1200"/>
+        </a:p>
+      </dsp:txBody>
+      <dsp:txXfrm>
+        <a:off x="4068896" y="3677150"/>
+        <a:ext cx="77077" cy="77077"/>
+      </dsp:txXfrm>
+    </dsp:sp>
+    <dsp:sp modelId="{9A30B65D-BD29-49C0-B1B6-321271C2E854}">
+      <dsp:nvSpPr>
+        <dsp:cNvPr id="0" name=""/>
+        <dsp:cNvSpPr/>
+      </dsp:nvSpPr>
+      <dsp:spPr>
+        <a:xfrm>
+          <a:off x="4547598" y="3798220"/>
+          <a:ext cx="2200819" cy="1100409"/>
+        </a:xfrm>
+        <a:prstGeom prst="roundRect">
+          <a:avLst>
+            <a:gd name="adj" fmla="val 10000"/>
+          </a:avLst>
+        </a:prstGeom>
+        <a:gradFill rotWithShape="0">
+          <a:gsLst>
+            <a:gs pos="0">
+              <a:schemeClr val="lt1">
+                <a:hueOff val="0"/>
+                <a:satOff val="0"/>
+                <a:lumOff val="0"/>
+                <a:alphaOff val="0"/>
+                <a:tint val="96000"/>
+                <a:lumMod val="100000"/>
+              </a:schemeClr>
+            </a:gs>
+            <a:gs pos="78000">
+              <a:schemeClr val="lt1">
+                <a:hueOff val="0"/>
+                <a:satOff val="0"/>
+                <a:lumOff val="0"/>
+                <a:alphaOff val="0"/>
+                <a:shade val="94000"/>
+                <a:lumMod val="94000"/>
+              </a:schemeClr>
+            </a:gs>
+          </a:gsLst>
+          <a:lin ang="5400000" scaled="0"/>
+        </a:gradFill>
+        <a:ln>
+          <a:noFill/>
+        </a:ln>
+        <a:effectLst>
+          <a:outerShdw blurRad="38100" dist="25400" dir="5400000" rotWithShape="0">
+            <a:srgbClr val="000000">
+              <a:alpha val="35000"/>
+            </a:srgbClr>
+          </a:outerShdw>
+        </a:effectLst>
+      </dsp:spPr>
+      <dsp:style>
+        <a:lnRef idx="0">
+          <a:scrgbClr r="0" g="0" b="0"/>
+        </a:lnRef>
+        <a:fillRef idx="3">
+          <a:scrgbClr r="0" g="0" b="0"/>
+        </a:fillRef>
+        <a:effectRef idx="2">
+          <a:scrgbClr r="0" g="0" b="0"/>
+        </a:effectRef>
+        <a:fontRef idx="minor">
+          <a:schemeClr val="lt1"/>
+        </a:fontRef>
+      </dsp:style>
+      <dsp:txBody>
+        <a:bodyPr spcFirstLastPara="0" vert="horz" wrap="square" lIns="8890" tIns="8890" rIns="8890" bIns="8890" numCol="1" spcCol="1270" anchor="ctr" anchorCtr="0">
+          <a:noAutofit/>
+        </a:bodyPr>
+        <a:lstStyle/>
+        <a:p>
+          <a:pPr marL="0" lvl="0" indent="0" algn="ctr" defTabSz="622300">
+            <a:lnSpc>
+              <a:spcPct val="90000"/>
+            </a:lnSpc>
+            <a:spcBef>
+              <a:spcPct val="0"/>
+            </a:spcBef>
+            <a:spcAft>
+              <a:spcPct val="35000"/>
+            </a:spcAft>
+            <a:buNone/>
+          </a:pPr>
+          <a:r>
+            <a:rPr lang="pl-PL" sz="1400" kern="1200"/>
+            <a:t>C# - NUnit, xUnit, MSTest</a:t>
+          </a:r>
+          <a:endParaRPr lang="en-US" sz="1400" kern="1200"/>
+        </a:p>
+      </dsp:txBody>
+      <dsp:txXfrm>
+        <a:off x="4579828" y="3830450"/>
+        <a:ext cx="2136359" cy="1035949"/>
+      </dsp:txXfrm>
+    </dsp:sp>
+    <dsp:sp modelId="{7A57EA38-D2F8-40B4-9328-4E31253CFFEA}">
+      <dsp:nvSpPr>
+        <dsp:cNvPr id="0" name=""/>
+        <dsp:cNvSpPr/>
+      </dsp:nvSpPr>
+      <dsp:spPr>
+        <a:xfrm rot="4249260">
+          <a:off x="2767598" y="4332363"/>
+          <a:ext cx="2679673" cy="32124"/>
+        </a:xfrm>
+        <a:custGeom>
+          <a:avLst/>
+          <a:gdLst/>
+          <a:ahLst/>
+          <a:cxnLst/>
+          <a:rect l="0" t="0" r="0" b="0"/>
+          <a:pathLst>
+            <a:path>
+              <a:moveTo>
+                <a:pt x="0" y="16062"/>
+              </a:moveTo>
+              <a:lnTo>
+                <a:pt x="2679673" y="16062"/>
+              </a:lnTo>
+            </a:path>
+          </a:pathLst>
+        </a:custGeom>
+        <a:noFill/>
+        <a:ln w="12700" cap="rnd" cmpd="sng" algn="ctr">
+          <a:solidFill>
+            <a:schemeClr val="accent2">
+              <a:shade val="60000"/>
+              <a:hueOff val="0"/>
+              <a:satOff val="0"/>
+              <a:lumOff val="0"/>
+              <a:alphaOff val="0"/>
+            </a:schemeClr>
+          </a:solidFill>
+          <a:prstDash val="solid"/>
+        </a:ln>
+        <a:effectLst/>
+      </dsp:spPr>
+      <dsp:style>
+        <a:lnRef idx="1">
+          <a:scrgbClr r="0" g="0" b="0"/>
+        </a:lnRef>
+        <a:fillRef idx="0">
+          <a:scrgbClr r="0" g="0" b="0"/>
+        </a:fillRef>
+        <a:effectRef idx="0">
+          <a:scrgbClr r="0" g="0" b="0"/>
+        </a:effectRef>
+        <a:fontRef idx="minor"/>
+      </dsp:style>
+      <dsp:txBody>
+        <a:bodyPr spcFirstLastPara="0" vert="horz" wrap="square" lIns="12700" tIns="0" rIns="12700" bIns="0" numCol="1" spcCol="1270" anchor="ctr" anchorCtr="0">
+          <a:noAutofit/>
+        </a:bodyPr>
+        <a:lstStyle/>
+        <a:p>
+          <a:pPr marL="0" lvl="0" indent="0" algn="ctr" defTabSz="444500">
+            <a:lnSpc>
+              <a:spcPct val="90000"/>
+            </a:lnSpc>
+            <a:spcBef>
+              <a:spcPct val="0"/>
+            </a:spcBef>
+            <a:spcAft>
+              <a:spcPct val="35000"/>
+            </a:spcAft>
+            <a:buNone/>
+          </a:pPr>
+          <a:endParaRPr lang="en-US" sz="1000" kern="1200"/>
+        </a:p>
+      </dsp:txBody>
+      <dsp:txXfrm>
+        <a:off x="4040443" y="4281433"/>
+        <a:ext cx="133983" cy="133983"/>
+      </dsp:txXfrm>
+    </dsp:sp>
+    <dsp:sp modelId="{762E370E-DD24-4E28-9F54-F81A520AD71D}">
+      <dsp:nvSpPr>
+        <dsp:cNvPr id="0" name=""/>
+        <dsp:cNvSpPr/>
+      </dsp:nvSpPr>
+      <dsp:spPr>
+        <a:xfrm>
+          <a:off x="4547598" y="5063691"/>
+          <a:ext cx="2200819" cy="1100409"/>
+        </a:xfrm>
+        <a:prstGeom prst="roundRect">
+          <a:avLst>
+            <a:gd name="adj" fmla="val 10000"/>
+          </a:avLst>
+        </a:prstGeom>
+        <a:gradFill rotWithShape="0">
+          <a:gsLst>
+            <a:gs pos="0">
+              <a:schemeClr val="lt1">
+                <a:hueOff val="0"/>
+                <a:satOff val="0"/>
+                <a:lumOff val="0"/>
+                <a:alphaOff val="0"/>
+                <a:tint val="96000"/>
+                <a:lumMod val="100000"/>
+              </a:schemeClr>
+            </a:gs>
+            <a:gs pos="78000">
+              <a:schemeClr val="lt1">
+                <a:hueOff val="0"/>
+                <a:satOff val="0"/>
+                <a:lumOff val="0"/>
+                <a:alphaOff val="0"/>
+                <a:shade val="94000"/>
+                <a:lumMod val="94000"/>
+              </a:schemeClr>
+            </a:gs>
+          </a:gsLst>
+          <a:lin ang="5400000" scaled="0"/>
+        </a:gradFill>
+        <a:ln>
+          <a:noFill/>
+        </a:ln>
+        <a:effectLst>
+          <a:outerShdw blurRad="38100" dist="25400" dir="5400000" rotWithShape="0">
+            <a:srgbClr val="000000">
+              <a:alpha val="35000"/>
+            </a:srgbClr>
+          </a:outerShdw>
+        </a:effectLst>
+      </dsp:spPr>
+      <dsp:style>
+        <a:lnRef idx="0">
+          <a:scrgbClr r="0" g="0" b="0"/>
+        </a:lnRef>
+        <a:fillRef idx="3">
+          <a:scrgbClr r="0" g="0" b="0"/>
+        </a:fillRef>
+        <a:effectRef idx="2">
+          <a:scrgbClr r="0" g="0" b="0"/>
+        </a:effectRef>
+        <a:fontRef idx="minor">
+          <a:schemeClr val="lt1"/>
+        </a:fontRef>
+      </dsp:style>
+      <dsp:txBody>
+        <a:bodyPr spcFirstLastPara="0" vert="horz" wrap="square" lIns="8890" tIns="8890" rIns="8890" bIns="8890" numCol="1" spcCol="1270" anchor="ctr" anchorCtr="0">
+          <a:noAutofit/>
+        </a:bodyPr>
+        <a:lstStyle/>
+        <a:p>
+          <a:pPr marL="0" lvl="0" indent="0" algn="ctr" defTabSz="622300">
+            <a:lnSpc>
+              <a:spcPct val="90000"/>
+            </a:lnSpc>
+            <a:spcBef>
+              <a:spcPct val="0"/>
+            </a:spcBef>
+            <a:spcAft>
+              <a:spcPct val="35000"/>
+            </a:spcAft>
+            <a:buNone/>
+          </a:pPr>
+          <a:r>
+            <a:rPr lang="pl-PL" sz="1400" kern="1200"/>
+            <a:t>C++ - Google Test, Catch, Boost.Test</a:t>
+          </a:r>
+          <a:endParaRPr lang="en-US" sz="1400" kern="1200"/>
+        </a:p>
+      </dsp:txBody>
+      <dsp:txXfrm>
+        <a:off x="4579828" y="5095921"/>
+        <a:ext cx="2136359" cy="1035949"/>
       </dsp:txXfrm>
     </dsp:sp>
   </dsp:spTree>
@@ -1202,11 +2387,11 @@
 </file>
 
 <file path=ppt/diagrams/layout1.xml><?xml version="1.0" encoding="utf-8"?>
-<dgm:layoutDef xmlns:dgm="http://schemas.openxmlformats.org/drawingml/2006/diagram" xmlns:a="http://schemas.openxmlformats.org/drawingml/2006/main" uniqueId="urn:microsoft.com/office/officeart/2005/8/layout/default">
+<dgm:layoutDef xmlns:dgm="http://schemas.openxmlformats.org/drawingml/2006/diagram" xmlns:a="http://schemas.openxmlformats.org/drawingml/2006/main" uniqueId="urn:microsoft.com/office/officeart/2005/8/layout/hierarchy2">
   <dgm:title val=""/>
   <dgm:desc val=""/>
   <dgm:catLst>
-    <dgm:cat type="list" pri="400"/>
+    <dgm:cat type="hierarchy" pri="5000"/>
   </dgm:catLst>
   <dgm:sampData>
     <dgm:dataModel>
@@ -1218,22 +2403,26 @@
         <dgm:pt modelId="2">
           <dgm:prSet phldr="1"/>
         </dgm:pt>
+        <dgm:pt modelId="21">
+          <dgm:prSet phldr="1"/>
+        </dgm:pt>
+        <dgm:pt modelId="22">
+          <dgm:prSet phldr="1"/>
+        </dgm:pt>
         <dgm:pt modelId="3">
           <dgm:prSet phldr="1"/>
         </dgm:pt>
-        <dgm:pt modelId="4">
-          <dgm:prSet phldr="1"/>
-        </dgm:pt>
-        <dgm:pt modelId="5">
+        <dgm:pt modelId="31">
           <dgm:prSet phldr="1"/>
         </dgm:pt>
       </dgm:ptLst>
       <dgm:cxnLst>
-        <dgm:cxn modelId="6" srcId="0" destId="1" srcOrd="0" destOrd="0"/>
-        <dgm:cxn modelId="7" srcId="0" destId="2" srcOrd="1" destOrd="0"/>
-        <dgm:cxn modelId="8" srcId="0" destId="3" srcOrd="2" destOrd="0"/>
-        <dgm:cxn modelId="9" srcId="0" destId="4" srcOrd="3" destOrd="0"/>
-        <dgm:cxn modelId="10" srcId="0" destId="5" srcOrd="4" destOrd="0"/>
+        <dgm:cxn modelId="4" srcId="0" destId="1" srcOrd="0" destOrd="0"/>
+        <dgm:cxn modelId="5" srcId="1" destId="2" srcOrd="0" destOrd="0"/>
+        <dgm:cxn modelId="6" srcId="1" destId="3" srcOrd="1" destOrd="0"/>
+        <dgm:cxn modelId="23" srcId="2" destId="21" srcOrd="0" destOrd="0"/>
+        <dgm:cxn modelId="24" srcId="2" destId="22" srcOrd="1" destOrd="0"/>
+        <dgm:cxn modelId="33" srcId="3" destId="31" srcOrd="0" destOrd="0"/>
       </dgm:cxnLst>
       <dgm:bg/>
       <dgm:whole/>
@@ -1244,11 +2433,13 @@
       <dgm:ptLst>
         <dgm:pt modelId="0" type="doc"/>
         <dgm:pt modelId="1"/>
-        <dgm:pt modelId="2"/>
+        <dgm:pt modelId="11"/>
+        <dgm:pt modelId="12"/>
       </dgm:ptLst>
       <dgm:cxnLst>
-        <dgm:cxn modelId="3" srcId="0" destId="1" srcOrd="0" destOrd="0"/>
-        <dgm:cxn modelId="4" srcId="0" destId="2" srcOrd="1" destOrd="0"/>
+        <dgm:cxn modelId="2" srcId="0" destId="1" srcOrd="0" destOrd="0"/>
+        <dgm:cxn modelId="13" srcId="1" destId="11" srcOrd="0" destOrd="0"/>
+        <dgm:cxn modelId="14" srcId="1" destId="12" srcOrd="1" destOrd="0"/>
       </dgm:cxnLst>
       <dgm:bg/>
       <dgm:whole/>
@@ -1260,18 +2451,20 @@
         <dgm:pt modelId="0" type="doc"/>
         <dgm:pt modelId="1"/>
         <dgm:pt modelId="2"/>
+        <dgm:pt modelId="21"/>
+        <dgm:pt modelId="211"/>
         <dgm:pt modelId="3"/>
-        <dgm:pt modelId="4"/>
-        <dgm:pt modelId="5"/>
-        <dgm:pt modelId="6"/>
+        <dgm:pt modelId="31"/>
+        <dgm:pt modelId="311"/>
       </dgm:ptLst>
       <dgm:cxnLst>
-        <dgm:cxn modelId="7" srcId="0" destId="1" srcOrd="0" destOrd="0"/>
-        <dgm:cxn modelId="8" srcId="0" destId="2" srcOrd="1" destOrd="0"/>
-        <dgm:cxn modelId="9" srcId="0" destId="3" srcOrd="2" destOrd="0"/>
-        <dgm:cxn modelId="10" srcId="0" destId="4" srcOrd="3" destOrd="0"/>
-        <dgm:cxn modelId="11" srcId="0" destId="5" srcOrd="4" destOrd="0"/>
-        <dgm:cxn modelId="12" srcId="0" destId="6" srcOrd="5" destOrd="0"/>
+        <dgm:cxn modelId="4" srcId="0" destId="1" srcOrd="0" destOrd="0"/>
+        <dgm:cxn modelId="5" srcId="1" destId="2" srcOrd="0" destOrd="0"/>
+        <dgm:cxn modelId="6" srcId="1" destId="3" srcOrd="1" destOrd="0"/>
+        <dgm:cxn modelId="23" srcId="2" destId="21" srcOrd="0" destOrd="0"/>
+        <dgm:cxn modelId="24" srcId="21" destId="211" srcOrd="0" destOrd="0"/>
+        <dgm:cxn modelId="33" srcId="3" destId="31" srcOrd="0" destOrd="0"/>
+        <dgm:cxn modelId="34" srcId="31" destId="311" srcOrd="0" destOrd="0"/>
       </dgm:cxnLst>
       <dgm:bg/>
       <dgm:whole/>
@@ -1279,24 +2472,23 @@
   </dgm:clrData>
   <dgm:layoutNode name="diagram">
     <dgm:varLst>
+      <dgm:chPref val="1"/>
       <dgm:dir/>
+      <dgm:animOne val="branch"/>
+      <dgm:animLvl val="lvl"/>
       <dgm:resizeHandles val="exact"/>
     </dgm:varLst>
     <dgm:choose name="Name0">
       <dgm:if name="Name1" func="var" arg="dir" op="equ" val="norm">
-        <dgm:alg type="snake">
-          <dgm:param type="grDir" val="tL"/>
-          <dgm:param type="flowDir" val="row"/>
-          <dgm:param type="contDir" val="sameDir"/>
-          <dgm:param type="off" val="ctr"/>
+        <dgm:alg type="hierChild">
+          <dgm:param type="linDir" val="fromT"/>
+          <dgm:param type="chAlign" val="l"/>
         </dgm:alg>
       </dgm:if>
       <dgm:else name="Name2">
-        <dgm:alg type="snake">
-          <dgm:param type="grDir" val="tR"/>
-          <dgm:param type="flowDir" val="row"/>
-          <dgm:param type="contDir" val="sameDir"/>
-          <dgm:param type="off" val="ctr"/>
+        <dgm:alg type="hierChild">
+          <dgm:param type="linDir" val="fromT"/>
+          <dgm:param type="chAlign" val="r"/>
         </dgm:alg>
       </dgm:else>
     </dgm:choose>
@@ -1305,42 +2497,208 @@
     </dgm:shape>
     <dgm:presOf/>
     <dgm:constrLst>
-      <dgm:constr type="w" for="ch" forName="node" refType="w"/>
-      <dgm:constr type="h" for="ch" forName="node" refType="w" refFor="ch" refForName="node" fact="0.6"/>
-      <dgm:constr type="w" for="ch" forName="sibTrans" refType="w" refFor="ch" refForName="node" fact="0.1"/>
-      <dgm:constr type="sp" refType="w" refFor="ch" refForName="sibTrans"/>
-      <dgm:constr type="primFontSz" for="ch" forName="node" op="equ" val="65"/>
+      <dgm:constr type="h" for="des" ptType="node" refType="h"/>
+      <dgm:constr type="w" for="des" ptType="node" refType="h" refFor="des" refPtType="node" fact="2"/>
+      <dgm:constr type="sibSp" refType="h" refFor="des" refPtType="node" op="equ" fact="0.15"/>
+      <dgm:constr type="sibSp" for="des" forName="level2hierChild" refType="h" refFor="des" refPtType="node" op="equ" fact="0.15"/>
+      <dgm:constr type="sibSp" for="des" forName="level3hierChild" refType="h" refFor="des" refPtType="node" op="equ" fact="0.15"/>
+      <dgm:constr type="sp" for="des" forName="root1" refType="w" refFor="des" refPtType="node" fact="0.4"/>
+      <dgm:constr type="sp" for="des" forName="root2" refType="sp" refFor="des" refForName="root1" op="equ"/>
+      <dgm:constr type="primFontSz" for="des" ptType="node" op="equ" val="65"/>
+      <dgm:constr type="primFontSz" for="des" forName="connTx" op="equ" val="55"/>
+      <dgm:constr type="primFontSz" for="des" forName="connTx" refType="primFontSz" refFor="des" refPtType="node" op="lte" fact="0.8"/>
     </dgm:constrLst>
     <dgm:ruleLst/>
-    <dgm:forEach name="Name3" axis="ch" ptType="node">
-      <dgm:layoutNode name="node">
-        <dgm:varLst>
-          <dgm:bulletEnabled val="1"/>
-        </dgm:varLst>
-        <dgm:alg type="tx"/>
-        <dgm:shape xmlns:r="http://schemas.openxmlformats.org/officeDocument/2006/relationships" type="rect" r:blip="">
-          <dgm:adjLst/>
-        </dgm:shape>
-        <dgm:presOf axis="desOrSelf" ptType="node"/>
-        <dgm:constrLst>
-          <dgm:constr type="lMarg" refType="primFontSz" fact="0.3"/>
-          <dgm:constr type="rMarg" refType="primFontSz" fact="0.3"/>
-          <dgm:constr type="tMarg" refType="primFontSz" fact="0.3"/>
-          <dgm:constr type="bMarg" refType="primFontSz" fact="0.3"/>
-        </dgm:constrLst>
-        <dgm:ruleLst>
-          <dgm:rule type="primFontSz" val="5" fact="NaN" max="NaN"/>
-        </dgm:ruleLst>
-      </dgm:layoutNode>
-      <dgm:forEach name="Name4" axis="followSib" ptType="sibTrans" cnt="1">
-        <dgm:layoutNode name="sibTrans">
-          <dgm:alg type="sp"/>
+    <dgm:forEach name="Name3" axis="ch">
+      <dgm:forEach name="Name4" axis="self" ptType="node">
+        <dgm:layoutNode name="root1">
+          <dgm:choose name="Name5">
+            <dgm:if name="Name6" func="var" arg="dir" op="equ" val="norm">
+              <dgm:alg type="hierRoot">
+                <dgm:param type="hierAlign" val="lCtrCh"/>
+              </dgm:alg>
+            </dgm:if>
+            <dgm:else name="Name7">
+              <dgm:alg type="hierRoot">
+                <dgm:param type="hierAlign" val="rCtrCh"/>
+              </dgm:alg>
+            </dgm:else>
+          </dgm:choose>
           <dgm:shape xmlns:r="http://schemas.openxmlformats.org/officeDocument/2006/relationships" r:blip="">
             <dgm:adjLst/>
           </dgm:shape>
           <dgm:presOf/>
           <dgm:constrLst/>
           <dgm:ruleLst/>
+          <dgm:layoutNode name="LevelOneTextNode" styleLbl="node0">
+            <dgm:varLst>
+              <dgm:chPref val="3"/>
+            </dgm:varLst>
+            <dgm:alg type="tx"/>
+            <dgm:shape xmlns:r="http://schemas.openxmlformats.org/officeDocument/2006/relationships" type="roundRect" r:blip="">
+              <dgm:adjLst>
+                <dgm:adj idx="1" val="0.1"/>
+              </dgm:adjLst>
+            </dgm:shape>
+            <dgm:presOf axis="self"/>
+            <dgm:constrLst>
+              <dgm:constr type="tMarg" refType="primFontSz" fact="0.05"/>
+              <dgm:constr type="bMarg" refType="primFontSz" fact="0.05"/>
+              <dgm:constr type="lMarg" refType="primFontSz" fact="0.05"/>
+              <dgm:constr type="rMarg" refType="primFontSz" fact="0.05"/>
+            </dgm:constrLst>
+            <dgm:ruleLst>
+              <dgm:rule type="primFontSz" val="5" fact="NaN" max="NaN"/>
+            </dgm:ruleLst>
+          </dgm:layoutNode>
+          <dgm:layoutNode name="level2hierChild">
+            <dgm:choose name="Name8">
+              <dgm:if name="Name9" func="var" arg="dir" op="equ" val="norm">
+                <dgm:alg type="hierChild">
+                  <dgm:param type="linDir" val="fromT"/>
+                  <dgm:param type="chAlign" val="l"/>
+                </dgm:alg>
+              </dgm:if>
+              <dgm:else name="Name10">
+                <dgm:alg type="hierChild">
+                  <dgm:param type="linDir" val="fromT"/>
+                  <dgm:param type="chAlign" val="r"/>
+                </dgm:alg>
+              </dgm:else>
+            </dgm:choose>
+            <dgm:shape xmlns:r="http://schemas.openxmlformats.org/officeDocument/2006/relationships" r:blip="">
+              <dgm:adjLst/>
+            </dgm:shape>
+            <dgm:presOf/>
+            <dgm:constrLst/>
+            <dgm:ruleLst/>
+            <dgm:forEach name="repeat" axis="ch">
+              <dgm:forEach name="Name11" axis="self" ptType="parTrans" cnt="1">
+                <dgm:layoutNode name="conn2-1">
+                  <dgm:choose name="Name12">
+                    <dgm:if name="Name13" func="var" arg="dir" op="equ" val="norm">
+                      <dgm:alg type="conn">
+                        <dgm:param type="dim" val="1D"/>
+                        <dgm:param type="begPts" val="midR"/>
+                        <dgm:param type="endPts" val="midL"/>
+                        <dgm:param type="endSty" val="noArr"/>
+                      </dgm:alg>
+                    </dgm:if>
+                    <dgm:else name="Name14">
+                      <dgm:alg type="conn">
+                        <dgm:param type="dim" val="1D"/>
+                        <dgm:param type="begPts" val="midL"/>
+                        <dgm:param type="endPts" val="midR"/>
+                        <dgm:param type="endSty" val="noArr"/>
+                      </dgm:alg>
+                    </dgm:else>
+                  </dgm:choose>
+                  <dgm:shape xmlns:r="http://schemas.openxmlformats.org/officeDocument/2006/relationships" type="conn" r:blip="">
+                    <dgm:adjLst/>
+                  </dgm:shape>
+                  <dgm:presOf axis="self"/>
+                  <dgm:constrLst>
+                    <dgm:constr type="w" val="1"/>
+                    <dgm:constr type="h" val="5"/>
+                    <dgm:constr type="connDist"/>
+                    <dgm:constr type="begPad"/>
+                    <dgm:constr type="endPad"/>
+                    <dgm:constr type="userA" for="ch" refType="connDist"/>
+                  </dgm:constrLst>
+                  <dgm:ruleLst/>
+                  <dgm:layoutNode name="connTx">
+                    <dgm:alg type="tx">
+                      <dgm:param type="autoTxRot" val="grav"/>
+                    </dgm:alg>
+                    <dgm:shape xmlns:r="http://schemas.openxmlformats.org/officeDocument/2006/relationships" type="rect" r:blip="" hideGeom="1">
+                      <dgm:adjLst/>
+                    </dgm:shape>
+                    <dgm:presOf axis="self"/>
+                    <dgm:constrLst>
+                      <dgm:constr type="userA"/>
+                      <dgm:constr type="w" refType="userA" fact="0.05"/>
+                      <dgm:constr type="h" refType="userA" fact="0.05"/>
+                      <dgm:constr type="lMarg" val="1"/>
+                      <dgm:constr type="rMarg" val="1"/>
+                      <dgm:constr type="tMarg"/>
+                      <dgm:constr type="bMarg"/>
+                    </dgm:constrLst>
+                    <dgm:ruleLst>
+                      <dgm:rule type="h" val="NaN" fact="0.25" max="NaN"/>
+                      <dgm:rule type="w" val="NaN" fact="0.8" max="NaN"/>
+                      <dgm:rule type="primFontSz" val="5" fact="NaN" max="NaN"/>
+                    </dgm:ruleLst>
+                  </dgm:layoutNode>
+                </dgm:layoutNode>
+              </dgm:forEach>
+              <dgm:forEach name="Name15" axis="self" ptType="node">
+                <dgm:layoutNode name="root2">
+                  <dgm:choose name="Name16">
+                    <dgm:if name="Name17" func="var" arg="dir" op="equ" val="norm">
+                      <dgm:alg type="hierRoot">
+                        <dgm:param type="hierAlign" val="lCtrCh"/>
+                      </dgm:alg>
+                    </dgm:if>
+                    <dgm:else name="Name18">
+                      <dgm:alg type="hierRoot">
+                        <dgm:param type="hierAlign" val="rCtrCh"/>
+                      </dgm:alg>
+                    </dgm:else>
+                  </dgm:choose>
+                  <dgm:shape xmlns:r="http://schemas.openxmlformats.org/officeDocument/2006/relationships" r:blip="">
+                    <dgm:adjLst/>
+                  </dgm:shape>
+                  <dgm:presOf/>
+                  <dgm:constrLst/>
+                  <dgm:ruleLst/>
+                  <dgm:layoutNode name="LevelTwoTextNode">
+                    <dgm:varLst>
+                      <dgm:chPref val="3"/>
+                    </dgm:varLst>
+                    <dgm:alg type="tx"/>
+                    <dgm:shape xmlns:r="http://schemas.openxmlformats.org/officeDocument/2006/relationships" type="roundRect" r:blip="">
+                      <dgm:adjLst>
+                        <dgm:adj idx="1" val="0.1"/>
+                      </dgm:adjLst>
+                    </dgm:shape>
+                    <dgm:presOf axis="self"/>
+                    <dgm:constrLst>
+                      <dgm:constr type="tMarg" refType="primFontSz" fact="0.05"/>
+                      <dgm:constr type="bMarg" refType="primFontSz" fact="0.05"/>
+                      <dgm:constr type="lMarg" refType="primFontSz" fact="0.05"/>
+                      <dgm:constr type="rMarg" refType="primFontSz" fact="0.05"/>
+                    </dgm:constrLst>
+                    <dgm:ruleLst>
+                      <dgm:rule type="primFontSz" val="5" fact="NaN" max="NaN"/>
+                    </dgm:ruleLst>
+                  </dgm:layoutNode>
+                  <dgm:layoutNode name="level3hierChild">
+                    <dgm:choose name="Name19">
+                      <dgm:if name="Name20" func="var" arg="dir" op="equ" val="norm">
+                        <dgm:alg type="hierChild">
+                          <dgm:param type="linDir" val="fromT"/>
+                          <dgm:param type="chAlign" val="l"/>
+                        </dgm:alg>
+                      </dgm:if>
+                      <dgm:else name="Name21">
+                        <dgm:alg type="hierChild">
+                          <dgm:param type="linDir" val="fromT"/>
+                          <dgm:param type="chAlign" val="r"/>
+                        </dgm:alg>
+                      </dgm:else>
+                    </dgm:choose>
+                    <dgm:shape xmlns:r="http://schemas.openxmlformats.org/officeDocument/2006/relationships" r:blip="">
+                      <dgm:adjLst/>
+                    </dgm:shape>
+                    <dgm:presOf/>
+                    <dgm:constrLst/>
+                    <dgm:ruleLst/>
+                    <dgm:forEach name="Name22" ref="repeat"/>
+                  </dgm:layoutNode>
+                </dgm:layoutNode>
+              </dgm:forEach>
+            </dgm:forEach>
+          </dgm:layoutNode>
         </dgm:layoutNode>
       </dgm:forEach>
     </dgm:forEach>
@@ -1349,11 +2707,11 @@
 </file>
 
 <file path=ppt/diagrams/quickStyle1.xml><?xml version="1.0" encoding="utf-8"?>
-<dgm:styleDef xmlns:dgm="http://schemas.openxmlformats.org/drawingml/2006/diagram" xmlns:a="http://schemas.openxmlformats.org/drawingml/2006/main" uniqueId="urn:microsoft.com/office/officeart/2005/8/quickstyle/simple1">
+<dgm:styleDef xmlns:dgm="http://schemas.openxmlformats.org/drawingml/2006/diagram" xmlns:a="http://schemas.openxmlformats.org/drawingml/2006/main" uniqueId="urn:microsoft.com/office/officeart/2005/8/quickstyle/simple4">
   <dgm:title val=""/>
   <dgm:desc val=""/>
   <dgm:catLst>
-    <dgm:cat type="simple" pri="10100"/>
+    <dgm:cat type="simple" pri="10400"/>
   </dgm:catLst>
   <dgm:scene3d>
     <a:camera prst="orthographicFront"/>
@@ -1367,13 +2725,13 @@
     <dgm:sp3d/>
     <dgm:txPr/>
     <dgm:style>
-      <a:lnRef idx="2">
+      <a:lnRef idx="0">
         <a:scrgbClr r="0" g="0" b="0"/>
       </a:lnRef>
-      <a:fillRef idx="1">
+      <a:fillRef idx="3">
         <a:scrgbClr r="0" g="0" b="0"/>
       </a:fillRef>
-      <a:effectRef idx="0">
+      <a:effectRef idx="2">
         <a:scrgbClr r="0" g="0" b="0"/>
       </a:effectRef>
       <a:fontRef idx="minor">
@@ -1389,13 +2747,13 @@
     <dgm:sp3d/>
     <dgm:txPr/>
     <dgm:style>
-      <a:lnRef idx="2">
+      <a:lnRef idx="1">
         <a:scrgbClr r="0" g="0" b="0"/>
       </a:lnRef>
-      <a:fillRef idx="1">
+      <a:fillRef idx="3">
         <a:scrgbClr r="0" g="0" b="0"/>
       </a:fillRef>
-      <a:effectRef idx="0">
+      <a:effectRef idx="2">
         <a:scrgbClr r="0" g="0" b="0"/>
       </a:effectRef>
       <a:fontRef idx="minor">
@@ -1411,10 +2769,10 @@
     <dgm:sp3d/>
     <dgm:txPr/>
     <dgm:style>
-      <a:lnRef idx="2">
+      <a:lnRef idx="0">
         <a:scrgbClr r="0" g="0" b="0"/>
       </a:lnRef>
-      <a:fillRef idx="1">
+      <a:fillRef idx="3">
         <a:scrgbClr r="0" g="0" b="0"/>
       </a:fillRef>
       <a:effectRef idx="0">
@@ -1433,13 +2791,13 @@
     <dgm:sp3d/>
     <dgm:txPr/>
     <dgm:style>
-      <a:lnRef idx="2">
+      <a:lnRef idx="1">
         <a:scrgbClr r="0" g="0" b="0"/>
       </a:lnRef>
-      <a:fillRef idx="1">
+      <a:fillRef idx="3">
         <a:scrgbClr r="0" g="0" b="0"/>
       </a:fillRef>
-      <a:effectRef idx="0">
+      <a:effectRef idx="2">
         <a:scrgbClr r="0" g="0" b="0"/>
       </a:effectRef>
       <a:fontRef idx="minor">
@@ -1455,13 +2813,13 @@
     <dgm:sp3d/>
     <dgm:txPr/>
     <dgm:style>
-      <a:lnRef idx="2">
+      <a:lnRef idx="0">
         <a:scrgbClr r="0" g="0" b="0"/>
       </a:lnRef>
-      <a:fillRef idx="1">
+      <a:fillRef idx="3">
         <a:scrgbClr r="0" g="0" b="0"/>
       </a:fillRef>
-      <a:effectRef idx="0">
+      <a:effectRef idx="2">
         <a:scrgbClr r="0" g="0" b="0"/>
       </a:effectRef>
       <a:fontRef idx="minor">
@@ -1477,13 +2835,13 @@
     <dgm:sp3d/>
     <dgm:txPr/>
     <dgm:style>
-      <a:lnRef idx="2">
+      <a:lnRef idx="0">
         <a:scrgbClr r="0" g="0" b="0"/>
       </a:lnRef>
-      <a:fillRef idx="1">
+      <a:fillRef idx="3">
         <a:scrgbClr r="0" g="0" b="0"/>
       </a:fillRef>
-      <a:effectRef idx="0">
+      <a:effectRef idx="2">
         <a:scrgbClr r="0" g="0" b="0"/>
       </a:effectRef>
       <a:fontRef idx="minor">
@@ -1499,13 +2857,13 @@
     <dgm:sp3d/>
     <dgm:txPr/>
     <dgm:style>
-      <a:lnRef idx="2">
+      <a:lnRef idx="0">
         <a:scrgbClr r="0" g="0" b="0"/>
       </a:lnRef>
-      <a:fillRef idx="1">
+      <a:fillRef idx="3">
         <a:scrgbClr r="0" g="0" b="0"/>
       </a:fillRef>
-      <a:effectRef idx="0">
+      <a:effectRef idx="2">
         <a:scrgbClr r="0" g="0" b="0"/>
       </a:effectRef>
       <a:fontRef idx="minor">
@@ -1521,13 +2879,13 @@
     <dgm:sp3d/>
     <dgm:txPr/>
     <dgm:style>
-      <a:lnRef idx="2">
+      <a:lnRef idx="0">
         <a:scrgbClr r="0" g="0" b="0"/>
       </a:lnRef>
-      <a:fillRef idx="1">
+      <a:fillRef idx="3">
         <a:scrgbClr r="0" g="0" b="0"/>
       </a:fillRef>
-      <a:effectRef idx="0">
+      <a:effectRef idx="2">
         <a:scrgbClr r="0" g="0" b="0"/>
       </a:effectRef>
       <a:fontRef idx="minor">
@@ -1543,13 +2901,13 @@
     <dgm:sp3d/>
     <dgm:txPr/>
     <dgm:style>
-      <a:lnRef idx="2">
+      <a:lnRef idx="0">
         <a:scrgbClr r="0" g="0" b="0"/>
       </a:lnRef>
       <a:fillRef idx="1">
         <a:scrgbClr r="0" g="0" b="0"/>
       </a:fillRef>
-      <a:effectRef idx="0">
+      <a:effectRef idx="2">
         <a:scrgbClr r="0" g="0" b="0"/>
       </a:effectRef>
       <a:fontRef idx="minor"/>
@@ -1563,13 +2921,13 @@
     <dgm:sp3d/>
     <dgm:txPr/>
     <dgm:style>
-      <a:lnRef idx="2">
+      <a:lnRef idx="0">
         <a:scrgbClr r="0" g="0" b="0"/>
       </a:lnRef>
       <a:fillRef idx="1">
         <a:scrgbClr r="0" g="0" b="0"/>
       </a:fillRef>
-      <a:effectRef idx="0">
+      <a:effectRef idx="2">
         <a:scrgbClr r="0" g="0" b="0"/>
       </a:effectRef>
       <a:fontRef idx="minor"/>
@@ -1583,13 +2941,13 @@
     <dgm:sp3d/>
     <dgm:txPr/>
     <dgm:style>
-      <a:lnRef idx="2">
+      <a:lnRef idx="0">
         <a:scrgbClr r="0" g="0" b="0"/>
       </a:lnRef>
       <a:fillRef idx="1">
         <a:scrgbClr r="0" g="0" b="0"/>
       </a:fillRef>
-      <a:effectRef idx="0">
+      <a:effectRef idx="2">
         <a:scrgbClr r="0" g="0" b="0"/>
       </a:effectRef>
       <a:fontRef idx="minor"/>
@@ -1606,10 +2964,10 @@
       <a:lnRef idx="0">
         <a:scrgbClr r="0" g="0" b="0"/>
       </a:lnRef>
-      <a:fillRef idx="1">
+      <a:fillRef idx="3">
         <a:scrgbClr r="0" g="0" b="0"/>
       </a:fillRef>
-      <a:effectRef idx="0">
+      <a:effectRef idx="2">
         <a:scrgbClr r="0" g="0" b="0"/>
       </a:effectRef>
       <a:fontRef idx="minor">
@@ -1628,10 +2986,10 @@
       <a:lnRef idx="0">
         <a:scrgbClr r="0" g="0" b="0"/>
       </a:lnRef>
-      <a:fillRef idx="1">
+      <a:fillRef idx="3">
         <a:scrgbClr r="0" g="0" b="0"/>
       </a:fillRef>
-      <a:effectRef idx="0">
+      <a:effectRef idx="2">
         <a:scrgbClr r="0" g="0" b="0"/>
       </a:effectRef>
       <a:fontRef idx="minor">
@@ -1650,10 +3008,10 @@
       <a:lnRef idx="0">
         <a:scrgbClr r="0" g="0" b="0"/>
       </a:lnRef>
-      <a:fillRef idx="1">
+      <a:fillRef idx="3">
         <a:scrgbClr r="0" g="0" b="0"/>
       </a:fillRef>
-      <a:effectRef idx="0">
+      <a:effectRef idx="2">
         <a:scrgbClr r="0" g="0" b="0"/>
       </a:effectRef>
       <a:fontRef idx="minor">
@@ -1695,7 +3053,7 @@
       <a:fillRef idx="1">
         <a:scrgbClr r="0" g="0" b="0"/>
       </a:fillRef>
-      <a:effectRef idx="0">
+      <a:effectRef idx="1">
         <a:scrgbClr r="0" g="0" b="0"/>
       </a:effectRef>
       <a:fontRef idx="minor"/>
@@ -1709,13 +3067,13 @@
     <dgm:sp3d/>
     <dgm:txPr/>
     <dgm:style>
-      <a:lnRef idx="2">
+      <a:lnRef idx="0">
         <a:scrgbClr r="0" g="0" b="0"/>
       </a:lnRef>
-      <a:fillRef idx="1">
+      <a:fillRef idx="3">
         <a:scrgbClr r="0" g="0" b="0"/>
       </a:fillRef>
-      <a:effectRef idx="0">
+      <a:effectRef idx="2">
         <a:scrgbClr r="0" g="0" b="0"/>
       </a:effectRef>
       <a:fontRef idx="minor">
@@ -1731,13 +3089,13 @@
     <dgm:sp3d/>
     <dgm:txPr/>
     <dgm:style>
-      <a:lnRef idx="2">
+      <a:lnRef idx="0">
         <a:scrgbClr r="0" g="0" b="0"/>
       </a:lnRef>
-      <a:fillRef idx="1">
+      <a:fillRef idx="3">
         <a:scrgbClr r="0" g="0" b="0"/>
       </a:fillRef>
-      <a:effectRef idx="0">
+      <a:effectRef idx="2">
         <a:scrgbClr r="0" g="0" b="0"/>
       </a:effectRef>
       <a:fontRef idx="minor">
@@ -1753,13 +3111,13 @@
     <dgm:sp3d/>
     <dgm:txPr/>
     <dgm:style>
-      <a:lnRef idx="2">
+      <a:lnRef idx="0">
         <a:scrgbClr r="0" g="0" b="0"/>
       </a:lnRef>
-      <a:fillRef idx="1">
+      <a:fillRef idx="3">
         <a:scrgbClr r="0" g="0" b="0"/>
       </a:fillRef>
-      <a:effectRef idx="0">
+      <a:effectRef idx="2">
         <a:scrgbClr r="0" g="0" b="0"/>
       </a:effectRef>
       <a:fontRef idx="minor">
@@ -1775,13 +3133,13 @@
     <dgm:sp3d/>
     <dgm:txPr/>
     <dgm:style>
-      <a:lnRef idx="2">
+      <a:lnRef idx="0">
         <a:scrgbClr r="0" g="0" b="0"/>
       </a:lnRef>
-      <a:fillRef idx="1">
+      <a:fillRef idx="3">
         <a:scrgbClr r="0" g="0" b="0"/>
       </a:fillRef>
-      <a:effectRef idx="0">
+      <a:effectRef idx="2">
         <a:scrgbClr r="0" g="0" b="0"/>
       </a:effectRef>
       <a:fontRef idx="minor">
@@ -1797,13 +3155,13 @@
     <dgm:sp3d/>
     <dgm:txPr/>
     <dgm:style>
-      <a:lnRef idx="2">
+      <a:lnRef idx="0">
         <a:scrgbClr r="0" g="0" b="0"/>
       </a:lnRef>
-      <a:fillRef idx="1">
+      <a:fillRef idx="3">
         <a:scrgbClr r="0" g="0" b="0"/>
       </a:fillRef>
-      <a:effectRef idx="0">
+      <a:effectRef idx="2">
         <a:scrgbClr r="0" g="0" b="0"/>
       </a:effectRef>
       <a:fontRef idx="minor">
@@ -1819,13 +3177,13 @@
     <dgm:sp3d/>
     <dgm:txPr/>
     <dgm:style>
-      <a:lnRef idx="2">
+      <a:lnRef idx="0">
         <a:scrgbClr r="0" g="0" b="0"/>
       </a:lnRef>
-      <a:fillRef idx="1">
+      <a:fillRef idx="3">
         <a:scrgbClr r="0" g="0" b="0"/>
       </a:fillRef>
-      <a:effectRef idx="0">
+      <a:effectRef idx="2">
         <a:scrgbClr r="0" g="0" b="0"/>
       </a:effectRef>
       <a:fontRef idx="minor">
@@ -1841,13 +3199,13 @@
     <dgm:sp3d/>
     <dgm:txPr/>
     <dgm:style>
-      <a:lnRef idx="2">
+      <a:lnRef idx="0">
         <a:scrgbClr r="0" g="0" b="0"/>
       </a:lnRef>
-      <a:fillRef idx="1">
+      <a:fillRef idx="3">
         <a:scrgbClr r="0" g="0" b="0"/>
       </a:fillRef>
-      <a:effectRef idx="0">
+      <a:effectRef idx="2">
         <a:scrgbClr r="0" g="0" b="0"/>
       </a:effectRef>
       <a:fontRef idx="minor">
@@ -1863,13 +3221,13 @@
     <dgm:sp3d/>
     <dgm:txPr/>
     <dgm:style>
-      <a:lnRef idx="2">
+      <a:lnRef idx="1">
         <a:scrgbClr r="0" g="0" b="0"/>
       </a:lnRef>
-      <a:fillRef idx="1">
+      <a:fillRef idx="3">
         <a:scrgbClr r="0" g="0" b="0"/>
       </a:fillRef>
-      <a:effectRef idx="0">
+      <a:effectRef idx="2">
         <a:scrgbClr r="0" g="0" b="0"/>
       </a:effectRef>
       <a:fontRef idx="minor">
@@ -1885,13 +3243,13 @@
     <dgm:sp3d/>
     <dgm:txPr/>
     <dgm:style>
-      <a:lnRef idx="2">
+      <a:lnRef idx="1">
         <a:scrgbClr r="0" g="0" b="0"/>
       </a:lnRef>
-      <a:fillRef idx="1">
+      <a:fillRef idx="3">
         <a:scrgbClr r="0" g="0" b="0"/>
       </a:fillRef>
-      <a:effectRef idx="0">
+      <a:effectRef idx="2">
         <a:scrgbClr r="0" g="0" b="0"/>
       </a:effectRef>
       <a:fontRef idx="minor">
@@ -1907,7 +3265,7 @@
     <dgm:sp3d/>
     <dgm:txPr/>
     <dgm:style>
-      <a:lnRef idx="2">
+      <a:lnRef idx="1">
         <a:scrgbClr r="0" g="0" b="0"/>
       </a:lnRef>
       <a:fillRef idx="0">
@@ -1927,7 +3285,7 @@
     <dgm:sp3d/>
     <dgm:txPr/>
     <dgm:style>
-      <a:lnRef idx="2">
+      <a:lnRef idx="1">
         <a:scrgbClr r="0" g="0" b="0"/>
       </a:lnRef>
       <a:fillRef idx="0">
@@ -1947,7 +3305,7 @@
     <dgm:sp3d/>
     <dgm:txPr/>
     <dgm:style>
-      <a:lnRef idx="2">
+      <a:lnRef idx="1">
         <a:scrgbClr r="0" g="0" b="0"/>
       </a:lnRef>
       <a:fillRef idx="0">
@@ -1967,7 +3325,7 @@
     <dgm:sp3d/>
     <dgm:txPr/>
     <dgm:style>
-      <a:lnRef idx="2">
+      <a:lnRef idx="1">
         <a:scrgbClr r="0" g="0" b="0"/>
       </a:lnRef>
       <a:fillRef idx="0">
@@ -1987,7 +3345,7 @@
     <dgm:sp3d/>
     <dgm:txPr/>
     <dgm:style>
-      <a:lnRef idx="2">
+      <a:lnRef idx="1">
         <a:scrgbClr r="0" g="0" b="0"/>
       </a:lnRef>
       <a:fillRef idx="1">
@@ -2007,7 +3365,7 @@
     <dgm:sp3d/>
     <dgm:txPr/>
     <dgm:style>
-      <a:lnRef idx="2">
+      <a:lnRef idx="1">
         <a:scrgbClr r="0" g="0" b="0"/>
       </a:lnRef>
       <a:fillRef idx="1">
@@ -2027,7 +3385,7 @@
     <dgm:sp3d/>
     <dgm:txPr/>
     <dgm:style>
-      <a:lnRef idx="2">
+      <a:lnRef idx="1">
         <a:scrgbClr r="0" g="0" b="0"/>
       </a:lnRef>
       <a:fillRef idx="1">
@@ -2067,7 +3425,7 @@
     <dgm:sp3d/>
     <dgm:txPr/>
     <dgm:style>
-      <a:lnRef idx="2">
+      <a:lnRef idx="1">
         <a:scrgbClr r="0" g="0" b="0"/>
       </a:lnRef>
       <a:fillRef idx="1">
@@ -2087,7 +3445,7 @@
     <dgm:sp3d/>
     <dgm:txPr/>
     <dgm:style>
-      <a:lnRef idx="2">
+      <a:lnRef idx="1">
         <a:scrgbClr r="0" g="0" b="0"/>
       </a:lnRef>
       <a:fillRef idx="1">
@@ -2107,7 +3465,7 @@
     <dgm:sp3d/>
     <dgm:txPr/>
     <dgm:style>
-      <a:lnRef idx="2">
+      <a:lnRef idx="1">
         <a:scrgbClr r="0" g="0" b="0"/>
       </a:lnRef>
       <a:fillRef idx="1">
@@ -2127,7 +3485,7 @@
     <dgm:sp3d/>
     <dgm:txPr/>
     <dgm:style>
-      <a:lnRef idx="2">
+      <a:lnRef idx="1">
         <a:scrgbClr r="0" g="0" b="0"/>
       </a:lnRef>
       <a:fillRef idx="1">
@@ -2147,7 +3505,7 @@
     <dgm:sp3d/>
     <dgm:txPr/>
     <dgm:style>
-      <a:lnRef idx="2">
+      <a:lnRef idx="1">
         <a:scrgbClr r="0" g="0" b="0"/>
       </a:lnRef>
       <a:fillRef idx="1">
@@ -2167,7 +3525,7 @@
     <dgm:sp3d/>
     <dgm:txPr/>
     <dgm:style>
-      <a:lnRef idx="2">
+      <a:lnRef idx="1">
         <a:scrgbClr r="0" g="0" b="0"/>
       </a:lnRef>
       <a:fillRef idx="1">
@@ -2187,7 +3545,7 @@
     <dgm:sp3d/>
     <dgm:txPr/>
     <dgm:style>
-      <a:lnRef idx="2">
+      <a:lnRef idx="1">
         <a:scrgbClr r="0" g="0" b="0"/>
       </a:lnRef>
       <a:fillRef idx="1">
@@ -2207,7 +3565,7 @@
     <dgm:sp3d/>
     <dgm:txPr/>
     <dgm:style>
-      <a:lnRef idx="2">
+      <a:lnRef idx="1">
         <a:scrgbClr r="0" g="0" b="0"/>
       </a:lnRef>
       <a:fillRef idx="1">
@@ -2227,7 +3585,7 @@
     <dgm:sp3d/>
     <dgm:txPr/>
     <dgm:style>
-      <a:lnRef idx="2">
+      <a:lnRef idx="1">
         <a:scrgbClr r="0" g="0" b="0"/>
       </a:lnRef>
       <a:fillRef idx="1">
@@ -2247,7 +3605,7 @@
     <dgm:sp3d/>
     <dgm:txPr/>
     <dgm:style>
-      <a:lnRef idx="2">
+      <a:lnRef idx="1">
         <a:scrgbClr r="0" g="0" b="0"/>
       </a:lnRef>
       <a:fillRef idx="1">
@@ -2267,7 +3625,7 @@
     <dgm:sp3d/>
     <dgm:txPr/>
     <dgm:style>
-      <a:lnRef idx="2">
+      <a:lnRef idx="1">
         <a:scrgbClr r="0" g="0" b="0"/>
       </a:lnRef>
       <a:fillRef idx="1">
@@ -2293,7 +3651,7 @@
       <a:fillRef idx="1">
         <a:scrgbClr r="0" g="0" b="0"/>
       </a:fillRef>
-      <a:effectRef idx="0">
+      <a:effectRef idx="2">
         <a:scrgbClr r="0" g="0" b="0"/>
       </a:effectRef>
       <a:fontRef idx="minor"/>
@@ -2313,7 +3671,7 @@
       <a:fillRef idx="1">
         <a:scrgbClr r="0" g="0" b="0"/>
       </a:fillRef>
-      <a:effectRef idx="0">
+      <a:effectRef idx="2">
         <a:scrgbClr r="0" g="0" b="0"/>
       </a:effectRef>
       <a:fontRef idx="minor"/>
@@ -2347,13 +3705,13 @@
     <dgm:sp3d/>
     <dgm:txPr/>
     <dgm:style>
-      <a:lnRef idx="2">
+      <a:lnRef idx="0">
         <a:scrgbClr r="0" g="0" b="0"/>
       </a:lnRef>
-      <a:fillRef idx="1">
+      <a:fillRef idx="3">
         <a:scrgbClr r="0" g="0" b="0"/>
       </a:fillRef>
-      <a:effectRef idx="0">
+      <a:effectRef idx="2">
         <a:scrgbClr r="0" g="0" b="0"/>
       </a:effectRef>
       <a:fontRef idx="minor"/>
@@ -3104,7 +4462,7 @@
           <a:p>
             <a:fld id="{BFC0EC73-D7A7-4532-88F3-B222CBA1DBF1}" type="datetimeFigureOut">
               <a:rPr lang="pl-PL" smtClean="0"/>
-              <a:t>25.11.2022</a:t>
+              <a:t>09.12.2022</a:t>
             </a:fld>
             <a:endParaRPr lang="pl-PL"/>
           </a:p>
@@ -3355,7 +4713,7 @@
           <a:p>
             <a:fld id="{BFC0EC73-D7A7-4532-88F3-B222CBA1DBF1}" type="datetimeFigureOut">
               <a:rPr lang="pl-PL" smtClean="0"/>
-              <a:t>25.11.2022</a:t>
+              <a:t>09.12.2022</a:t>
             </a:fld>
             <a:endParaRPr lang="pl-PL"/>
           </a:p>
@@ -3669,7 +5027,7 @@
           <a:p>
             <a:fld id="{BFC0EC73-D7A7-4532-88F3-B222CBA1DBF1}" type="datetimeFigureOut">
               <a:rPr lang="pl-PL" smtClean="0"/>
-              <a:t>25.11.2022</a:t>
+              <a:t>09.12.2022</a:t>
             </a:fld>
             <a:endParaRPr lang="pl-PL"/>
           </a:p>
@@ -4010,7 +5368,7 @@
           <a:p>
             <a:fld id="{BFC0EC73-D7A7-4532-88F3-B222CBA1DBF1}" type="datetimeFigureOut">
               <a:rPr lang="pl-PL" smtClean="0"/>
-              <a:t>25.11.2022</a:t>
+              <a:t>09.12.2022</a:t>
             </a:fld>
             <a:endParaRPr lang="pl-PL"/>
           </a:p>
@@ -4324,7 +5682,7 @@
           <a:p>
             <a:fld id="{BFC0EC73-D7A7-4532-88F3-B222CBA1DBF1}" type="datetimeFigureOut">
               <a:rPr lang="pl-PL" smtClean="0"/>
-              <a:t>25.11.2022</a:t>
+              <a:t>09.12.2022</a:t>
             </a:fld>
             <a:endParaRPr lang="pl-PL"/>
           </a:p>
@@ -4717,7 +6075,7 @@
           <a:p>
             <a:fld id="{BFC0EC73-D7A7-4532-88F3-B222CBA1DBF1}" type="datetimeFigureOut">
               <a:rPr lang="pl-PL" smtClean="0"/>
-              <a:t>25.11.2022</a:t>
+              <a:t>09.12.2022</a:t>
             </a:fld>
             <a:endParaRPr lang="pl-PL"/>
           </a:p>
@@ -4887,7 +6245,7 @@
           <a:p>
             <a:fld id="{BFC0EC73-D7A7-4532-88F3-B222CBA1DBF1}" type="datetimeFigureOut">
               <a:rPr lang="pl-PL" smtClean="0"/>
-              <a:t>25.11.2022</a:t>
+              <a:t>09.12.2022</a:t>
             </a:fld>
             <a:endParaRPr lang="pl-PL"/>
           </a:p>
@@ -5067,7 +6425,7 @@
           <a:p>
             <a:fld id="{BFC0EC73-D7A7-4532-88F3-B222CBA1DBF1}" type="datetimeFigureOut">
               <a:rPr lang="pl-PL" smtClean="0"/>
-              <a:t>25.11.2022</a:t>
+              <a:t>09.12.2022</a:t>
             </a:fld>
             <a:endParaRPr lang="pl-PL"/>
           </a:p>
@@ -5243,7 +6601,7 @@
           <a:p>
             <a:fld id="{BFC0EC73-D7A7-4532-88F3-B222CBA1DBF1}" type="datetimeFigureOut">
               <a:rPr lang="pl-PL" smtClean="0"/>
-              <a:t>25.11.2022</a:t>
+              <a:t>09.12.2022</a:t>
             </a:fld>
             <a:endParaRPr lang="pl-PL"/>
           </a:p>
@@ -5490,7 +6848,7 @@
           <a:p>
             <a:fld id="{BFC0EC73-D7A7-4532-88F3-B222CBA1DBF1}" type="datetimeFigureOut">
               <a:rPr lang="pl-PL" smtClean="0"/>
-              <a:t>25.11.2022</a:t>
+              <a:t>09.12.2022</a:t>
             </a:fld>
             <a:endParaRPr lang="pl-PL"/>
           </a:p>
@@ -5722,7 +7080,7 @@
           <a:p>
             <a:fld id="{BFC0EC73-D7A7-4532-88F3-B222CBA1DBF1}" type="datetimeFigureOut">
               <a:rPr lang="pl-PL" smtClean="0"/>
-              <a:t>25.11.2022</a:t>
+              <a:t>09.12.2022</a:t>
             </a:fld>
             <a:endParaRPr lang="pl-PL"/>
           </a:p>
@@ -6096,7 +7454,7 @@
           <a:p>
             <a:fld id="{BFC0EC73-D7A7-4532-88F3-B222CBA1DBF1}" type="datetimeFigureOut">
               <a:rPr lang="pl-PL" smtClean="0"/>
-              <a:t>25.11.2022</a:t>
+              <a:t>09.12.2022</a:t>
             </a:fld>
             <a:endParaRPr lang="pl-PL"/>
           </a:p>
@@ -6219,7 +7577,7 @@
           <a:p>
             <a:fld id="{BFC0EC73-D7A7-4532-88F3-B222CBA1DBF1}" type="datetimeFigureOut">
               <a:rPr lang="pl-PL" smtClean="0"/>
-              <a:t>25.11.2022</a:t>
+              <a:t>09.12.2022</a:t>
             </a:fld>
             <a:endParaRPr lang="pl-PL"/>
           </a:p>
@@ -6314,7 +7672,7 @@
           <a:p>
             <a:fld id="{BFC0EC73-D7A7-4532-88F3-B222CBA1DBF1}" type="datetimeFigureOut">
               <a:rPr lang="pl-PL" smtClean="0"/>
-              <a:t>25.11.2022</a:t>
+              <a:t>09.12.2022</a:t>
             </a:fld>
             <a:endParaRPr lang="pl-PL"/>
           </a:p>
@@ -6569,7 +7927,7 @@
           <a:p>
             <a:fld id="{BFC0EC73-D7A7-4532-88F3-B222CBA1DBF1}" type="datetimeFigureOut">
               <a:rPr lang="pl-PL" smtClean="0"/>
-              <a:t>25.11.2022</a:t>
+              <a:t>09.12.2022</a:t>
             </a:fld>
             <a:endParaRPr lang="pl-PL"/>
           </a:p>
@@ -6832,7 +8190,7 @@
           <a:p>
             <a:fld id="{BFC0EC73-D7A7-4532-88F3-B222CBA1DBF1}" type="datetimeFigureOut">
               <a:rPr lang="pl-PL" smtClean="0"/>
-              <a:t>25.11.2022</a:t>
+              <a:t>09.12.2022</a:t>
             </a:fld>
             <a:endParaRPr lang="pl-PL"/>
           </a:p>
@@ -7575,7 +8933,7 @@
           <a:p>
             <a:fld id="{BFC0EC73-D7A7-4532-88F3-B222CBA1DBF1}" type="datetimeFigureOut">
               <a:rPr lang="pl-PL" smtClean="0"/>
-              <a:t>25.11.2022</a:t>
+              <a:t>09.12.2022</a:t>
             </a:fld>
             <a:endParaRPr lang="pl-PL"/>
           </a:p>
@@ -8212,8 +9570,8 @@
         </p:nvSpPr>
         <p:spPr>
           <a:xfrm>
-            <a:off x="668867" y="1678666"/>
-            <a:ext cx="4088190" cy="2369093"/>
+            <a:off x="226502" y="1678666"/>
+            <a:ext cx="4763557" cy="2369093"/>
           </a:xfrm>
         </p:spPr>
         <p:txBody>
@@ -8228,15 +9586,8 @@
               </a:lnSpc>
             </a:pPr>
             <a:r>
-              <a:rPr lang="pl-PL" sz="2600"/>
-              <a:t>Testy jednostkowe</a:t>
-            </a:r>
-            <a:br>
-              <a:rPr lang="pl-PL" sz="2600"/>
-            </a:br>
-            <a:r>
-              <a:rPr lang="pl-PL" sz="2600"/>
-              <a:t>przeprowadzanie testów jednostkowych aplikacji z wykorzystaniem szkieletów testujących</a:t>
+              <a:rPr lang="pl-PL" sz="4000" dirty="0"/>
+              <a:t>Testy jednostkowe (Unit tests)</a:t>
             </a:r>
           </a:p>
         </p:txBody>
@@ -8270,7 +9621,7 @@
           <a:lstStyle/>
           <a:p>
             <a:r>
-              <a:rPr lang="pl-PL" sz="1600"/>
+              <a:rPr lang="pl-PL" sz="1600" dirty="0"/>
               <a:t>Konrad Stępniak</a:t>
             </a:r>
           </a:p>
@@ -8916,6 +10267,794 @@
 </p:sld>
 </file>
 
+<file path=ppt/slides/slide10.xml><?xml version="1.0" encoding="utf-8"?>
+<p:sld xmlns:a="http://schemas.openxmlformats.org/drawingml/2006/main" xmlns:r="http://schemas.openxmlformats.org/officeDocument/2006/relationships" xmlns:p="http://schemas.openxmlformats.org/presentationml/2006/main">
+  <p:cSld>
+    <p:spTree>
+      <p:nvGrpSpPr>
+        <p:cNvPr id="1" name=""/>
+        <p:cNvGrpSpPr/>
+        <p:nvPr/>
+      </p:nvGrpSpPr>
+      <p:grpSpPr>
+        <a:xfrm>
+          <a:off x="0" y="0"/>
+          <a:ext cx="0" cy="0"/>
+          <a:chOff x="0" y="0"/>
+          <a:chExt cx="0" cy="0"/>
+        </a:xfrm>
+      </p:grpSpPr>
+      <p:sp>
+        <p:nvSpPr>
+          <p:cNvPr id="2" name="Title 1">
+            <a:extLst>
+              <a:ext uri="{FF2B5EF4-FFF2-40B4-BE49-F238E27FC236}">
+                <a16:creationId xmlns:a16="http://schemas.microsoft.com/office/drawing/2014/main" id="{8B0514CE-D288-52B5-F4CE-4FFAB879A482}"/>
+              </a:ext>
+            </a:extLst>
+          </p:cNvPr>
+          <p:cNvSpPr>
+            <a:spLocks noGrp="1"/>
+          </p:cNvSpPr>
+          <p:nvPr>
+            <p:ph type="title"/>
+          </p:nvPr>
+        </p:nvSpPr>
+        <p:spPr/>
+        <p:txBody>
+          <a:bodyPr/>
+          <a:lstStyle/>
+          <a:p>
+            <a:r>
+              <a:rPr lang="pl-PL" dirty="0"/>
+              <a:t>Przykład klasy dla testu jednostkowego</a:t>
+            </a:r>
+          </a:p>
+        </p:txBody>
+      </p:sp>
+      <p:sp>
+        <p:nvSpPr>
+          <p:cNvPr id="3" name="Content Placeholder 2">
+            <a:extLst>
+              <a:ext uri="{FF2B5EF4-FFF2-40B4-BE49-F238E27FC236}">
+                <a16:creationId xmlns:a16="http://schemas.microsoft.com/office/drawing/2014/main" id="{311DC39E-B800-7B90-01B6-AC0D138420E0}"/>
+              </a:ext>
+            </a:extLst>
+          </p:cNvPr>
+          <p:cNvSpPr>
+            <a:spLocks noGrp="1"/>
+          </p:cNvSpPr>
+          <p:nvPr>
+            <p:ph idx="1"/>
+          </p:nvPr>
+        </p:nvSpPr>
+        <p:spPr>
+          <a:xfrm>
+            <a:off x="677334" y="1488613"/>
+            <a:ext cx="8596668" cy="3880773"/>
+          </a:xfrm>
+        </p:spPr>
+        <p:txBody>
+          <a:bodyPr/>
+          <a:lstStyle/>
+          <a:p>
+            <a:pPr marL="0" indent="0">
+              <a:buNone/>
+            </a:pPr>
+            <a:r>
+              <a:rPr lang="pl-PL" dirty="0"/>
+              <a:t>Poniżej klasa testu z wykorzystaniem wspomnianych adnotacji:</a:t>
+            </a:r>
+          </a:p>
+          <a:p>
+            <a:endParaRPr lang="pl-PL" dirty="0"/>
+          </a:p>
+        </p:txBody>
+      </p:sp>
+      <p:pic>
+        <p:nvPicPr>
+          <p:cNvPr id="5" name="Picture 4">
+            <a:extLst>
+              <a:ext uri="{FF2B5EF4-FFF2-40B4-BE49-F238E27FC236}">
+                <a16:creationId xmlns:a16="http://schemas.microsoft.com/office/drawing/2014/main" id="{65EA3BA2-3A60-6D3F-7805-40D2BE62D524}"/>
+              </a:ext>
+            </a:extLst>
+          </p:cNvPr>
+          <p:cNvPicPr>
+            <a:picLocks noChangeAspect="1"/>
+          </p:cNvPicPr>
+          <p:nvPr/>
+        </p:nvPicPr>
+        <p:blipFill>
+          <a:blip r:embed="rId2"/>
+          <a:stretch>
+            <a:fillRect/>
+          </a:stretch>
+        </p:blipFill>
+        <p:spPr>
+          <a:xfrm>
+            <a:off x="889362" y="2218473"/>
+            <a:ext cx="6611372" cy="4029926"/>
+          </a:xfrm>
+          <a:prstGeom prst="rect">
+            <a:avLst/>
+          </a:prstGeom>
+        </p:spPr>
+      </p:pic>
+    </p:spTree>
+    <p:extLst>
+      <p:ext uri="{BB962C8B-B14F-4D97-AF65-F5344CB8AC3E}">
+        <p14:creationId xmlns:p14="http://schemas.microsoft.com/office/powerpoint/2010/main" val="3257946884"/>
+      </p:ext>
+    </p:extLst>
+  </p:cSld>
+  <p:clrMapOvr>
+    <a:masterClrMapping/>
+  </p:clrMapOvr>
+</p:sld>
+</file>
+
+<file path=ppt/slides/slide11.xml><?xml version="1.0" encoding="utf-8"?>
+<p:sld xmlns:a="http://schemas.openxmlformats.org/drawingml/2006/main" xmlns:r="http://schemas.openxmlformats.org/officeDocument/2006/relationships" xmlns:p="http://schemas.openxmlformats.org/presentationml/2006/main">
+  <p:cSld>
+    <p:spTree>
+      <p:nvGrpSpPr>
+        <p:cNvPr id="1" name=""/>
+        <p:cNvGrpSpPr/>
+        <p:nvPr/>
+      </p:nvGrpSpPr>
+      <p:grpSpPr>
+        <a:xfrm>
+          <a:off x="0" y="0"/>
+          <a:ext cx="0" cy="0"/>
+          <a:chOff x="0" y="0"/>
+          <a:chExt cx="0" cy="0"/>
+        </a:xfrm>
+      </p:grpSpPr>
+      <p:sp>
+        <p:nvSpPr>
+          <p:cNvPr id="2" name="Title 1">
+            <a:extLst>
+              <a:ext uri="{FF2B5EF4-FFF2-40B4-BE49-F238E27FC236}">
+                <a16:creationId xmlns:a16="http://schemas.microsoft.com/office/drawing/2014/main" id="{42C6B075-3BD8-3156-00B1-ADE2B5EB4FE2}"/>
+              </a:ext>
+            </a:extLst>
+          </p:cNvPr>
+          <p:cNvSpPr>
+            <a:spLocks noGrp="1"/>
+          </p:cNvSpPr>
+          <p:nvPr>
+            <p:ph type="title"/>
+          </p:nvPr>
+        </p:nvSpPr>
+        <p:spPr/>
+        <p:txBody>
+          <a:bodyPr/>
+          <a:lstStyle/>
+          <a:p>
+            <a:r>
+              <a:rPr lang="pl-PL" dirty="0"/>
+              <a:t>Najważniejsze adnotacje</a:t>
+            </a:r>
+          </a:p>
+        </p:txBody>
+      </p:sp>
+      <p:sp>
+        <p:nvSpPr>
+          <p:cNvPr id="3" name="Content Placeholder 2">
+            <a:extLst>
+              <a:ext uri="{FF2B5EF4-FFF2-40B4-BE49-F238E27FC236}">
+                <a16:creationId xmlns:a16="http://schemas.microsoft.com/office/drawing/2014/main" id="{541E5F2B-CB72-60D4-6B26-18348032C076}"/>
+              </a:ext>
+            </a:extLst>
+          </p:cNvPr>
+          <p:cNvSpPr>
+            <a:spLocks noGrp="1"/>
+          </p:cNvSpPr>
+          <p:nvPr>
+            <p:ph idx="1"/>
+          </p:nvPr>
+        </p:nvSpPr>
+        <p:spPr/>
+        <p:txBody>
+          <a:bodyPr/>
+          <a:lstStyle/>
+          <a:p>
+            <a:pPr>
+              <a:buFont typeface="Wingdings" panose="05000000000000000000" pitchFamily="2" charset="2"/>
+              <a:buChar char="§"/>
+            </a:pPr>
+            <a:r>
+              <a:rPr lang="pl-PL" dirty="0"/>
+              <a:t>@Before - pozwala na wykonanie fragmentów kodu przed testem.</a:t>
+            </a:r>
+          </a:p>
+          <a:p>
+            <a:pPr>
+              <a:buFont typeface="Wingdings" panose="05000000000000000000" pitchFamily="2" charset="2"/>
+              <a:buChar char="§"/>
+            </a:pPr>
+            <a:r>
+              <a:rPr lang="pl-PL" dirty="0"/>
+              <a:t>@After – metoda z tą adnotacją uruchamiana po każdym teście jednostkowym, pozwala na „posprzątanie” po teście,</a:t>
+            </a:r>
+          </a:p>
+          <a:p>
+            <a:pPr>
+              <a:buFont typeface="Wingdings" panose="05000000000000000000" pitchFamily="2" charset="2"/>
+              <a:buChar char="§"/>
+            </a:pPr>
+            <a:r>
+              <a:rPr lang="pl-PL" dirty="0"/>
+              <a:t>@AfterClass – metoda statyczna z tą adnotacją uruchamiana jest raz po uruchomieniu wszystkich testów z danej klasy,</a:t>
+            </a:r>
+          </a:p>
+          <a:p>
+            <a:pPr>
+              <a:buFont typeface="Wingdings" panose="05000000000000000000" pitchFamily="2" charset="2"/>
+              <a:buChar char="§"/>
+            </a:pPr>
+            <a:r>
+              <a:rPr lang="pl-PL" dirty="0"/>
+              <a:t>@BeforeClass – metoda statyczna z tą adnotacją uruchamiana jest raz przed uruchomieniem pierwszego testu z danej klasy.</a:t>
+            </a:r>
+          </a:p>
+          <a:p>
+            <a:pPr marL="0" indent="0">
+              <a:buNone/>
+            </a:pPr>
+            <a:endParaRPr lang="pl-PL" dirty="0"/>
+          </a:p>
+        </p:txBody>
+      </p:sp>
+    </p:spTree>
+    <p:extLst>
+      <p:ext uri="{BB962C8B-B14F-4D97-AF65-F5344CB8AC3E}">
+        <p14:creationId xmlns:p14="http://schemas.microsoft.com/office/powerpoint/2010/main" val="1671248991"/>
+      </p:ext>
+    </p:extLst>
+  </p:cSld>
+  <p:clrMapOvr>
+    <a:masterClrMapping/>
+  </p:clrMapOvr>
+</p:sld>
+</file>
+
+<file path=ppt/slides/slide12.xml><?xml version="1.0" encoding="utf-8"?>
+<p:sld xmlns:a="http://schemas.openxmlformats.org/drawingml/2006/main" xmlns:r="http://schemas.openxmlformats.org/officeDocument/2006/relationships" xmlns:p="http://schemas.openxmlformats.org/presentationml/2006/main">
+  <p:cSld>
+    <p:bg>
+      <p:bgPr>
+        <a:solidFill>
+          <a:schemeClr val="bg1"/>
+        </a:solidFill>
+        <a:effectLst/>
+      </p:bgPr>
+    </p:bg>
+    <p:spTree>
+      <p:nvGrpSpPr>
+        <p:cNvPr id="1" name=""/>
+        <p:cNvGrpSpPr/>
+        <p:nvPr/>
+      </p:nvGrpSpPr>
+      <p:grpSpPr>
+        <a:xfrm>
+          <a:off x="0" y="0"/>
+          <a:ext cx="0" cy="0"/>
+          <a:chOff x="0" y="0"/>
+          <a:chExt cx="0" cy="0"/>
+        </a:xfrm>
+      </p:grpSpPr>
+      <p:sp>
+        <p:nvSpPr>
+          <p:cNvPr id="2" name="Title 1">
+            <a:extLst>
+              <a:ext uri="{FF2B5EF4-FFF2-40B4-BE49-F238E27FC236}">
+                <a16:creationId xmlns:a16="http://schemas.microsoft.com/office/drawing/2014/main" id="{B4331FEE-8BA0-7E99-E425-C4CC5278035B}"/>
+              </a:ext>
+            </a:extLst>
+          </p:cNvPr>
+          <p:cNvSpPr>
+            <a:spLocks noGrp="1"/>
+          </p:cNvSpPr>
+          <p:nvPr>
+            <p:ph type="title"/>
+          </p:nvPr>
+        </p:nvSpPr>
+        <p:spPr>
+          <a:xfrm>
+            <a:off x="6096000" y="143069"/>
+            <a:ext cx="4217437" cy="1320800"/>
+          </a:xfrm>
+        </p:spPr>
+        <p:txBody>
+          <a:bodyPr anchor="t">
+            <a:normAutofit/>
+          </a:bodyPr>
+          <a:lstStyle/>
+          <a:p>
+            <a:r>
+              <a:rPr lang="pl-PL" dirty="0"/>
+              <a:t>Adnotacje w praktyce</a:t>
+            </a:r>
+          </a:p>
+        </p:txBody>
+      </p:sp>
+      <p:sp>
+        <p:nvSpPr>
+          <p:cNvPr id="9" name="Content Placeholder 8">
+            <a:extLst>
+              <a:ext uri="{FF2B5EF4-FFF2-40B4-BE49-F238E27FC236}">
+                <a16:creationId xmlns:a16="http://schemas.microsoft.com/office/drawing/2014/main" id="{5C81029B-3D87-A56B-3182-904862563975}"/>
+              </a:ext>
+            </a:extLst>
+          </p:cNvPr>
+          <p:cNvSpPr>
+            <a:spLocks noGrp="1"/>
+          </p:cNvSpPr>
+          <p:nvPr>
+            <p:ph idx="1"/>
+          </p:nvPr>
+        </p:nvSpPr>
+        <p:spPr>
+          <a:xfrm>
+            <a:off x="5669904" y="1973978"/>
+            <a:ext cx="5207839" cy="3880773"/>
+          </a:xfrm>
+        </p:spPr>
+        <p:txBody>
+          <a:bodyPr>
+            <a:normAutofit/>
+          </a:bodyPr>
+          <a:lstStyle/>
+          <a:p>
+            <a:pPr marL="0" indent="0">
+              <a:buNone/>
+            </a:pPr>
+            <a:r>
+              <a:rPr lang="pl-PL" dirty="0"/>
+              <a:t>Kolejność działania metod na przykładzie outputu konsoli:</a:t>
+            </a:r>
+          </a:p>
+          <a:p>
+            <a:pPr>
+              <a:buFont typeface="Wingdings" panose="05000000000000000000" pitchFamily="2" charset="2"/>
+              <a:buChar char="§"/>
+            </a:pPr>
+            <a:r>
+              <a:rPr lang="en-US" dirty="0"/>
+              <a:t>set up class</a:t>
+            </a:r>
+          </a:p>
+          <a:p>
+            <a:pPr>
+              <a:buFont typeface="Wingdings" panose="05000000000000000000" pitchFamily="2" charset="2"/>
+              <a:buChar char="§"/>
+            </a:pPr>
+            <a:r>
+              <a:rPr lang="en-US" dirty="0"/>
+              <a:t>set up</a:t>
+            </a:r>
+          </a:p>
+          <a:p>
+            <a:pPr>
+              <a:buFont typeface="Wingdings" panose="05000000000000000000" pitchFamily="2" charset="2"/>
+              <a:buChar char="§"/>
+            </a:pPr>
+            <a:r>
+              <a:rPr lang="en-US" dirty="0"/>
+              <a:t>test 1</a:t>
+            </a:r>
+          </a:p>
+          <a:p>
+            <a:pPr>
+              <a:buFont typeface="Wingdings" panose="05000000000000000000" pitchFamily="2" charset="2"/>
+              <a:buChar char="§"/>
+            </a:pPr>
+            <a:r>
+              <a:rPr lang="en-US" dirty="0"/>
+              <a:t>tear down</a:t>
+            </a:r>
+          </a:p>
+          <a:p>
+            <a:pPr>
+              <a:buFont typeface="Wingdings" panose="05000000000000000000" pitchFamily="2" charset="2"/>
+              <a:buChar char="§"/>
+            </a:pPr>
+            <a:r>
+              <a:rPr lang="en-US" dirty="0"/>
+              <a:t>set up</a:t>
+            </a:r>
+          </a:p>
+          <a:p>
+            <a:pPr>
+              <a:buFont typeface="Wingdings" panose="05000000000000000000" pitchFamily="2" charset="2"/>
+              <a:buChar char="§"/>
+            </a:pPr>
+            <a:r>
+              <a:rPr lang="en-US" dirty="0"/>
+              <a:t>test 2</a:t>
+            </a:r>
+          </a:p>
+          <a:p>
+            <a:pPr>
+              <a:buFont typeface="Wingdings" panose="05000000000000000000" pitchFamily="2" charset="2"/>
+              <a:buChar char="§"/>
+            </a:pPr>
+            <a:r>
+              <a:rPr lang="en-US" dirty="0"/>
+              <a:t>tear down</a:t>
+            </a:r>
+          </a:p>
+          <a:p>
+            <a:pPr>
+              <a:buFont typeface="Wingdings" panose="05000000000000000000" pitchFamily="2" charset="2"/>
+              <a:buChar char="§"/>
+            </a:pPr>
+            <a:r>
+              <a:rPr lang="en-US" dirty="0"/>
+              <a:t>tear down class</a:t>
+            </a:r>
+          </a:p>
+        </p:txBody>
+      </p:sp>
+      <p:pic>
+        <p:nvPicPr>
+          <p:cNvPr id="23" name="Picture 22">
+            <a:extLst>
+              <a:ext uri="{FF2B5EF4-FFF2-40B4-BE49-F238E27FC236}">
+                <a16:creationId xmlns:a16="http://schemas.microsoft.com/office/drawing/2014/main" id="{8410B6E1-F5A5-6D43-B7FB-732EAD7D8BC4}"/>
+              </a:ext>
+            </a:extLst>
+          </p:cNvPr>
+          <p:cNvPicPr>
+            <a:picLocks noChangeAspect="1"/>
+          </p:cNvPicPr>
+          <p:nvPr/>
+        </p:nvPicPr>
+        <p:blipFill>
+          <a:blip r:embed="rId2"/>
+          <a:stretch>
+            <a:fillRect/>
+          </a:stretch>
+        </p:blipFill>
+        <p:spPr>
+          <a:xfrm>
+            <a:off x="0" y="0"/>
+            <a:ext cx="5661049" cy="6858000"/>
+          </a:xfrm>
+          <a:prstGeom prst="rect">
+            <a:avLst/>
+          </a:prstGeom>
+        </p:spPr>
+      </p:pic>
+    </p:spTree>
+    <p:extLst>
+      <p:ext uri="{BB962C8B-B14F-4D97-AF65-F5344CB8AC3E}">
+        <p14:creationId xmlns:p14="http://schemas.microsoft.com/office/powerpoint/2010/main" val="1533333194"/>
+      </p:ext>
+    </p:extLst>
+  </p:cSld>
+  <p:clrMapOvr>
+    <a:masterClrMapping/>
+  </p:clrMapOvr>
+</p:sld>
+</file>
+
+<file path=ppt/slides/slide13.xml><?xml version="1.0" encoding="utf-8"?>
+<p:sld xmlns:a="http://schemas.openxmlformats.org/drawingml/2006/main" xmlns:r="http://schemas.openxmlformats.org/officeDocument/2006/relationships" xmlns:p="http://schemas.openxmlformats.org/presentationml/2006/main">
+  <p:cSld>
+    <p:spTree>
+      <p:nvGrpSpPr>
+        <p:cNvPr id="1" name=""/>
+        <p:cNvGrpSpPr/>
+        <p:nvPr/>
+      </p:nvGrpSpPr>
+      <p:grpSpPr>
+        <a:xfrm>
+          <a:off x="0" y="0"/>
+          <a:ext cx="0" cy="0"/>
+          <a:chOff x="0" y="0"/>
+          <a:chExt cx="0" cy="0"/>
+        </a:xfrm>
+      </p:grpSpPr>
+      <p:sp>
+        <p:nvSpPr>
+          <p:cNvPr id="2" name="Title 1">
+            <a:extLst>
+              <a:ext uri="{FF2B5EF4-FFF2-40B4-BE49-F238E27FC236}">
+                <a16:creationId xmlns:a16="http://schemas.microsoft.com/office/drawing/2014/main" id="{C494FA5D-8E2F-426E-3B84-5EB512D04B2C}"/>
+              </a:ext>
+            </a:extLst>
+          </p:cNvPr>
+          <p:cNvSpPr>
+            <a:spLocks noGrp="1"/>
+          </p:cNvSpPr>
+          <p:nvPr>
+            <p:ph type="title"/>
+          </p:nvPr>
+        </p:nvSpPr>
+        <p:spPr>
+          <a:xfrm>
+            <a:off x="677334" y="357931"/>
+            <a:ext cx="8596668" cy="1320800"/>
+          </a:xfrm>
+        </p:spPr>
+        <p:txBody>
+          <a:bodyPr>
+            <a:normAutofit fontScale="90000"/>
+          </a:bodyPr>
+          <a:lstStyle/>
+          <a:p>
+            <a:r>
+              <a:rPr lang="pl-PL" b="1" i="0" dirty="0">
+                <a:solidFill>
+                  <a:srgbClr val="3D4144"/>
+                </a:solidFill>
+                <a:effectLst/>
+                <a:latin typeface="-apple-system"/>
+              </a:rPr>
+              <a:t>Dobre praktyki przy pisaniu unit testów</a:t>
+            </a:r>
+            <a:br>
+              <a:rPr lang="pl-PL" b="1" i="0" dirty="0">
+                <a:solidFill>
+                  <a:srgbClr val="3D4144"/>
+                </a:solidFill>
+                <a:effectLst/>
+                <a:latin typeface="-apple-system"/>
+              </a:rPr>
+            </a:br>
+            <a:br>
+              <a:rPr lang="pl-PL" dirty="0"/>
+            </a:br>
+            <a:endParaRPr lang="pl-PL" dirty="0"/>
+          </a:p>
+        </p:txBody>
+      </p:sp>
+      <p:sp>
+        <p:nvSpPr>
+          <p:cNvPr id="3" name="Content Placeholder 2">
+            <a:extLst>
+              <a:ext uri="{FF2B5EF4-FFF2-40B4-BE49-F238E27FC236}">
+                <a16:creationId xmlns:a16="http://schemas.microsoft.com/office/drawing/2014/main" id="{9C27D419-E2CD-8D07-634C-9992E2D67864}"/>
+              </a:ext>
+            </a:extLst>
+          </p:cNvPr>
+          <p:cNvSpPr>
+            <a:spLocks noGrp="1"/>
+          </p:cNvSpPr>
+          <p:nvPr>
+            <p:ph idx="1"/>
+          </p:nvPr>
+        </p:nvSpPr>
+        <p:spPr>
+          <a:xfrm>
+            <a:off x="677334" y="1806918"/>
+            <a:ext cx="8596668" cy="4106772"/>
+          </a:xfrm>
+        </p:spPr>
+        <p:txBody>
+          <a:bodyPr>
+            <a:noAutofit/>
+          </a:bodyPr>
+          <a:lstStyle/>
+          <a:p>
+            <a:r>
+              <a:rPr lang="pl-PL" sz="2000" dirty="0"/>
+              <a:t>Staraj się pisać testy jednostkowe, które są małe i dotyczą małego wycinka funkcjonalności. </a:t>
+            </a:r>
+          </a:p>
+          <a:p>
+            <a:r>
+              <a:rPr lang="pl-PL" sz="2000" dirty="0"/>
+              <a:t>Nadawaj metodom z testem nazwy, które pomagają zrozumieć co dany test powinien sprawdzić.</a:t>
+            </a:r>
+          </a:p>
+          <a:p>
+            <a:r>
+              <a:rPr lang="pl-PL" sz="2000" dirty="0"/>
+              <a:t>Kolejność testów jednostkowych w klasie nie powinna mieć znaczenia. Nie możemy polegać na tym, że jako pierwszy musi się uruchomić test1 a po nim test2. Testy uruchomione w innej kolejności powinny mieć taki sam efekt.</a:t>
+            </a:r>
+          </a:p>
+        </p:txBody>
+      </p:sp>
+    </p:spTree>
+    <p:extLst>
+      <p:ext uri="{BB962C8B-B14F-4D97-AF65-F5344CB8AC3E}">
+        <p14:creationId xmlns:p14="http://schemas.microsoft.com/office/powerpoint/2010/main" val="1553253198"/>
+      </p:ext>
+    </p:extLst>
+  </p:cSld>
+  <p:clrMapOvr>
+    <a:masterClrMapping/>
+  </p:clrMapOvr>
+</p:sld>
+</file>
+
+<file path=ppt/slides/slide14.xml><?xml version="1.0" encoding="utf-8"?>
+<p:sld xmlns:a="http://schemas.openxmlformats.org/drawingml/2006/main" xmlns:r="http://schemas.openxmlformats.org/officeDocument/2006/relationships" xmlns:p="http://schemas.openxmlformats.org/presentationml/2006/main">
+  <p:cSld>
+    <p:spTree>
+      <p:nvGrpSpPr>
+        <p:cNvPr id="1" name=""/>
+        <p:cNvGrpSpPr/>
+        <p:nvPr/>
+      </p:nvGrpSpPr>
+      <p:grpSpPr>
+        <a:xfrm>
+          <a:off x="0" y="0"/>
+          <a:ext cx="0" cy="0"/>
+          <a:chOff x="0" y="0"/>
+          <a:chExt cx="0" cy="0"/>
+        </a:xfrm>
+      </p:grpSpPr>
+      <p:sp>
+        <p:nvSpPr>
+          <p:cNvPr id="2" name="Title 1">
+            <a:extLst>
+              <a:ext uri="{FF2B5EF4-FFF2-40B4-BE49-F238E27FC236}">
+                <a16:creationId xmlns:a16="http://schemas.microsoft.com/office/drawing/2014/main" id="{3D5935AF-58B8-C985-2D45-B9AAAE8FC052}"/>
+              </a:ext>
+            </a:extLst>
+          </p:cNvPr>
+          <p:cNvSpPr>
+            <a:spLocks noGrp="1"/>
+          </p:cNvSpPr>
+          <p:nvPr>
+            <p:ph type="title"/>
+          </p:nvPr>
+        </p:nvSpPr>
+        <p:spPr/>
+        <p:txBody>
+          <a:bodyPr>
+            <a:normAutofit fontScale="90000"/>
+          </a:bodyPr>
+          <a:lstStyle/>
+          <a:p>
+            <a:r>
+              <a:rPr lang="pl-PL" b="1" i="0" dirty="0">
+                <a:solidFill>
+                  <a:srgbClr val="3D4144"/>
+                </a:solidFill>
+                <a:effectLst/>
+                <a:latin typeface="-apple-system"/>
+              </a:rPr>
+              <a:t>Dobre praktyki przy pisaniu unit testów c.d.</a:t>
+            </a:r>
+            <a:br>
+              <a:rPr lang="pl-PL" b="1" i="0" dirty="0">
+                <a:solidFill>
+                  <a:srgbClr val="3D4144"/>
+                </a:solidFill>
+                <a:effectLst/>
+                <a:latin typeface="-apple-system"/>
+              </a:rPr>
+            </a:br>
+            <a:br>
+              <a:rPr lang="pl-PL" dirty="0"/>
+            </a:br>
+            <a:endParaRPr lang="pl-PL" dirty="0"/>
+          </a:p>
+        </p:txBody>
+      </p:sp>
+      <p:sp>
+        <p:nvSpPr>
+          <p:cNvPr id="3" name="Content Placeholder 2">
+            <a:extLst>
+              <a:ext uri="{FF2B5EF4-FFF2-40B4-BE49-F238E27FC236}">
+                <a16:creationId xmlns:a16="http://schemas.microsoft.com/office/drawing/2014/main" id="{2C34EB44-1BA6-CED6-E6FD-6125FD8EC48C}"/>
+              </a:ext>
+            </a:extLst>
+          </p:cNvPr>
+          <p:cNvSpPr>
+            <a:spLocks noGrp="1"/>
+          </p:cNvSpPr>
+          <p:nvPr>
+            <p:ph idx="1"/>
+          </p:nvPr>
+        </p:nvSpPr>
+        <p:spPr>
+          <a:xfrm>
+            <a:off x="677334" y="1438713"/>
+            <a:ext cx="8596668" cy="5419287"/>
+          </a:xfrm>
+        </p:spPr>
+        <p:txBody>
+          <a:bodyPr>
+            <a:normAutofit/>
+          </a:bodyPr>
+          <a:lstStyle/>
+          <a:p>
+            <a:pPr>
+              <a:buFont typeface="Courier New" panose="02070309020205020404" pitchFamily="49" charset="0"/>
+              <a:buChar char="o"/>
+            </a:pPr>
+            <a:r>
+              <a:rPr lang="pl-PL" sz="1800" dirty="0"/>
+              <a:t>Testuj warunki brzegowe i sytuacje wyjątkowe. Załóżmy, że masz metodę, która przyjmuje tablicę, która musi mieć maksymalnie trzy elementy. Napisz kilka testów:</a:t>
+            </a:r>
+          </a:p>
+          <a:p>
+            <a:pPr lvl="1">
+              <a:buFont typeface="Arial" panose="020B0604020202020204" pitchFamily="34" charset="0"/>
+              <a:buChar char="•"/>
+            </a:pPr>
+            <a:r>
+              <a:rPr lang="pl-PL" dirty="0"/>
+              <a:t>przekazując null zamiast tablicy,</a:t>
+            </a:r>
+          </a:p>
+          <a:p>
+            <a:pPr lvl="1">
+              <a:buFont typeface="Arial" panose="020B0604020202020204" pitchFamily="34" charset="0"/>
+              <a:buChar char="•"/>
+            </a:pPr>
+            <a:r>
+              <a:rPr lang="pl-PL" dirty="0"/>
+              <a:t>przekazując pustą tablicę,</a:t>
+            </a:r>
+          </a:p>
+          <a:p>
+            <a:pPr lvl="1">
+              <a:buFont typeface="Arial" panose="020B0604020202020204" pitchFamily="34" charset="0"/>
+              <a:buChar char="•"/>
+            </a:pPr>
+            <a:r>
+              <a:rPr lang="pl-PL" dirty="0"/>
+              <a:t>przekazując tablicę z trzema elementami,</a:t>
+            </a:r>
+          </a:p>
+          <a:p>
+            <a:pPr lvl="1">
+              <a:buFont typeface="Arial" panose="020B0604020202020204" pitchFamily="34" charset="0"/>
+              <a:buChar char="•"/>
+            </a:pPr>
+            <a:r>
+              <a:rPr lang="pl-PL" dirty="0"/>
+              <a:t>przekazując tablicę z czterema elementami.</a:t>
+            </a:r>
+          </a:p>
+          <a:p>
+            <a:pPr marL="0" indent="0">
+              <a:buNone/>
+            </a:pPr>
+            <a:endParaRPr lang="pl-PL" sz="1800" dirty="0"/>
+          </a:p>
+          <a:p>
+            <a:pPr marL="0" indent="0">
+              <a:buNone/>
+            </a:pPr>
+            <a:endParaRPr lang="pl-PL" sz="1800" dirty="0"/>
+          </a:p>
+          <a:p>
+            <a:pPr>
+              <a:buFont typeface="Courier New" panose="02070309020205020404" pitchFamily="49" charset="0"/>
+              <a:buChar char="o"/>
+            </a:pPr>
+            <a:r>
+              <a:rPr lang="pl-PL" sz="1800" dirty="0"/>
+              <a:t>Testowany kod nie powinien być w tym samym miejscu, w którym są testy. Np. kod umieszczamy w katalogu np. src, testy natomiast w katalogu test. Oba katalogi mają odpowiednią strukturę odzwierciedlającą pakiety. Jest to ważne by później przy większych projektach testy nie mieszały się z kodem programu.</a:t>
+            </a:r>
+          </a:p>
+          <a:p>
+            <a:endParaRPr lang="pl-PL" dirty="0"/>
+          </a:p>
+        </p:txBody>
+      </p:sp>
+    </p:spTree>
+    <p:extLst>
+      <p:ext uri="{BB962C8B-B14F-4D97-AF65-F5344CB8AC3E}">
+        <p14:creationId xmlns:p14="http://schemas.microsoft.com/office/powerpoint/2010/main" val="953101615"/>
+      </p:ext>
+    </p:extLst>
+  </p:cSld>
+  <p:clrMapOvr>
+    <a:masterClrMapping/>
+  </p:clrMapOvr>
+</p:sld>
+</file>
+
 <file path=ppt/slides/slide2.xml><?xml version="1.0" encoding="utf-8"?>
 <p:sld xmlns:a="http://schemas.openxmlformats.org/drawingml/2006/main" xmlns:r="http://schemas.openxmlformats.org/officeDocument/2006/relationships" xmlns:p="http://schemas.openxmlformats.org/presentationml/2006/main">
   <p:cSld>
@@ -9152,37 +11291,49 @@
           </a:fontRef>
         </p:style>
       </p:sp>
-      <p:graphicFrame>
-        <p:nvGraphicFramePr>
-          <p:cNvPr id="5" name="Content Placeholder 2">
+      <p:sp>
+        <p:nvSpPr>
+          <p:cNvPr id="4" name="Content Placeholder 3">
             <a:extLst>
               <a:ext uri="{FF2B5EF4-FFF2-40B4-BE49-F238E27FC236}">
-                <a16:creationId xmlns:a16="http://schemas.microsoft.com/office/drawing/2014/main" id="{81C36043-993E-5974-CF0C-6EE077E5A414}"/>
+                <a16:creationId xmlns:a16="http://schemas.microsoft.com/office/drawing/2014/main" id="{82C2F45C-7D11-F464-22A0-0A11DEBDC753}"/>
               </a:ext>
             </a:extLst>
           </p:cNvPr>
-          <p:cNvGraphicFramePr>
-            <a:graphicFrameLocks noGrp="1"/>
-          </p:cNvGraphicFramePr>
+          <p:cNvSpPr>
+            <a:spLocks noGrp="1"/>
+          </p:cNvSpPr>
           <p:nvPr>
             <p:ph idx="1"/>
-            <p:extLst>
-              <p:ext uri="{D42A27DB-BD31-4B8C-83A1-F6EECF244321}">
-                <p14:modId xmlns:p14="http://schemas.microsoft.com/office/powerpoint/2010/main" val="1583078742"/>
-              </p:ext>
-            </p:extLst>
           </p:nvPr>
-        </p:nvGraphicFramePr>
-        <p:xfrm>
-          <a:off x="1286933" y="1948543"/>
-          <a:ext cx="9618133" cy="4093482"/>
-        </p:xfrm>
-        <a:graphic>
-          <a:graphicData uri="http://schemas.openxmlformats.org/drawingml/2006/diagram">
-            <dgm:relIds xmlns:dgm="http://schemas.openxmlformats.org/drawingml/2006/diagram" xmlns:r="http://schemas.openxmlformats.org/officeDocument/2006/relationships" r:dm="rId2" r:lo="rId3" r:qs="rId4" r:cs="rId5"/>
-          </a:graphicData>
-        </a:graphic>
-      </p:graphicFrame>
+        </p:nvSpPr>
+        <p:spPr/>
+        <p:txBody>
+          <a:bodyPr/>
+          <a:lstStyle/>
+          <a:p>
+            <a:r>
+              <a:rPr lang="pl-PL" dirty="0"/>
+              <a:t>Test jednostkowy (ang. unit test) to metoda testowania tworzonego oprogramowania poprzez wykonywanie testów weryfikujących poprawność działania pojedynczych elementów programu. </a:t>
+            </a:r>
+          </a:p>
+          <a:p>
+            <a:r>
+              <a:rPr lang="pl-PL" dirty="0"/>
+              <a:t>Poszczególne jednostki kodu, takie jak funkcje i metody, są testowane w celu weryfikacji ich działania.</a:t>
+            </a:r>
+          </a:p>
+          <a:p>
+            <a:r>
+              <a:rPr lang="pl-PL" dirty="0"/>
+              <a:t>Dzięki temu deweloperzy mogą wykrywać i naprawiać błędy już na wczesnym etapie procesu tworzenia oprogramowania, co pozwala zaoszczędzić czas i wysiłek w dłuższej perspektywie.</a:t>
+            </a:r>
+          </a:p>
+          <a:p>
+            <a:endParaRPr lang="pl-PL" dirty="0"/>
+          </a:p>
+        </p:txBody>
+      </p:sp>
     </p:spTree>
     <p:extLst>
       <p:ext uri="{BB962C8B-B14F-4D97-AF65-F5344CB8AC3E}">
@@ -9299,8 +11450,8 @@
         </p:nvSpPr>
         <p:spPr>
           <a:xfrm>
-            <a:off x="1043950" y="1179151"/>
-            <a:ext cx="3300646" cy="4463889"/>
+            <a:off x="350718" y="1179150"/>
+            <a:ext cx="4277483" cy="4463889"/>
           </a:xfrm>
         </p:spPr>
         <p:txBody>
@@ -9310,29 +11461,10 @@
           <a:lstStyle/>
           <a:p>
             <a:r>
-              <a:rPr lang="en-US" err="1"/>
-              <a:t>Dlaczego</a:t>
+              <a:rPr lang="pl-PL" dirty="0"/>
+              <a:t>Po co przeprowadzać testy jednostkowe?</a:t>
             </a:r>
-            <a:r>
-              <a:rPr lang="en-US"/>
-              <a:t> </a:t>
-            </a:r>
-            <a:r>
-              <a:rPr lang="en-US" err="1"/>
-              <a:t>wykonywać</a:t>
-            </a:r>
-            <a:r>
-              <a:rPr lang="en-US"/>
-              <a:t> testy </a:t>
-            </a:r>
-            <a:r>
-              <a:rPr lang="en-US" err="1"/>
-              <a:t>jednostkowe</a:t>
-            </a:r>
-            <a:r>
-              <a:rPr lang="en-US"/>
-              <a:t>?</a:t>
-            </a:r>
+            <a:endParaRPr lang="en-US" dirty="0"/>
           </a:p>
         </p:txBody>
       </p:sp>
@@ -9467,32 +11599,60 @@
           </a:bodyPr>
           <a:lstStyle/>
           <a:p>
-            <a:pPr marL="0" indent="0">
-              <a:buNone/>
+            <a:pPr marL="342900" lvl="0" indent="-342900">
+              <a:lnSpc>
+                <a:spcPct val="107000"/>
+              </a:lnSpc>
+              <a:buFont typeface="Symbol" panose="05050102010706020507" pitchFamily="18" charset="2"/>
+              <a:buChar char=""/>
             </a:pPr>
             <a:r>
-              <a:rPr lang="en-US" err="1"/>
-              <a:t>Rolą</a:t>
+              <a:rPr lang="pl-PL" sz="1800" dirty="0">
+                <a:effectLst/>
+                <a:latin typeface="Calibri" panose="020F0502020204030204" pitchFamily="34" charset="0"/>
+                <a:ea typeface="Calibri" panose="020F0502020204030204" pitchFamily="34" charset="0"/>
+                <a:cs typeface="Times New Roman" panose="02020603050405020304" pitchFamily="18" charset="0"/>
+              </a:rPr>
+              <a:t>Testowanie jednostkowe pomaga poprawić jakość kodu poprzez wykrywanie i naprawianie błędów na wczesnym etapie.</a:t>
             </a:r>
+          </a:p>
+          <a:p>
+            <a:pPr marL="342900" lvl="0" indent="-342900">
+              <a:lnSpc>
+                <a:spcPct val="107000"/>
+              </a:lnSpc>
+              <a:buFont typeface="Symbol" panose="05050102010706020507" pitchFamily="18" charset="2"/>
+              <a:buChar char=""/>
+            </a:pPr>
             <a:r>
-              <a:rPr lang="en-US"/>
-              <a:t> </a:t>
+              <a:rPr lang="pl-PL" sz="1800" dirty="0">
+                <a:effectLst/>
+                <a:latin typeface="Calibri" panose="020F0502020204030204" pitchFamily="34" charset="0"/>
+                <a:ea typeface="Calibri" panose="020F0502020204030204" pitchFamily="34" charset="0"/>
+                <a:cs typeface="Times New Roman" panose="02020603050405020304" pitchFamily="18" charset="0"/>
+              </a:rPr>
+              <a:t>Może również pomóc w debugowaniu, umożliwiając deweloperom łatwiejsze identyfikowanie źródła błędu.</a:t>
             </a:r>
+          </a:p>
+          <a:p>
+            <a:pPr marL="342900" lvl="0" indent="-342900">
+              <a:lnSpc>
+                <a:spcPct val="107000"/>
+              </a:lnSpc>
+              <a:spcAft>
+                <a:spcPts val="800"/>
+              </a:spcAft>
+              <a:buFont typeface="Symbol" panose="05050102010706020507" pitchFamily="18" charset="2"/>
+              <a:buChar char=""/>
+            </a:pPr>
             <a:r>
-              <a:rPr lang="en-US" err="1"/>
-              <a:t>testów</a:t>
-            </a:r>
-            <a:r>
-              <a:rPr lang="en-US"/>
-              <a:t> </a:t>
-            </a:r>
-            <a:r>
-              <a:rPr lang="en-US" err="1"/>
-              <a:t>jednostkowych</a:t>
-            </a:r>
-            <a:r>
-              <a:rPr lang="en-US"/>
-              <a:t> jest</a:t>
+              <a:rPr lang="pl-PL" sz="1800" dirty="0">
+                <a:effectLst/>
+                <a:latin typeface="Calibri" panose="020F0502020204030204" pitchFamily="34" charset="0"/>
+                <a:ea typeface="Calibri" panose="020F0502020204030204" pitchFamily="34" charset="0"/>
+                <a:cs typeface="Times New Roman" panose="02020603050405020304" pitchFamily="18" charset="0"/>
+              </a:rPr>
+              <a:t>Testowanie jednostkowe może również ułatwić utrzymanie kodu, dając deweloperom pewność, że istniejące testy jednostkowe wykryją ewentualne błędy wprowadzone przez zmiany.</a:t>
             </a:r>
           </a:p>
         </p:txBody>
@@ -9659,895 +11819,6 @@
 </file>
 
 <file path=ppt/slides/slide4.xml><?xml version="1.0" encoding="utf-8"?>
-<p:sld xmlns:a="http://schemas.openxmlformats.org/drawingml/2006/main" xmlns:r="http://schemas.openxmlformats.org/officeDocument/2006/relationships" xmlns:p="http://schemas.openxmlformats.org/presentationml/2006/main">
-  <p:cSld>
-    <p:bg>
-      <p:bgPr>
-        <a:solidFill>
-          <a:schemeClr val="bg1"/>
-        </a:solidFill>
-        <a:effectLst/>
-      </p:bgPr>
-    </p:bg>
-    <p:spTree>
-      <p:nvGrpSpPr>
-        <p:cNvPr id="1" name=""/>
-        <p:cNvGrpSpPr/>
-        <p:nvPr/>
-      </p:nvGrpSpPr>
-      <p:grpSpPr>
-        <a:xfrm>
-          <a:off x="0" y="0"/>
-          <a:ext cx="0" cy="0"/>
-          <a:chOff x="0" y="0"/>
-          <a:chExt cx="0" cy="0"/>
-        </a:xfrm>
-      </p:grpSpPr>
-      <p:sp>
-        <p:nvSpPr>
-          <p:cNvPr id="8" name="Rectangle 7">
-            <a:extLst>
-              <a:ext uri="{FF2B5EF4-FFF2-40B4-BE49-F238E27FC236}">
-                <a16:creationId xmlns:a16="http://schemas.microsoft.com/office/drawing/2014/main" id="{82D1CBBC-6E9F-4212-9806-7A638C828B49}"/>
-              </a:ext>
-              <a:ext uri="{C183D7F6-B498-43B3-948B-1728B52AA6E4}">
-                <adec:decorative xmlns:adec="http://schemas.microsoft.com/office/drawing/2017/decorative" val="1"/>
-              </a:ext>
-            </a:extLst>
-          </p:cNvPr>
-          <p:cNvSpPr>
-            <a:spLocks noGrp="1" noRot="1" noChangeAspect="1" noMove="1" noResize="1" noEditPoints="1" noAdjustHandles="1" noChangeArrowheads="1" noChangeShapeType="1" noTextEdit="1"/>
-          </p:cNvSpPr>
-          <p:nvPr>
-            <p:extLst>
-              <p:ext uri="{386F3935-93C4-4BCD-93E2-E3B085C9AB24}">
-                <p16:designElem xmlns:p16="http://schemas.microsoft.com/office/powerpoint/2015/main" val="1"/>
-              </p:ext>
-            </p:extLst>
-          </p:nvPr>
-        </p:nvSpPr>
-        <p:spPr>
-          <a:xfrm>
-            <a:off x="0" y="4572001"/>
-            <a:ext cx="12192000" cy="2285999"/>
-          </a:xfrm>
-          <a:prstGeom prst="rect">
-            <a:avLst/>
-          </a:prstGeom>
-          <a:solidFill>
-            <a:schemeClr val="tx1">
-              <a:lumMod val="75000"/>
-              <a:lumOff val="25000"/>
-            </a:schemeClr>
-          </a:solidFill>
-          <a:ln>
-            <a:noFill/>
-          </a:ln>
-        </p:spPr>
-        <p:style>
-          <a:lnRef idx="2">
-            <a:schemeClr val="accent1">
-              <a:shade val="50000"/>
-            </a:schemeClr>
-          </a:lnRef>
-          <a:fillRef idx="1">
-            <a:schemeClr val="accent1"/>
-          </a:fillRef>
-          <a:effectRef idx="0">
-            <a:schemeClr val="accent1"/>
-          </a:effectRef>
-          <a:fontRef idx="minor">
-            <a:schemeClr val="lt1"/>
-          </a:fontRef>
-        </p:style>
-        <p:txBody>
-          <a:bodyPr rtlCol="0" anchor="ctr"/>
-          <a:lstStyle/>
-          <a:p>
-            <a:pPr algn="ctr"/>
-            <a:endParaRPr lang="en-US">
-              <a:solidFill>
-                <a:schemeClr val="bg1"/>
-              </a:solidFill>
-            </a:endParaRPr>
-          </a:p>
-        </p:txBody>
-      </p:sp>
-      <p:grpSp>
-        <p:nvGrpSpPr>
-          <p:cNvPr id="10" name="Group 9">
-            <a:extLst>
-              <a:ext uri="{FF2B5EF4-FFF2-40B4-BE49-F238E27FC236}">
-                <a16:creationId xmlns:a16="http://schemas.microsoft.com/office/drawing/2014/main" id="{8EC26330-6D02-4C84-B89F-C5A8CF2B5673}"/>
-              </a:ext>
-              <a:ext uri="{C183D7F6-B498-43B3-948B-1728B52AA6E4}">
-                <adec:decorative xmlns:adec="http://schemas.microsoft.com/office/drawing/2017/decorative" val="1"/>
-              </a:ext>
-            </a:extLst>
-          </p:cNvPr>
-          <p:cNvGrpSpPr>
-            <a:grpSpLocks noGrp="1" noUngrp="1" noRot="1" noChangeAspect="1" noMove="1" noResize="1"/>
-          </p:cNvGrpSpPr>
-          <p:nvPr>
-            <p:extLst>
-              <p:ext uri="{386F3935-93C4-4BCD-93E2-E3B085C9AB24}">
-                <p16:designElem xmlns:p16="http://schemas.microsoft.com/office/powerpoint/2015/main" val="1"/>
-              </p:ext>
-            </p:extLst>
-          </p:nvPr>
-        </p:nvGrpSpPr>
-        <p:grpSpPr>
-          <a:xfrm>
-            <a:off x="7425267" y="-8467"/>
-            <a:ext cx="4766733" cy="6866467"/>
-            <a:chOff x="7425267" y="-8467"/>
-            <a:chExt cx="4766733" cy="6866467"/>
-          </a:xfrm>
-        </p:grpSpPr>
-        <p:cxnSp>
-          <p:nvCxnSpPr>
-            <p:cNvPr id="11" name="Straight Connector 10">
-              <a:extLst>
-                <a:ext uri="{FF2B5EF4-FFF2-40B4-BE49-F238E27FC236}">
-                  <a16:creationId xmlns:a16="http://schemas.microsoft.com/office/drawing/2014/main" id="{5A5297F0-74D7-4E56-8C85-DD608539D40C}"/>
-                </a:ext>
-                <a:ext uri="{C183D7F6-B498-43B3-948B-1728B52AA6E4}">
-                  <adec:decorative xmlns:adec="http://schemas.microsoft.com/office/drawing/2017/decorative" val="1"/>
-                </a:ext>
-              </a:extLst>
-            </p:cNvPr>
-            <p:cNvCxnSpPr>
-              <a:cxnSpLocks/>
-            </p:cNvCxnSpPr>
-            <p:nvPr>
-              <p:extLst>
-                <p:ext uri="{386F3935-93C4-4BCD-93E2-E3B085C9AB24}">
-                  <p16:designElem xmlns:p16="http://schemas.microsoft.com/office/powerpoint/2015/main" val="1"/>
-                </p:ext>
-              </p:extLst>
-            </p:nvPr>
-          </p:nvCxnSpPr>
-          <p:spPr>
-            <a:xfrm>
-              <a:off x="10196547" y="4572001"/>
-              <a:ext cx="393665" cy="2285999"/>
-            </a:xfrm>
-            <a:prstGeom prst="line">
-              <a:avLst/>
-            </a:prstGeom>
-            <a:ln w="9525">
-              <a:solidFill>
-                <a:srgbClr val="BFBFBF">
-                  <a:alpha val="70000"/>
-                </a:srgbClr>
-              </a:solidFill>
-            </a:ln>
-          </p:spPr>
-          <p:style>
-            <a:lnRef idx="2">
-              <a:schemeClr val="accent1"/>
-            </a:lnRef>
-            <a:fillRef idx="0">
-              <a:schemeClr val="accent1"/>
-            </a:fillRef>
-            <a:effectRef idx="1">
-              <a:schemeClr val="accent1"/>
-            </a:effectRef>
-            <a:fontRef idx="minor">
-              <a:schemeClr val="tx1"/>
-            </a:fontRef>
-          </p:style>
-        </p:cxnSp>
-        <p:cxnSp>
-          <p:nvCxnSpPr>
-            <p:cNvPr id="12" name="Straight Connector 11">
-              <a:extLst>
-                <a:ext uri="{FF2B5EF4-FFF2-40B4-BE49-F238E27FC236}">
-                  <a16:creationId xmlns:a16="http://schemas.microsoft.com/office/drawing/2014/main" id="{6E424313-B840-4A19-A378-B1D1774B5094}"/>
-                </a:ext>
-                <a:ext uri="{C183D7F6-B498-43B3-948B-1728B52AA6E4}">
-                  <adec:decorative xmlns:adec="http://schemas.microsoft.com/office/drawing/2017/decorative" val="1"/>
-                </a:ext>
-              </a:extLst>
-            </p:cNvPr>
-            <p:cNvCxnSpPr>
-              <a:cxnSpLocks/>
-            </p:cNvCxnSpPr>
-            <p:nvPr>
-              <p:extLst>
-                <p:ext uri="{386F3935-93C4-4BCD-93E2-E3B085C9AB24}">
-                  <p16:designElem xmlns:p16="http://schemas.microsoft.com/office/powerpoint/2015/main" val="1"/>
-                </p:ext>
-              </p:extLst>
-            </p:nvPr>
-          </p:nvCxnSpPr>
-          <p:spPr>
-            <a:xfrm flipH="1">
-              <a:off x="7425267" y="4572001"/>
-              <a:ext cx="3383073" cy="2285999"/>
-            </a:xfrm>
-            <a:prstGeom prst="line">
-              <a:avLst/>
-            </a:prstGeom>
-            <a:ln w="9525">
-              <a:solidFill>
-                <a:srgbClr val="BFBFBF">
-                  <a:alpha val="69804"/>
-                </a:srgbClr>
-              </a:solidFill>
-            </a:ln>
-          </p:spPr>
-          <p:style>
-            <a:lnRef idx="2">
-              <a:schemeClr val="accent1"/>
-            </a:lnRef>
-            <a:fillRef idx="0">
-              <a:schemeClr val="accent1"/>
-            </a:fillRef>
-            <a:effectRef idx="1">
-              <a:schemeClr val="accent1"/>
-            </a:effectRef>
-            <a:fontRef idx="minor">
-              <a:schemeClr val="tx1"/>
-            </a:fontRef>
-          </p:style>
-        </p:cxnSp>
-        <p:sp>
-          <p:nvSpPr>
-            <p:cNvPr id="13" name="Rectangle 23">
-              <a:extLst>
-                <a:ext uri="{FF2B5EF4-FFF2-40B4-BE49-F238E27FC236}">
-                  <a16:creationId xmlns:a16="http://schemas.microsoft.com/office/drawing/2014/main" id="{872B411D-D18B-488A-B22A-9F139EED89AB}"/>
-                </a:ext>
-                <a:ext uri="{C183D7F6-B498-43B3-948B-1728B52AA6E4}">
-                  <adec:decorative xmlns:adec="http://schemas.microsoft.com/office/drawing/2017/decorative" val="1"/>
-                </a:ext>
-              </a:extLst>
-            </p:cNvPr>
-            <p:cNvSpPr/>
-            <p:nvPr>
-              <p:extLst>
-                <p:ext uri="{386F3935-93C4-4BCD-93E2-E3B085C9AB24}">
-                  <p16:designElem xmlns:p16="http://schemas.microsoft.com/office/powerpoint/2015/main" val="1"/>
-                </p:ext>
-              </p:extLst>
-            </p:nvPr>
-          </p:nvSpPr>
-          <p:spPr>
-            <a:xfrm>
-              <a:off x="9181476" y="-8467"/>
-              <a:ext cx="3007349" cy="6866467"/>
-            </a:xfrm>
-            <a:custGeom>
-              <a:avLst/>
-              <a:gdLst/>
-              <a:ahLst/>
-              <a:cxnLst/>
-              <a:rect l="l" t="t" r="r" b="b"/>
-              <a:pathLst>
-                <a:path w="3007349" h="6866467">
-                  <a:moveTo>
-                    <a:pt x="2045532" y="0"/>
-                  </a:moveTo>
-                  <a:lnTo>
-                    <a:pt x="3007349" y="0"/>
-                  </a:lnTo>
-                  <a:lnTo>
-                    <a:pt x="3007349" y="6866467"/>
-                  </a:lnTo>
-                  <a:lnTo>
-                    <a:pt x="0" y="6866467"/>
-                  </a:lnTo>
-                  <a:lnTo>
-                    <a:pt x="2045532" y="0"/>
-                  </a:lnTo>
-                  <a:close/>
-                </a:path>
-              </a:pathLst>
-            </a:custGeom>
-            <a:solidFill>
-              <a:schemeClr val="accent1">
-                <a:alpha val="30000"/>
-              </a:schemeClr>
-            </a:solidFill>
-            <a:ln>
-              <a:noFill/>
-            </a:ln>
-            <a:effectLst/>
-          </p:spPr>
-          <p:style>
-            <a:lnRef idx="1">
-              <a:schemeClr val="accent1"/>
-            </a:lnRef>
-            <a:fillRef idx="3">
-              <a:schemeClr val="accent1"/>
-            </a:fillRef>
-            <a:effectRef idx="2">
-              <a:schemeClr val="accent1"/>
-            </a:effectRef>
-            <a:fontRef idx="minor">
-              <a:schemeClr val="lt1"/>
-            </a:fontRef>
-          </p:style>
-        </p:sp>
-        <p:sp>
-          <p:nvSpPr>
-            <p:cNvPr id="14" name="Rectangle 25">
-              <a:extLst>
-                <a:ext uri="{FF2B5EF4-FFF2-40B4-BE49-F238E27FC236}">
-                  <a16:creationId xmlns:a16="http://schemas.microsoft.com/office/drawing/2014/main" id="{9519FBF2-9C9F-49B5-AE1A-AB5049D503DA}"/>
-                </a:ext>
-                <a:ext uri="{C183D7F6-B498-43B3-948B-1728B52AA6E4}">
-                  <adec:decorative xmlns:adec="http://schemas.microsoft.com/office/drawing/2017/decorative" val="1"/>
-                </a:ext>
-              </a:extLst>
-            </p:cNvPr>
-            <p:cNvSpPr/>
-            <p:nvPr>
-              <p:extLst>
-                <p:ext uri="{386F3935-93C4-4BCD-93E2-E3B085C9AB24}">
-                  <p16:designElem xmlns:p16="http://schemas.microsoft.com/office/powerpoint/2015/main" val="1"/>
-                </p:ext>
-              </p:extLst>
-            </p:nvPr>
-          </p:nvSpPr>
-          <p:spPr>
-            <a:xfrm>
-              <a:off x="9603442" y="-8467"/>
-              <a:ext cx="2588558" cy="6866467"/>
-            </a:xfrm>
-            <a:custGeom>
-              <a:avLst/>
-              <a:gdLst/>
-              <a:ahLst/>
-              <a:cxnLst/>
-              <a:rect l="l" t="t" r="r" b="b"/>
-              <a:pathLst>
-                <a:path w="2573311" h="6866467">
-                  <a:moveTo>
-                    <a:pt x="0" y="0"/>
-                  </a:moveTo>
-                  <a:lnTo>
-                    <a:pt x="2573311" y="0"/>
-                  </a:lnTo>
-                  <a:lnTo>
-                    <a:pt x="2573311" y="6866467"/>
-                  </a:lnTo>
-                  <a:lnTo>
-                    <a:pt x="1202336" y="6866467"/>
-                  </a:lnTo>
-                  <a:lnTo>
-                    <a:pt x="0" y="0"/>
-                  </a:lnTo>
-                  <a:close/>
-                </a:path>
-              </a:pathLst>
-            </a:custGeom>
-            <a:solidFill>
-              <a:schemeClr val="accent1">
-                <a:alpha val="20000"/>
-              </a:schemeClr>
-            </a:solidFill>
-            <a:ln>
-              <a:noFill/>
-            </a:ln>
-            <a:effectLst/>
-          </p:spPr>
-          <p:style>
-            <a:lnRef idx="1">
-              <a:schemeClr val="accent1"/>
-            </a:lnRef>
-            <a:fillRef idx="3">
-              <a:schemeClr val="accent1"/>
-            </a:fillRef>
-            <a:effectRef idx="2">
-              <a:schemeClr val="accent1"/>
-            </a:effectRef>
-            <a:fontRef idx="minor">
-              <a:schemeClr val="lt1"/>
-            </a:fontRef>
-          </p:style>
-        </p:sp>
-        <p:sp>
-          <p:nvSpPr>
-            <p:cNvPr id="15" name="Isosceles Triangle 14">
-              <a:extLst>
-                <a:ext uri="{FF2B5EF4-FFF2-40B4-BE49-F238E27FC236}">
-                  <a16:creationId xmlns:a16="http://schemas.microsoft.com/office/drawing/2014/main" id="{A30DE6B7-51C9-49A9-9B80-91E1A8D60370}"/>
-                </a:ext>
-                <a:ext uri="{C183D7F6-B498-43B3-948B-1728B52AA6E4}">
-                  <adec:decorative xmlns:adec="http://schemas.microsoft.com/office/drawing/2017/decorative" val="1"/>
-                </a:ext>
-              </a:extLst>
-            </p:cNvPr>
-            <p:cNvSpPr/>
-            <p:nvPr>
-              <p:extLst>
-                <p:ext uri="{386F3935-93C4-4BCD-93E2-E3B085C9AB24}">
-                  <p16:designElem xmlns:p16="http://schemas.microsoft.com/office/powerpoint/2015/main" val="1"/>
-                </p:ext>
-              </p:extLst>
-            </p:nvPr>
-          </p:nvSpPr>
-          <p:spPr>
-            <a:xfrm>
-              <a:off x="8932333" y="3048000"/>
-              <a:ext cx="3259667" cy="3810000"/>
-            </a:xfrm>
-            <a:prstGeom prst="triangle">
-              <a:avLst>
-                <a:gd name="adj" fmla="val 100000"/>
-              </a:avLst>
-            </a:prstGeom>
-            <a:solidFill>
-              <a:schemeClr val="accent2">
-                <a:alpha val="72000"/>
-              </a:schemeClr>
-            </a:solidFill>
-            <a:ln>
-              <a:noFill/>
-            </a:ln>
-            <a:effectLst/>
-          </p:spPr>
-          <p:style>
-            <a:lnRef idx="1">
-              <a:schemeClr val="accent1"/>
-            </a:lnRef>
-            <a:fillRef idx="3">
-              <a:schemeClr val="accent1"/>
-            </a:fillRef>
-            <a:effectRef idx="2">
-              <a:schemeClr val="accent1"/>
-            </a:effectRef>
-            <a:fontRef idx="minor">
-              <a:schemeClr val="lt1"/>
-            </a:fontRef>
-          </p:style>
-        </p:sp>
-        <p:sp>
-          <p:nvSpPr>
-            <p:cNvPr id="16" name="Rectangle 27">
-              <a:extLst>
-                <a:ext uri="{FF2B5EF4-FFF2-40B4-BE49-F238E27FC236}">
-                  <a16:creationId xmlns:a16="http://schemas.microsoft.com/office/drawing/2014/main" id="{EDFE8946-BACE-4C56-9B6E-85E11C0995CE}"/>
-                </a:ext>
-                <a:ext uri="{C183D7F6-B498-43B3-948B-1728B52AA6E4}">
-                  <adec:decorative xmlns:adec="http://schemas.microsoft.com/office/drawing/2017/decorative" val="1"/>
-                </a:ext>
-              </a:extLst>
-            </p:cNvPr>
-            <p:cNvSpPr/>
-            <p:nvPr>
-              <p:extLst>
-                <p:ext uri="{386F3935-93C4-4BCD-93E2-E3B085C9AB24}">
-                  <p16:designElem xmlns:p16="http://schemas.microsoft.com/office/powerpoint/2015/main" val="1"/>
-                </p:ext>
-              </p:extLst>
-            </p:nvPr>
-          </p:nvSpPr>
-          <p:spPr>
-            <a:xfrm>
-              <a:off x="9334500" y="-8467"/>
-              <a:ext cx="2854326" cy="6866467"/>
-            </a:xfrm>
-            <a:custGeom>
-              <a:avLst/>
-              <a:gdLst/>
-              <a:ahLst/>
-              <a:cxnLst/>
-              <a:rect l="l" t="t" r="r" b="b"/>
-              <a:pathLst>
-                <a:path w="2858013" h="6866467">
-                  <a:moveTo>
-                    <a:pt x="0" y="0"/>
-                  </a:moveTo>
-                  <a:lnTo>
-                    <a:pt x="2858013" y="0"/>
-                  </a:lnTo>
-                  <a:lnTo>
-                    <a:pt x="2858013" y="6866467"/>
-                  </a:lnTo>
-                  <a:lnTo>
-                    <a:pt x="2473942" y="6866467"/>
-                  </a:lnTo>
-                  <a:lnTo>
-                    <a:pt x="0" y="0"/>
-                  </a:lnTo>
-                  <a:close/>
-                </a:path>
-              </a:pathLst>
-            </a:custGeom>
-            <a:solidFill>
-              <a:schemeClr val="accent2">
-                <a:lumMod val="75000"/>
-                <a:alpha val="70000"/>
-              </a:schemeClr>
-            </a:solidFill>
-            <a:ln>
-              <a:noFill/>
-            </a:ln>
-            <a:effectLst/>
-          </p:spPr>
-          <p:style>
-            <a:lnRef idx="1">
-              <a:schemeClr val="accent1"/>
-            </a:lnRef>
-            <a:fillRef idx="3">
-              <a:schemeClr val="accent1"/>
-            </a:fillRef>
-            <a:effectRef idx="2">
-              <a:schemeClr val="accent1"/>
-            </a:effectRef>
-            <a:fontRef idx="minor">
-              <a:schemeClr val="lt1"/>
-            </a:fontRef>
-          </p:style>
-        </p:sp>
-        <p:sp>
-          <p:nvSpPr>
-            <p:cNvPr id="17" name="Rectangle 28">
-              <a:extLst>
-                <a:ext uri="{FF2B5EF4-FFF2-40B4-BE49-F238E27FC236}">
-                  <a16:creationId xmlns:a16="http://schemas.microsoft.com/office/drawing/2014/main" id="{390A658F-D524-467C-BDFC-D37A227BFC14}"/>
-                </a:ext>
-                <a:ext uri="{C183D7F6-B498-43B3-948B-1728B52AA6E4}">
-                  <adec:decorative xmlns:adec="http://schemas.microsoft.com/office/drawing/2017/decorative" val="1"/>
-                </a:ext>
-              </a:extLst>
-            </p:cNvPr>
-            <p:cNvSpPr/>
-            <p:nvPr>
-              <p:extLst>
-                <p:ext uri="{386F3935-93C4-4BCD-93E2-E3B085C9AB24}">
-                  <p16:designElem xmlns:p16="http://schemas.microsoft.com/office/powerpoint/2015/main" val="1"/>
-                </p:ext>
-              </p:extLst>
-            </p:nvPr>
-          </p:nvSpPr>
-          <p:spPr>
-            <a:xfrm>
-              <a:off x="10898730" y="-8467"/>
-              <a:ext cx="1290094" cy="6866467"/>
-            </a:xfrm>
-            <a:custGeom>
-              <a:avLst/>
-              <a:gdLst/>
-              <a:ahLst/>
-              <a:cxnLst/>
-              <a:rect l="l" t="t" r="r" b="b"/>
-              <a:pathLst>
-                <a:path w="1290094" h="6858000">
-                  <a:moveTo>
-                    <a:pt x="1019735" y="0"/>
-                  </a:moveTo>
-                  <a:lnTo>
-                    <a:pt x="1290094" y="0"/>
-                  </a:lnTo>
-                  <a:lnTo>
-                    <a:pt x="1290094" y="6858000"/>
-                  </a:lnTo>
-                  <a:lnTo>
-                    <a:pt x="0" y="6858000"/>
-                  </a:lnTo>
-                  <a:lnTo>
-                    <a:pt x="1019735" y="0"/>
-                  </a:lnTo>
-                  <a:close/>
-                </a:path>
-              </a:pathLst>
-            </a:custGeom>
-            <a:solidFill>
-              <a:schemeClr val="accent1">
-                <a:lumMod val="60000"/>
-                <a:lumOff val="40000"/>
-                <a:alpha val="70000"/>
-              </a:schemeClr>
-            </a:solidFill>
-            <a:ln>
-              <a:noFill/>
-            </a:ln>
-            <a:effectLst/>
-          </p:spPr>
-          <p:style>
-            <a:lnRef idx="1">
-              <a:schemeClr val="accent1"/>
-            </a:lnRef>
-            <a:fillRef idx="3">
-              <a:schemeClr val="accent1"/>
-            </a:fillRef>
-            <a:effectRef idx="2">
-              <a:schemeClr val="accent1"/>
-            </a:effectRef>
-            <a:fontRef idx="minor">
-              <a:schemeClr val="lt1"/>
-            </a:fontRef>
-          </p:style>
-        </p:sp>
-        <p:sp>
-          <p:nvSpPr>
-            <p:cNvPr id="18" name="Rectangle 29">
-              <a:extLst>
-                <a:ext uri="{FF2B5EF4-FFF2-40B4-BE49-F238E27FC236}">
-                  <a16:creationId xmlns:a16="http://schemas.microsoft.com/office/drawing/2014/main" id="{4F01FE87-3030-45CD-B330-DBA287297D51}"/>
-                </a:ext>
-                <a:ext uri="{C183D7F6-B498-43B3-948B-1728B52AA6E4}">
-                  <adec:decorative xmlns:adec="http://schemas.microsoft.com/office/drawing/2017/decorative" val="1"/>
-                </a:ext>
-              </a:extLst>
-            </p:cNvPr>
-            <p:cNvSpPr/>
-            <p:nvPr>
-              <p:extLst>
-                <p:ext uri="{386F3935-93C4-4BCD-93E2-E3B085C9AB24}">
-                  <p16:designElem xmlns:p16="http://schemas.microsoft.com/office/powerpoint/2015/main" val="1"/>
-                </p:ext>
-              </p:extLst>
-            </p:nvPr>
-          </p:nvSpPr>
-          <p:spPr>
-            <a:xfrm>
-              <a:off x="10938999" y="-8467"/>
-              <a:ext cx="1249825" cy="6866467"/>
-            </a:xfrm>
-            <a:custGeom>
-              <a:avLst/>
-              <a:gdLst/>
-              <a:ahLst/>
-              <a:cxnLst/>
-              <a:rect l="l" t="t" r="r" b="b"/>
-              <a:pathLst>
-                <a:path w="1249825" h="6858000">
-                  <a:moveTo>
-                    <a:pt x="0" y="0"/>
-                  </a:moveTo>
-                  <a:lnTo>
-                    <a:pt x="1249825" y="0"/>
-                  </a:lnTo>
-                  <a:lnTo>
-                    <a:pt x="1249825" y="6858000"/>
-                  </a:lnTo>
-                  <a:lnTo>
-                    <a:pt x="1109382" y="6858000"/>
-                  </a:lnTo>
-                  <a:lnTo>
-                    <a:pt x="0" y="0"/>
-                  </a:lnTo>
-                  <a:close/>
-                </a:path>
-              </a:pathLst>
-            </a:custGeom>
-            <a:solidFill>
-              <a:schemeClr val="accent1">
-                <a:alpha val="65000"/>
-              </a:schemeClr>
-            </a:solidFill>
-            <a:ln>
-              <a:noFill/>
-            </a:ln>
-            <a:effectLst/>
-          </p:spPr>
-          <p:style>
-            <a:lnRef idx="1">
-              <a:schemeClr val="accent1"/>
-            </a:lnRef>
-            <a:fillRef idx="3">
-              <a:schemeClr val="accent1"/>
-            </a:fillRef>
-            <a:effectRef idx="2">
-              <a:schemeClr val="accent1"/>
-            </a:effectRef>
-            <a:fontRef idx="minor">
-              <a:schemeClr val="lt1"/>
-            </a:fontRef>
-          </p:style>
-        </p:sp>
-        <p:sp>
-          <p:nvSpPr>
-            <p:cNvPr id="19" name="Isosceles Triangle 18">
-              <a:extLst>
-                <a:ext uri="{FF2B5EF4-FFF2-40B4-BE49-F238E27FC236}">
-                  <a16:creationId xmlns:a16="http://schemas.microsoft.com/office/drawing/2014/main" id="{A89C2E5F-7F20-475D-88BE-29D4128DDCB9}"/>
-                </a:ext>
-                <a:ext uri="{C183D7F6-B498-43B3-948B-1728B52AA6E4}">
-                  <adec:decorative xmlns:adec="http://schemas.microsoft.com/office/drawing/2017/decorative" val="1"/>
-                </a:ext>
-              </a:extLst>
-            </p:cNvPr>
-            <p:cNvSpPr/>
-            <p:nvPr>
-              <p:extLst>
-                <p:ext uri="{386F3935-93C4-4BCD-93E2-E3B085C9AB24}">
-                  <p16:designElem xmlns:p16="http://schemas.microsoft.com/office/powerpoint/2015/main" val="1"/>
-                </p:ext>
-              </p:extLst>
-            </p:nvPr>
-          </p:nvSpPr>
-          <p:spPr>
-            <a:xfrm>
-              <a:off x="10371666" y="3589867"/>
-              <a:ext cx="1817159" cy="3268133"/>
-            </a:xfrm>
-            <a:prstGeom prst="triangle">
-              <a:avLst>
-                <a:gd name="adj" fmla="val 100000"/>
-              </a:avLst>
-            </a:prstGeom>
-            <a:solidFill>
-              <a:schemeClr val="accent1">
-                <a:alpha val="80000"/>
-              </a:schemeClr>
-            </a:solidFill>
-            <a:ln>
-              <a:noFill/>
-            </a:ln>
-            <a:effectLst/>
-          </p:spPr>
-          <p:style>
-            <a:lnRef idx="1">
-              <a:schemeClr val="accent1"/>
-            </a:lnRef>
-            <a:fillRef idx="3">
-              <a:schemeClr val="accent1"/>
-            </a:fillRef>
-            <a:effectRef idx="2">
-              <a:schemeClr val="accent1"/>
-            </a:effectRef>
-            <a:fontRef idx="minor">
-              <a:schemeClr val="lt1"/>
-            </a:fontRef>
-          </p:style>
-        </p:sp>
-      </p:grpSp>
-      <p:sp useBgFill="1">
-        <p:nvSpPr>
-          <p:cNvPr id="21" name="Rectangle 20">
-            <a:extLst>
-              <a:ext uri="{FF2B5EF4-FFF2-40B4-BE49-F238E27FC236}">
-                <a16:creationId xmlns:a16="http://schemas.microsoft.com/office/drawing/2014/main" id="{28EC6EDD-78EB-4A50-85CB-7C3CE363AF38}"/>
-              </a:ext>
-              <a:ext uri="{C183D7F6-B498-43B3-948B-1728B52AA6E4}">
-                <adec:decorative xmlns:adec="http://schemas.microsoft.com/office/drawing/2017/decorative" val="1"/>
-              </a:ext>
-            </a:extLst>
-          </p:cNvPr>
-          <p:cNvSpPr>
-            <a:spLocks noGrp="1" noRot="1" noChangeAspect="1" noMove="1" noResize="1" noEditPoints="1" noAdjustHandles="1" noChangeArrowheads="1" noChangeShapeType="1" noTextEdit="1"/>
-          </p:cNvSpPr>
-          <p:nvPr>
-            <p:extLst>
-              <p:ext uri="{386F3935-93C4-4BCD-93E2-E3B085C9AB24}">
-                <p16:designElem xmlns:p16="http://schemas.microsoft.com/office/powerpoint/2015/main" val="1"/>
-              </p:ext>
-            </p:extLst>
-          </p:nvPr>
-        </p:nvSpPr>
-        <p:spPr>
-          <a:xfrm>
-            <a:off x="0" y="1"/>
-            <a:ext cx="12192000" cy="4572000"/>
-          </a:xfrm>
-          <a:prstGeom prst="rect">
-            <a:avLst/>
-          </a:prstGeom>
-          <a:ln>
-            <a:noFill/>
-          </a:ln>
-        </p:spPr>
-        <p:style>
-          <a:lnRef idx="2">
-            <a:schemeClr val="accent1">
-              <a:shade val="50000"/>
-            </a:schemeClr>
-          </a:lnRef>
-          <a:fillRef idx="1">
-            <a:schemeClr val="accent1"/>
-          </a:fillRef>
-          <a:effectRef idx="0">
-            <a:schemeClr val="accent1"/>
-          </a:effectRef>
-          <a:fontRef idx="minor">
-            <a:schemeClr val="lt1"/>
-          </a:fontRef>
-        </p:style>
-        <p:txBody>
-          <a:bodyPr rtlCol="0" anchor="ctr"/>
-          <a:lstStyle/>
-          <a:p>
-            <a:pPr algn="ctr"/>
-            <a:endParaRPr lang="en-US"/>
-          </a:p>
-        </p:txBody>
-      </p:sp>
-      <p:sp>
-        <p:nvSpPr>
-          <p:cNvPr id="3" name="Content Placeholder 2">
-            <a:extLst>
-              <a:ext uri="{FF2B5EF4-FFF2-40B4-BE49-F238E27FC236}">
-                <a16:creationId xmlns:a16="http://schemas.microsoft.com/office/drawing/2014/main" id="{742BFF84-E851-6638-1CA6-E02702A89C66}"/>
-              </a:ext>
-            </a:extLst>
-          </p:cNvPr>
-          <p:cNvSpPr>
-            <a:spLocks noGrp="1"/>
-          </p:cNvSpPr>
-          <p:nvPr>
-            <p:ph idx="1"/>
-          </p:nvPr>
-        </p:nvSpPr>
-        <p:spPr>
-          <a:xfrm>
-            <a:off x="677334" y="425470"/>
-            <a:ext cx="8596668" cy="3880773"/>
-          </a:xfrm>
-        </p:spPr>
-        <p:txBody>
-          <a:bodyPr anchor="ctr">
-            <a:normAutofit/>
-          </a:bodyPr>
-          <a:lstStyle/>
-          <a:p>
-            <a:endParaRPr lang="pl-PL"/>
-          </a:p>
-        </p:txBody>
-      </p:sp>
-      <p:sp>
-        <p:nvSpPr>
-          <p:cNvPr id="2" name="Title 1">
-            <a:extLst>
-              <a:ext uri="{FF2B5EF4-FFF2-40B4-BE49-F238E27FC236}">
-                <a16:creationId xmlns:a16="http://schemas.microsoft.com/office/drawing/2014/main" id="{52F6B5DD-B1A6-AC58-AF7D-D170F76C108E}"/>
-              </a:ext>
-            </a:extLst>
-          </p:cNvPr>
-          <p:cNvSpPr>
-            <a:spLocks noGrp="1"/>
-          </p:cNvSpPr>
-          <p:nvPr>
-            <p:ph type="title"/>
-          </p:nvPr>
-        </p:nvSpPr>
-        <p:spPr>
-          <a:xfrm>
-            <a:off x="677334" y="4765972"/>
-            <a:ext cx="8596668" cy="1320800"/>
-          </a:xfrm>
-        </p:spPr>
-        <p:txBody>
-          <a:bodyPr anchor="ctr">
-            <a:normAutofit/>
-          </a:bodyPr>
-          <a:lstStyle/>
-          <a:p>
-            <a:pPr>
-              <a:lnSpc>
-                <a:spcPct val="90000"/>
-              </a:lnSpc>
-            </a:pPr>
-            <a:r>
-              <a:rPr lang="pl-PL" sz="4400">
-                <a:solidFill>
-                  <a:schemeClr val="bg1"/>
-                </a:solidFill>
-              </a:rPr>
-              <a:t>Frameworki do testów jednostkowych</a:t>
-            </a:r>
-          </a:p>
-        </p:txBody>
-      </p:sp>
-    </p:spTree>
-    <p:extLst>
-      <p:ext uri="{BB962C8B-B14F-4D97-AF65-F5344CB8AC3E}">
-        <p14:creationId xmlns:p14="http://schemas.microsoft.com/office/powerpoint/2010/main" val="3311171262"/>
-      </p:ext>
-    </p:extLst>
-  </p:cSld>
-  <p:clrMapOvr>
-    <a:masterClrMapping/>
-  </p:clrMapOvr>
-</p:sld>
-</file>
-
-<file path=ppt/slides/slide5.xml><?xml version="1.0" encoding="utf-8"?>
 <p:sld xmlns:a="http://schemas.openxmlformats.org/drawingml/2006/main" xmlns:r="http://schemas.openxmlformats.org/officeDocument/2006/relationships" xmlns:p="http://schemas.openxmlformats.org/presentationml/2006/main">
   <p:cSld>
     <p:bg>
@@ -11295,7 +12566,7 @@
         </p:blipFill>
         <p:spPr>
           <a:xfrm>
-            <a:off x="5123543" y="-1"/>
+            <a:off x="6274405" y="8466"/>
             <a:ext cx="7065281" cy="6858001"/>
           </a:xfrm>
           <a:custGeom>
@@ -11355,8 +12626,8 @@
         </p:nvSpPr>
         <p:spPr>
           <a:xfrm>
-            <a:off x="668866" y="1678666"/>
-            <a:ext cx="5123515" cy="2369093"/>
+            <a:off x="1091740" y="60657"/>
+            <a:ext cx="6406636" cy="1721507"/>
           </a:xfrm>
         </p:spPr>
         <p:txBody>
@@ -11365,11 +12636,27 @@
           </a:bodyPr>
           <a:lstStyle/>
           <a:p>
-            <a:pPr algn="r"/>
             <a:r>
-              <a:rPr lang="en-US" sz="4800"/>
-              <a:t>Jak pisać testy jednostkowe</a:t>
+              <a:rPr lang="en-US" sz="4800" dirty="0"/>
+              <a:t>Jak </a:t>
             </a:r>
+            <a:r>
+              <a:rPr lang="en-US" sz="4800" dirty="0" err="1"/>
+              <a:t>pisać</a:t>
+            </a:r>
+            <a:r>
+              <a:rPr lang="en-US" sz="4800" dirty="0"/>
+              <a:t> test</a:t>
+            </a:r>
+            <a:r>
+              <a:rPr lang="pl-PL" sz="4800" dirty="0"/>
+              <a:t>y </a:t>
+            </a:r>
+            <a:r>
+              <a:rPr lang="en-US" sz="4800" dirty="0" err="1"/>
+              <a:t>jednostkowe</a:t>
+            </a:r>
+            <a:endParaRPr lang="en-US" sz="4800" dirty="0"/>
           </a:p>
         </p:txBody>
       </p:sp>
@@ -12000,6 +13287,125 @@
           </a:fontRef>
         </p:style>
       </p:sp>
+      <p:sp>
+        <p:nvSpPr>
+          <p:cNvPr id="3" name="Content Placeholder 2">
+            <a:extLst>
+              <a:ext uri="{FF2B5EF4-FFF2-40B4-BE49-F238E27FC236}">
+                <a16:creationId xmlns:a16="http://schemas.microsoft.com/office/drawing/2014/main" id="{B2BDB063-2C2E-7570-B00E-386628F06D41}"/>
+              </a:ext>
+            </a:extLst>
+          </p:cNvPr>
+          <p:cNvSpPr>
+            <a:spLocks noGrp="1"/>
+          </p:cNvSpPr>
+          <p:nvPr>
+            <p:ph idx="1"/>
+          </p:nvPr>
+        </p:nvSpPr>
+        <p:spPr>
+          <a:xfrm>
+            <a:off x="564674" y="2190178"/>
+            <a:ext cx="6552075" cy="3880773"/>
+          </a:xfrm>
+        </p:spPr>
+        <p:txBody>
+          <a:bodyPr>
+            <a:normAutofit fontScale="92500" lnSpcReduction="10000"/>
+          </a:bodyPr>
+          <a:lstStyle/>
+          <a:p>
+            <a:pPr marL="342900" lvl="0" indent="-342900">
+              <a:lnSpc>
+                <a:spcPct val="107000"/>
+              </a:lnSpc>
+              <a:buFont typeface="Symbol" panose="05050102010706020507" pitchFamily="18" charset="2"/>
+              <a:buChar char=""/>
+            </a:pPr>
+            <a:r>
+              <a:rPr lang="pl-PL" sz="1800" dirty="0">
+                <a:effectLst/>
+                <a:latin typeface="Calibri" panose="020F0502020204030204" pitchFamily="34" charset="0"/>
+                <a:ea typeface="Calibri" panose="020F0502020204030204" pitchFamily="34" charset="0"/>
+                <a:cs typeface="Times New Roman" panose="02020603050405020304" pitchFamily="18" charset="0"/>
+              </a:rPr>
+              <a:t>Aby napisać test jednostkowy, należy najpierw zidentyfikować jednostkę kodu, którą chcemy przetestować. Może to być funkcja, metoda lub klasa, na przykład.</a:t>
+            </a:r>
+          </a:p>
+          <a:p>
+            <a:pPr marL="342900" lvl="0" indent="-342900">
+              <a:lnSpc>
+                <a:spcPct val="107000"/>
+              </a:lnSpc>
+              <a:buFont typeface="Symbol" panose="05050102010706020507" pitchFamily="18" charset="2"/>
+              <a:buChar char=""/>
+            </a:pPr>
+            <a:endParaRPr lang="pl-PL" sz="1800" dirty="0">
+              <a:effectLst/>
+              <a:latin typeface="Calibri" panose="020F0502020204030204" pitchFamily="34" charset="0"/>
+              <a:ea typeface="Calibri" panose="020F0502020204030204" pitchFamily="34" charset="0"/>
+              <a:cs typeface="Times New Roman" panose="02020603050405020304" pitchFamily="18" charset="0"/>
+            </a:endParaRPr>
+          </a:p>
+          <a:p>
+            <a:pPr marL="342900" lvl="0" indent="-342900">
+              <a:lnSpc>
+                <a:spcPct val="107000"/>
+              </a:lnSpc>
+              <a:buFont typeface="Symbol" panose="05050102010706020507" pitchFamily="18" charset="2"/>
+              <a:buChar char=""/>
+            </a:pPr>
+            <a:r>
+              <a:rPr lang="pl-PL" sz="1800" dirty="0">
+                <a:effectLst/>
+                <a:latin typeface="Calibri" panose="020F0502020204030204" pitchFamily="34" charset="0"/>
+                <a:ea typeface="Calibri" panose="020F0502020204030204" pitchFamily="34" charset="0"/>
+                <a:cs typeface="Times New Roman" panose="02020603050405020304" pitchFamily="18" charset="0"/>
+              </a:rPr>
+              <a:t>Następnie należy napisać funkcję testową, która wywoła jednostkę kodu i sprawdzi wynik działania w stosunku do oczekiwanego wyniku. Funkcja testowa powinna również zawierać kod inicjalizujący i kończący test.</a:t>
+            </a:r>
+          </a:p>
+          <a:p>
+            <a:pPr marL="342900" lvl="0" indent="-342900">
+              <a:lnSpc>
+                <a:spcPct val="107000"/>
+              </a:lnSpc>
+              <a:buFont typeface="Symbol" panose="05050102010706020507" pitchFamily="18" charset="2"/>
+              <a:buChar char=""/>
+            </a:pPr>
+            <a:endParaRPr lang="pl-PL" sz="1800" dirty="0">
+              <a:effectLst/>
+              <a:latin typeface="Calibri" panose="020F0502020204030204" pitchFamily="34" charset="0"/>
+              <a:ea typeface="Calibri" panose="020F0502020204030204" pitchFamily="34" charset="0"/>
+              <a:cs typeface="Times New Roman" panose="02020603050405020304" pitchFamily="18" charset="0"/>
+            </a:endParaRPr>
+          </a:p>
+          <a:p>
+            <a:pPr marL="342900" lvl="0" indent="-342900">
+              <a:lnSpc>
+                <a:spcPct val="107000"/>
+              </a:lnSpc>
+              <a:spcAft>
+                <a:spcPts val="800"/>
+              </a:spcAft>
+              <a:buFont typeface="Symbol" panose="05050102010706020507" pitchFamily="18" charset="2"/>
+              <a:buChar char=""/>
+            </a:pPr>
+            <a:r>
+              <a:rPr lang="pl-PL" sz="1800" dirty="0">
+                <a:effectLst/>
+                <a:latin typeface="Calibri" panose="020F0502020204030204" pitchFamily="34" charset="0"/>
+                <a:ea typeface="Calibri" panose="020F0502020204030204" pitchFamily="34" charset="0"/>
+                <a:cs typeface="Times New Roman" panose="02020603050405020304" pitchFamily="18" charset="0"/>
+              </a:rPr>
+              <a:t>Na końcu należy uruchomić funkcję testową, aby upewnić się, że test zostanie zaliczony. W przypadku niepowodzenia należy zdebugować kod i naprawić błąd.</a:t>
+            </a:r>
+          </a:p>
+          <a:p>
+            <a:endParaRPr lang="pl-PL" dirty="0"/>
+          </a:p>
+        </p:txBody>
+      </p:sp>
     </p:spTree>
     <p:extLst>
       <p:ext uri="{BB962C8B-B14F-4D97-AF65-F5344CB8AC3E}">
@@ -12013,9 +13419,918 @@
 </p:sld>
 </file>
 
+<file path=ppt/slides/slide5.xml><?xml version="1.0" encoding="utf-8"?>
+<p:sld xmlns:a="http://schemas.openxmlformats.org/drawingml/2006/main" xmlns:r="http://schemas.openxmlformats.org/officeDocument/2006/relationships" xmlns:p="http://schemas.openxmlformats.org/presentationml/2006/main">
+  <p:cSld>
+    <p:bg>
+      <p:bgPr>
+        <a:solidFill>
+          <a:schemeClr val="bg1"/>
+        </a:solidFill>
+        <a:effectLst/>
+      </p:bgPr>
+    </p:bg>
+    <p:spTree>
+      <p:nvGrpSpPr>
+        <p:cNvPr id="1" name=""/>
+        <p:cNvGrpSpPr/>
+        <p:nvPr/>
+      </p:nvGrpSpPr>
+      <p:grpSpPr>
+        <a:xfrm>
+          <a:off x="0" y="0"/>
+          <a:ext cx="0" cy="0"/>
+          <a:chOff x="0" y="0"/>
+          <a:chExt cx="0" cy="0"/>
+        </a:xfrm>
+      </p:grpSpPr>
+      <p:sp useBgFill="1">
+        <p:nvSpPr>
+          <p:cNvPr id="45" name="Rectangle 44">
+            <a:extLst>
+              <a:ext uri="{FF2B5EF4-FFF2-40B4-BE49-F238E27FC236}">
+                <a16:creationId xmlns:a16="http://schemas.microsoft.com/office/drawing/2014/main" id="{655AE6B0-AC9E-4167-806F-E9DB135FC46B}"/>
+              </a:ext>
+              <a:ext uri="{C183D7F6-B498-43B3-948B-1728B52AA6E4}">
+                <adec:decorative xmlns:adec="http://schemas.microsoft.com/office/drawing/2017/decorative" val="1"/>
+              </a:ext>
+            </a:extLst>
+          </p:cNvPr>
+          <p:cNvSpPr>
+            <a:spLocks noGrp="1" noRot="1" noChangeAspect="1" noMove="1" noResize="1" noEditPoints="1" noAdjustHandles="1" noChangeArrowheads="1" noChangeShapeType="1" noTextEdit="1"/>
+          </p:cNvSpPr>
+          <p:nvPr>
+            <p:extLst>
+              <p:ext uri="{386F3935-93C4-4BCD-93E2-E3B085C9AB24}">
+                <p16:designElem xmlns:p16="http://schemas.microsoft.com/office/powerpoint/2015/main" val="1"/>
+              </p:ext>
+            </p:extLst>
+          </p:nvPr>
+        </p:nvSpPr>
+        <p:spPr>
+          <a:xfrm>
+            <a:off x="0" y="0"/>
+            <a:ext cx="12192000" cy="6858000"/>
+          </a:xfrm>
+          <a:prstGeom prst="rect">
+            <a:avLst/>
+          </a:prstGeom>
+          <a:ln>
+            <a:noFill/>
+          </a:ln>
+        </p:spPr>
+        <p:style>
+          <a:lnRef idx="2">
+            <a:schemeClr val="accent1">
+              <a:shade val="50000"/>
+            </a:schemeClr>
+          </a:lnRef>
+          <a:fillRef idx="1">
+            <a:schemeClr val="accent1"/>
+          </a:fillRef>
+          <a:effectRef idx="0">
+            <a:schemeClr val="accent1"/>
+          </a:effectRef>
+          <a:fontRef idx="minor">
+            <a:schemeClr val="lt1"/>
+          </a:fontRef>
+        </p:style>
+        <p:txBody>
+          <a:bodyPr rtlCol="0" anchor="ctr"/>
+          <a:lstStyle/>
+          <a:p>
+            <a:pPr algn="ctr"/>
+            <a:endParaRPr lang="en-US"/>
+          </a:p>
+        </p:txBody>
+      </p:sp>
+      <p:sp>
+        <p:nvSpPr>
+          <p:cNvPr id="2" name="Title 1">
+            <a:extLst>
+              <a:ext uri="{FF2B5EF4-FFF2-40B4-BE49-F238E27FC236}">
+                <a16:creationId xmlns:a16="http://schemas.microsoft.com/office/drawing/2014/main" id="{52F6B5DD-B1A6-AC58-AF7D-D170F76C108E}"/>
+              </a:ext>
+            </a:extLst>
+          </p:cNvPr>
+          <p:cNvSpPr>
+            <a:spLocks noGrp="1"/>
+          </p:cNvSpPr>
+          <p:nvPr>
+            <p:ph type="title"/>
+          </p:nvPr>
+        </p:nvSpPr>
+        <p:spPr>
+          <a:xfrm>
+            <a:off x="309010" y="382309"/>
+            <a:ext cx="3547581" cy="4093028"/>
+          </a:xfrm>
+        </p:spPr>
+        <p:txBody>
+          <a:bodyPr anchor="ctr">
+            <a:normAutofit/>
+          </a:bodyPr>
+          <a:lstStyle/>
+          <a:p>
+            <a:r>
+              <a:rPr lang="pl-PL" sz="3700" dirty="0"/>
+              <a:t>Frameworki do testów jednostkowych</a:t>
+            </a:r>
+          </a:p>
+        </p:txBody>
+      </p:sp>
+      <p:grpSp>
+        <p:nvGrpSpPr>
+          <p:cNvPr id="47" name="Group 46">
+            <a:extLst>
+              <a:ext uri="{FF2B5EF4-FFF2-40B4-BE49-F238E27FC236}">
+                <a16:creationId xmlns:a16="http://schemas.microsoft.com/office/drawing/2014/main" id="{3523416A-383B-4FDC-B4C9-D8EDDFE9C043}"/>
+              </a:ext>
+              <a:ext uri="{C183D7F6-B498-43B3-948B-1728B52AA6E4}">
+                <adec:decorative xmlns:adec="http://schemas.microsoft.com/office/drawing/2017/decorative" val="1"/>
+              </a:ext>
+            </a:extLst>
+          </p:cNvPr>
+          <p:cNvGrpSpPr>
+            <a:grpSpLocks noGrp="1" noUngrp="1" noRot="1" noChangeAspect="1" noMove="1" noResize="1"/>
+          </p:cNvGrpSpPr>
+          <p:nvPr>
+            <p:extLst>
+              <p:ext uri="{386F3935-93C4-4BCD-93E2-E3B085C9AB24}">
+                <p16:designElem xmlns:p16="http://schemas.microsoft.com/office/powerpoint/2015/main" val="1"/>
+              </p:ext>
+            </p:extLst>
+          </p:nvPr>
+        </p:nvGrpSpPr>
+        <p:grpSpPr>
+          <a:xfrm>
+            <a:off x="1329267" y="-8467"/>
+            <a:ext cx="4766733" cy="6866467"/>
+            <a:chOff x="7425267" y="-8467"/>
+            <a:chExt cx="4766733" cy="6866467"/>
+          </a:xfrm>
+        </p:grpSpPr>
+        <p:cxnSp>
+          <p:nvCxnSpPr>
+            <p:cNvPr id="48" name="Straight Connector 47">
+              <a:extLst>
+                <a:ext uri="{FF2B5EF4-FFF2-40B4-BE49-F238E27FC236}">
+                  <a16:creationId xmlns:a16="http://schemas.microsoft.com/office/drawing/2014/main" id="{CB0D29D5-3F7C-4197-821B-6D60A66CC04B}"/>
+                </a:ext>
+                <a:ext uri="{C183D7F6-B498-43B3-948B-1728B52AA6E4}">
+                  <adec:decorative xmlns:adec="http://schemas.microsoft.com/office/drawing/2017/decorative" val="1"/>
+                </a:ext>
+              </a:extLst>
+            </p:cNvPr>
+            <p:cNvCxnSpPr/>
+            <p:nvPr>
+              <p:extLst>
+                <p:ext uri="{386F3935-93C4-4BCD-93E2-E3B085C9AB24}">
+                  <p16:designElem xmlns:p16="http://schemas.microsoft.com/office/powerpoint/2015/main" val="1"/>
+                </p:ext>
+              </p:extLst>
+            </p:nvPr>
+          </p:nvCxnSpPr>
+          <p:spPr>
+            <a:xfrm>
+              <a:off x="9371012" y="0"/>
+              <a:ext cx="1219200" cy="6858000"/>
+            </a:xfrm>
+            <a:prstGeom prst="line">
+              <a:avLst/>
+            </a:prstGeom>
+            <a:ln w="9525">
+              <a:solidFill>
+                <a:srgbClr val="BFBFBF">
+                  <a:alpha val="75000"/>
+                </a:srgbClr>
+              </a:solidFill>
+            </a:ln>
+          </p:spPr>
+          <p:style>
+            <a:lnRef idx="2">
+              <a:schemeClr val="accent1"/>
+            </a:lnRef>
+            <a:fillRef idx="0">
+              <a:schemeClr val="accent1"/>
+            </a:fillRef>
+            <a:effectRef idx="1">
+              <a:schemeClr val="accent1"/>
+            </a:effectRef>
+            <a:fontRef idx="minor">
+              <a:schemeClr val="tx1"/>
+            </a:fontRef>
+          </p:style>
+        </p:cxnSp>
+        <p:cxnSp>
+          <p:nvCxnSpPr>
+            <p:cNvPr id="49" name="Straight Connector 48">
+              <a:extLst>
+                <a:ext uri="{FF2B5EF4-FFF2-40B4-BE49-F238E27FC236}">
+                  <a16:creationId xmlns:a16="http://schemas.microsoft.com/office/drawing/2014/main" id="{347FB49A-3541-428A-AADE-682A3C50563D}"/>
+                </a:ext>
+                <a:ext uri="{C183D7F6-B498-43B3-948B-1728B52AA6E4}">
+                  <adec:decorative xmlns:adec="http://schemas.microsoft.com/office/drawing/2017/decorative" val="1"/>
+                </a:ext>
+              </a:extLst>
+            </p:cNvPr>
+            <p:cNvCxnSpPr/>
+            <p:nvPr>
+              <p:extLst>
+                <p:ext uri="{386F3935-93C4-4BCD-93E2-E3B085C9AB24}">
+                  <p16:designElem xmlns:p16="http://schemas.microsoft.com/office/powerpoint/2015/main" val="1"/>
+                </p:ext>
+              </p:extLst>
+            </p:nvPr>
+          </p:nvCxnSpPr>
+          <p:spPr>
+            <a:xfrm flipH="1">
+              <a:off x="7425267" y="3681413"/>
+              <a:ext cx="4763558" cy="3176587"/>
+            </a:xfrm>
+            <a:prstGeom prst="line">
+              <a:avLst/>
+            </a:prstGeom>
+            <a:ln w="9525">
+              <a:solidFill>
+                <a:srgbClr val="BFBFBF">
+                  <a:alpha val="80000"/>
+                </a:srgbClr>
+              </a:solidFill>
+            </a:ln>
+          </p:spPr>
+          <p:style>
+            <a:lnRef idx="2">
+              <a:schemeClr val="accent1"/>
+            </a:lnRef>
+            <a:fillRef idx="0">
+              <a:schemeClr val="accent1"/>
+            </a:fillRef>
+            <a:effectRef idx="1">
+              <a:schemeClr val="accent1"/>
+            </a:effectRef>
+            <a:fontRef idx="minor">
+              <a:schemeClr val="tx1"/>
+            </a:fontRef>
+          </p:style>
+        </p:cxnSp>
+        <p:sp>
+          <p:nvSpPr>
+            <p:cNvPr id="50" name="Rectangle 23">
+              <a:extLst>
+                <a:ext uri="{FF2B5EF4-FFF2-40B4-BE49-F238E27FC236}">
+                  <a16:creationId xmlns:a16="http://schemas.microsoft.com/office/drawing/2014/main" id="{D96F53DC-08F1-42C6-B558-B83D54B27664}"/>
+                </a:ext>
+                <a:ext uri="{C183D7F6-B498-43B3-948B-1728B52AA6E4}">
+                  <adec:decorative xmlns:adec="http://schemas.microsoft.com/office/drawing/2017/decorative" val="1"/>
+                </a:ext>
+              </a:extLst>
+            </p:cNvPr>
+            <p:cNvSpPr/>
+            <p:nvPr>
+              <p:extLst>
+                <p:ext uri="{386F3935-93C4-4BCD-93E2-E3B085C9AB24}">
+                  <p16:designElem xmlns:p16="http://schemas.microsoft.com/office/powerpoint/2015/main" val="1"/>
+                </p:ext>
+              </p:extLst>
+            </p:nvPr>
+          </p:nvSpPr>
+          <p:spPr>
+            <a:xfrm>
+              <a:off x="9181476" y="-8467"/>
+              <a:ext cx="3007349" cy="6866467"/>
+            </a:xfrm>
+            <a:custGeom>
+              <a:avLst/>
+              <a:gdLst/>
+              <a:ahLst/>
+              <a:cxnLst/>
+              <a:rect l="l" t="t" r="r" b="b"/>
+              <a:pathLst>
+                <a:path w="3007349" h="6866467">
+                  <a:moveTo>
+                    <a:pt x="2045532" y="0"/>
+                  </a:moveTo>
+                  <a:lnTo>
+                    <a:pt x="3007349" y="0"/>
+                  </a:lnTo>
+                  <a:lnTo>
+                    <a:pt x="3007349" y="6866467"/>
+                  </a:lnTo>
+                  <a:lnTo>
+                    <a:pt x="0" y="6866467"/>
+                  </a:lnTo>
+                  <a:lnTo>
+                    <a:pt x="2045532" y="0"/>
+                  </a:lnTo>
+                  <a:close/>
+                </a:path>
+              </a:pathLst>
+            </a:custGeom>
+            <a:solidFill>
+              <a:schemeClr val="accent1">
+                <a:alpha val="30000"/>
+              </a:schemeClr>
+            </a:solidFill>
+            <a:ln>
+              <a:noFill/>
+            </a:ln>
+            <a:effectLst/>
+          </p:spPr>
+          <p:style>
+            <a:lnRef idx="1">
+              <a:schemeClr val="accent1"/>
+            </a:lnRef>
+            <a:fillRef idx="3">
+              <a:schemeClr val="accent1"/>
+            </a:fillRef>
+            <a:effectRef idx="2">
+              <a:schemeClr val="accent1"/>
+            </a:effectRef>
+            <a:fontRef idx="minor">
+              <a:schemeClr val="lt1"/>
+            </a:fontRef>
+          </p:style>
+        </p:sp>
+        <p:sp>
+          <p:nvSpPr>
+            <p:cNvPr id="51" name="Rectangle 25">
+              <a:extLst>
+                <a:ext uri="{FF2B5EF4-FFF2-40B4-BE49-F238E27FC236}">
+                  <a16:creationId xmlns:a16="http://schemas.microsoft.com/office/drawing/2014/main" id="{AFE48CAF-A51C-463F-A570-ED99439A5CA3}"/>
+                </a:ext>
+                <a:ext uri="{C183D7F6-B498-43B3-948B-1728B52AA6E4}">
+                  <adec:decorative xmlns:adec="http://schemas.microsoft.com/office/drawing/2017/decorative" val="1"/>
+                </a:ext>
+              </a:extLst>
+            </p:cNvPr>
+            <p:cNvSpPr/>
+            <p:nvPr>
+              <p:extLst>
+                <p:ext uri="{386F3935-93C4-4BCD-93E2-E3B085C9AB24}">
+                  <p16:designElem xmlns:p16="http://schemas.microsoft.com/office/powerpoint/2015/main" val="1"/>
+                </p:ext>
+              </p:extLst>
+            </p:nvPr>
+          </p:nvSpPr>
+          <p:spPr>
+            <a:xfrm>
+              <a:off x="9603442" y="-8467"/>
+              <a:ext cx="2588558" cy="6866467"/>
+            </a:xfrm>
+            <a:custGeom>
+              <a:avLst/>
+              <a:gdLst/>
+              <a:ahLst/>
+              <a:cxnLst/>
+              <a:rect l="l" t="t" r="r" b="b"/>
+              <a:pathLst>
+                <a:path w="2573311" h="6866467">
+                  <a:moveTo>
+                    <a:pt x="0" y="0"/>
+                  </a:moveTo>
+                  <a:lnTo>
+                    <a:pt x="2573311" y="0"/>
+                  </a:lnTo>
+                  <a:lnTo>
+                    <a:pt x="2573311" y="6866467"/>
+                  </a:lnTo>
+                  <a:lnTo>
+                    <a:pt x="1202336" y="6866467"/>
+                  </a:lnTo>
+                  <a:lnTo>
+                    <a:pt x="0" y="0"/>
+                  </a:lnTo>
+                  <a:close/>
+                </a:path>
+              </a:pathLst>
+            </a:custGeom>
+            <a:solidFill>
+              <a:schemeClr val="accent1">
+                <a:alpha val="20000"/>
+              </a:schemeClr>
+            </a:solidFill>
+            <a:ln>
+              <a:noFill/>
+            </a:ln>
+            <a:effectLst/>
+          </p:spPr>
+          <p:style>
+            <a:lnRef idx="1">
+              <a:schemeClr val="accent1"/>
+            </a:lnRef>
+            <a:fillRef idx="3">
+              <a:schemeClr val="accent1"/>
+            </a:fillRef>
+            <a:effectRef idx="2">
+              <a:schemeClr val="accent1"/>
+            </a:effectRef>
+            <a:fontRef idx="minor">
+              <a:schemeClr val="lt1"/>
+            </a:fontRef>
+          </p:style>
+        </p:sp>
+        <p:sp>
+          <p:nvSpPr>
+            <p:cNvPr id="52" name="Isosceles Triangle 51">
+              <a:extLst>
+                <a:ext uri="{FF2B5EF4-FFF2-40B4-BE49-F238E27FC236}">
+                  <a16:creationId xmlns:a16="http://schemas.microsoft.com/office/drawing/2014/main" id="{01F0C48B-50FF-4351-8207-16D096048311}"/>
+                </a:ext>
+                <a:ext uri="{C183D7F6-B498-43B3-948B-1728B52AA6E4}">
+                  <adec:decorative xmlns:adec="http://schemas.microsoft.com/office/drawing/2017/decorative" val="1"/>
+                </a:ext>
+              </a:extLst>
+            </p:cNvPr>
+            <p:cNvSpPr/>
+            <p:nvPr>
+              <p:extLst>
+                <p:ext uri="{386F3935-93C4-4BCD-93E2-E3B085C9AB24}">
+                  <p16:designElem xmlns:p16="http://schemas.microsoft.com/office/powerpoint/2015/main" val="1"/>
+                </p:ext>
+              </p:extLst>
+            </p:nvPr>
+          </p:nvSpPr>
+          <p:spPr>
+            <a:xfrm>
+              <a:off x="8932333" y="3048000"/>
+              <a:ext cx="3259667" cy="3810000"/>
+            </a:xfrm>
+            <a:prstGeom prst="triangle">
+              <a:avLst>
+                <a:gd name="adj" fmla="val 100000"/>
+              </a:avLst>
+            </a:prstGeom>
+            <a:solidFill>
+              <a:schemeClr val="accent2">
+                <a:alpha val="72000"/>
+              </a:schemeClr>
+            </a:solidFill>
+            <a:ln>
+              <a:noFill/>
+            </a:ln>
+            <a:effectLst/>
+          </p:spPr>
+          <p:style>
+            <a:lnRef idx="1">
+              <a:schemeClr val="accent1"/>
+            </a:lnRef>
+            <a:fillRef idx="3">
+              <a:schemeClr val="accent1"/>
+            </a:fillRef>
+            <a:effectRef idx="2">
+              <a:schemeClr val="accent1"/>
+            </a:effectRef>
+            <a:fontRef idx="minor">
+              <a:schemeClr val="lt1"/>
+            </a:fontRef>
+          </p:style>
+        </p:sp>
+        <p:sp>
+          <p:nvSpPr>
+            <p:cNvPr id="53" name="Rectangle 27">
+              <a:extLst>
+                <a:ext uri="{FF2B5EF4-FFF2-40B4-BE49-F238E27FC236}">
+                  <a16:creationId xmlns:a16="http://schemas.microsoft.com/office/drawing/2014/main" id="{300384B6-5ED6-4F91-A548-B706D837513E}"/>
+                </a:ext>
+                <a:ext uri="{C183D7F6-B498-43B3-948B-1728B52AA6E4}">
+                  <adec:decorative xmlns:adec="http://schemas.microsoft.com/office/drawing/2017/decorative" val="1"/>
+                </a:ext>
+              </a:extLst>
+            </p:cNvPr>
+            <p:cNvSpPr/>
+            <p:nvPr>
+              <p:extLst>
+                <p:ext uri="{386F3935-93C4-4BCD-93E2-E3B085C9AB24}">
+                  <p16:designElem xmlns:p16="http://schemas.microsoft.com/office/powerpoint/2015/main" val="1"/>
+                </p:ext>
+              </p:extLst>
+            </p:nvPr>
+          </p:nvSpPr>
+          <p:spPr>
+            <a:xfrm>
+              <a:off x="9334500" y="-8467"/>
+              <a:ext cx="2854326" cy="6866467"/>
+            </a:xfrm>
+            <a:custGeom>
+              <a:avLst/>
+              <a:gdLst/>
+              <a:ahLst/>
+              <a:cxnLst/>
+              <a:rect l="l" t="t" r="r" b="b"/>
+              <a:pathLst>
+                <a:path w="2858013" h="6866467">
+                  <a:moveTo>
+                    <a:pt x="0" y="0"/>
+                  </a:moveTo>
+                  <a:lnTo>
+                    <a:pt x="2858013" y="0"/>
+                  </a:lnTo>
+                  <a:lnTo>
+                    <a:pt x="2858013" y="6866467"/>
+                  </a:lnTo>
+                  <a:lnTo>
+                    <a:pt x="2473942" y="6866467"/>
+                  </a:lnTo>
+                  <a:lnTo>
+                    <a:pt x="0" y="0"/>
+                  </a:lnTo>
+                  <a:close/>
+                </a:path>
+              </a:pathLst>
+            </a:custGeom>
+            <a:solidFill>
+              <a:schemeClr val="accent2">
+                <a:lumMod val="75000"/>
+                <a:alpha val="70000"/>
+              </a:schemeClr>
+            </a:solidFill>
+            <a:ln>
+              <a:noFill/>
+            </a:ln>
+            <a:effectLst/>
+          </p:spPr>
+          <p:style>
+            <a:lnRef idx="1">
+              <a:schemeClr val="accent1"/>
+            </a:lnRef>
+            <a:fillRef idx="3">
+              <a:schemeClr val="accent1"/>
+            </a:fillRef>
+            <a:effectRef idx="2">
+              <a:schemeClr val="accent1"/>
+            </a:effectRef>
+            <a:fontRef idx="minor">
+              <a:schemeClr val="lt1"/>
+            </a:fontRef>
+          </p:style>
+        </p:sp>
+        <p:sp>
+          <p:nvSpPr>
+            <p:cNvPr id="54" name="Rectangle 28">
+              <a:extLst>
+                <a:ext uri="{FF2B5EF4-FFF2-40B4-BE49-F238E27FC236}">
+                  <a16:creationId xmlns:a16="http://schemas.microsoft.com/office/drawing/2014/main" id="{337AFFAE-C182-463C-9459-8AB3C69D9A29}"/>
+                </a:ext>
+                <a:ext uri="{C183D7F6-B498-43B3-948B-1728B52AA6E4}">
+                  <adec:decorative xmlns:adec="http://schemas.microsoft.com/office/drawing/2017/decorative" val="1"/>
+                </a:ext>
+              </a:extLst>
+            </p:cNvPr>
+            <p:cNvSpPr/>
+            <p:nvPr>
+              <p:extLst>
+                <p:ext uri="{386F3935-93C4-4BCD-93E2-E3B085C9AB24}">
+                  <p16:designElem xmlns:p16="http://schemas.microsoft.com/office/powerpoint/2015/main" val="1"/>
+                </p:ext>
+              </p:extLst>
+            </p:nvPr>
+          </p:nvSpPr>
+          <p:spPr>
+            <a:xfrm>
+              <a:off x="10898730" y="-8467"/>
+              <a:ext cx="1290094" cy="6866467"/>
+            </a:xfrm>
+            <a:custGeom>
+              <a:avLst/>
+              <a:gdLst/>
+              <a:ahLst/>
+              <a:cxnLst/>
+              <a:rect l="l" t="t" r="r" b="b"/>
+              <a:pathLst>
+                <a:path w="1290094" h="6858000">
+                  <a:moveTo>
+                    <a:pt x="1019735" y="0"/>
+                  </a:moveTo>
+                  <a:lnTo>
+                    <a:pt x="1290094" y="0"/>
+                  </a:lnTo>
+                  <a:lnTo>
+                    <a:pt x="1290094" y="6858000"/>
+                  </a:lnTo>
+                  <a:lnTo>
+                    <a:pt x="0" y="6858000"/>
+                  </a:lnTo>
+                  <a:lnTo>
+                    <a:pt x="1019735" y="0"/>
+                  </a:lnTo>
+                  <a:close/>
+                </a:path>
+              </a:pathLst>
+            </a:custGeom>
+            <a:solidFill>
+              <a:schemeClr val="accent1">
+                <a:lumMod val="60000"/>
+                <a:lumOff val="40000"/>
+                <a:alpha val="70000"/>
+              </a:schemeClr>
+            </a:solidFill>
+            <a:ln>
+              <a:noFill/>
+            </a:ln>
+            <a:effectLst/>
+          </p:spPr>
+          <p:style>
+            <a:lnRef idx="1">
+              <a:schemeClr val="accent1"/>
+            </a:lnRef>
+            <a:fillRef idx="3">
+              <a:schemeClr val="accent1"/>
+            </a:fillRef>
+            <a:effectRef idx="2">
+              <a:schemeClr val="accent1"/>
+            </a:effectRef>
+            <a:fontRef idx="minor">
+              <a:schemeClr val="lt1"/>
+            </a:fontRef>
+          </p:style>
+        </p:sp>
+        <p:sp>
+          <p:nvSpPr>
+            <p:cNvPr id="55" name="Rectangle 29">
+              <a:extLst>
+                <a:ext uri="{FF2B5EF4-FFF2-40B4-BE49-F238E27FC236}">
+                  <a16:creationId xmlns:a16="http://schemas.microsoft.com/office/drawing/2014/main" id="{510ACF17-C3F0-42BF-BDEB-D079277121E4}"/>
+                </a:ext>
+                <a:ext uri="{C183D7F6-B498-43B3-948B-1728B52AA6E4}">
+                  <adec:decorative xmlns:adec="http://schemas.microsoft.com/office/drawing/2017/decorative" val="1"/>
+                </a:ext>
+              </a:extLst>
+            </p:cNvPr>
+            <p:cNvSpPr/>
+            <p:nvPr>
+              <p:extLst>
+                <p:ext uri="{386F3935-93C4-4BCD-93E2-E3B085C9AB24}">
+                  <p16:designElem xmlns:p16="http://schemas.microsoft.com/office/powerpoint/2015/main" val="1"/>
+                </p:ext>
+              </p:extLst>
+            </p:nvPr>
+          </p:nvSpPr>
+          <p:spPr>
+            <a:xfrm>
+              <a:off x="10938999" y="-8467"/>
+              <a:ext cx="1249825" cy="6866467"/>
+            </a:xfrm>
+            <a:custGeom>
+              <a:avLst/>
+              <a:gdLst/>
+              <a:ahLst/>
+              <a:cxnLst/>
+              <a:rect l="l" t="t" r="r" b="b"/>
+              <a:pathLst>
+                <a:path w="1249825" h="6858000">
+                  <a:moveTo>
+                    <a:pt x="0" y="0"/>
+                  </a:moveTo>
+                  <a:lnTo>
+                    <a:pt x="1249825" y="0"/>
+                  </a:lnTo>
+                  <a:lnTo>
+                    <a:pt x="1249825" y="6858000"/>
+                  </a:lnTo>
+                  <a:lnTo>
+                    <a:pt x="1109382" y="6858000"/>
+                  </a:lnTo>
+                  <a:lnTo>
+                    <a:pt x="0" y="0"/>
+                  </a:lnTo>
+                  <a:close/>
+                </a:path>
+              </a:pathLst>
+            </a:custGeom>
+            <a:solidFill>
+              <a:schemeClr val="accent1">
+                <a:alpha val="65000"/>
+              </a:schemeClr>
+            </a:solidFill>
+            <a:ln>
+              <a:noFill/>
+            </a:ln>
+            <a:effectLst/>
+          </p:spPr>
+          <p:style>
+            <a:lnRef idx="1">
+              <a:schemeClr val="accent1"/>
+            </a:lnRef>
+            <a:fillRef idx="3">
+              <a:schemeClr val="accent1"/>
+            </a:fillRef>
+            <a:effectRef idx="2">
+              <a:schemeClr val="accent1"/>
+            </a:effectRef>
+            <a:fontRef idx="minor">
+              <a:schemeClr val="lt1"/>
+            </a:fontRef>
+          </p:style>
+        </p:sp>
+        <p:sp>
+          <p:nvSpPr>
+            <p:cNvPr id="56" name="Isosceles Triangle 55">
+              <a:extLst>
+                <a:ext uri="{FF2B5EF4-FFF2-40B4-BE49-F238E27FC236}">
+                  <a16:creationId xmlns:a16="http://schemas.microsoft.com/office/drawing/2014/main" id="{E804EFD0-B84E-476F-9FC6-6C4A42EA0054}"/>
+                </a:ext>
+                <a:ext uri="{C183D7F6-B498-43B3-948B-1728B52AA6E4}">
+                  <adec:decorative xmlns:adec="http://schemas.microsoft.com/office/drawing/2017/decorative" val="1"/>
+                </a:ext>
+              </a:extLst>
+            </p:cNvPr>
+            <p:cNvSpPr/>
+            <p:nvPr>
+              <p:extLst>
+                <p:ext uri="{386F3935-93C4-4BCD-93E2-E3B085C9AB24}">
+                  <p16:designElem xmlns:p16="http://schemas.microsoft.com/office/powerpoint/2015/main" val="1"/>
+                </p:ext>
+              </p:extLst>
+            </p:nvPr>
+          </p:nvSpPr>
+          <p:spPr>
+            <a:xfrm>
+              <a:off x="10371666" y="3589867"/>
+              <a:ext cx="1817159" cy="3268133"/>
+            </a:xfrm>
+            <a:prstGeom prst="triangle">
+              <a:avLst>
+                <a:gd name="adj" fmla="val 100000"/>
+              </a:avLst>
+            </a:prstGeom>
+            <a:solidFill>
+              <a:schemeClr val="accent1">
+                <a:alpha val="80000"/>
+              </a:schemeClr>
+            </a:solidFill>
+            <a:ln>
+              <a:noFill/>
+            </a:ln>
+            <a:effectLst/>
+          </p:spPr>
+          <p:style>
+            <a:lnRef idx="1">
+              <a:schemeClr val="accent1"/>
+            </a:lnRef>
+            <a:fillRef idx="3">
+              <a:schemeClr val="accent1"/>
+            </a:fillRef>
+            <a:effectRef idx="2">
+              <a:schemeClr val="accent1"/>
+            </a:effectRef>
+            <a:fontRef idx="minor">
+              <a:schemeClr val="lt1"/>
+            </a:fontRef>
+          </p:style>
+        </p:sp>
+      </p:grpSp>
+      <p:sp>
+        <p:nvSpPr>
+          <p:cNvPr id="58" name="Rectangle 57">
+            <a:extLst>
+              <a:ext uri="{FF2B5EF4-FFF2-40B4-BE49-F238E27FC236}">
+                <a16:creationId xmlns:a16="http://schemas.microsoft.com/office/drawing/2014/main" id="{87BD1F4E-A66D-4C06-86DA-8D56CA7A3B41}"/>
+              </a:ext>
+              <a:ext uri="{C183D7F6-B498-43B3-948B-1728B52AA6E4}">
+                <adec:decorative xmlns:adec="http://schemas.microsoft.com/office/drawing/2017/decorative" val="1"/>
+              </a:ext>
+            </a:extLst>
+          </p:cNvPr>
+          <p:cNvSpPr>
+            <a:spLocks noGrp="1" noRot="1" noChangeAspect="1" noMove="1" noResize="1" noEditPoints="1" noAdjustHandles="1" noChangeArrowheads="1" noChangeShapeType="1" noTextEdit="1"/>
+          </p:cNvSpPr>
+          <p:nvPr>
+            <p:extLst>
+              <p:ext uri="{386F3935-93C4-4BCD-93E2-E3B085C9AB24}">
+                <p16:designElem xmlns:p16="http://schemas.microsoft.com/office/powerpoint/2015/main" val="1"/>
+              </p:ext>
+            </p:extLst>
+          </p:nvPr>
+        </p:nvSpPr>
+        <p:spPr>
+          <a:xfrm>
+            <a:off x="5977719" y="0"/>
+            <a:ext cx="6214281" cy="6858000"/>
+          </a:xfrm>
+          <a:prstGeom prst="rect">
+            <a:avLst/>
+          </a:prstGeom>
+          <a:ln>
+            <a:noFill/>
+          </a:ln>
+        </p:spPr>
+        <p:style>
+          <a:lnRef idx="2">
+            <a:schemeClr val="accent1">
+              <a:shade val="50000"/>
+            </a:schemeClr>
+          </a:lnRef>
+          <a:fillRef idx="1">
+            <a:schemeClr val="accent1"/>
+          </a:fillRef>
+          <a:effectRef idx="0">
+            <a:schemeClr val="accent1"/>
+          </a:effectRef>
+          <a:fontRef idx="minor">
+            <a:schemeClr val="lt1"/>
+          </a:fontRef>
+        </p:style>
+        <p:txBody>
+          <a:bodyPr rtlCol="0" anchor="ctr"/>
+          <a:lstStyle/>
+          <a:p>
+            <a:pPr algn="ctr"/>
+            <a:endParaRPr lang="en-US"/>
+          </a:p>
+        </p:txBody>
+      </p:sp>
+      <p:graphicFrame>
+        <p:nvGraphicFramePr>
+          <p:cNvPr id="25" name="Content Placeholder 2">
+            <a:extLst>
+              <a:ext uri="{FF2B5EF4-FFF2-40B4-BE49-F238E27FC236}">
+                <a16:creationId xmlns:a16="http://schemas.microsoft.com/office/drawing/2014/main" id="{87EEA9EF-A3C5-FC96-FB93-556C4930B6A5}"/>
+              </a:ext>
+            </a:extLst>
+          </p:cNvPr>
+          <p:cNvGraphicFramePr>
+            <a:graphicFrameLocks noGrp="1"/>
+          </p:cNvGraphicFramePr>
+          <p:nvPr>
+            <p:ph idx="1"/>
+            <p:extLst>
+              <p:ext uri="{D42A27DB-BD31-4B8C-83A1-F6EECF244321}">
+                <p14:modId xmlns:p14="http://schemas.microsoft.com/office/powerpoint/2010/main" val="3814361500"/>
+              </p:ext>
+            </p:extLst>
+          </p:nvPr>
+        </p:nvGraphicFramePr>
+        <p:xfrm>
+          <a:off x="4665663" y="341812"/>
+          <a:ext cx="8214870" cy="6165908"/>
+        </p:xfrm>
+        <a:graphic>
+          <a:graphicData uri="http://schemas.openxmlformats.org/drawingml/2006/diagram">
+            <dgm:relIds xmlns:dgm="http://schemas.openxmlformats.org/drawingml/2006/diagram" xmlns:r="http://schemas.openxmlformats.org/officeDocument/2006/relationships" r:dm="rId2" r:lo="rId3" r:qs="rId4" r:cs="rId5"/>
+          </a:graphicData>
+        </a:graphic>
+      </p:graphicFrame>
+      <p:sp>
+        <p:nvSpPr>
+          <p:cNvPr id="5" name="TextBox 4">
+            <a:extLst>
+              <a:ext uri="{FF2B5EF4-FFF2-40B4-BE49-F238E27FC236}">
+                <a16:creationId xmlns:a16="http://schemas.microsoft.com/office/drawing/2014/main" id="{1B27AE45-2086-F051-0733-659B56B4AE84}"/>
+              </a:ext>
+            </a:extLst>
+          </p:cNvPr>
+          <p:cNvSpPr txBox="1"/>
+          <p:nvPr/>
+        </p:nvSpPr>
+        <p:spPr>
+          <a:xfrm>
+            <a:off x="299465" y="3589867"/>
+            <a:ext cx="5339593" cy="646331"/>
+          </a:xfrm>
+          <a:prstGeom prst="rect">
+            <a:avLst/>
+          </a:prstGeom>
+          <a:noFill/>
+        </p:spPr>
+        <p:txBody>
+          <a:bodyPr wrap="square">
+            <a:spAutoFit/>
+          </a:bodyPr>
+          <a:lstStyle/>
+          <a:p>
+            <a:pPr lvl="0"/>
+            <a:r>
+              <a:rPr lang="pl-PL" dirty="0"/>
+              <a:t>Do praktycznie każdego języka programowania możemy znaleźć framework do unit testów</a:t>
+            </a:r>
+          </a:p>
+        </p:txBody>
+      </p:sp>
+    </p:spTree>
+    <p:extLst>
+      <p:ext uri="{BB962C8B-B14F-4D97-AF65-F5344CB8AC3E}">
+        <p14:creationId xmlns:p14="http://schemas.microsoft.com/office/powerpoint/2010/main" val="3311171262"/>
+      </p:ext>
+    </p:extLst>
+  </p:cSld>
+  <p:clrMapOvr>
+    <a:masterClrMapping/>
+  </p:clrMapOvr>
+</p:sld>
+</file>
+
 <file path=ppt/slides/slide6.xml><?xml version="1.0" encoding="utf-8"?>
 <p:sld xmlns:a="http://schemas.openxmlformats.org/drawingml/2006/main" xmlns:r="http://schemas.openxmlformats.org/officeDocument/2006/relationships" xmlns:p="http://schemas.openxmlformats.org/presentationml/2006/main">
   <p:cSld>
+    <p:bg>
+      <p:bgPr>
+        <a:solidFill>
+          <a:schemeClr val="bg1"/>
+        </a:solidFill>
+        <a:effectLst/>
+      </p:bgPr>
+    </p:bg>
     <p:spTree>
       <p:nvGrpSpPr>
         <p:cNvPr id="1" name=""/>
@@ -12035,7 +14350,7 @@
           <p:cNvPr id="2" name="Title 1">
             <a:extLst>
               <a:ext uri="{FF2B5EF4-FFF2-40B4-BE49-F238E27FC236}">
-                <a16:creationId xmlns:a16="http://schemas.microsoft.com/office/drawing/2014/main" id="{4341FBFF-4FFC-F1A5-2FA3-BAA642053013}"/>
+                <a16:creationId xmlns:a16="http://schemas.microsoft.com/office/drawing/2014/main" id="{56967BF9-BA1A-334A-6237-5AA8C34AE9BE}"/>
               </a:ext>
             </a:extLst>
           </p:cNvPr>
@@ -12046,21 +14361,31 @@
             <p:ph type="title"/>
           </p:nvPr>
         </p:nvSpPr>
-        <p:spPr/>
+        <p:spPr>
+          <a:xfrm>
+            <a:off x="677334" y="609600"/>
+            <a:ext cx="8596668" cy="1320800"/>
+          </a:xfrm>
+        </p:spPr>
         <p:txBody>
-          <a:bodyPr/>
+          <a:bodyPr anchor="t">
+            <a:normAutofit/>
+          </a:bodyPr>
           <a:lstStyle/>
           <a:p>
-            <a:endParaRPr lang="pl-PL"/>
+            <a:r>
+              <a:rPr lang="pl-PL" dirty="0"/>
+              <a:t>Przykład testu jednostkowego z wykorzystaniem JUnit</a:t>
+            </a:r>
           </a:p>
         </p:txBody>
       </p:sp>
       <p:sp>
         <p:nvSpPr>
-          <p:cNvPr id="3" name="Content Placeholder 2">
+          <p:cNvPr id="9" name="Content Placeholder 8">
             <a:extLst>
               <a:ext uri="{FF2B5EF4-FFF2-40B4-BE49-F238E27FC236}">
-                <a16:creationId xmlns:a16="http://schemas.microsoft.com/office/drawing/2014/main" id="{A466E096-3CC3-B64F-0864-70BAF265A4EB}"/>
+                <a16:creationId xmlns:a16="http://schemas.microsoft.com/office/drawing/2014/main" id="{2A22A23A-DFF4-B90F-FA7D-6D559756A637}"/>
               </a:ext>
             </a:extLst>
           </p:cNvPr>
@@ -12071,19 +14396,65 @@
             <p:ph idx="1"/>
           </p:nvPr>
         </p:nvSpPr>
-        <p:spPr/>
+        <p:spPr>
+          <a:xfrm>
+            <a:off x="677334" y="2852600"/>
+            <a:ext cx="2934714" cy="3880773"/>
+          </a:xfrm>
+        </p:spPr>
         <p:txBody>
-          <a:bodyPr/>
+          <a:bodyPr>
+            <a:normAutofit/>
+          </a:bodyPr>
           <a:lstStyle/>
           <a:p>
-            <a:endParaRPr lang="pl-PL"/>
+            <a:r>
+              <a:rPr lang="pl-PL" dirty="0"/>
+              <a:t>Przykładowa klasa reprezentująca zakres liczb. </a:t>
+            </a:r>
+          </a:p>
+          <a:p>
+            <a:r>
+              <a:rPr lang="pl-PL" dirty="0"/>
+              <a:t>Posiada jedną metodę, która sprawdza czy liczba przekazana jako argument należy do danego zakresu.</a:t>
+            </a:r>
+            <a:endParaRPr lang="en-US" dirty="0"/>
           </a:p>
         </p:txBody>
       </p:sp>
+      <p:pic>
+        <p:nvPicPr>
+          <p:cNvPr id="5" name="Content Placeholder 4">
+            <a:extLst>
+              <a:ext uri="{FF2B5EF4-FFF2-40B4-BE49-F238E27FC236}">
+                <a16:creationId xmlns:a16="http://schemas.microsoft.com/office/drawing/2014/main" id="{4C2B8ABE-00B6-43F7-4DE8-F7F2F165067C}"/>
+              </a:ext>
+            </a:extLst>
+          </p:cNvPr>
+          <p:cNvPicPr>
+            <a:picLocks noChangeAspect="1"/>
+          </p:cNvPicPr>
+          <p:nvPr/>
+        </p:nvPicPr>
+        <p:blipFill rotWithShape="1">
+          <a:blip r:embed="rId2"/>
+          <a:srcRect r="38535" b="1"/>
+          <a:stretch/>
+        </p:blipFill>
+        <p:spPr>
+          <a:xfrm>
+            <a:off x="3850573" y="2366038"/>
+            <a:ext cx="5423429" cy="3882362"/>
+          </a:xfrm>
+          <a:prstGeom prst="rect">
+            <a:avLst/>
+          </a:prstGeom>
+        </p:spPr>
+      </p:pic>
     </p:spTree>
     <p:extLst>
       <p:ext uri="{BB962C8B-B14F-4D97-AF65-F5344CB8AC3E}">
-        <p14:creationId xmlns:p14="http://schemas.microsoft.com/office/powerpoint/2010/main" val="2222340953"/>
+        <p14:creationId xmlns:p14="http://schemas.microsoft.com/office/powerpoint/2010/main" val="669789795"/>
       </p:ext>
     </p:extLst>
   </p:cSld>
@@ -12115,7 +14486,1058 @@
           <p:cNvPr id="2" name="Title 1">
             <a:extLst>
               <a:ext uri="{FF2B5EF4-FFF2-40B4-BE49-F238E27FC236}">
-                <a16:creationId xmlns:a16="http://schemas.microsoft.com/office/drawing/2014/main" id="{56967BF9-BA1A-334A-6237-5AA8C34AE9BE}"/>
+                <a16:creationId xmlns:a16="http://schemas.microsoft.com/office/drawing/2014/main" id="{CAE56580-31A6-324B-15CD-36934E7C14C1}"/>
+              </a:ext>
+            </a:extLst>
+          </p:cNvPr>
+          <p:cNvSpPr>
+            <a:spLocks noGrp="1"/>
+          </p:cNvSpPr>
+          <p:nvPr>
+            <p:ph type="title"/>
+          </p:nvPr>
+        </p:nvSpPr>
+        <p:spPr>
+          <a:xfrm>
+            <a:off x="677334" y="576043"/>
+            <a:ext cx="8596668" cy="1320800"/>
+          </a:xfrm>
+        </p:spPr>
+        <p:txBody>
+          <a:bodyPr>
+            <a:normAutofit/>
+          </a:bodyPr>
+          <a:lstStyle/>
+          <a:p>
+            <a:r>
+              <a:rPr lang="pl-PL" sz="2800" b="0" i="0" dirty="0">
+                <a:solidFill>
+                  <a:srgbClr val="3D4144"/>
+                </a:solidFill>
+                <a:effectLst/>
+                <a:latin typeface="-apple-system"/>
+              </a:rPr>
+              <a:t>Poniżej przykład prostego testu jednostkowego, który sprawdza czy, liczba 15 jest w zakresie liczb od 10 do 20.</a:t>
+            </a:r>
+            <a:endParaRPr lang="pl-PL" sz="2800" dirty="0"/>
+          </a:p>
+        </p:txBody>
+      </p:sp>
+      <p:pic>
+        <p:nvPicPr>
+          <p:cNvPr id="5" name="Content Placeholder 4">
+            <a:extLst>
+              <a:ext uri="{FF2B5EF4-FFF2-40B4-BE49-F238E27FC236}">
+                <a16:creationId xmlns:a16="http://schemas.microsoft.com/office/drawing/2014/main" id="{7D0F8422-0734-2940-C97B-2417E2113652}"/>
+              </a:ext>
+            </a:extLst>
+          </p:cNvPr>
+          <p:cNvPicPr>
+            <a:picLocks noGrp="1" noChangeAspect="1"/>
+          </p:cNvPicPr>
+          <p:nvPr>
+            <p:ph idx="1"/>
+          </p:nvPr>
+        </p:nvPicPr>
+        <p:blipFill>
+          <a:blip r:embed="rId2"/>
+          <a:stretch>
+            <a:fillRect/>
+          </a:stretch>
+        </p:blipFill>
+        <p:spPr>
+          <a:xfrm>
+            <a:off x="677334" y="2053835"/>
+            <a:ext cx="8596312" cy="1628580"/>
+          </a:xfrm>
+        </p:spPr>
+      </p:pic>
+      <p:sp>
+        <p:nvSpPr>
+          <p:cNvPr id="7" name="TextBox 6">
+            <a:extLst>
+              <a:ext uri="{FF2B5EF4-FFF2-40B4-BE49-F238E27FC236}">
+                <a16:creationId xmlns:a16="http://schemas.microsoft.com/office/drawing/2014/main" id="{DA59A350-8301-B08F-5F26-1376AB6E980A}"/>
+              </a:ext>
+            </a:extLst>
+          </p:cNvPr>
+          <p:cNvSpPr txBox="1"/>
+          <p:nvPr/>
+        </p:nvSpPr>
+        <p:spPr>
+          <a:xfrm>
+            <a:off x="601525" y="3973633"/>
+            <a:ext cx="8672121" cy="2585323"/>
+          </a:xfrm>
+          <a:prstGeom prst="rect">
+            <a:avLst/>
+          </a:prstGeom>
+          <a:noFill/>
+        </p:spPr>
+        <p:txBody>
+          <a:bodyPr wrap="square">
+            <a:spAutoFit/>
+          </a:bodyPr>
+          <a:lstStyle/>
+          <a:p>
+            <a:pPr marL="285750" indent="-285750" algn="l">
+              <a:buFont typeface="Arial" panose="020B0604020202020204" pitchFamily="34" charset="0"/>
+              <a:buChar char="•"/>
+            </a:pPr>
+            <a:r>
+              <a:rPr lang="pl-PL" b="0" i="0" dirty="0">
+                <a:solidFill>
+                  <a:schemeClr val="tx1">
+                    <a:lumMod val="85000"/>
+                    <a:lumOff val="15000"/>
+                  </a:schemeClr>
+                </a:solidFill>
+                <a:effectLst/>
+                <a:latin typeface="Söhne"/>
+              </a:rPr>
+              <a:t>Test jednostkowy to metoda sprawdzająca naszą jednostkę, czyli metodę w innej klasie z dodaną adnotacją @Test.</a:t>
+            </a:r>
+          </a:p>
+          <a:p>
+            <a:pPr marL="285750" indent="-285750" algn="l">
+              <a:buFont typeface="Arial" panose="020B0604020202020204" pitchFamily="34" charset="0"/>
+              <a:buChar char="•"/>
+            </a:pPr>
+            <a:r>
+              <a:rPr lang="pl-PL" b="0" i="0" dirty="0">
+                <a:solidFill>
+                  <a:schemeClr val="tx1">
+                    <a:lumMod val="85000"/>
+                    <a:lumOff val="15000"/>
+                  </a:schemeClr>
+                </a:solidFill>
+                <a:effectLst/>
+                <a:latin typeface="Söhne"/>
+              </a:rPr>
+              <a:t>shouldSayThat15IsInRange jest testem, w którym tworzona jest instancja klasy zakresu i wywoływana jest metoda, która sprawdza czy 15 jest wewnątrz określonego zakresu.</a:t>
+            </a:r>
+          </a:p>
+          <a:p>
+            <a:pPr marL="285750" indent="-285750" algn="l">
+              <a:buFont typeface="Arial" panose="020B0604020202020204" pitchFamily="34" charset="0"/>
+              <a:buChar char="•"/>
+            </a:pPr>
+            <a:r>
+              <a:rPr lang="pl-PL" b="0" i="0" dirty="0">
+                <a:solidFill>
+                  <a:schemeClr val="tx1">
+                    <a:lumMod val="85000"/>
+                    <a:lumOff val="15000"/>
+                  </a:schemeClr>
+                </a:solidFill>
+                <a:effectLst/>
+                <a:latin typeface="Söhne"/>
+              </a:rPr>
+              <a:t>Wynik jest przekazywany do metody Assert.assertTrue(), która jest tzw. asercją. Jest to metoda dostarczana przez bibliotekę JUnit, które pomagają w testowaniu.</a:t>
+            </a:r>
+          </a:p>
+          <a:p>
+            <a:pPr marL="285750" indent="-285750" algn="l">
+              <a:buFont typeface="Arial" panose="020B0604020202020204" pitchFamily="34" charset="0"/>
+              <a:buChar char="•"/>
+            </a:pPr>
+            <a:r>
+              <a:rPr lang="pl-PL" b="0" i="0" dirty="0">
+                <a:solidFill>
+                  <a:schemeClr val="tx1">
+                    <a:lumMod val="85000"/>
+                    <a:lumOff val="15000"/>
+                  </a:schemeClr>
+                </a:solidFill>
+                <a:effectLst/>
+                <a:latin typeface="Söhne"/>
+              </a:rPr>
+              <a:t>W naszym przykładzie, jeśli metoda isInRange zwróci false, wówczas asercja assertTrue rzuci wyjątek, który zostanie zinterpretowany jako błąd przez IDE i pokaże błąd działania testowanego kodu.</a:t>
+            </a:r>
+          </a:p>
+        </p:txBody>
+      </p:sp>
+    </p:spTree>
+    <p:extLst>
+      <p:ext uri="{BB962C8B-B14F-4D97-AF65-F5344CB8AC3E}">
+        <p14:creationId xmlns:p14="http://schemas.microsoft.com/office/powerpoint/2010/main" val="744515288"/>
+      </p:ext>
+    </p:extLst>
+  </p:cSld>
+  <p:clrMapOvr>
+    <a:masterClrMapping/>
+  </p:clrMapOvr>
+</p:sld>
+</file>
+
+<file path=ppt/slides/slide8.xml><?xml version="1.0" encoding="utf-8"?>
+<p:sld xmlns:a="http://schemas.openxmlformats.org/drawingml/2006/main" xmlns:r="http://schemas.openxmlformats.org/officeDocument/2006/relationships" xmlns:p="http://schemas.openxmlformats.org/presentationml/2006/main">
+  <p:cSld>
+    <p:bg>
+      <p:bgPr>
+        <a:solidFill>
+          <a:schemeClr val="bg1"/>
+        </a:solidFill>
+        <a:effectLst/>
+      </p:bgPr>
+    </p:bg>
+    <p:spTree>
+      <p:nvGrpSpPr>
+        <p:cNvPr id="1" name=""/>
+        <p:cNvGrpSpPr/>
+        <p:nvPr/>
+      </p:nvGrpSpPr>
+      <p:grpSpPr>
+        <a:xfrm>
+          <a:off x="0" y="0"/>
+          <a:ext cx="0" cy="0"/>
+          <a:chOff x="0" y="0"/>
+          <a:chExt cx="0" cy="0"/>
+        </a:xfrm>
+      </p:grpSpPr>
+      <p:grpSp>
+        <p:nvGrpSpPr>
+          <p:cNvPr id="14" name="Group 13">
+            <a:extLst>
+              <a:ext uri="{FF2B5EF4-FFF2-40B4-BE49-F238E27FC236}">
+                <a16:creationId xmlns:a16="http://schemas.microsoft.com/office/drawing/2014/main" id="{B4DE830A-B531-4A3B-96F6-0ECE88B08555}"/>
+              </a:ext>
+              <a:ext uri="{C183D7F6-B498-43B3-948B-1728B52AA6E4}">
+                <adec:decorative xmlns:adec="http://schemas.microsoft.com/office/drawing/2017/decorative" val="1"/>
+              </a:ext>
+            </a:extLst>
+          </p:cNvPr>
+          <p:cNvGrpSpPr>
+            <a:grpSpLocks noGrp="1" noUngrp="1" noRot="1" noChangeAspect="1" noMove="1" noResize="1"/>
+          </p:cNvGrpSpPr>
+          <p:nvPr>
+            <p:extLst>
+              <p:ext uri="{386F3935-93C4-4BCD-93E2-E3B085C9AB24}">
+                <p16:designElem xmlns:p16="http://schemas.microsoft.com/office/powerpoint/2015/main" val="1"/>
+              </p:ext>
+            </p:extLst>
+          </p:nvPr>
+        </p:nvGrpSpPr>
+        <p:grpSpPr>
+          <a:xfrm>
+            <a:off x="0" y="-8467"/>
+            <a:ext cx="12192000" cy="6866467"/>
+            <a:chOff x="0" y="-8467"/>
+            <a:chExt cx="12192000" cy="6866467"/>
+          </a:xfrm>
+        </p:grpSpPr>
+        <p:cxnSp>
+          <p:nvCxnSpPr>
+            <p:cNvPr id="15" name="Straight Connector 14">
+              <a:extLst>
+                <a:ext uri="{FF2B5EF4-FFF2-40B4-BE49-F238E27FC236}">
+                  <a16:creationId xmlns:a16="http://schemas.microsoft.com/office/drawing/2014/main" id="{2813DF2C-461A-4A8F-9679-A172790D1F3A}"/>
+                </a:ext>
+                <a:ext uri="{C183D7F6-B498-43B3-948B-1728B52AA6E4}">
+                  <adec:decorative xmlns:adec="http://schemas.microsoft.com/office/drawing/2017/decorative" val="1"/>
+                </a:ext>
+              </a:extLst>
+            </p:cNvPr>
+            <p:cNvCxnSpPr/>
+            <p:nvPr>
+              <p:extLst>
+                <p:ext uri="{386F3935-93C4-4BCD-93E2-E3B085C9AB24}">
+                  <p16:designElem xmlns:p16="http://schemas.microsoft.com/office/powerpoint/2015/main" val="1"/>
+                </p:ext>
+              </p:extLst>
+            </p:nvPr>
+          </p:nvCxnSpPr>
+          <p:spPr>
+            <a:xfrm>
+              <a:off x="9371012" y="0"/>
+              <a:ext cx="1219200" cy="6858000"/>
+            </a:xfrm>
+            <a:prstGeom prst="line">
+              <a:avLst/>
+            </a:prstGeom>
+            <a:ln w="9525">
+              <a:solidFill>
+                <a:schemeClr val="bg1">
+                  <a:lumMod val="75000"/>
+                </a:schemeClr>
+              </a:solidFill>
+            </a:ln>
+          </p:spPr>
+          <p:style>
+            <a:lnRef idx="2">
+              <a:schemeClr val="accent1"/>
+            </a:lnRef>
+            <a:fillRef idx="0">
+              <a:schemeClr val="accent1"/>
+            </a:fillRef>
+            <a:effectRef idx="1">
+              <a:schemeClr val="accent1"/>
+            </a:effectRef>
+            <a:fontRef idx="minor">
+              <a:schemeClr val="tx1"/>
+            </a:fontRef>
+          </p:style>
+        </p:cxnSp>
+        <p:cxnSp>
+          <p:nvCxnSpPr>
+            <p:cNvPr id="16" name="Straight Connector 15">
+              <a:extLst>
+                <a:ext uri="{FF2B5EF4-FFF2-40B4-BE49-F238E27FC236}">
+                  <a16:creationId xmlns:a16="http://schemas.microsoft.com/office/drawing/2014/main" id="{54CD3A85-C039-4249-86E4-1EB9318B5495}"/>
+                </a:ext>
+                <a:ext uri="{C183D7F6-B498-43B3-948B-1728B52AA6E4}">
+                  <adec:decorative xmlns:adec="http://schemas.microsoft.com/office/drawing/2017/decorative" val="1"/>
+                </a:ext>
+              </a:extLst>
+            </p:cNvPr>
+            <p:cNvCxnSpPr/>
+            <p:nvPr>
+              <p:extLst>
+                <p:ext uri="{386F3935-93C4-4BCD-93E2-E3B085C9AB24}">
+                  <p16:designElem xmlns:p16="http://schemas.microsoft.com/office/powerpoint/2015/main" val="1"/>
+                </p:ext>
+              </p:extLst>
+            </p:nvPr>
+          </p:nvCxnSpPr>
+          <p:spPr>
+            <a:xfrm flipH="1">
+              <a:off x="7425267" y="3681413"/>
+              <a:ext cx="4763558" cy="3176587"/>
+            </a:xfrm>
+            <a:prstGeom prst="line">
+              <a:avLst/>
+            </a:prstGeom>
+            <a:ln w="9525">
+              <a:solidFill>
+                <a:schemeClr val="bg1">
+                  <a:lumMod val="85000"/>
+                </a:schemeClr>
+              </a:solidFill>
+            </a:ln>
+          </p:spPr>
+          <p:style>
+            <a:lnRef idx="2">
+              <a:schemeClr val="accent1"/>
+            </a:lnRef>
+            <a:fillRef idx="0">
+              <a:schemeClr val="accent1"/>
+            </a:fillRef>
+            <a:effectRef idx="1">
+              <a:schemeClr val="accent1"/>
+            </a:effectRef>
+            <a:fontRef idx="minor">
+              <a:schemeClr val="tx1"/>
+            </a:fontRef>
+          </p:style>
+        </p:cxnSp>
+        <p:sp>
+          <p:nvSpPr>
+            <p:cNvPr id="17" name="Rectangle 23">
+              <a:extLst>
+                <a:ext uri="{FF2B5EF4-FFF2-40B4-BE49-F238E27FC236}">
+                  <a16:creationId xmlns:a16="http://schemas.microsoft.com/office/drawing/2014/main" id="{887EA6D2-2883-42C2-993D-094CA6D65DA3}"/>
+                </a:ext>
+                <a:ext uri="{C183D7F6-B498-43B3-948B-1728B52AA6E4}">
+                  <adec:decorative xmlns:adec="http://schemas.microsoft.com/office/drawing/2017/decorative" val="1"/>
+                </a:ext>
+              </a:extLst>
+            </p:cNvPr>
+            <p:cNvSpPr/>
+            <p:nvPr>
+              <p:extLst>
+                <p:ext uri="{386F3935-93C4-4BCD-93E2-E3B085C9AB24}">
+                  <p16:designElem xmlns:p16="http://schemas.microsoft.com/office/powerpoint/2015/main" val="1"/>
+                </p:ext>
+              </p:extLst>
+            </p:nvPr>
+          </p:nvSpPr>
+          <p:spPr>
+            <a:xfrm>
+              <a:off x="9181476" y="-8467"/>
+              <a:ext cx="3007349" cy="6866467"/>
+            </a:xfrm>
+            <a:custGeom>
+              <a:avLst/>
+              <a:gdLst/>
+              <a:ahLst/>
+              <a:cxnLst/>
+              <a:rect l="l" t="t" r="r" b="b"/>
+              <a:pathLst>
+                <a:path w="3007349" h="6866467">
+                  <a:moveTo>
+                    <a:pt x="2045532" y="0"/>
+                  </a:moveTo>
+                  <a:lnTo>
+                    <a:pt x="3007349" y="0"/>
+                  </a:lnTo>
+                  <a:lnTo>
+                    <a:pt x="3007349" y="6866467"/>
+                  </a:lnTo>
+                  <a:lnTo>
+                    <a:pt x="0" y="6866467"/>
+                  </a:lnTo>
+                  <a:lnTo>
+                    <a:pt x="2045532" y="0"/>
+                  </a:lnTo>
+                  <a:close/>
+                </a:path>
+              </a:pathLst>
+            </a:custGeom>
+            <a:solidFill>
+              <a:schemeClr val="accent1">
+                <a:alpha val="30000"/>
+              </a:schemeClr>
+            </a:solidFill>
+            <a:ln>
+              <a:noFill/>
+            </a:ln>
+            <a:effectLst/>
+          </p:spPr>
+          <p:style>
+            <a:lnRef idx="1">
+              <a:schemeClr val="accent1"/>
+            </a:lnRef>
+            <a:fillRef idx="3">
+              <a:schemeClr val="accent1"/>
+            </a:fillRef>
+            <a:effectRef idx="2">
+              <a:schemeClr val="accent1"/>
+            </a:effectRef>
+            <a:fontRef idx="minor">
+              <a:schemeClr val="lt1"/>
+            </a:fontRef>
+          </p:style>
+        </p:sp>
+        <p:sp>
+          <p:nvSpPr>
+            <p:cNvPr id="18" name="Rectangle 25">
+              <a:extLst>
+                <a:ext uri="{FF2B5EF4-FFF2-40B4-BE49-F238E27FC236}">
+                  <a16:creationId xmlns:a16="http://schemas.microsoft.com/office/drawing/2014/main" id="{3B895046-636F-4D1B-ACA4-29AA0CB3329F}"/>
+                </a:ext>
+                <a:ext uri="{C183D7F6-B498-43B3-948B-1728B52AA6E4}">
+                  <adec:decorative xmlns:adec="http://schemas.microsoft.com/office/drawing/2017/decorative" val="1"/>
+                </a:ext>
+              </a:extLst>
+            </p:cNvPr>
+            <p:cNvSpPr/>
+            <p:nvPr>
+              <p:extLst>
+                <p:ext uri="{386F3935-93C4-4BCD-93E2-E3B085C9AB24}">
+                  <p16:designElem xmlns:p16="http://schemas.microsoft.com/office/powerpoint/2015/main" val="1"/>
+                </p:ext>
+              </p:extLst>
+            </p:nvPr>
+          </p:nvSpPr>
+          <p:spPr>
+            <a:xfrm>
+              <a:off x="9603442" y="-8467"/>
+              <a:ext cx="2588558" cy="6866467"/>
+            </a:xfrm>
+            <a:custGeom>
+              <a:avLst/>
+              <a:gdLst/>
+              <a:ahLst/>
+              <a:cxnLst/>
+              <a:rect l="l" t="t" r="r" b="b"/>
+              <a:pathLst>
+                <a:path w="2573311" h="6866467">
+                  <a:moveTo>
+                    <a:pt x="0" y="0"/>
+                  </a:moveTo>
+                  <a:lnTo>
+                    <a:pt x="2573311" y="0"/>
+                  </a:lnTo>
+                  <a:lnTo>
+                    <a:pt x="2573311" y="6866467"/>
+                  </a:lnTo>
+                  <a:lnTo>
+                    <a:pt x="1202336" y="6866467"/>
+                  </a:lnTo>
+                  <a:lnTo>
+                    <a:pt x="0" y="0"/>
+                  </a:lnTo>
+                  <a:close/>
+                </a:path>
+              </a:pathLst>
+            </a:custGeom>
+            <a:solidFill>
+              <a:schemeClr val="accent1">
+                <a:alpha val="20000"/>
+              </a:schemeClr>
+            </a:solidFill>
+            <a:ln>
+              <a:noFill/>
+            </a:ln>
+            <a:effectLst/>
+          </p:spPr>
+          <p:style>
+            <a:lnRef idx="1">
+              <a:schemeClr val="accent1"/>
+            </a:lnRef>
+            <a:fillRef idx="3">
+              <a:schemeClr val="accent1"/>
+            </a:fillRef>
+            <a:effectRef idx="2">
+              <a:schemeClr val="accent1"/>
+            </a:effectRef>
+            <a:fontRef idx="minor">
+              <a:schemeClr val="lt1"/>
+            </a:fontRef>
+          </p:style>
+        </p:sp>
+        <p:sp>
+          <p:nvSpPr>
+            <p:cNvPr id="19" name="Isosceles Triangle 18">
+              <a:extLst>
+                <a:ext uri="{FF2B5EF4-FFF2-40B4-BE49-F238E27FC236}">
+                  <a16:creationId xmlns:a16="http://schemas.microsoft.com/office/drawing/2014/main" id="{C6B0CDE3-E054-4EDD-A43B-F96843D8BF51}"/>
+                </a:ext>
+                <a:ext uri="{C183D7F6-B498-43B3-948B-1728B52AA6E4}">
+                  <adec:decorative xmlns:adec="http://schemas.microsoft.com/office/drawing/2017/decorative" val="1"/>
+                </a:ext>
+              </a:extLst>
+            </p:cNvPr>
+            <p:cNvSpPr/>
+            <p:nvPr>
+              <p:extLst>
+                <p:ext uri="{386F3935-93C4-4BCD-93E2-E3B085C9AB24}">
+                  <p16:designElem xmlns:p16="http://schemas.microsoft.com/office/powerpoint/2015/main" val="1"/>
+                </p:ext>
+              </p:extLst>
+            </p:nvPr>
+          </p:nvSpPr>
+          <p:spPr>
+            <a:xfrm>
+              <a:off x="8932333" y="3048000"/>
+              <a:ext cx="3259667" cy="3810000"/>
+            </a:xfrm>
+            <a:prstGeom prst="triangle">
+              <a:avLst>
+                <a:gd name="adj" fmla="val 100000"/>
+              </a:avLst>
+            </a:prstGeom>
+            <a:solidFill>
+              <a:schemeClr val="accent2">
+                <a:alpha val="72000"/>
+              </a:schemeClr>
+            </a:solidFill>
+            <a:ln>
+              <a:noFill/>
+            </a:ln>
+            <a:effectLst/>
+          </p:spPr>
+          <p:style>
+            <a:lnRef idx="1">
+              <a:schemeClr val="accent1"/>
+            </a:lnRef>
+            <a:fillRef idx="3">
+              <a:schemeClr val="accent1"/>
+            </a:fillRef>
+            <a:effectRef idx="2">
+              <a:schemeClr val="accent1"/>
+            </a:effectRef>
+            <a:fontRef idx="minor">
+              <a:schemeClr val="lt1"/>
+            </a:fontRef>
+          </p:style>
+        </p:sp>
+        <p:sp>
+          <p:nvSpPr>
+            <p:cNvPr id="20" name="Rectangle 27">
+              <a:extLst>
+                <a:ext uri="{FF2B5EF4-FFF2-40B4-BE49-F238E27FC236}">
+                  <a16:creationId xmlns:a16="http://schemas.microsoft.com/office/drawing/2014/main" id="{3B66B1A2-F145-4C9B-85CC-4BF30D58CBC5}"/>
+                </a:ext>
+                <a:ext uri="{C183D7F6-B498-43B3-948B-1728B52AA6E4}">
+                  <adec:decorative xmlns:adec="http://schemas.microsoft.com/office/drawing/2017/decorative" val="1"/>
+                </a:ext>
+              </a:extLst>
+            </p:cNvPr>
+            <p:cNvSpPr/>
+            <p:nvPr>
+              <p:extLst>
+                <p:ext uri="{386F3935-93C4-4BCD-93E2-E3B085C9AB24}">
+                  <p16:designElem xmlns:p16="http://schemas.microsoft.com/office/powerpoint/2015/main" val="1"/>
+                </p:ext>
+              </p:extLst>
+            </p:nvPr>
+          </p:nvSpPr>
+          <p:spPr>
+            <a:xfrm>
+              <a:off x="9334500" y="-8467"/>
+              <a:ext cx="2854326" cy="6866467"/>
+            </a:xfrm>
+            <a:custGeom>
+              <a:avLst/>
+              <a:gdLst/>
+              <a:ahLst/>
+              <a:cxnLst/>
+              <a:rect l="l" t="t" r="r" b="b"/>
+              <a:pathLst>
+                <a:path w="2858013" h="6866467">
+                  <a:moveTo>
+                    <a:pt x="0" y="0"/>
+                  </a:moveTo>
+                  <a:lnTo>
+                    <a:pt x="2858013" y="0"/>
+                  </a:lnTo>
+                  <a:lnTo>
+                    <a:pt x="2858013" y="6866467"/>
+                  </a:lnTo>
+                  <a:lnTo>
+                    <a:pt x="2473942" y="6866467"/>
+                  </a:lnTo>
+                  <a:lnTo>
+                    <a:pt x="0" y="0"/>
+                  </a:lnTo>
+                  <a:close/>
+                </a:path>
+              </a:pathLst>
+            </a:custGeom>
+            <a:solidFill>
+              <a:schemeClr val="accent2">
+                <a:lumMod val="75000"/>
+                <a:alpha val="70000"/>
+              </a:schemeClr>
+            </a:solidFill>
+            <a:ln>
+              <a:noFill/>
+            </a:ln>
+            <a:effectLst/>
+          </p:spPr>
+          <p:style>
+            <a:lnRef idx="1">
+              <a:schemeClr val="accent1"/>
+            </a:lnRef>
+            <a:fillRef idx="3">
+              <a:schemeClr val="accent1"/>
+            </a:fillRef>
+            <a:effectRef idx="2">
+              <a:schemeClr val="accent1"/>
+            </a:effectRef>
+            <a:fontRef idx="minor">
+              <a:schemeClr val="lt1"/>
+            </a:fontRef>
+          </p:style>
+        </p:sp>
+        <p:sp>
+          <p:nvSpPr>
+            <p:cNvPr id="21" name="Rectangle 28">
+              <a:extLst>
+                <a:ext uri="{FF2B5EF4-FFF2-40B4-BE49-F238E27FC236}">
+                  <a16:creationId xmlns:a16="http://schemas.microsoft.com/office/drawing/2014/main" id="{5D4FC972-94B3-4035-8D31-E668C132B411}"/>
+                </a:ext>
+                <a:ext uri="{C183D7F6-B498-43B3-948B-1728B52AA6E4}">
+                  <adec:decorative xmlns:adec="http://schemas.microsoft.com/office/drawing/2017/decorative" val="1"/>
+                </a:ext>
+              </a:extLst>
+            </p:cNvPr>
+            <p:cNvSpPr/>
+            <p:nvPr>
+              <p:extLst>
+                <p:ext uri="{386F3935-93C4-4BCD-93E2-E3B085C9AB24}">
+                  <p16:designElem xmlns:p16="http://schemas.microsoft.com/office/powerpoint/2015/main" val="1"/>
+                </p:ext>
+              </p:extLst>
+            </p:nvPr>
+          </p:nvSpPr>
+          <p:spPr>
+            <a:xfrm>
+              <a:off x="10898730" y="-8467"/>
+              <a:ext cx="1290094" cy="6866467"/>
+            </a:xfrm>
+            <a:custGeom>
+              <a:avLst/>
+              <a:gdLst/>
+              <a:ahLst/>
+              <a:cxnLst/>
+              <a:rect l="l" t="t" r="r" b="b"/>
+              <a:pathLst>
+                <a:path w="1290094" h="6858000">
+                  <a:moveTo>
+                    <a:pt x="1019735" y="0"/>
+                  </a:moveTo>
+                  <a:lnTo>
+                    <a:pt x="1290094" y="0"/>
+                  </a:lnTo>
+                  <a:lnTo>
+                    <a:pt x="1290094" y="6858000"/>
+                  </a:lnTo>
+                  <a:lnTo>
+                    <a:pt x="0" y="6858000"/>
+                  </a:lnTo>
+                  <a:lnTo>
+                    <a:pt x="1019735" y="0"/>
+                  </a:lnTo>
+                  <a:close/>
+                </a:path>
+              </a:pathLst>
+            </a:custGeom>
+            <a:solidFill>
+              <a:schemeClr val="accent1">
+                <a:lumMod val="60000"/>
+                <a:lumOff val="40000"/>
+                <a:alpha val="70000"/>
+              </a:schemeClr>
+            </a:solidFill>
+            <a:ln>
+              <a:noFill/>
+            </a:ln>
+            <a:effectLst/>
+          </p:spPr>
+          <p:style>
+            <a:lnRef idx="1">
+              <a:schemeClr val="accent1"/>
+            </a:lnRef>
+            <a:fillRef idx="3">
+              <a:schemeClr val="accent1"/>
+            </a:fillRef>
+            <a:effectRef idx="2">
+              <a:schemeClr val="accent1"/>
+            </a:effectRef>
+            <a:fontRef idx="minor">
+              <a:schemeClr val="lt1"/>
+            </a:fontRef>
+          </p:style>
+        </p:sp>
+        <p:sp>
+          <p:nvSpPr>
+            <p:cNvPr id="22" name="Rectangle 29">
+              <a:extLst>
+                <a:ext uri="{FF2B5EF4-FFF2-40B4-BE49-F238E27FC236}">
+                  <a16:creationId xmlns:a16="http://schemas.microsoft.com/office/drawing/2014/main" id="{374B9941-AFBE-4A77-A50E-B6EA04A746AE}"/>
+                </a:ext>
+                <a:ext uri="{C183D7F6-B498-43B3-948B-1728B52AA6E4}">
+                  <adec:decorative xmlns:adec="http://schemas.microsoft.com/office/drawing/2017/decorative" val="1"/>
+                </a:ext>
+              </a:extLst>
+            </p:cNvPr>
+            <p:cNvSpPr/>
+            <p:nvPr>
+              <p:extLst>
+                <p:ext uri="{386F3935-93C4-4BCD-93E2-E3B085C9AB24}">
+                  <p16:designElem xmlns:p16="http://schemas.microsoft.com/office/powerpoint/2015/main" val="1"/>
+                </p:ext>
+              </p:extLst>
+            </p:nvPr>
+          </p:nvSpPr>
+          <p:spPr>
+            <a:xfrm>
+              <a:off x="10938999" y="-8467"/>
+              <a:ext cx="1249825" cy="6866467"/>
+            </a:xfrm>
+            <a:custGeom>
+              <a:avLst/>
+              <a:gdLst/>
+              <a:ahLst/>
+              <a:cxnLst/>
+              <a:rect l="l" t="t" r="r" b="b"/>
+              <a:pathLst>
+                <a:path w="1249825" h="6858000">
+                  <a:moveTo>
+                    <a:pt x="0" y="0"/>
+                  </a:moveTo>
+                  <a:lnTo>
+                    <a:pt x="1249825" y="0"/>
+                  </a:lnTo>
+                  <a:lnTo>
+                    <a:pt x="1249825" y="6858000"/>
+                  </a:lnTo>
+                  <a:lnTo>
+                    <a:pt x="1109382" y="6858000"/>
+                  </a:lnTo>
+                  <a:lnTo>
+                    <a:pt x="0" y="0"/>
+                  </a:lnTo>
+                  <a:close/>
+                </a:path>
+              </a:pathLst>
+            </a:custGeom>
+            <a:solidFill>
+              <a:schemeClr val="accent1">
+                <a:alpha val="65000"/>
+              </a:schemeClr>
+            </a:solidFill>
+            <a:ln>
+              <a:noFill/>
+            </a:ln>
+            <a:effectLst/>
+          </p:spPr>
+          <p:style>
+            <a:lnRef idx="1">
+              <a:schemeClr val="accent1"/>
+            </a:lnRef>
+            <a:fillRef idx="3">
+              <a:schemeClr val="accent1"/>
+            </a:fillRef>
+            <a:effectRef idx="2">
+              <a:schemeClr val="accent1"/>
+            </a:effectRef>
+            <a:fontRef idx="minor">
+              <a:schemeClr val="lt1"/>
+            </a:fontRef>
+          </p:style>
+        </p:sp>
+        <p:sp>
+          <p:nvSpPr>
+            <p:cNvPr id="23" name="Isosceles Triangle 22">
+              <a:extLst>
+                <a:ext uri="{FF2B5EF4-FFF2-40B4-BE49-F238E27FC236}">
+                  <a16:creationId xmlns:a16="http://schemas.microsoft.com/office/drawing/2014/main" id="{27A982C5-2C38-4CE9-BC18-94697AD657FB}"/>
+                </a:ext>
+                <a:ext uri="{C183D7F6-B498-43B3-948B-1728B52AA6E4}">
+                  <adec:decorative xmlns:adec="http://schemas.microsoft.com/office/drawing/2017/decorative" val="1"/>
+                </a:ext>
+              </a:extLst>
+            </p:cNvPr>
+            <p:cNvSpPr/>
+            <p:nvPr>
+              <p:extLst>
+                <p:ext uri="{386F3935-93C4-4BCD-93E2-E3B085C9AB24}">
+                  <p16:designElem xmlns:p16="http://schemas.microsoft.com/office/powerpoint/2015/main" val="1"/>
+                </p:ext>
+              </p:extLst>
+            </p:nvPr>
+          </p:nvSpPr>
+          <p:spPr>
+            <a:xfrm>
+              <a:off x="10371666" y="3589867"/>
+              <a:ext cx="1817159" cy="3268133"/>
+            </a:xfrm>
+            <a:prstGeom prst="triangle">
+              <a:avLst>
+                <a:gd name="adj" fmla="val 100000"/>
+              </a:avLst>
+            </a:prstGeom>
+            <a:solidFill>
+              <a:schemeClr val="accent1">
+                <a:alpha val="80000"/>
+              </a:schemeClr>
+            </a:solidFill>
+            <a:ln>
+              <a:noFill/>
+            </a:ln>
+            <a:effectLst/>
+          </p:spPr>
+          <p:style>
+            <a:lnRef idx="1">
+              <a:schemeClr val="accent1"/>
+            </a:lnRef>
+            <a:fillRef idx="3">
+              <a:schemeClr val="accent1"/>
+            </a:fillRef>
+            <a:effectRef idx="2">
+              <a:schemeClr val="accent1"/>
+            </a:effectRef>
+            <a:fontRef idx="minor">
+              <a:schemeClr val="lt1"/>
+            </a:fontRef>
+          </p:style>
+        </p:sp>
+        <p:sp>
+          <p:nvSpPr>
+            <p:cNvPr id="24" name="Isosceles Triangle 23">
+              <a:extLst>
+                <a:ext uri="{FF2B5EF4-FFF2-40B4-BE49-F238E27FC236}">
+                  <a16:creationId xmlns:a16="http://schemas.microsoft.com/office/drawing/2014/main" id="{0060D8D1-7BB1-498F-AFBB-ADAC130A9E90}"/>
+                </a:ext>
+                <a:ext uri="{C183D7F6-B498-43B3-948B-1728B52AA6E4}">
+                  <adec:decorative xmlns:adec="http://schemas.microsoft.com/office/drawing/2017/decorative" val="1"/>
+                </a:ext>
+              </a:extLst>
+            </p:cNvPr>
+            <p:cNvSpPr/>
+            <p:nvPr>
+              <p:extLst>
+                <p:ext uri="{386F3935-93C4-4BCD-93E2-E3B085C9AB24}">
+                  <p16:designElem xmlns:p16="http://schemas.microsoft.com/office/powerpoint/2015/main" val="1"/>
+                </p:ext>
+              </p:extLst>
+            </p:nvPr>
+          </p:nvSpPr>
+          <p:spPr>
+            <a:xfrm rot="10800000">
+              <a:off x="0" y="0"/>
+              <a:ext cx="842596" cy="5666154"/>
+            </a:xfrm>
+            <a:prstGeom prst="triangle">
+              <a:avLst>
+                <a:gd name="adj" fmla="val 100000"/>
+              </a:avLst>
+            </a:prstGeom>
+            <a:solidFill>
+              <a:schemeClr val="accent1">
+                <a:alpha val="85000"/>
+              </a:schemeClr>
+            </a:solidFill>
+            <a:ln>
+              <a:noFill/>
+            </a:ln>
+            <a:effectLst/>
+          </p:spPr>
+          <p:style>
+            <a:lnRef idx="1">
+              <a:schemeClr val="accent1"/>
+            </a:lnRef>
+            <a:fillRef idx="3">
+              <a:schemeClr val="accent1"/>
+            </a:fillRef>
+            <a:effectRef idx="2">
+              <a:schemeClr val="accent1"/>
+            </a:effectRef>
+            <a:fontRef idx="minor">
+              <a:schemeClr val="lt1"/>
+            </a:fontRef>
+          </p:style>
+        </p:sp>
+      </p:grpSp>
+      <p:sp>
+        <p:nvSpPr>
+          <p:cNvPr id="2" name="Title 1">
+            <a:extLst>
+              <a:ext uri="{FF2B5EF4-FFF2-40B4-BE49-F238E27FC236}">
+                <a16:creationId xmlns:a16="http://schemas.microsoft.com/office/drawing/2014/main" id="{39BE2ADD-E042-8558-78D6-49DF850B0D68}"/>
+              </a:ext>
+            </a:extLst>
+          </p:cNvPr>
+          <p:cNvSpPr>
+            <a:spLocks noGrp="1"/>
+          </p:cNvSpPr>
+          <p:nvPr>
+            <p:ph type="title"/>
+          </p:nvPr>
+        </p:nvSpPr>
+        <p:spPr>
+          <a:xfrm>
+            <a:off x="985969" y="4553712"/>
+            <a:ext cx="8288032" cy="1096316"/>
+          </a:xfrm>
+        </p:spPr>
+        <p:txBody>
+          <a:bodyPr vert="horz" lIns="91440" tIns="45720" rIns="91440" bIns="45720" rtlCol="0" anchor="b">
+            <a:normAutofit/>
+          </a:bodyPr>
+          <a:lstStyle/>
+          <a:p>
+            <a:pPr algn="ctr">
+              <a:lnSpc>
+                <a:spcPct val="90000"/>
+              </a:lnSpc>
+            </a:pPr>
+            <a:r>
+              <a:rPr lang="en-US" sz="3000" kern="1200">
+                <a:solidFill>
+                  <a:schemeClr val="accent1"/>
+                </a:solidFill>
+                <a:latin typeface="+mj-lt"/>
+                <a:ea typeface="+mj-ea"/>
+                <a:cs typeface="+mj-cs"/>
+              </a:rPr>
+              <a:t>Przykład poprawnego testu w </a:t>
+            </a:r>
+            <a:r>
+              <a:rPr lang="en-US" sz="3000" b="1" i="0" kern="1200">
+                <a:solidFill>
+                  <a:schemeClr val="accent1"/>
+                </a:solidFill>
+                <a:effectLst/>
+                <a:latin typeface="+mj-lt"/>
+                <a:ea typeface="+mj-ea"/>
+                <a:cs typeface="+mj-cs"/>
+              </a:rPr>
+              <a:t>IntelliJ Idea</a:t>
+            </a:r>
+            <a:br>
+              <a:rPr lang="en-US" sz="3000" b="1" i="0" kern="1200">
+                <a:solidFill>
+                  <a:schemeClr val="accent1"/>
+                </a:solidFill>
+                <a:effectLst/>
+                <a:latin typeface="+mj-lt"/>
+                <a:ea typeface="+mj-ea"/>
+                <a:cs typeface="+mj-cs"/>
+              </a:rPr>
+            </a:br>
+            <a:endParaRPr lang="en-US" sz="3000" kern="1200">
+              <a:solidFill>
+                <a:schemeClr val="accent1"/>
+              </a:solidFill>
+              <a:latin typeface="+mj-lt"/>
+              <a:ea typeface="+mj-ea"/>
+              <a:cs typeface="+mj-cs"/>
+            </a:endParaRPr>
+          </a:p>
+        </p:txBody>
+      </p:sp>
+      <p:pic>
+        <p:nvPicPr>
+          <p:cNvPr id="9" name="Content Placeholder 8">
+            <a:extLst>
+              <a:ext uri="{FF2B5EF4-FFF2-40B4-BE49-F238E27FC236}">
+                <a16:creationId xmlns:a16="http://schemas.microsoft.com/office/drawing/2014/main" id="{B865BE6B-80D2-DF21-DD40-F7360D2D3495}"/>
+              </a:ext>
+            </a:extLst>
+          </p:cNvPr>
+          <p:cNvPicPr>
+            <a:picLocks noGrp="1" noChangeAspect="1"/>
+          </p:cNvPicPr>
+          <p:nvPr>
+            <p:ph idx="1"/>
+          </p:nvPr>
+        </p:nvPicPr>
+        <p:blipFill>
+          <a:blip r:embed="rId2"/>
+          <a:stretch>
+            <a:fillRect/>
+          </a:stretch>
+        </p:blipFill>
+        <p:spPr>
+          <a:xfrm>
+            <a:off x="2102966" y="934222"/>
+            <a:ext cx="6054036" cy="3299450"/>
+          </a:xfrm>
+          <a:prstGeom prst="rect">
+            <a:avLst/>
+          </a:prstGeom>
+        </p:spPr>
+      </p:pic>
+    </p:spTree>
+    <p:extLst>
+      <p:ext uri="{BB962C8B-B14F-4D97-AF65-F5344CB8AC3E}">
+        <p14:creationId xmlns:p14="http://schemas.microsoft.com/office/powerpoint/2010/main" val="1142111097"/>
+      </p:ext>
+    </p:extLst>
+  </p:cSld>
+  <p:clrMapOvr>
+    <a:masterClrMapping/>
+  </p:clrMapOvr>
+</p:sld>
+</file>
+
+<file path=ppt/slides/slide9.xml><?xml version="1.0" encoding="utf-8"?>
+<p:sld xmlns:a="http://schemas.openxmlformats.org/drawingml/2006/main" xmlns:r="http://schemas.openxmlformats.org/officeDocument/2006/relationships" xmlns:p="http://schemas.openxmlformats.org/presentationml/2006/main">
+  <p:cSld>
+    <p:spTree>
+      <p:nvGrpSpPr>
+        <p:cNvPr id="1" name=""/>
+        <p:cNvGrpSpPr/>
+        <p:nvPr/>
+      </p:nvGrpSpPr>
+      <p:grpSpPr>
+        <a:xfrm>
+          <a:off x="0" y="0"/>
+          <a:ext cx="0" cy="0"/>
+          <a:chOff x="0" y="0"/>
+          <a:chExt cx="0" cy="0"/>
+        </a:xfrm>
+      </p:grpSpPr>
+      <p:sp>
+        <p:nvSpPr>
+          <p:cNvPr id="2" name="Title 1">
+            <a:extLst>
+              <a:ext uri="{FF2B5EF4-FFF2-40B4-BE49-F238E27FC236}">
+                <a16:creationId xmlns:a16="http://schemas.microsoft.com/office/drawing/2014/main" id="{200A86A0-CDF5-3172-28F6-D83017F122E1}"/>
               </a:ext>
             </a:extLst>
           </p:cNvPr>
@@ -12131,7 +15553,26 @@
           <a:bodyPr/>
           <a:lstStyle/>
           <a:p>
-            <a:endParaRPr lang="pl-PL"/>
+            <a:r>
+              <a:rPr lang="pl-PL" b="1" i="0" dirty="0">
+                <a:solidFill>
+                  <a:srgbClr val="3D4144"/>
+                </a:solidFill>
+                <a:effectLst/>
+                <a:latin typeface="-apple-system"/>
+              </a:rPr>
+              <a:t>Przygotowanie testów i cykle życia</a:t>
+            </a:r>
+            <a:br>
+              <a:rPr lang="pl-PL" b="1" i="0" dirty="0">
+                <a:solidFill>
+                  <a:srgbClr val="3D4144"/>
+                </a:solidFill>
+                <a:effectLst/>
+                <a:latin typeface="-apple-system"/>
+              </a:rPr>
+            </a:br>
+            <a:endParaRPr lang="pl-PL" dirty="0"/>
           </a:p>
         </p:txBody>
       </p:sp>
@@ -12140,7 +15581,7 @@
           <p:cNvPr id="3" name="Content Placeholder 2">
             <a:extLst>
               <a:ext uri="{FF2B5EF4-FFF2-40B4-BE49-F238E27FC236}">
-                <a16:creationId xmlns:a16="http://schemas.microsoft.com/office/drawing/2014/main" id="{1408108B-59C6-D79B-DFB1-F9936D56FC8B}"/>
+                <a16:creationId xmlns:a16="http://schemas.microsoft.com/office/drawing/2014/main" id="{3A824467-939F-1732-76AC-DBDD32917D10}"/>
               </a:ext>
             </a:extLst>
           </p:cNvPr>
@@ -12151,19 +15592,41 @@
             <p:ph idx="1"/>
           </p:nvPr>
         </p:nvSpPr>
-        <p:spPr/>
+        <p:spPr>
+          <a:xfrm>
+            <a:off x="677334" y="2127033"/>
+            <a:ext cx="8596668" cy="3880773"/>
+          </a:xfrm>
+        </p:spPr>
         <p:txBody>
-          <a:bodyPr/>
+          <a:bodyPr>
+            <a:normAutofit/>
+          </a:bodyPr>
           <a:lstStyle/>
           <a:p>
-            <a:endParaRPr lang="pl-PL"/>
+            <a:pPr marL="0" indent="0">
+              <a:buNone/>
+            </a:pPr>
+            <a:r>
+              <a:rPr lang="pl-PL" sz="2800" dirty="0"/>
+              <a:t>Zdarza się, że kilka testów jednostkowych wymaga przygotowania. Na przykład trzeba utworzyć instancję, którą będziemy później testowali. </a:t>
+            </a:r>
+          </a:p>
+          <a:p>
+            <a:pPr marL="0" indent="0">
+              <a:buNone/>
+            </a:pPr>
+            <a:r>
+              <a:rPr lang="pl-PL" sz="2800" dirty="0"/>
+              <a:t>Junit wykorzystuje adnotacje takie jak @Before lub @After, które możemy dodać do metody w klasie z testami. </a:t>
+            </a:r>
           </a:p>
         </p:txBody>
       </p:sp>
     </p:spTree>
     <p:extLst>
       <p:ext uri="{BB962C8B-B14F-4D97-AF65-F5344CB8AC3E}">
-        <p14:creationId xmlns:p14="http://schemas.microsoft.com/office/powerpoint/2010/main" val="669789795"/>
+        <p14:creationId xmlns:p14="http://schemas.microsoft.com/office/powerpoint/2010/main" val="656903154"/>
       </p:ext>
     </p:extLst>
   </p:cSld>

--- a/KonradStepniak/Testy jednostkowe Konrad Stępniak.pptx
+++ b/KonradStepniak/Testy jednostkowe Konrad Stępniak.pptx
@@ -4462,7 +4462,7 @@
           <a:p>
             <a:fld id="{BFC0EC73-D7A7-4532-88F3-B222CBA1DBF1}" type="datetimeFigureOut">
               <a:rPr lang="pl-PL" smtClean="0"/>
-              <a:t>09.12.2022</a:t>
+              <a:t>13.01.2023</a:t>
             </a:fld>
             <a:endParaRPr lang="pl-PL"/>
           </a:p>
@@ -4713,7 +4713,7 @@
           <a:p>
             <a:fld id="{BFC0EC73-D7A7-4532-88F3-B222CBA1DBF1}" type="datetimeFigureOut">
               <a:rPr lang="pl-PL" smtClean="0"/>
-              <a:t>09.12.2022</a:t>
+              <a:t>13.01.2023</a:t>
             </a:fld>
             <a:endParaRPr lang="pl-PL"/>
           </a:p>
@@ -5027,7 +5027,7 @@
           <a:p>
             <a:fld id="{BFC0EC73-D7A7-4532-88F3-B222CBA1DBF1}" type="datetimeFigureOut">
               <a:rPr lang="pl-PL" smtClean="0"/>
-              <a:t>09.12.2022</a:t>
+              <a:t>13.01.2023</a:t>
             </a:fld>
             <a:endParaRPr lang="pl-PL"/>
           </a:p>
@@ -5368,7 +5368,7 @@
           <a:p>
             <a:fld id="{BFC0EC73-D7A7-4532-88F3-B222CBA1DBF1}" type="datetimeFigureOut">
               <a:rPr lang="pl-PL" smtClean="0"/>
-              <a:t>09.12.2022</a:t>
+              <a:t>13.01.2023</a:t>
             </a:fld>
             <a:endParaRPr lang="pl-PL"/>
           </a:p>
@@ -5682,7 +5682,7 @@
           <a:p>
             <a:fld id="{BFC0EC73-D7A7-4532-88F3-B222CBA1DBF1}" type="datetimeFigureOut">
               <a:rPr lang="pl-PL" smtClean="0"/>
-              <a:t>09.12.2022</a:t>
+              <a:t>13.01.2023</a:t>
             </a:fld>
             <a:endParaRPr lang="pl-PL"/>
           </a:p>
@@ -6075,7 +6075,7 @@
           <a:p>
             <a:fld id="{BFC0EC73-D7A7-4532-88F3-B222CBA1DBF1}" type="datetimeFigureOut">
               <a:rPr lang="pl-PL" smtClean="0"/>
-              <a:t>09.12.2022</a:t>
+              <a:t>13.01.2023</a:t>
             </a:fld>
             <a:endParaRPr lang="pl-PL"/>
           </a:p>
@@ -6245,7 +6245,7 @@
           <a:p>
             <a:fld id="{BFC0EC73-D7A7-4532-88F3-B222CBA1DBF1}" type="datetimeFigureOut">
               <a:rPr lang="pl-PL" smtClean="0"/>
-              <a:t>09.12.2022</a:t>
+              <a:t>13.01.2023</a:t>
             </a:fld>
             <a:endParaRPr lang="pl-PL"/>
           </a:p>
@@ -6425,7 +6425,7 @@
           <a:p>
             <a:fld id="{BFC0EC73-D7A7-4532-88F3-B222CBA1DBF1}" type="datetimeFigureOut">
               <a:rPr lang="pl-PL" smtClean="0"/>
-              <a:t>09.12.2022</a:t>
+              <a:t>13.01.2023</a:t>
             </a:fld>
             <a:endParaRPr lang="pl-PL"/>
           </a:p>
@@ -6601,7 +6601,7 @@
           <a:p>
             <a:fld id="{BFC0EC73-D7A7-4532-88F3-B222CBA1DBF1}" type="datetimeFigureOut">
               <a:rPr lang="pl-PL" smtClean="0"/>
-              <a:t>09.12.2022</a:t>
+              <a:t>13.01.2023</a:t>
             </a:fld>
             <a:endParaRPr lang="pl-PL"/>
           </a:p>
@@ -6848,7 +6848,7 @@
           <a:p>
             <a:fld id="{BFC0EC73-D7A7-4532-88F3-B222CBA1DBF1}" type="datetimeFigureOut">
               <a:rPr lang="pl-PL" smtClean="0"/>
-              <a:t>09.12.2022</a:t>
+              <a:t>13.01.2023</a:t>
             </a:fld>
             <a:endParaRPr lang="pl-PL"/>
           </a:p>
@@ -7080,7 +7080,7 @@
           <a:p>
             <a:fld id="{BFC0EC73-D7A7-4532-88F3-B222CBA1DBF1}" type="datetimeFigureOut">
               <a:rPr lang="pl-PL" smtClean="0"/>
-              <a:t>09.12.2022</a:t>
+              <a:t>13.01.2023</a:t>
             </a:fld>
             <a:endParaRPr lang="pl-PL"/>
           </a:p>
@@ -7454,7 +7454,7 @@
           <a:p>
             <a:fld id="{BFC0EC73-D7A7-4532-88F3-B222CBA1DBF1}" type="datetimeFigureOut">
               <a:rPr lang="pl-PL" smtClean="0"/>
-              <a:t>09.12.2022</a:t>
+              <a:t>13.01.2023</a:t>
             </a:fld>
             <a:endParaRPr lang="pl-PL"/>
           </a:p>
@@ -7577,7 +7577,7 @@
           <a:p>
             <a:fld id="{BFC0EC73-D7A7-4532-88F3-B222CBA1DBF1}" type="datetimeFigureOut">
               <a:rPr lang="pl-PL" smtClean="0"/>
-              <a:t>09.12.2022</a:t>
+              <a:t>13.01.2023</a:t>
             </a:fld>
             <a:endParaRPr lang="pl-PL"/>
           </a:p>
@@ -7672,7 +7672,7 @@
           <a:p>
             <a:fld id="{BFC0EC73-D7A7-4532-88F3-B222CBA1DBF1}" type="datetimeFigureOut">
               <a:rPr lang="pl-PL" smtClean="0"/>
-              <a:t>09.12.2022</a:t>
+              <a:t>13.01.2023</a:t>
             </a:fld>
             <a:endParaRPr lang="pl-PL"/>
           </a:p>
@@ -7927,7 +7927,7 @@
           <a:p>
             <a:fld id="{BFC0EC73-D7A7-4532-88F3-B222CBA1DBF1}" type="datetimeFigureOut">
               <a:rPr lang="pl-PL" smtClean="0"/>
-              <a:t>09.12.2022</a:t>
+              <a:t>13.01.2023</a:t>
             </a:fld>
             <a:endParaRPr lang="pl-PL"/>
           </a:p>
@@ -8190,7 +8190,7 @@
           <a:p>
             <a:fld id="{BFC0EC73-D7A7-4532-88F3-B222CBA1DBF1}" type="datetimeFigureOut">
               <a:rPr lang="pl-PL" smtClean="0"/>
-              <a:t>09.12.2022</a:t>
+              <a:t>13.01.2023</a:t>
             </a:fld>
             <a:endParaRPr lang="pl-PL"/>
           </a:p>
@@ -8933,7 +8933,7 @@
           <a:p>
             <a:fld id="{BFC0EC73-D7A7-4532-88F3-B222CBA1DBF1}" type="datetimeFigureOut">
               <a:rPr lang="pl-PL" smtClean="0"/>
-              <a:t>09.12.2022</a:t>
+              <a:t>13.01.2023</a:t>
             </a:fld>
             <a:endParaRPr lang="pl-PL"/>
           </a:p>
@@ -10254,6 +10254,83 @@
           </a:fontRef>
         </p:style>
       </p:sp>
+      <p:pic>
+        <p:nvPicPr>
+          <p:cNvPr id="6" name="Obraz 4" descr="Obraz zawierający tekst&#10;&#10;Opis wygenerowany automatycznie">
+            <a:extLst>
+              <a:ext uri="{FF2B5EF4-FFF2-40B4-BE49-F238E27FC236}">
+                <a16:creationId xmlns:a16="http://schemas.microsoft.com/office/drawing/2014/main" id="{0AF6A6F2-DB8A-F106-D09D-EDFF21431188}"/>
+              </a:ext>
+            </a:extLst>
+          </p:cNvPr>
+          <p:cNvPicPr>
+            <a:picLocks noChangeAspect="1"/>
+          </p:cNvPicPr>
+          <p:nvPr/>
+        </p:nvPicPr>
+        <p:blipFill>
+          <a:blip r:embed="rId3">
+            <a:extLst>
+              <a:ext uri="{28A0092B-C50C-407E-A947-70E740481C1C}">
+                <a14:useLocalDpi xmlns:a14="http://schemas.microsoft.com/office/drawing/2010/main" val="0"/>
+              </a:ext>
+            </a:extLst>
+          </a:blip>
+          <a:stretch>
+            <a:fillRect/>
+          </a:stretch>
+        </p:blipFill>
+        <p:spPr>
+          <a:xfrm>
+            <a:off x="0" y="5888231"/>
+            <a:ext cx="2498893" cy="969769"/>
+          </a:xfrm>
+          <a:prstGeom prst="rect">
+            <a:avLst/>
+          </a:prstGeom>
+        </p:spPr>
+      </p:pic>
+      <p:sp>
+        <p:nvSpPr>
+          <p:cNvPr id="8" name="TextBox 7">
+            <a:extLst>
+              <a:ext uri="{FF2B5EF4-FFF2-40B4-BE49-F238E27FC236}">
+                <a16:creationId xmlns:a16="http://schemas.microsoft.com/office/drawing/2014/main" id="{90FCD1CC-5247-13E2-2078-3D721BCA9085}"/>
+              </a:ext>
+            </a:extLst>
+          </p:cNvPr>
+          <p:cNvSpPr txBox="1"/>
+          <p:nvPr/>
+        </p:nvSpPr>
+        <p:spPr>
+          <a:xfrm>
+            <a:off x="677335" y="2586213"/>
+            <a:ext cx="6128158" cy="276999"/>
+          </a:xfrm>
+          <a:prstGeom prst="rect">
+            <a:avLst/>
+          </a:prstGeom>
+          <a:noFill/>
+        </p:spPr>
+        <p:txBody>
+          <a:bodyPr wrap="square">
+            <a:spAutoFit/>
+          </a:bodyPr>
+          <a:lstStyle/>
+          <a:p>
+            <a:r>
+              <a:rPr lang="pl-PL" sz="1200" dirty="0">
+                <a:solidFill>
+                  <a:schemeClr val="bg2">
+                    <a:lumMod val="75000"/>
+                  </a:schemeClr>
+                </a:solidFill>
+              </a:rPr>
+              <a:t>Zaawansowane techniki programowania</a:t>
+            </a:r>
+          </a:p>
+        </p:txBody>
+      </p:sp>
     </p:spTree>
     <p:extLst>
       <p:ext uri="{BB962C8B-B14F-4D97-AF65-F5344CB8AC3E}">
@@ -10381,6 +10458,83 @@
           </a:prstGeom>
         </p:spPr>
       </p:pic>
+      <p:pic>
+        <p:nvPicPr>
+          <p:cNvPr id="4" name="Obraz 4" descr="Obraz zawierający tekst&#10;&#10;Opis wygenerowany automatycznie">
+            <a:extLst>
+              <a:ext uri="{FF2B5EF4-FFF2-40B4-BE49-F238E27FC236}">
+                <a16:creationId xmlns:a16="http://schemas.microsoft.com/office/drawing/2014/main" id="{F084A563-C0F8-E281-D37D-B81227277A67}"/>
+              </a:ext>
+            </a:extLst>
+          </p:cNvPr>
+          <p:cNvPicPr>
+            <a:picLocks noChangeAspect="1"/>
+          </p:cNvPicPr>
+          <p:nvPr/>
+        </p:nvPicPr>
+        <p:blipFill>
+          <a:blip r:embed="rId3">
+            <a:extLst>
+              <a:ext uri="{28A0092B-C50C-407E-A947-70E740481C1C}">
+                <a14:useLocalDpi xmlns:a14="http://schemas.microsoft.com/office/drawing/2010/main" val="0"/>
+              </a:ext>
+            </a:extLst>
+          </a:blip>
+          <a:stretch>
+            <a:fillRect/>
+          </a:stretch>
+        </p:blipFill>
+        <p:spPr>
+          <a:xfrm>
+            <a:off x="9693107" y="5888231"/>
+            <a:ext cx="2498893" cy="969769"/>
+          </a:xfrm>
+          <a:prstGeom prst="rect">
+            <a:avLst/>
+          </a:prstGeom>
+        </p:spPr>
+      </p:pic>
+      <p:sp>
+        <p:nvSpPr>
+          <p:cNvPr id="6" name="TextBox 5">
+            <a:extLst>
+              <a:ext uri="{FF2B5EF4-FFF2-40B4-BE49-F238E27FC236}">
+                <a16:creationId xmlns:a16="http://schemas.microsoft.com/office/drawing/2014/main" id="{E4CC6ABC-A85E-FC35-FCD6-923682DE6680}"/>
+              </a:ext>
+            </a:extLst>
+          </p:cNvPr>
+          <p:cNvSpPr txBox="1"/>
+          <p:nvPr/>
+        </p:nvSpPr>
+        <p:spPr>
+          <a:xfrm>
+            <a:off x="511727" y="6581001"/>
+            <a:ext cx="6375633" cy="276999"/>
+          </a:xfrm>
+          <a:prstGeom prst="rect">
+            <a:avLst/>
+          </a:prstGeom>
+          <a:noFill/>
+        </p:spPr>
+        <p:txBody>
+          <a:bodyPr wrap="square">
+            <a:spAutoFit/>
+          </a:bodyPr>
+          <a:lstStyle/>
+          <a:p>
+            <a:r>
+              <a:rPr lang="pl-PL" sz="1200" dirty="0">
+                <a:solidFill>
+                  <a:schemeClr val="bg2">
+                    <a:lumMod val="75000"/>
+                  </a:schemeClr>
+                </a:solidFill>
+              </a:rPr>
+              <a:t>Zaawansowane techniki programowania / Konrad Stępniak</a:t>
+            </a:r>
+          </a:p>
+        </p:txBody>
+      </p:sp>
     </p:spTree>
     <p:extLst>
       <p:ext uri="{BB962C8B-B14F-4D97-AF65-F5344CB8AC3E}">
@@ -10504,6 +10658,83 @@
               <a:buNone/>
             </a:pPr>
             <a:endParaRPr lang="pl-PL" dirty="0"/>
+          </a:p>
+        </p:txBody>
+      </p:sp>
+      <p:pic>
+        <p:nvPicPr>
+          <p:cNvPr id="4" name="Obraz 4" descr="Obraz zawierający tekst&#10;&#10;Opis wygenerowany automatycznie">
+            <a:extLst>
+              <a:ext uri="{FF2B5EF4-FFF2-40B4-BE49-F238E27FC236}">
+                <a16:creationId xmlns:a16="http://schemas.microsoft.com/office/drawing/2014/main" id="{70A6BACE-83A8-1EDB-7F10-950684806E70}"/>
+              </a:ext>
+            </a:extLst>
+          </p:cNvPr>
+          <p:cNvPicPr>
+            <a:picLocks noChangeAspect="1"/>
+          </p:cNvPicPr>
+          <p:nvPr/>
+        </p:nvPicPr>
+        <p:blipFill>
+          <a:blip r:embed="rId2">
+            <a:extLst>
+              <a:ext uri="{28A0092B-C50C-407E-A947-70E740481C1C}">
+                <a14:useLocalDpi xmlns:a14="http://schemas.microsoft.com/office/drawing/2010/main" val="0"/>
+              </a:ext>
+            </a:extLst>
+          </a:blip>
+          <a:stretch>
+            <a:fillRect/>
+          </a:stretch>
+        </p:blipFill>
+        <p:spPr>
+          <a:xfrm>
+            <a:off x="9693107" y="5888231"/>
+            <a:ext cx="2498893" cy="969769"/>
+          </a:xfrm>
+          <a:prstGeom prst="rect">
+            <a:avLst/>
+          </a:prstGeom>
+        </p:spPr>
+      </p:pic>
+      <p:sp>
+        <p:nvSpPr>
+          <p:cNvPr id="5" name="TextBox 4">
+            <a:extLst>
+              <a:ext uri="{FF2B5EF4-FFF2-40B4-BE49-F238E27FC236}">
+                <a16:creationId xmlns:a16="http://schemas.microsoft.com/office/drawing/2014/main" id="{EC30F048-5D54-186A-F7D7-EFA653D9E42C}"/>
+              </a:ext>
+            </a:extLst>
+          </p:cNvPr>
+          <p:cNvSpPr txBox="1"/>
+          <p:nvPr/>
+        </p:nvSpPr>
+        <p:spPr>
+          <a:xfrm>
+            <a:off x="469782" y="6581001"/>
+            <a:ext cx="6375633" cy="276999"/>
+          </a:xfrm>
+          <a:prstGeom prst="rect">
+            <a:avLst/>
+          </a:prstGeom>
+          <a:noFill/>
+        </p:spPr>
+        <p:txBody>
+          <a:bodyPr wrap="square">
+            <a:spAutoFit/>
+          </a:bodyPr>
+          <a:lstStyle/>
+          <a:p>
+            <a:r>
+              <a:rPr lang="pl-PL" sz="1200" dirty="0">
+                <a:solidFill>
+                  <a:schemeClr val="bg2">
+                    <a:lumMod val="75000"/>
+                  </a:schemeClr>
+                </a:solidFill>
+              </a:rPr>
+              <a:t>Zaawansowane techniki programowania / Konrad Stępniak</a:t>
+            </a:r>
           </a:p>
         </p:txBody>
       </p:sp>
@@ -10728,6 +10959,95 @@
           </a:prstGeom>
         </p:spPr>
       </p:pic>
+      <p:pic>
+        <p:nvPicPr>
+          <p:cNvPr id="3" name="Obraz 4" descr="Obraz zawierający tekst&#10;&#10;Opis wygenerowany automatycznie">
+            <a:extLst>
+              <a:ext uri="{FF2B5EF4-FFF2-40B4-BE49-F238E27FC236}">
+                <a16:creationId xmlns:a16="http://schemas.microsoft.com/office/drawing/2014/main" id="{24B5D50F-5CC5-D734-EA73-547C2E1167A6}"/>
+              </a:ext>
+            </a:extLst>
+          </p:cNvPr>
+          <p:cNvPicPr>
+            <a:picLocks noChangeAspect="1"/>
+          </p:cNvPicPr>
+          <p:nvPr/>
+        </p:nvPicPr>
+        <p:blipFill>
+          <a:blip r:embed="rId3">
+            <a:extLst>
+              <a:ext uri="{28A0092B-C50C-407E-A947-70E740481C1C}">
+                <a14:useLocalDpi xmlns:a14="http://schemas.microsoft.com/office/drawing/2010/main" val="0"/>
+              </a:ext>
+            </a:extLst>
+          </a:blip>
+          <a:stretch>
+            <a:fillRect/>
+          </a:stretch>
+        </p:blipFill>
+        <p:spPr>
+          <a:xfrm>
+            <a:off x="9693107" y="0"/>
+            <a:ext cx="2498893" cy="969769"/>
+          </a:xfrm>
+          <a:prstGeom prst="rect">
+            <a:avLst/>
+          </a:prstGeom>
+        </p:spPr>
+      </p:pic>
+      <p:sp>
+        <p:nvSpPr>
+          <p:cNvPr id="4" name="TextBox 3">
+            <a:extLst>
+              <a:ext uri="{FF2B5EF4-FFF2-40B4-BE49-F238E27FC236}">
+                <a16:creationId xmlns:a16="http://schemas.microsoft.com/office/drawing/2014/main" id="{59CE14DB-C35B-6B83-00D9-5A7AFC0142A7}"/>
+              </a:ext>
+            </a:extLst>
+          </p:cNvPr>
+          <p:cNvSpPr txBox="1"/>
+          <p:nvPr/>
+        </p:nvSpPr>
+        <p:spPr>
+          <a:xfrm>
+            <a:off x="5661049" y="6396335"/>
+            <a:ext cx="6375633" cy="461665"/>
+          </a:xfrm>
+          <a:prstGeom prst="rect">
+            <a:avLst/>
+          </a:prstGeom>
+          <a:noFill/>
+        </p:spPr>
+        <p:txBody>
+          <a:bodyPr wrap="square">
+            <a:spAutoFit/>
+          </a:bodyPr>
+          <a:lstStyle/>
+          <a:p>
+            <a:r>
+              <a:rPr lang="pl-PL" sz="1200" dirty="0">
+                <a:solidFill>
+                  <a:schemeClr val="bg2">
+                    <a:lumMod val="75000"/>
+                  </a:schemeClr>
+                </a:solidFill>
+              </a:rPr>
+              <a:t>Zaawansowane techniki programowania /</a:t>
+            </a:r>
+          </a:p>
+          <a:p>
+            <a:r>
+              <a:rPr lang="pl-PL" sz="1200" dirty="0">
+                <a:solidFill>
+                  <a:schemeClr val="bg2">
+                    <a:lumMod val="75000"/>
+                  </a:schemeClr>
+                </a:solidFill>
+              </a:rPr>
+              <a:t> Konrad Stępniak</a:t>
+            </a:r>
+          </a:p>
+        </p:txBody>
+      </p:sp>
     </p:spTree>
     <p:extLst>
       <p:ext uri="{BB962C8B-B14F-4D97-AF65-F5344CB8AC3E}">
@@ -10859,6 +11179,83 @@
           </a:p>
         </p:txBody>
       </p:sp>
+      <p:pic>
+        <p:nvPicPr>
+          <p:cNvPr id="4" name="Obraz 4" descr="Obraz zawierający tekst&#10;&#10;Opis wygenerowany automatycznie">
+            <a:extLst>
+              <a:ext uri="{FF2B5EF4-FFF2-40B4-BE49-F238E27FC236}">
+                <a16:creationId xmlns:a16="http://schemas.microsoft.com/office/drawing/2014/main" id="{7433A67C-BE66-08F5-5AF5-3C32E0499D22}"/>
+              </a:ext>
+            </a:extLst>
+          </p:cNvPr>
+          <p:cNvPicPr>
+            <a:picLocks noChangeAspect="1"/>
+          </p:cNvPicPr>
+          <p:nvPr/>
+        </p:nvPicPr>
+        <p:blipFill>
+          <a:blip r:embed="rId2">
+            <a:extLst>
+              <a:ext uri="{28A0092B-C50C-407E-A947-70E740481C1C}">
+                <a14:useLocalDpi xmlns:a14="http://schemas.microsoft.com/office/drawing/2010/main" val="0"/>
+              </a:ext>
+            </a:extLst>
+          </a:blip>
+          <a:stretch>
+            <a:fillRect/>
+          </a:stretch>
+        </p:blipFill>
+        <p:spPr>
+          <a:xfrm>
+            <a:off x="9693107" y="5888231"/>
+            <a:ext cx="2498893" cy="969769"/>
+          </a:xfrm>
+          <a:prstGeom prst="rect">
+            <a:avLst/>
+          </a:prstGeom>
+        </p:spPr>
+      </p:pic>
+      <p:sp>
+        <p:nvSpPr>
+          <p:cNvPr id="5" name="TextBox 4">
+            <a:extLst>
+              <a:ext uri="{FF2B5EF4-FFF2-40B4-BE49-F238E27FC236}">
+                <a16:creationId xmlns:a16="http://schemas.microsoft.com/office/drawing/2014/main" id="{FDC4ED4F-61FC-84DF-EE0A-F13D86215803}"/>
+              </a:ext>
+            </a:extLst>
+          </p:cNvPr>
+          <p:cNvSpPr txBox="1"/>
+          <p:nvPr/>
+        </p:nvSpPr>
+        <p:spPr>
+          <a:xfrm>
+            <a:off x="494949" y="6581001"/>
+            <a:ext cx="6375633" cy="276999"/>
+          </a:xfrm>
+          <a:prstGeom prst="rect">
+            <a:avLst/>
+          </a:prstGeom>
+          <a:noFill/>
+        </p:spPr>
+        <p:txBody>
+          <a:bodyPr wrap="square">
+            <a:spAutoFit/>
+          </a:bodyPr>
+          <a:lstStyle/>
+          <a:p>
+            <a:r>
+              <a:rPr lang="pl-PL" sz="1200" dirty="0">
+                <a:solidFill>
+                  <a:schemeClr val="bg2">
+                    <a:lumMod val="75000"/>
+                  </a:schemeClr>
+                </a:solidFill>
+              </a:rPr>
+              <a:t>Zaawansowane techniki programowania / Konrad Stępniak</a:t>
+            </a:r>
+          </a:p>
+        </p:txBody>
+      </p:sp>
     </p:spTree>
     <p:extLst>
       <p:ext uri="{BB962C8B-B14F-4D97-AF65-F5344CB8AC3E}">
@@ -11039,6 +11436,83 @@
           </a:p>
           <a:p>
             <a:endParaRPr lang="pl-PL" dirty="0"/>
+          </a:p>
+        </p:txBody>
+      </p:sp>
+      <p:pic>
+        <p:nvPicPr>
+          <p:cNvPr id="4" name="Obraz 4" descr="Obraz zawierający tekst&#10;&#10;Opis wygenerowany automatycznie">
+            <a:extLst>
+              <a:ext uri="{FF2B5EF4-FFF2-40B4-BE49-F238E27FC236}">
+                <a16:creationId xmlns:a16="http://schemas.microsoft.com/office/drawing/2014/main" id="{8A7E2667-24E1-7C37-AB23-AE1015ECF9F0}"/>
+              </a:ext>
+            </a:extLst>
+          </p:cNvPr>
+          <p:cNvPicPr>
+            <a:picLocks noChangeAspect="1"/>
+          </p:cNvPicPr>
+          <p:nvPr/>
+        </p:nvPicPr>
+        <p:blipFill>
+          <a:blip r:embed="rId2">
+            <a:extLst>
+              <a:ext uri="{28A0092B-C50C-407E-A947-70E740481C1C}">
+                <a14:useLocalDpi xmlns:a14="http://schemas.microsoft.com/office/drawing/2010/main" val="0"/>
+              </a:ext>
+            </a:extLst>
+          </a:blip>
+          <a:stretch>
+            <a:fillRect/>
+          </a:stretch>
+        </p:blipFill>
+        <p:spPr>
+          <a:xfrm>
+            <a:off x="9693107" y="5888231"/>
+            <a:ext cx="2498893" cy="969769"/>
+          </a:xfrm>
+          <a:prstGeom prst="rect">
+            <a:avLst/>
+          </a:prstGeom>
+        </p:spPr>
+      </p:pic>
+      <p:sp>
+        <p:nvSpPr>
+          <p:cNvPr id="5" name="TextBox 4">
+            <a:extLst>
+              <a:ext uri="{FF2B5EF4-FFF2-40B4-BE49-F238E27FC236}">
+                <a16:creationId xmlns:a16="http://schemas.microsoft.com/office/drawing/2014/main" id="{B5E9901F-9C19-4F32-6048-A167F925C600}"/>
+              </a:ext>
+            </a:extLst>
+          </p:cNvPr>
+          <p:cNvSpPr txBox="1"/>
+          <p:nvPr/>
+        </p:nvSpPr>
+        <p:spPr>
+          <a:xfrm>
+            <a:off x="511727" y="6581001"/>
+            <a:ext cx="6375633" cy="276999"/>
+          </a:xfrm>
+          <a:prstGeom prst="rect">
+            <a:avLst/>
+          </a:prstGeom>
+          <a:noFill/>
+        </p:spPr>
+        <p:txBody>
+          <a:bodyPr wrap="square">
+            <a:spAutoFit/>
+          </a:bodyPr>
+          <a:lstStyle/>
+          <a:p>
+            <a:r>
+              <a:rPr lang="pl-PL" sz="1200" dirty="0">
+                <a:solidFill>
+                  <a:schemeClr val="bg2">
+                    <a:lumMod val="75000"/>
+                  </a:schemeClr>
+                </a:solidFill>
+              </a:rPr>
+              <a:t>Zaawansowane techniki programowania / Konrad Stępniak</a:t>
+            </a:r>
           </a:p>
         </p:txBody>
       </p:sp>
@@ -11334,6 +11808,83 @@
           </a:p>
         </p:txBody>
       </p:sp>
+      <p:pic>
+        <p:nvPicPr>
+          <p:cNvPr id="3" name="Obraz 4" descr="Obraz zawierający tekst&#10;&#10;Opis wygenerowany automatycznie">
+            <a:extLst>
+              <a:ext uri="{FF2B5EF4-FFF2-40B4-BE49-F238E27FC236}">
+                <a16:creationId xmlns:a16="http://schemas.microsoft.com/office/drawing/2014/main" id="{275C0F9A-E80A-9867-2AC9-85F50F3F4985}"/>
+              </a:ext>
+            </a:extLst>
+          </p:cNvPr>
+          <p:cNvPicPr>
+            <a:picLocks noChangeAspect="1"/>
+          </p:cNvPicPr>
+          <p:nvPr/>
+        </p:nvPicPr>
+        <p:blipFill>
+          <a:blip r:embed="rId2">
+            <a:extLst>
+              <a:ext uri="{28A0092B-C50C-407E-A947-70E740481C1C}">
+                <a14:useLocalDpi xmlns:a14="http://schemas.microsoft.com/office/drawing/2010/main" val="0"/>
+              </a:ext>
+            </a:extLst>
+          </a:blip>
+          <a:stretch>
+            <a:fillRect/>
+          </a:stretch>
+        </p:blipFill>
+        <p:spPr>
+          <a:xfrm>
+            <a:off x="9468740" y="5965932"/>
+            <a:ext cx="2498893" cy="969769"/>
+          </a:xfrm>
+          <a:prstGeom prst="rect">
+            <a:avLst/>
+          </a:prstGeom>
+        </p:spPr>
+      </p:pic>
+      <p:sp>
+        <p:nvSpPr>
+          <p:cNvPr id="6" name="TextBox 5">
+            <a:extLst>
+              <a:ext uri="{FF2B5EF4-FFF2-40B4-BE49-F238E27FC236}">
+                <a16:creationId xmlns:a16="http://schemas.microsoft.com/office/drawing/2014/main" id="{34214990-967B-0812-65E8-CD9DB5E9DA36}"/>
+              </a:ext>
+            </a:extLst>
+          </p:cNvPr>
+          <p:cNvSpPr txBox="1"/>
+          <p:nvPr/>
+        </p:nvSpPr>
+        <p:spPr>
+          <a:xfrm>
+            <a:off x="-1" y="6581001"/>
+            <a:ext cx="6375633" cy="276999"/>
+          </a:xfrm>
+          <a:prstGeom prst="rect">
+            <a:avLst/>
+          </a:prstGeom>
+          <a:noFill/>
+        </p:spPr>
+        <p:txBody>
+          <a:bodyPr wrap="square">
+            <a:spAutoFit/>
+          </a:bodyPr>
+          <a:lstStyle/>
+          <a:p>
+            <a:r>
+              <a:rPr lang="pl-PL" sz="1200" dirty="0">
+                <a:solidFill>
+                  <a:schemeClr val="bg2">
+                    <a:lumMod val="75000"/>
+                  </a:schemeClr>
+                </a:solidFill>
+              </a:rPr>
+              <a:t>Zaawansowane techniki programowania / Konrad Stępniak</a:t>
+            </a:r>
+          </a:p>
+        </p:txBody>
+      </p:sp>
     </p:spTree>
     <p:extLst>
       <p:ext uri="{BB962C8B-B14F-4D97-AF65-F5344CB8AC3E}">
@@ -11712,6 +12263,83 @@
             <a:schemeClr val="lt1"/>
           </a:fontRef>
         </p:style>
+      </p:sp>
+      <p:pic>
+        <p:nvPicPr>
+          <p:cNvPr id="10" name="Obraz 4" descr="Obraz zawierający tekst&#10;&#10;Opis wygenerowany automatycznie">
+            <a:extLst>
+              <a:ext uri="{FF2B5EF4-FFF2-40B4-BE49-F238E27FC236}">
+                <a16:creationId xmlns:a16="http://schemas.microsoft.com/office/drawing/2014/main" id="{86F2AE0A-C518-6DA6-01FF-B0182EEEF82D}"/>
+              </a:ext>
+            </a:extLst>
+          </p:cNvPr>
+          <p:cNvPicPr>
+            <a:picLocks noChangeAspect="1"/>
+          </p:cNvPicPr>
+          <p:nvPr/>
+        </p:nvPicPr>
+        <p:blipFill>
+          <a:blip r:embed="rId2">
+            <a:extLst>
+              <a:ext uri="{28A0092B-C50C-407E-A947-70E740481C1C}">
+                <a14:useLocalDpi xmlns:a14="http://schemas.microsoft.com/office/drawing/2010/main" val="0"/>
+              </a:ext>
+            </a:extLst>
+          </a:blip>
+          <a:stretch>
+            <a:fillRect/>
+          </a:stretch>
+        </p:blipFill>
+        <p:spPr>
+          <a:xfrm>
+            <a:off x="9693107" y="5888231"/>
+            <a:ext cx="2498893" cy="969769"/>
+          </a:xfrm>
+          <a:prstGeom prst="rect">
+            <a:avLst/>
+          </a:prstGeom>
+        </p:spPr>
+      </p:pic>
+      <p:sp>
+        <p:nvSpPr>
+          <p:cNvPr id="13" name="TextBox 12">
+            <a:extLst>
+              <a:ext uri="{FF2B5EF4-FFF2-40B4-BE49-F238E27FC236}">
+                <a16:creationId xmlns:a16="http://schemas.microsoft.com/office/drawing/2014/main" id="{25CA0A71-E3CC-3FF1-003B-608AC773336F}"/>
+              </a:ext>
+            </a:extLst>
+          </p:cNvPr>
+          <p:cNvSpPr txBox="1"/>
+          <p:nvPr/>
+        </p:nvSpPr>
+        <p:spPr>
+          <a:xfrm>
+            <a:off x="448733" y="6581001"/>
+            <a:ext cx="6375633" cy="276999"/>
+          </a:xfrm>
+          <a:prstGeom prst="rect">
+            <a:avLst/>
+          </a:prstGeom>
+          <a:noFill/>
+        </p:spPr>
+        <p:txBody>
+          <a:bodyPr wrap="square">
+            <a:spAutoFit/>
+          </a:bodyPr>
+          <a:lstStyle/>
+          <a:p>
+            <a:r>
+              <a:rPr lang="pl-PL" sz="1200" dirty="0">
+                <a:solidFill>
+                  <a:schemeClr val="bg2">
+                    <a:lumMod val="75000"/>
+                  </a:schemeClr>
+                </a:solidFill>
+              </a:rPr>
+              <a:t>Zaawansowane techniki programowania / Konrad Stępniak</a:t>
+            </a:r>
+          </a:p>
+        </p:txBody>
       </p:sp>
     </p:spTree>
     <p:extLst>
@@ -13406,6 +14034,83 @@
           </a:p>
         </p:txBody>
       </p:sp>
+      <p:pic>
+        <p:nvPicPr>
+          <p:cNvPr id="4" name="Obraz 4" descr="Obraz zawierający tekst&#10;&#10;Opis wygenerowany automatycznie">
+            <a:extLst>
+              <a:ext uri="{FF2B5EF4-FFF2-40B4-BE49-F238E27FC236}">
+                <a16:creationId xmlns:a16="http://schemas.microsoft.com/office/drawing/2014/main" id="{275C0F9A-E80A-9867-2AC9-85F50F3F4985}"/>
+              </a:ext>
+            </a:extLst>
+          </p:cNvPr>
+          <p:cNvPicPr>
+            <a:picLocks noChangeAspect="1"/>
+          </p:cNvPicPr>
+          <p:nvPr/>
+        </p:nvPicPr>
+        <p:blipFill>
+          <a:blip r:embed="rId3">
+            <a:extLst>
+              <a:ext uri="{28A0092B-C50C-407E-A947-70E740481C1C}">
+                <a14:useLocalDpi xmlns:a14="http://schemas.microsoft.com/office/drawing/2010/main" val="0"/>
+              </a:ext>
+            </a:extLst>
+          </a:blip>
+          <a:stretch>
+            <a:fillRect/>
+          </a:stretch>
+        </p:blipFill>
+        <p:spPr>
+          <a:xfrm>
+            <a:off x="10023820" y="6009759"/>
+            <a:ext cx="2218468" cy="860942"/>
+          </a:xfrm>
+          <a:prstGeom prst="rect">
+            <a:avLst/>
+          </a:prstGeom>
+        </p:spPr>
+      </p:pic>
+      <p:sp>
+        <p:nvSpPr>
+          <p:cNvPr id="6" name="TextBox 5">
+            <a:extLst>
+              <a:ext uri="{FF2B5EF4-FFF2-40B4-BE49-F238E27FC236}">
+                <a16:creationId xmlns:a16="http://schemas.microsoft.com/office/drawing/2014/main" id="{D0BB744A-7C24-2E52-F46A-56AEF15A0269}"/>
+              </a:ext>
+            </a:extLst>
+          </p:cNvPr>
+          <p:cNvSpPr txBox="1"/>
+          <p:nvPr/>
+        </p:nvSpPr>
+        <p:spPr>
+          <a:xfrm>
+            <a:off x="421298" y="6589468"/>
+            <a:ext cx="6375633" cy="276999"/>
+          </a:xfrm>
+          <a:prstGeom prst="rect">
+            <a:avLst/>
+          </a:prstGeom>
+          <a:noFill/>
+        </p:spPr>
+        <p:txBody>
+          <a:bodyPr wrap="square">
+            <a:spAutoFit/>
+          </a:bodyPr>
+          <a:lstStyle/>
+          <a:p>
+            <a:r>
+              <a:rPr lang="pl-PL" sz="1200" dirty="0">
+                <a:solidFill>
+                  <a:schemeClr val="bg2">
+                    <a:lumMod val="75000"/>
+                  </a:schemeClr>
+                </a:solidFill>
+              </a:rPr>
+              <a:t>Zaawansowane techniki programowania / Konrad Stępniak</a:t>
+            </a:r>
+          </a:p>
+        </p:txBody>
+      </p:sp>
     </p:spTree>
     <p:extLst>
       <p:ext uri="{BB962C8B-B14F-4D97-AF65-F5344CB8AC3E}">
@@ -14307,6 +15012,95 @@
           </a:p>
         </p:txBody>
       </p:sp>
+      <p:pic>
+        <p:nvPicPr>
+          <p:cNvPr id="3" name="Obraz 4" descr="Obraz zawierający tekst&#10;&#10;Opis wygenerowany automatycznie">
+            <a:extLst>
+              <a:ext uri="{FF2B5EF4-FFF2-40B4-BE49-F238E27FC236}">
+                <a16:creationId xmlns:a16="http://schemas.microsoft.com/office/drawing/2014/main" id="{6028DF41-D07E-C5D8-9382-28054B53853B}"/>
+              </a:ext>
+            </a:extLst>
+          </p:cNvPr>
+          <p:cNvPicPr>
+            <a:picLocks noChangeAspect="1"/>
+          </p:cNvPicPr>
+          <p:nvPr/>
+        </p:nvPicPr>
+        <p:blipFill>
+          <a:blip r:embed="rId7">
+            <a:extLst>
+              <a:ext uri="{28A0092B-C50C-407E-A947-70E740481C1C}">
+                <a14:useLocalDpi xmlns:a14="http://schemas.microsoft.com/office/drawing/2010/main" val="0"/>
+              </a:ext>
+            </a:extLst>
+          </a:blip>
+          <a:stretch>
+            <a:fillRect/>
+          </a:stretch>
+        </p:blipFill>
+        <p:spPr>
+          <a:xfrm>
+            <a:off x="-40033" y="5896698"/>
+            <a:ext cx="2498893" cy="969769"/>
+          </a:xfrm>
+          <a:prstGeom prst="rect">
+            <a:avLst/>
+          </a:prstGeom>
+        </p:spPr>
+      </p:pic>
+      <p:sp>
+        <p:nvSpPr>
+          <p:cNvPr id="4" name="TextBox 3">
+            <a:extLst>
+              <a:ext uri="{FF2B5EF4-FFF2-40B4-BE49-F238E27FC236}">
+                <a16:creationId xmlns:a16="http://schemas.microsoft.com/office/drawing/2014/main" id="{39545DBD-E740-B639-1912-3B3CA61F2CCD}"/>
+              </a:ext>
+            </a:extLst>
+          </p:cNvPr>
+          <p:cNvSpPr txBox="1"/>
+          <p:nvPr/>
+        </p:nvSpPr>
+        <p:spPr>
+          <a:xfrm>
+            <a:off x="0" y="0"/>
+            <a:ext cx="6375633" cy="461665"/>
+          </a:xfrm>
+          <a:prstGeom prst="rect">
+            <a:avLst/>
+          </a:prstGeom>
+          <a:noFill/>
+        </p:spPr>
+        <p:txBody>
+          <a:bodyPr wrap="square">
+            <a:spAutoFit/>
+          </a:bodyPr>
+          <a:lstStyle/>
+          <a:p>
+            <a:r>
+              <a:rPr lang="pl-PL" sz="1200" dirty="0">
+                <a:solidFill>
+                  <a:schemeClr val="bg2">
+                    <a:lumMod val="75000"/>
+                  </a:schemeClr>
+                </a:solidFill>
+              </a:rPr>
+              <a:t>Zaawansowane techniki programowania / </a:t>
+            </a:r>
+          </a:p>
+          <a:p>
+            <a:r>
+              <a:rPr lang="pl-PL" sz="1200" dirty="0">
+                <a:solidFill>
+                  <a:schemeClr val="bg2">
+                    <a:lumMod val="75000"/>
+                  </a:schemeClr>
+                </a:solidFill>
+              </a:rPr>
+              <a:t>Konrad Stępniak</a:t>
+            </a:r>
+          </a:p>
+        </p:txBody>
+      </p:sp>
     </p:spTree>
     <p:extLst>
       <p:ext uri="{BB962C8B-B14F-4D97-AF65-F5344CB8AC3E}">
@@ -14451,6 +15245,83 @@
           </a:prstGeom>
         </p:spPr>
       </p:pic>
+      <p:pic>
+        <p:nvPicPr>
+          <p:cNvPr id="3" name="Obraz 4" descr="Obraz zawierający tekst&#10;&#10;Opis wygenerowany automatycznie">
+            <a:extLst>
+              <a:ext uri="{FF2B5EF4-FFF2-40B4-BE49-F238E27FC236}">
+                <a16:creationId xmlns:a16="http://schemas.microsoft.com/office/drawing/2014/main" id="{241CF298-7FF0-0DA0-D477-42A49EC7A4A8}"/>
+              </a:ext>
+            </a:extLst>
+          </p:cNvPr>
+          <p:cNvPicPr>
+            <a:picLocks noChangeAspect="1"/>
+          </p:cNvPicPr>
+          <p:nvPr/>
+        </p:nvPicPr>
+        <p:blipFill>
+          <a:blip r:embed="rId3">
+            <a:extLst>
+              <a:ext uri="{28A0092B-C50C-407E-A947-70E740481C1C}">
+                <a14:useLocalDpi xmlns:a14="http://schemas.microsoft.com/office/drawing/2010/main" val="0"/>
+              </a:ext>
+            </a:extLst>
+          </a:blip>
+          <a:stretch>
+            <a:fillRect/>
+          </a:stretch>
+        </p:blipFill>
+        <p:spPr>
+          <a:xfrm>
+            <a:off x="9693107" y="5888231"/>
+            <a:ext cx="2498893" cy="969769"/>
+          </a:xfrm>
+          <a:prstGeom prst="rect">
+            <a:avLst/>
+          </a:prstGeom>
+        </p:spPr>
+      </p:pic>
+      <p:sp>
+        <p:nvSpPr>
+          <p:cNvPr id="4" name="TextBox 3">
+            <a:extLst>
+              <a:ext uri="{FF2B5EF4-FFF2-40B4-BE49-F238E27FC236}">
+                <a16:creationId xmlns:a16="http://schemas.microsoft.com/office/drawing/2014/main" id="{0991F424-6DEA-CC02-700A-2124C8ADD942}"/>
+              </a:ext>
+            </a:extLst>
+          </p:cNvPr>
+          <p:cNvSpPr txBox="1"/>
+          <p:nvPr/>
+        </p:nvSpPr>
+        <p:spPr>
+          <a:xfrm>
+            <a:off x="424231" y="6581001"/>
+            <a:ext cx="6375633" cy="276999"/>
+          </a:xfrm>
+          <a:prstGeom prst="rect">
+            <a:avLst/>
+          </a:prstGeom>
+          <a:noFill/>
+        </p:spPr>
+        <p:txBody>
+          <a:bodyPr wrap="square">
+            <a:spAutoFit/>
+          </a:bodyPr>
+          <a:lstStyle/>
+          <a:p>
+            <a:r>
+              <a:rPr lang="pl-PL" sz="1200" dirty="0">
+                <a:solidFill>
+                  <a:schemeClr val="bg2">
+                    <a:lumMod val="75000"/>
+                  </a:schemeClr>
+                </a:solidFill>
+              </a:rPr>
+              <a:t>Zaawansowane techniki programowania / Konrad Stępniak</a:t>
+            </a:r>
+          </a:p>
+        </p:txBody>
+      </p:sp>
     </p:spTree>
     <p:extLst>
       <p:ext uri="{BB962C8B-B14F-4D97-AF65-F5344CB8AC3E}">
@@ -14653,6 +15524,83 @@
                 <a:latin typeface="Söhne"/>
               </a:rPr>
               <a:t>W naszym przykładzie, jeśli metoda isInRange zwróci false, wówczas asercja assertTrue rzuci wyjątek, który zostanie zinterpretowany jako błąd przez IDE i pokaże błąd działania testowanego kodu.</a:t>
+            </a:r>
+          </a:p>
+        </p:txBody>
+      </p:sp>
+      <p:pic>
+        <p:nvPicPr>
+          <p:cNvPr id="3" name="Obraz 4" descr="Obraz zawierający tekst&#10;&#10;Opis wygenerowany automatycznie">
+            <a:extLst>
+              <a:ext uri="{FF2B5EF4-FFF2-40B4-BE49-F238E27FC236}">
+                <a16:creationId xmlns:a16="http://schemas.microsoft.com/office/drawing/2014/main" id="{FF347C57-02A0-92F7-47F3-13D6F406C13C}"/>
+              </a:ext>
+            </a:extLst>
+          </p:cNvPr>
+          <p:cNvPicPr>
+            <a:picLocks noChangeAspect="1"/>
+          </p:cNvPicPr>
+          <p:nvPr/>
+        </p:nvPicPr>
+        <p:blipFill>
+          <a:blip r:embed="rId3">
+            <a:extLst>
+              <a:ext uri="{28A0092B-C50C-407E-A947-70E740481C1C}">
+                <a14:useLocalDpi xmlns:a14="http://schemas.microsoft.com/office/drawing/2010/main" val="0"/>
+              </a:ext>
+            </a:extLst>
+          </a:blip>
+          <a:stretch>
+            <a:fillRect/>
+          </a:stretch>
+        </p:blipFill>
+        <p:spPr>
+          <a:xfrm>
+            <a:off x="9693107" y="5888231"/>
+            <a:ext cx="2498893" cy="969769"/>
+          </a:xfrm>
+          <a:prstGeom prst="rect">
+            <a:avLst/>
+          </a:prstGeom>
+        </p:spPr>
+      </p:pic>
+      <p:sp>
+        <p:nvSpPr>
+          <p:cNvPr id="4" name="TextBox 3">
+            <a:extLst>
+              <a:ext uri="{FF2B5EF4-FFF2-40B4-BE49-F238E27FC236}">
+                <a16:creationId xmlns:a16="http://schemas.microsoft.com/office/drawing/2014/main" id="{F1CD49B0-2EBA-08D9-9DB9-0BAF281F2E5A}"/>
+              </a:ext>
+            </a:extLst>
+          </p:cNvPr>
+          <p:cNvSpPr txBox="1"/>
+          <p:nvPr/>
+        </p:nvSpPr>
+        <p:spPr>
+          <a:xfrm>
+            <a:off x="478172" y="6581001"/>
+            <a:ext cx="6375633" cy="276999"/>
+          </a:xfrm>
+          <a:prstGeom prst="rect">
+            <a:avLst/>
+          </a:prstGeom>
+          <a:noFill/>
+        </p:spPr>
+        <p:txBody>
+          <a:bodyPr wrap="square">
+            <a:spAutoFit/>
+          </a:bodyPr>
+          <a:lstStyle/>
+          <a:p>
+            <a:r>
+              <a:rPr lang="pl-PL" sz="1200" dirty="0">
+                <a:solidFill>
+                  <a:schemeClr val="bg2">
+                    <a:lumMod val="75000"/>
+                  </a:schemeClr>
+                </a:solidFill>
+              </a:rPr>
+              <a:t>Zaawansowane techniki programowania / Konrad Stępniak</a:t>
             </a:r>
           </a:p>
         </p:txBody>
@@ -15502,6 +16450,83 @@
           </a:prstGeom>
         </p:spPr>
       </p:pic>
+      <p:pic>
+        <p:nvPicPr>
+          <p:cNvPr id="3" name="Obraz 4" descr="Obraz zawierający tekst&#10;&#10;Opis wygenerowany automatycznie">
+            <a:extLst>
+              <a:ext uri="{FF2B5EF4-FFF2-40B4-BE49-F238E27FC236}">
+                <a16:creationId xmlns:a16="http://schemas.microsoft.com/office/drawing/2014/main" id="{605CD442-C52C-4EF6-97A1-A116147F9F86}"/>
+              </a:ext>
+            </a:extLst>
+          </p:cNvPr>
+          <p:cNvPicPr>
+            <a:picLocks noChangeAspect="1"/>
+          </p:cNvPicPr>
+          <p:nvPr/>
+        </p:nvPicPr>
+        <p:blipFill>
+          <a:blip r:embed="rId3">
+            <a:extLst>
+              <a:ext uri="{28A0092B-C50C-407E-A947-70E740481C1C}">
+                <a14:useLocalDpi xmlns:a14="http://schemas.microsoft.com/office/drawing/2010/main" val="0"/>
+              </a:ext>
+            </a:extLst>
+          </a:blip>
+          <a:stretch>
+            <a:fillRect/>
+          </a:stretch>
+        </p:blipFill>
+        <p:spPr>
+          <a:xfrm>
+            <a:off x="9686378" y="5896698"/>
+            <a:ext cx="2498893" cy="969769"/>
+          </a:xfrm>
+          <a:prstGeom prst="rect">
+            <a:avLst/>
+          </a:prstGeom>
+        </p:spPr>
+      </p:pic>
+      <p:sp>
+        <p:nvSpPr>
+          <p:cNvPr id="4" name="TextBox 3">
+            <a:extLst>
+              <a:ext uri="{FF2B5EF4-FFF2-40B4-BE49-F238E27FC236}">
+                <a16:creationId xmlns:a16="http://schemas.microsoft.com/office/drawing/2014/main" id="{724EAD76-75D4-8D36-2CE0-9748AC015711}"/>
+              </a:ext>
+            </a:extLst>
+          </p:cNvPr>
+          <p:cNvSpPr txBox="1"/>
+          <p:nvPr/>
+        </p:nvSpPr>
+        <p:spPr>
+          <a:xfrm>
+            <a:off x="537397" y="6581001"/>
+            <a:ext cx="6375633" cy="276999"/>
+          </a:xfrm>
+          <a:prstGeom prst="rect">
+            <a:avLst/>
+          </a:prstGeom>
+          <a:noFill/>
+        </p:spPr>
+        <p:txBody>
+          <a:bodyPr wrap="square">
+            <a:spAutoFit/>
+          </a:bodyPr>
+          <a:lstStyle/>
+          <a:p>
+            <a:r>
+              <a:rPr lang="pl-PL" sz="1200" dirty="0">
+                <a:solidFill>
+                  <a:schemeClr val="bg2">
+                    <a:lumMod val="75000"/>
+                  </a:schemeClr>
+                </a:solidFill>
+              </a:rPr>
+              <a:t>Zaawansowane techniki programowania / Konrad Stępniak</a:t>
+            </a:r>
+          </a:p>
+        </p:txBody>
+      </p:sp>
     </p:spTree>
     <p:extLst>
       <p:ext uri="{BB962C8B-B14F-4D97-AF65-F5344CB8AC3E}">
@@ -15619,6 +16644,83 @@
             <a:r>
               <a:rPr lang="pl-PL" sz="2800" dirty="0"/>
               <a:t>Junit wykorzystuje adnotacje takie jak @Before lub @After, które możemy dodać do metody w klasie z testami. </a:t>
+            </a:r>
+          </a:p>
+        </p:txBody>
+      </p:sp>
+      <p:pic>
+        <p:nvPicPr>
+          <p:cNvPr id="4" name="Obraz 4" descr="Obraz zawierający tekst&#10;&#10;Opis wygenerowany automatycznie">
+            <a:extLst>
+              <a:ext uri="{FF2B5EF4-FFF2-40B4-BE49-F238E27FC236}">
+                <a16:creationId xmlns:a16="http://schemas.microsoft.com/office/drawing/2014/main" id="{AAA746D9-DE3A-B9A2-0188-EC326D444FAD}"/>
+              </a:ext>
+            </a:extLst>
+          </p:cNvPr>
+          <p:cNvPicPr>
+            <a:picLocks noChangeAspect="1"/>
+          </p:cNvPicPr>
+          <p:nvPr/>
+        </p:nvPicPr>
+        <p:blipFill>
+          <a:blip r:embed="rId2">
+            <a:extLst>
+              <a:ext uri="{28A0092B-C50C-407E-A947-70E740481C1C}">
+                <a14:useLocalDpi xmlns:a14="http://schemas.microsoft.com/office/drawing/2010/main" val="0"/>
+              </a:ext>
+            </a:extLst>
+          </a:blip>
+          <a:stretch>
+            <a:fillRect/>
+          </a:stretch>
+        </p:blipFill>
+        <p:spPr>
+          <a:xfrm>
+            <a:off x="9693107" y="5888231"/>
+            <a:ext cx="2498893" cy="969769"/>
+          </a:xfrm>
+          <a:prstGeom prst="rect">
+            <a:avLst/>
+          </a:prstGeom>
+        </p:spPr>
+      </p:pic>
+      <p:sp>
+        <p:nvSpPr>
+          <p:cNvPr id="5" name="TextBox 4">
+            <a:extLst>
+              <a:ext uri="{FF2B5EF4-FFF2-40B4-BE49-F238E27FC236}">
+                <a16:creationId xmlns:a16="http://schemas.microsoft.com/office/drawing/2014/main" id="{6C6A2812-F65A-1F65-C663-AF345DCB8699}"/>
+              </a:ext>
+            </a:extLst>
+          </p:cNvPr>
+          <p:cNvSpPr txBox="1"/>
+          <p:nvPr/>
+        </p:nvSpPr>
+        <p:spPr>
+          <a:xfrm>
+            <a:off x="536894" y="6581001"/>
+            <a:ext cx="6375633" cy="276999"/>
+          </a:xfrm>
+          <a:prstGeom prst="rect">
+            <a:avLst/>
+          </a:prstGeom>
+          <a:noFill/>
+        </p:spPr>
+        <p:txBody>
+          <a:bodyPr wrap="square">
+            <a:spAutoFit/>
+          </a:bodyPr>
+          <a:lstStyle/>
+          <a:p>
+            <a:r>
+              <a:rPr lang="pl-PL" sz="1200" dirty="0">
+                <a:solidFill>
+                  <a:schemeClr val="bg2">
+                    <a:lumMod val="75000"/>
+                  </a:schemeClr>
+                </a:solidFill>
+              </a:rPr>
+              <a:t>Zaawansowane techniki programowania / Konrad Stępniak</a:t>
             </a:r>
           </a:p>
         </p:txBody>
